--- a/Projeto Integrado de Visão Computacional e Inteligência Artificial 1.pptx
+++ b/Projeto Integrado de Visão Computacional e Inteligência Artificial 1.pptx
@@ -1,24 +1,27 @@
 
 <file path=ppt/presentation.xml><?xml version="1.0" encoding="utf-8"?>
-<p:presentation xmlns:a="http://schemas.openxmlformats.org/drawingml/2006/main" xmlns:r="http://schemas.openxmlformats.org/officeDocument/2006/relationships" xmlns:mc="http://schemas.openxmlformats.org/markup-compatibility/2006" xmlns:mv="urn:schemas-microsoft-com:mac:vml" xmlns:p="http://schemas.openxmlformats.org/presentationml/2006/main" xmlns:c="http://schemas.openxmlformats.org/drawingml/2006/chart" xmlns:dgm="http://schemas.openxmlformats.org/drawingml/2006/diagram" xmlns:o="urn:schemas-microsoft-com:office:office" xmlns:v="urn:schemas-microsoft-com:vml" xmlns:pvml="urn:schemas-microsoft-com:office:powerpoint" xmlns:com="http://schemas.openxmlformats.org/drawingml/2006/compatibility" xmlns:p14="http://schemas.microsoft.com/office/powerpoint/2010/main" xmlns:p15="http://schemas.microsoft.com/office/powerpoint/2012/main" xmlns:ahyp="http://schemas.microsoft.com/office/drawing/2018/hyperlinkcolor" autoCompressPictures="0" strictFirstAndLastChars="0" saveSubsetFonts="1">
+<p:presentation xmlns:a="http://schemas.openxmlformats.org/drawingml/2006/main" xmlns:r="http://schemas.openxmlformats.org/officeDocument/2006/relationships" xmlns:p="http://schemas.openxmlformats.org/presentationml/2006/main" strictFirstAndLastChars="0" saveSubsetFonts="1" autoCompressPictures="0">
   <p:sldMasterIdLst>
-    <p:sldMasterId id="2147483659" r:id="rId3"/>
+    <p:sldMasterId id="2147483659" r:id="rId1"/>
   </p:sldMasterIdLst>
   <p:notesMasterIdLst>
-    <p:notesMasterId r:id="rId4"/>
+    <p:notesMasterId r:id="rId11"/>
   </p:notesMasterIdLst>
   <p:sldIdLst>
-    <p:sldId id="256" r:id="rId5"/>
-    <p:sldId id="257" r:id="rId6"/>
-    <p:sldId id="258" r:id="rId7"/>
-    <p:sldId id="259" r:id="rId8"/>
+    <p:sldId id="256" r:id="rId2"/>
+    <p:sldId id="257" r:id="rId3"/>
+    <p:sldId id="258" r:id="rId4"/>
+    <p:sldId id="259" r:id="rId5"/>
+    <p:sldId id="263" r:id="rId6"/>
+    <p:sldId id="262" r:id="rId7"/>
+    <p:sldId id="264" r:id="rId8"/>
     <p:sldId id="260" r:id="rId9"/>
     <p:sldId id="261" r:id="rId10"/>
   </p:sldIdLst>
-  <p:sldSz cy="6858000" cx="12192000"/>
+  <p:sldSz cx="12192000" cy="6858000"/>
   <p:notesSz cx="6858000" cy="9144000"/>
   <p:defaultTextStyle>
-    <a:defPPr lvl="0" marR="0" rtl="0" algn="l">
+    <a:defPPr marR="0" lvl="0" algn="l" rtl="0">
       <a:lnSpc>
         <a:spcPct val="100000"/>
       </a:lnSpc>
@@ -29,7 +32,7 @@
         <a:spcPts val="0"/>
       </a:spcAft>
     </a:defPPr>
-    <a:lvl1pPr lvl="0" marR="0" rtl="0" algn="l">
+    <a:lvl1pPr marR="0" lvl="0" algn="l" rtl="0">
       <a:lnSpc>
         <a:spcPct val="100000"/>
       </a:lnSpc>
@@ -43,7 +46,7 @@
         <a:srgbClr val="000000"/>
       </a:buClr>
       <a:buFont typeface="Arial"/>
-      <a:defRPr b="0" i="0" sz="1400" u="none" cap="none" strike="noStrike">
+      <a:defRPr sz="1400" b="0" i="0" u="none" strike="noStrike" cap="none">
         <a:solidFill>
           <a:srgbClr val="000000"/>
         </a:solidFill>
@@ -53,7 +56,7 @@
         <a:sym typeface="Arial"/>
       </a:defRPr>
     </a:lvl1pPr>
-    <a:lvl2pPr lvl="1" marR="0" rtl="0" algn="l">
+    <a:lvl2pPr marR="0" lvl="1" algn="l" rtl="0">
       <a:lnSpc>
         <a:spcPct val="100000"/>
       </a:lnSpc>
@@ -67,7 +70,7 @@
         <a:srgbClr val="000000"/>
       </a:buClr>
       <a:buFont typeface="Arial"/>
-      <a:defRPr b="0" i="0" sz="1400" u="none" cap="none" strike="noStrike">
+      <a:defRPr sz="1400" b="0" i="0" u="none" strike="noStrike" cap="none">
         <a:solidFill>
           <a:srgbClr val="000000"/>
         </a:solidFill>
@@ -77,7 +80,7 @@
         <a:sym typeface="Arial"/>
       </a:defRPr>
     </a:lvl2pPr>
-    <a:lvl3pPr lvl="2" marR="0" rtl="0" algn="l">
+    <a:lvl3pPr marR="0" lvl="2" algn="l" rtl="0">
       <a:lnSpc>
         <a:spcPct val="100000"/>
       </a:lnSpc>
@@ -91,7 +94,7 @@
         <a:srgbClr val="000000"/>
       </a:buClr>
       <a:buFont typeface="Arial"/>
-      <a:defRPr b="0" i="0" sz="1400" u="none" cap="none" strike="noStrike">
+      <a:defRPr sz="1400" b="0" i="0" u="none" strike="noStrike" cap="none">
         <a:solidFill>
           <a:srgbClr val="000000"/>
         </a:solidFill>
@@ -101,7 +104,7 @@
         <a:sym typeface="Arial"/>
       </a:defRPr>
     </a:lvl3pPr>
-    <a:lvl4pPr lvl="3" marR="0" rtl="0" algn="l">
+    <a:lvl4pPr marR="0" lvl="3" algn="l" rtl="0">
       <a:lnSpc>
         <a:spcPct val="100000"/>
       </a:lnSpc>
@@ -115,7 +118,7 @@
         <a:srgbClr val="000000"/>
       </a:buClr>
       <a:buFont typeface="Arial"/>
-      <a:defRPr b="0" i="0" sz="1400" u="none" cap="none" strike="noStrike">
+      <a:defRPr sz="1400" b="0" i="0" u="none" strike="noStrike" cap="none">
         <a:solidFill>
           <a:srgbClr val="000000"/>
         </a:solidFill>
@@ -125,7 +128,7 @@
         <a:sym typeface="Arial"/>
       </a:defRPr>
     </a:lvl4pPr>
-    <a:lvl5pPr lvl="4" marR="0" rtl="0" algn="l">
+    <a:lvl5pPr marR="0" lvl="4" algn="l" rtl="0">
       <a:lnSpc>
         <a:spcPct val="100000"/>
       </a:lnSpc>
@@ -139,7 +142,7 @@
         <a:srgbClr val="000000"/>
       </a:buClr>
       <a:buFont typeface="Arial"/>
-      <a:defRPr b="0" i="0" sz="1400" u="none" cap="none" strike="noStrike">
+      <a:defRPr sz="1400" b="0" i="0" u="none" strike="noStrike" cap="none">
         <a:solidFill>
           <a:srgbClr val="000000"/>
         </a:solidFill>
@@ -149,7 +152,7 @@
         <a:sym typeface="Arial"/>
       </a:defRPr>
     </a:lvl5pPr>
-    <a:lvl6pPr lvl="5" marR="0" rtl="0" algn="l">
+    <a:lvl6pPr marR="0" lvl="5" algn="l" rtl="0">
       <a:lnSpc>
         <a:spcPct val="100000"/>
       </a:lnSpc>
@@ -163,7 +166,7 @@
         <a:srgbClr val="000000"/>
       </a:buClr>
       <a:buFont typeface="Arial"/>
-      <a:defRPr b="0" i="0" sz="1400" u="none" cap="none" strike="noStrike">
+      <a:defRPr sz="1400" b="0" i="0" u="none" strike="noStrike" cap="none">
         <a:solidFill>
           <a:srgbClr val="000000"/>
         </a:solidFill>
@@ -173,7 +176,7 @@
         <a:sym typeface="Arial"/>
       </a:defRPr>
     </a:lvl6pPr>
-    <a:lvl7pPr lvl="6" marR="0" rtl="0" algn="l">
+    <a:lvl7pPr marR="0" lvl="6" algn="l" rtl="0">
       <a:lnSpc>
         <a:spcPct val="100000"/>
       </a:lnSpc>
@@ -187,7 +190,7 @@
         <a:srgbClr val="000000"/>
       </a:buClr>
       <a:buFont typeface="Arial"/>
-      <a:defRPr b="0" i="0" sz="1400" u="none" cap="none" strike="noStrike">
+      <a:defRPr sz="1400" b="0" i="0" u="none" strike="noStrike" cap="none">
         <a:solidFill>
           <a:srgbClr val="000000"/>
         </a:solidFill>
@@ -197,7 +200,7 @@
         <a:sym typeface="Arial"/>
       </a:defRPr>
     </a:lvl7pPr>
-    <a:lvl8pPr lvl="7" marR="0" rtl="0" algn="l">
+    <a:lvl8pPr marR="0" lvl="7" algn="l" rtl="0">
       <a:lnSpc>
         <a:spcPct val="100000"/>
       </a:lnSpc>
@@ -211,7 +214,7 @@
         <a:srgbClr val="000000"/>
       </a:buClr>
       <a:buFont typeface="Arial"/>
-      <a:defRPr b="0" i="0" sz="1400" u="none" cap="none" strike="noStrike">
+      <a:defRPr sz="1400" b="0" i="0" u="none" strike="noStrike" cap="none">
         <a:solidFill>
           <a:srgbClr val="000000"/>
         </a:solidFill>
@@ -221,7 +224,7 @@
         <a:sym typeface="Arial"/>
       </a:defRPr>
     </a:lvl8pPr>
-    <a:lvl9pPr lvl="8" marR="0" rtl="0" algn="l">
+    <a:lvl9pPr marR="0" lvl="8" algn="l" rtl="0">
       <a:lnSpc>
         <a:spcPct val="100000"/>
       </a:lnSpc>
@@ -235,7 +238,7 @@
         <a:srgbClr val="000000"/>
       </a:buClr>
       <a:buFont typeface="Arial"/>
-      <a:defRPr b="0" i="0" sz="1400" u="none" cap="none" strike="noStrike">
+      <a:defRPr sz="1400" b="0" i="0" u="none" strike="noStrike" cap="none">
         <a:solidFill>
           <a:srgbClr val="000000"/>
         </a:solidFill>
@@ -250,11 +253,16 @@
 </file>
 
 <file path=ppt/notesMasters/notesMaster1.xml><?xml version="1.0" encoding="utf-8"?>
-<p:notesMaster xmlns:a="http://schemas.openxmlformats.org/drawingml/2006/main" xmlns:r="http://schemas.openxmlformats.org/officeDocument/2006/relationships" xmlns:mc="http://schemas.openxmlformats.org/markup-compatibility/2006" xmlns:mv="urn:schemas-microsoft-com:mac:vml" xmlns:p="http://schemas.openxmlformats.org/presentationml/2006/main" xmlns:c="http://schemas.openxmlformats.org/drawingml/2006/chart" xmlns:dgm="http://schemas.openxmlformats.org/drawingml/2006/diagram" xmlns:o="urn:schemas-microsoft-com:office:office" xmlns:v="urn:schemas-microsoft-com:vml" xmlns:pvml="urn:schemas-microsoft-com:office:powerpoint" xmlns:com="http://schemas.openxmlformats.org/drawingml/2006/compatibility" xmlns:p14="http://schemas.microsoft.com/office/powerpoint/2010/main" xmlns:p15="http://schemas.microsoft.com/office/powerpoint/2012/main" xmlns:ahyp="http://schemas.microsoft.com/office/drawing/2018/hyperlinkcolor">
+<p:notesMaster xmlns:a="http://schemas.openxmlformats.org/drawingml/2006/main" xmlns:r="http://schemas.openxmlformats.org/officeDocument/2006/relationships" xmlns:p="http://schemas.openxmlformats.org/presentationml/2006/main">
   <p:cSld>
+    <p:bg>
+      <p:bgRef idx="1001">
+        <a:schemeClr val="bg1"/>
+      </p:bgRef>
+    </p:bg>
     <p:spTree>
       <p:nvGrpSpPr>
-        <p:cNvPr id="2" name="Shape 2"/>
+        <p:cNvPr id="1" name="Shape 2"/>
         <p:cNvGrpSpPr/>
         <p:nvPr/>
       </p:nvGrpSpPr>
@@ -269,9 +277,11 @@
       <p:sp>
         <p:nvSpPr>
           <p:cNvPr id="3" name="Google Shape;3;n"/>
-          <p:cNvSpPr/>
+          <p:cNvSpPr>
+            <a:spLocks noGrp="1" noRot="1" noChangeAspect="1"/>
+          </p:cNvSpPr>
           <p:nvPr>
-            <p:ph idx="2" type="sldImg"/>
+            <p:ph type="sldImg" idx="2"/>
           </p:nvPr>
         </p:nvSpPr>
         <p:spPr>
@@ -280,9 +290,13 @@
             <a:ext cx="4572225" cy="3429000"/>
           </a:xfrm>
           <a:custGeom>
-            <a:rect b="b" l="l" r="r" t="t"/>
+            <a:avLst/>
+            <a:gdLst/>
+            <a:ahLst/>
+            <a:cxnLst/>
+            <a:rect l="l" t="t" r="r" b="b"/>
             <a:pathLst>
-              <a:path extrusionOk="0" h="120000" w="120000">
+              <a:path w="120000" h="120000" extrusionOk="0">
                 <a:moveTo>
                   <a:pt x="0" y="0"/>
                 </a:moveTo>
@@ -300,23 +314,25 @@
             </a:pathLst>
           </a:custGeom>
           <a:noFill/>
-          <a:ln cap="flat" cmpd="sng" w="9525">
+          <a:ln w="9525" cap="flat" cmpd="sng">
             <a:solidFill>
               <a:srgbClr val="000000"/>
             </a:solidFill>
             <a:prstDash val="solid"/>
             <a:round/>
-            <a:headEnd len="sm" w="sm" type="none"/>
-            <a:tailEnd len="sm" w="sm" type="none"/>
+            <a:headEnd type="none" w="sm" len="sm"/>
+            <a:tailEnd type="none" w="sm" len="sm"/>
           </a:ln>
         </p:spPr>
       </p:sp>
       <p:sp>
         <p:nvSpPr>
           <p:cNvPr id="4" name="Google Shape;4;n"/>
-          <p:cNvSpPr txBox="1"/>
+          <p:cNvSpPr txBox="1">
+            <a:spLocks noGrp="1"/>
+          </p:cNvSpPr>
           <p:nvPr>
-            <p:ph idx="1" type="body"/>
+            <p:ph type="body" idx="1"/>
           </p:nvPr>
         </p:nvSpPr>
         <p:spPr>
@@ -333,11 +349,11 @@
           </a:ln>
         </p:spPr>
         <p:txBody>
-          <a:bodyPr anchorCtr="0" anchor="t" bIns="91425" lIns="91425" spcFirstLastPara="1" rIns="91425" wrap="square" tIns="91425">
+          <a:bodyPr spcFirstLastPara="1" wrap="square" lIns="91425" tIns="91425" rIns="91425" bIns="91425" anchor="t" anchorCtr="0">
             <a:noAutofit/>
           </a:bodyPr>
           <a:lstStyle>
-            <a:lvl1pPr indent="-298450" lvl="0" marL="457200">
+            <a:lvl1pPr marL="457200" lvl="0" indent="-298450">
               <a:spcBef>
                 <a:spcPts val="0"/>
               </a:spcBef>
@@ -348,7 +364,7 @@
               <a:buChar char="●"/>
               <a:defRPr sz="1100"/>
             </a:lvl1pPr>
-            <a:lvl2pPr indent="-298450" lvl="1" marL="914400">
+            <a:lvl2pPr marL="914400" lvl="1" indent="-298450">
               <a:spcBef>
                 <a:spcPts val="0"/>
               </a:spcBef>
@@ -359,7 +375,7 @@
               <a:buChar char="○"/>
               <a:defRPr sz="1100"/>
             </a:lvl2pPr>
-            <a:lvl3pPr indent="-298450" lvl="2" marL="1371600">
+            <a:lvl3pPr marL="1371600" lvl="2" indent="-298450">
               <a:spcBef>
                 <a:spcPts val="0"/>
               </a:spcBef>
@@ -370,7 +386,7 @@
               <a:buChar char="■"/>
               <a:defRPr sz="1100"/>
             </a:lvl3pPr>
-            <a:lvl4pPr indent="-298450" lvl="3" marL="1828800">
+            <a:lvl4pPr marL="1828800" lvl="3" indent="-298450">
               <a:spcBef>
                 <a:spcPts val="0"/>
               </a:spcBef>
@@ -381,7 +397,7 @@
               <a:buChar char="●"/>
               <a:defRPr sz="1100"/>
             </a:lvl4pPr>
-            <a:lvl5pPr indent="-298450" lvl="4" marL="2286000">
+            <a:lvl5pPr marL="2286000" lvl="4" indent="-298450">
               <a:spcBef>
                 <a:spcPts val="0"/>
               </a:spcBef>
@@ -392,7 +408,7 @@
               <a:buChar char="○"/>
               <a:defRPr sz="1100"/>
             </a:lvl5pPr>
-            <a:lvl6pPr indent="-298450" lvl="5" marL="2743200">
+            <a:lvl6pPr marL="2743200" lvl="5" indent="-298450">
               <a:spcBef>
                 <a:spcPts val="0"/>
               </a:spcBef>
@@ -403,7 +419,7 @@
               <a:buChar char="■"/>
               <a:defRPr sz="1100"/>
             </a:lvl6pPr>
-            <a:lvl7pPr indent="-298450" lvl="6" marL="3200400">
+            <a:lvl7pPr marL="3200400" lvl="6" indent="-298450">
               <a:spcBef>
                 <a:spcPts val="0"/>
               </a:spcBef>
@@ -414,7 +430,7 @@
               <a:buChar char="●"/>
               <a:defRPr sz="1100"/>
             </a:lvl7pPr>
-            <a:lvl8pPr indent="-298450" lvl="7" marL="3657600">
+            <a:lvl8pPr marL="3657600" lvl="7" indent="-298450">
               <a:spcBef>
                 <a:spcPts val="0"/>
               </a:spcBef>
@@ -425,7 +441,7 @@
               <a:buChar char="○"/>
               <a:defRPr sz="1100"/>
             </a:lvl8pPr>
-            <a:lvl9pPr indent="-298450" lvl="8" marL="4114800">
+            <a:lvl9pPr marL="4114800" lvl="8" indent="-298450">
               <a:spcBef>
                 <a:spcPts val="0"/>
               </a:spcBef>
@@ -437,14 +453,16 @@
               <a:defRPr sz="1100"/>
             </a:lvl9pPr>
           </a:lstStyle>
-          <a:p/>
+          <a:p>
+            <a:endParaRPr/>
+          </a:p>
         </p:txBody>
       </p:sp>
     </p:spTree>
   </p:cSld>
-  <p:clrMap accent1="accent1" accent2="accent2" accent3="accent3" accent4="accent4" accent5="accent5" accent6="accent6" bg1="lt1" bg2="dk2" tx1="dk1" tx2="lt2" folHlink="folHlink" hlink="hlink"/>
+  <p:clrMap bg1="lt1" tx1="dk1" bg2="dk2" tx2="lt2" accent1="accent1" accent2="accent2" accent3="accent3" accent4="accent4" accent5="accent5" accent6="accent6" hlink="hlink" folHlink="folHlink"/>
   <p:notesStyle>
-    <a:defPPr lvl="0" marR="0" rtl="0" algn="l">
+    <a:defPPr marR="0" lvl="0" algn="l" rtl="0">
       <a:lnSpc>
         <a:spcPct val="100000"/>
       </a:lnSpc>
@@ -455,7 +473,7 @@
         <a:spcPts val="0"/>
       </a:spcAft>
     </a:defPPr>
-    <a:lvl1pPr lvl="0" marR="0" rtl="0" algn="l">
+    <a:lvl1pPr marR="0" lvl="0" algn="l" rtl="0">
       <a:lnSpc>
         <a:spcPct val="100000"/>
       </a:lnSpc>
@@ -469,7 +487,7 @@
         <a:srgbClr val="000000"/>
       </a:buClr>
       <a:buFont typeface="Arial"/>
-      <a:defRPr b="0" i="0" sz="1400" u="none" cap="none" strike="noStrike">
+      <a:defRPr sz="1400" b="0" i="0" u="none" strike="noStrike" cap="none">
         <a:solidFill>
           <a:srgbClr val="000000"/>
         </a:solidFill>
@@ -479,7 +497,7 @@
         <a:sym typeface="Arial"/>
       </a:defRPr>
     </a:lvl1pPr>
-    <a:lvl2pPr lvl="1" marR="0" rtl="0" algn="l">
+    <a:lvl2pPr marR="0" lvl="1" algn="l" rtl="0">
       <a:lnSpc>
         <a:spcPct val="100000"/>
       </a:lnSpc>
@@ -493,7 +511,7 @@
         <a:srgbClr val="000000"/>
       </a:buClr>
       <a:buFont typeface="Arial"/>
-      <a:defRPr b="0" i="0" sz="1400" u="none" cap="none" strike="noStrike">
+      <a:defRPr sz="1400" b="0" i="0" u="none" strike="noStrike" cap="none">
         <a:solidFill>
           <a:srgbClr val="000000"/>
         </a:solidFill>
@@ -503,7 +521,7 @@
         <a:sym typeface="Arial"/>
       </a:defRPr>
     </a:lvl2pPr>
-    <a:lvl3pPr lvl="2" marR="0" rtl="0" algn="l">
+    <a:lvl3pPr marR="0" lvl="2" algn="l" rtl="0">
       <a:lnSpc>
         <a:spcPct val="100000"/>
       </a:lnSpc>
@@ -517,7 +535,7 @@
         <a:srgbClr val="000000"/>
       </a:buClr>
       <a:buFont typeface="Arial"/>
-      <a:defRPr b="0" i="0" sz="1400" u="none" cap="none" strike="noStrike">
+      <a:defRPr sz="1400" b="0" i="0" u="none" strike="noStrike" cap="none">
         <a:solidFill>
           <a:srgbClr val="000000"/>
         </a:solidFill>
@@ -527,7 +545,7 @@
         <a:sym typeface="Arial"/>
       </a:defRPr>
     </a:lvl3pPr>
-    <a:lvl4pPr lvl="3" marR="0" rtl="0" algn="l">
+    <a:lvl4pPr marR="0" lvl="3" algn="l" rtl="0">
       <a:lnSpc>
         <a:spcPct val="100000"/>
       </a:lnSpc>
@@ -541,7 +559,7 @@
         <a:srgbClr val="000000"/>
       </a:buClr>
       <a:buFont typeface="Arial"/>
-      <a:defRPr b="0" i="0" sz="1400" u="none" cap="none" strike="noStrike">
+      <a:defRPr sz="1400" b="0" i="0" u="none" strike="noStrike" cap="none">
         <a:solidFill>
           <a:srgbClr val="000000"/>
         </a:solidFill>
@@ -551,7 +569,7 @@
         <a:sym typeface="Arial"/>
       </a:defRPr>
     </a:lvl4pPr>
-    <a:lvl5pPr lvl="4" marR="0" rtl="0" algn="l">
+    <a:lvl5pPr marR="0" lvl="4" algn="l" rtl="0">
       <a:lnSpc>
         <a:spcPct val="100000"/>
       </a:lnSpc>
@@ -565,7 +583,7 @@
         <a:srgbClr val="000000"/>
       </a:buClr>
       <a:buFont typeface="Arial"/>
-      <a:defRPr b="0" i="0" sz="1400" u="none" cap="none" strike="noStrike">
+      <a:defRPr sz="1400" b="0" i="0" u="none" strike="noStrike" cap="none">
         <a:solidFill>
           <a:srgbClr val="000000"/>
         </a:solidFill>
@@ -575,7 +593,7 @@
         <a:sym typeface="Arial"/>
       </a:defRPr>
     </a:lvl5pPr>
-    <a:lvl6pPr lvl="5" marR="0" rtl="0" algn="l">
+    <a:lvl6pPr marR="0" lvl="5" algn="l" rtl="0">
       <a:lnSpc>
         <a:spcPct val="100000"/>
       </a:lnSpc>
@@ -589,7 +607,7 @@
         <a:srgbClr val="000000"/>
       </a:buClr>
       <a:buFont typeface="Arial"/>
-      <a:defRPr b="0" i="0" sz="1400" u="none" cap="none" strike="noStrike">
+      <a:defRPr sz="1400" b="0" i="0" u="none" strike="noStrike" cap="none">
         <a:solidFill>
           <a:srgbClr val="000000"/>
         </a:solidFill>
@@ -599,7 +617,7 @@
         <a:sym typeface="Arial"/>
       </a:defRPr>
     </a:lvl6pPr>
-    <a:lvl7pPr lvl="6" marR="0" rtl="0" algn="l">
+    <a:lvl7pPr marR="0" lvl="6" algn="l" rtl="0">
       <a:lnSpc>
         <a:spcPct val="100000"/>
       </a:lnSpc>
@@ -613,7 +631,7 @@
         <a:srgbClr val="000000"/>
       </a:buClr>
       <a:buFont typeface="Arial"/>
-      <a:defRPr b="0" i="0" sz="1400" u="none" cap="none" strike="noStrike">
+      <a:defRPr sz="1400" b="0" i="0" u="none" strike="noStrike" cap="none">
         <a:solidFill>
           <a:srgbClr val="000000"/>
         </a:solidFill>
@@ -623,7 +641,7 @@
         <a:sym typeface="Arial"/>
       </a:defRPr>
     </a:lvl7pPr>
-    <a:lvl8pPr lvl="7" marR="0" rtl="0" algn="l">
+    <a:lvl8pPr marR="0" lvl="7" algn="l" rtl="0">
       <a:lnSpc>
         <a:spcPct val="100000"/>
       </a:lnSpc>
@@ -637,7 +655,7 @@
         <a:srgbClr val="000000"/>
       </a:buClr>
       <a:buFont typeface="Arial"/>
-      <a:defRPr b="0" i="0" sz="1400" u="none" cap="none" strike="noStrike">
+      <a:defRPr sz="1400" b="0" i="0" u="none" strike="noStrike" cap="none">
         <a:solidFill>
           <a:srgbClr val="000000"/>
         </a:solidFill>
@@ -647,7 +665,7 @@
         <a:sym typeface="Arial"/>
       </a:defRPr>
     </a:lvl8pPr>
-    <a:lvl9pPr lvl="8" marR="0" rtl="0" algn="l">
+    <a:lvl9pPr marR="0" lvl="8" algn="l" rtl="0">
       <a:lnSpc>
         <a:spcPct val="100000"/>
       </a:lnSpc>
@@ -661,7 +679,7 @@
         <a:srgbClr val="000000"/>
       </a:buClr>
       <a:buFont typeface="Arial"/>
-      <a:defRPr b="0" i="0" sz="1400" u="none" cap="none" strike="noStrike">
+      <a:defRPr sz="1400" b="0" i="0" u="none" strike="noStrike" cap="none">
         <a:solidFill>
           <a:srgbClr val="000000"/>
         </a:solidFill>
@@ -676,11 +694,11 @@
 </file>
 
 <file path=ppt/notesSlides/notesSlide1.xml><?xml version="1.0" encoding="utf-8"?>
-<p:notes xmlns:a="http://schemas.openxmlformats.org/drawingml/2006/main" xmlns:r="http://schemas.openxmlformats.org/officeDocument/2006/relationships" xmlns:mc="http://schemas.openxmlformats.org/markup-compatibility/2006" xmlns:mv="urn:schemas-microsoft-com:mac:vml" xmlns:p="http://schemas.openxmlformats.org/presentationml/2006/main" xmlns:c="http://schemas.openxmlformats.org/drawingml/2006/chart" xmlns:dgm="http://schemas.openxmlformats.org/drawingml/2006/diagram" xmlns:o="urn:schemas-microsoft-com:office:office" xmlns:v="urn:schemas-microsoft-com:vml" xmlns:pvml="urn:schemas-microsoft-com:office:powerpoint" xmlns:com="http://schemas.openxmlformats.org/drawingml/2006/compatibility" xmlns:p14="http://schemas.microsoft.com/office/powerpoint/2010/main" xmlns:p15="http://schemas.microsoft.com/office/powerpoint/2012/main" xmlns:ahyp="http://schemas.microsoft.com/office/drawing/2018/hyperlinkcolor" showMasterPhAnim="0" showMasterSp="0">
+<p:notes xmlns:a="http://schemas.openxmlformats.org/drawingml/2006/main" xmlns:r="http://schemas.openxmlformats.org/officeDocument/2006/relationships" xmlns:p="http://schemas.openxmlformats.org/presentationml/2006/main" showMasterSp="0" showMasterPhAnim="0">
   <p:cSld>
     <p:spTree>
       <p:nvGrpSpPr>
-        <p:cNvPr id="80" name="Shape 80"/>
+        <p:cNvPr id="1" name="Shape 80"/>
         <p:cNvGrpSpPr/>
         <p:nvPr/>
       </p:nvGrpSpPr>
@@ -695,9 +713,11 @@
       <p:sp>
         <p:nvSpPr>
           <p:cNvPr id="81" name="Google Shape;81;p1:notes"/>
-          <p:cNvSpPr txBox="1"/>
+          <p:cNvSpPr txBox="1">
+            <a:spLocks noGrp="1"/>
+          </p:cNvSpPr>
           <p:nvPr>
-            <p:ph idx="1" type="body"/>
+            <p:ph type="body" idx="1"/>
           </p:nvPr>
         </p:nvSpPr>
         <p:spPr>
@@ -710,12 +730,12 @@
           </a:prstGeom>
         </p:spPr>
         <p:txBody>
-          <a:bodyPr anchorCtr="0" anchor="t" bIns="91425" lIns="91425" spcFirstLastPara="1" rIns="91425" wrap="square" tIns="91425">
+          <a:bodyPr spcFirstLastPara="1" wrap="square" lIns="91425" tIns="91425" rIns="91425" bIns="91425" anchor="t" anchorCtr="0">
             <a:noAutofit/>
           </a:bodyPr>
           <a:lstStyle/>
           <a:p>
-            <a:pPr indent="0" lvl="0" marL="0" rtl="0" algn="l">
+            <a:pPr marL="0" lvl="0" indent="0" algn="l" rtl="0">
               <a:spcBef>
                 <a:spcPts val="0"/>
               </a:spcBef>
@@ -724,9 +744,6 @@
               </a:spcAft>
               <a:buNone/>
             </a:pPr>
-            <a:r>
-              <a:t/>
-            </a:r>
             <a:endParaRPr/>
           </a:p>
         </p:txBody>
@@ -734,9 +751,11 @@
       <p:sp>
         <p:nvSpPr>
           <p:cNvPr id="82" name="Google Shape;82;p1:notes"/>
-          <p:cNvSpPr/>
+          <p:cNvSpPr>
+            <a:spLocks noGrp="1" noRot="1" noChangeAspect="1"/>
+          </p:cNvSpPr>
           <p:nvPr>
-            <p:ph idx="2" type="sldImg"/>
+            <p:ph type="sldImg" idx="2"/>
           </p:nvPr>
         </p:nvSpPr>
         <p:spPr>
@@ -745,9 +764,13 @@
             <a:ext cx="4572225" cy="3429000"/>
           </a:xfrm>
           <a:custGeom>
-            <a:rect b="b" l="l" r="r" t="t"/>
+            <a:avLst/>
+            <a:gdLst/>
+            <a:ahLst/>
+            <a:cxnLst/>
+            <a:rect l="l" t="t" r="r" b="b"/>
             <a:pathLst>
-              <a:path extrusionOk="0" h="120000" w="120000">
+              <a:path w="120000" h="120000" extrusionOk="0">
                 <a:moveTo>
                   <a:pt x="0" y="0"/>
                 </a:moveTo>
@@ -775,11 +798,11 @@
 </file>
 
 <file path=ppt/notesSlides/notesSlide2.xml><?xml version="1.0" encoding="utf-8"?>
-<p:notes xmlns:a="http://schemas.openxmlformats.org/drawingml/2006/main" xmlns:r="http://schemas.openxmlformats.org/officeDocument/2006/relationships" xmlns:mc="http://schemas.openxmlformats.org/markup-compatibility/2006" xmlns:mv="urn:schemas-microsoft-com:mac:vml" xmlns:p="http://schemas.openxmlformats.org/presentationml/2006/main" xmlns:c="http://schemas.openxmlformats.org/drawingml/2006/chart" xmlns:dgm="http://schemas.openxmlformats.org/drawingml/2006/diagram" xmlns:o="urn:schemas-microsoft-com:office:office" xmlns:v="urn:schemas-microsoft-com:vml" xmlns:pvml="urn:schemas-microsoft-com:office:powerpoint" xmlns:com="http://schemas.openxmlformats.org/drawingml/2006/compatibility" xmlns:p14="http://schemas.microsoft.com/office/powerpoint/2010/main" xmlns:p15="http://schemas.microsoft.com/office/powerpoint/2012/main" xmlns:ahyp="http://schemas.microsoft.com/office/drawing/2018/hyperlinkcolor" showMasterPhAnim="0" showMasterSp="0">
+<p:notes xmlns:a="http://schemas.openxmlformats.org/drawingml/2006/main" xmlns:r="http://schemas.openxmlformats.org/officeDocument/2006/relationships" xmlns:p="http://schemas.openxmlformats.org/presentationml/2006/main" showMasterSp="0" showMasterPhAnim="0">
   <p:cSld>
     <p:spTree>
       <p:nvGrpSpPr>
-        <p:cNvPr id="86" name="Shape 86"/>
+        <p:cNvPr id="1" name="Shape 86"/>
         <p:cNvGrpSpPr/>
         <p:nvPr/>
       </p:nvGrpSpPr>
@@ -794,9 +817,11 @@
       <p:sp>
         <p:nvSpPr>
           <p:cNvPr id="87" name="Google Shape;87;p2:notes"/>
-          <p:cNvSpPr txBox="1"/>
+          <p:cNvSpPr txBox="1">
+            <a:spLocks noGrp="1"/>
+          </p:cNvSpPr>
           <p:nvPr>
-            <p:ph idx="1" type="body"/>
+            <p:ph type="body" idx="1"/>
           </p:nvPr>
         </p:nvSpPr>
         <p:spPr>
@@ -809,12 +834,12 @@
           </a:prstGeom>
         </p:spPr>
         <p:txBody>
-          <a:bodyPr anchorCtr="0" anchor="t" bIns="91425" lIns="91425" spcFirstLastPara="1" rIns="91425" wrap="square" tIns="91425">
+          <a:bodyPr spcFirstLastPara="1" wrap="square" lIns="91425" tIns="91425" rIns="91425" bIns="91425" anchor="t" anchorCtr="0">
             <a:noAutofit/>
           </a:bodyPr>
           <a:lstStyle/>
           <a:p>
-            <a:pPr indent="0" lvl="0" marL="0" rtl="0" algn="l">
+            <a:pPr marL="0" lvl="0" indent="0" algn="l" rtl="0">
               <a:spcBef>
                 <a:spcPts val="0"/>
               </a:spcBef>
@@ -823,9 +848,6 @@
               </a:spcAft>
               <a:buNone/>
             </a:pPr>
-            <a:r>
-              <a:t/>
-            </a:r>
             <a:endParaRPr/>
           </a:p>
         </p:txBody>
@@ -833,9 +855,11 @@
       <p:sp>
         <p:nvSpPr>
           <p:cNvPr id="88" name="Google Shape;88;p2:notes"/>
-          <p:cNvSpPr/>
+          <p:cNvSpPr>
+            <a:spLocks noGrp="1" noRot="1" noChangeAspect="1"/>
+          </p:cNvSpPr>
           <p:nvPr>
-            <p:ph idx="2" type="sldImg"/>
+            <p:ph type="sldImg" idx="2"/>
           </p:nvPr>
         </p:nvSpPr>
         <p:spPr>
@@ -844,9 +868,13 @@
             <a:ext cx="4572225" cy="3429000"/>
           </a:xfrm>
           <a:custGeom>
-            <a:rect b="b" l="l" r="r" t="t"/>
+            <a:avLst/>
+            <a:gdLst/>
+            <a:ahLst/>
+            <a:cxnLst/>
+            <a:rect l="l" t="t" r="r" b="b"/>
             <a:pathLst>
-              <a:path extrusionOk="0" h="120000" w="120000">
+              <a:path w="120000" h="120000" extrusionOk="0">
                 <a:moveTo>
                   <a:pt x="0" y="0"/>
                 </a:moveTo>
@@ -874,11 +902,11 @@
 </file>
 
 <file path=ppt/notesSlides/notesSlide3.xml><?xml version="1.0" encoding="utf-8"?>
-<p:notes xmlns:a="http://schemas.openxmlformats.org/drawingml/2006/main" xmlns:r="http://schemas.openxmlformats.org/officeDocument/2006/relationships" xmlns:mc="http://schemas.openxmlformats.org/markup-compatibility/2006" xmlns:mv="urn:schemas-microsoft-com:mac:vml" xmlns:p="http://schemas.openxmlformats.org/presentationml/2006/main" xmlns:c="http://schemas.openxmlformats.org/drawingml/2006/chart" xmlns:dgm="http://schemas.openxmlformats.org/drawingml/2006/diagram" xmlns:o="urn:schemas-microsoft-com:office:office" xmlns:v="urn:schemas-microsoft-com:vml" xmlns:pvml="urn:schemas-microsoft-com:office:powerpoint" xmlns:com="http://schemas.openxmlformats.org/drawingml/2006/compatibility" xmlns:p14="http://schemas.microsoft.com/office/powerpoint/2010/main" xmlns:p15="http://schemas.microsoft.com/office/powerpoint/2012/main" xmlns:ahyp="http://schemas.microsoft.com/office/drawing/2018/hyperlinkcolor" showMasterPhAnim="0" showMasterSp="0">
+<p:notes xmlns:a="http://schemas.openxmlformats.org/drawingml/2006/main" xmlns:r="http://schemas.openxmlformats.org/officeDocument/2006/relationships" xmlns:p="http://schemas.openxmlformats.org/presentationml/2006/main" showMasterSp="0" showMasterPhAnim="0">
   <p:cSld>
     <p:spTree>
       <p:nvGrpSpPr>
-        <p:cNvPr id="94" name="Shape 94"/>
+        <p:cNvPr id="1" name="Shape 94"/>
         <p:cNvGrpSpPr/>
         <p:nvPr/>
       </p:nvGrpSpPr>
@@ -893,9 +921,11 @@
       <p:sp>
         <p:nvSpPr>
           <p:cNvPr id="95" name="Google Shape;95;p3:notes"/>
-          <p:cNvSpPr txBox="1"/>
+          <p:cNvSpPr txBox="1">
+            <a:spLocks noGrp="1"/>
+          </p:cNvSpPr>
           <p:nvPr>
-            <p:ph idx="1" type="body"/>
+            <p:ph type="body" idx="1"/>
           </p:nvPr>
         </p:nvSpPr>
         <p:spPr>
@@ -908,12 +938,12 @@
           </a:prstGeom>
         </p:spPr>
         <p:txBody>
-          <a:bodyPr anchorCtr="0" anchor="t" bIns="91425" lIns="91425" spcFirstLastPara="1" rIns="91425" wrap="square" tIns="91425">
+          <a:bodyPr spcFirstLastPara="1" wrap="square" lIns="91425" tIns="91425" rIns="91425" bIns="91425" anchor="t" anchorCtr="0">
             <a:noAutofit/>
           </a:bodyPr>
           <a:lstStyle/>
           <a:p>
-            <a:pPr indent="0" lvl="0" marL="0" rtl="0" algn="l">
+            <a:pPr marL="0" lvl="0" indent="0" algn="l" rtl="0">
               <a:spcBef>
                 <a:spcPts val="0"/>
               </a:spcBef>
@@ -922,9 +952,6 @@
               </a:spcAft>
               <a:buNone/>
             </a:pPr>
-            <a:r>
-              <a:t/>
-            </a:r>
             <a:endParaRPr/>
           </a:p>
         </p:txBody>
@@ -932,9 +959,11 @@
       <p:sp>
         <p:nvSpPr>
           <p:cNvPr id="96" name="Google Shape;96;p3:notes"/>
-          <p:cNvSpPr/>
+          <p:cNvSpPr>
+            <a:spLocks noGrp="1" noRot="1" noChangeAspect="1"/>
+          </p:cNvSpPr>
           <p:nvPr>
-            <p:ph idx="2" type="sldImg"/>
+            <p:ph type="sldImg" idx="2"/>
           </p:nvPr>
         </p:nvSpPr>
         <p:spPr>
@@ -943,9 +972,13 @@
             <a:ext cx="4572225" cy="3429000"/>
           </a:xfrm>
           <a:custGeom>
-            <a:rect b="b" l="l" r="r" t="t"/>
+            <a:avLst/>
+            <a:gdLst/>
+            <a:ahLst/>
+            <a:cxnLst/>
+            <a:rect l="l" t="t" r="r" b="b"/>
             <a:pathLst>
-              <a:path extrusionOk="0" h="120000" w="120000">
+              <a:path w="120000" h="120000" extrusionOk="0">
                 <a:moveTo>
                   <a:pt x="0" y="0"/>
                 </a:moveTo>
@@ -973,11 +1006,11 @@
 </file>
 
 <file path=ppt/notesSlides/notesSlide4.xml><?xml version="1.0" encoding="utf-8"?>
-<p:notes xmlns:a="http://schemas.openxmlformats.org/drawingml/2006/main" xmlns:r="http://schemas.openxmlformats.org/officeDocument/2006/relationships" xmlns:mc="http://schemas.openxmlformats.org/markup-compatibility/2006" xmlns:mv="urn:schemas-microsoft-com:mac:vml" xmlns:p="http://schemas.openxmlformats.org/presentationml/2006/main" xmlns:c="http://schemas.openxmlformats.org/drawingml/2006/chart" xmlns:dgm="http://schemas.openxmlformats.org/drawingml/2006/diagram" xmlns:o="urn:schemas-microsoft-com:office:office" xmlns:v="urn:schemas-microsoft-com:vml" xmlns:pvml="urn:schemas-microsoft-com:office:powerpoint" xmlns:com="http://schemas.openxmlformats.org/drawingml/2006/compatibility" xmlns:p14="http://schemas.microsoft.com/office/powerpoint/2010/main" xmlns:p15="http://schemas.microsoft.com/office/powerpoint/2012/main" xmlns:ahyp="http://schemas.microsoft.com/office/drawing/2018/hyperlinkcolor" showMasterPhAnim="0" showMasterSp="0">
+<p:notes xmlns:a="http://schemas.openxmlformats.org/drawingml/2006/main" xmlns:r="http://schemas.openxmlformats.org/officeDocument/2006/relationships" xmlns:p="http://schemas.openxmlformats.org/presentationml/2006/main" showMasterSp="0" showMasterPhAnim="0">
   <p:cSld>
     <p:spTree>
       <p:nvGrpSpPr>
-        <p:cNvPr id="100" name="Shape 100"/>
+        <p:cNvPr id="1" name="Shape 100"/>
         <p:cNvGrpSpPr/>
         <p:nvPr/>
       </p:nvGrpSpPr>
@@ -992,9 +1025,11 @@
       <p:sp>
         <p:nvSpPr>
           <p:cNvPr id="101" name="Google Shape;101;p4:notes"/>
-          <p:cNvSpPr txBox="1"/>
+          <p:cNvSpPr txBox="1">
+            <a:spLocks noGrp="1"/>
+          </p:cNvSpPr>
           <p:nvPr>
-            <p:ph idx="1" type="body"/>
+            <p:ph type="body" idx="1"/>
           </p:nvPr>
         </p:nvSpPr>
         <p:spPr>
@@ -1007,12 +1042,12 @@
           </a:prstGeom>
         </p:spPr>
         <p:txBody>
-          <a:bodyPr anchorCtr="0" anchor="t" bIns="91425" lIns="91425" spcFirstLastPara="1" rIns="91425" wrap="square" tIns="91425">
+          <a:bodyPr spcFirstLastPara="1" wrap="square" lIns="91425" tIns="91425" rIns="91425" bIns="91425" anchor="t" anchorCtr="0">
             <a:noAutofit/>
           </a:bodyPr>
           <a:lstStyle/>
           <a:p>
-            <a:pPr indent="0" lvl="0" marL="0" rtl="0" algn="l">
+            <a:pPr marL="0" lvl="0" indent="0" algn="l" rtl="0">
               <a:spcBef>
                 <a:spcPts val="0"/>
               </a:spcBef>
@@ -1021,9 +1056,6 @@
               </a:spcAft>
               <a:buNone/>
             </a:pPr>
-            <a:r>
-              <a:t/>
-            </a:r>
             <a:endParaRPr/>
           </a:p>
         </p:txBody>
@@ -1031,20 +1063,26 @@
       <p:sp>
         <p:nvSpPr>
           <p:cNvPr id="102" name="Google Shape;102;p4:notes"/>
-          <p:cNvSpPr/>
+          <p:cNvSpPr>
+            <a:spLocks noGrp="1" noRot="1" noChangeAspect="1"/>
+          </p:cNvSpPr>
           <p:nvPr>
-            <p:ph idx="2" type="sldImg"/>
+            <p:ph type="sldImg" idx="2"/>
           </p:nvPr>
         </p:nvSpPr>
         <p:spPr>
           <a:xfrm>
-            <a:off x="1143225" y="685800"/>
-            <a:ext cx="4572225" cy="3429000"/>
+            <a:off x="381000" y="685800"/>
+            <a:ext cx="6096000" cy="3429000"/>
           </a:xfrm>
           <a:custGeom>
-            <a:rect b="b" l="l" r="r" t="t"/>
+            <a:avLst/>
+            <a:gdLst/>
+            <a:ahLst/>
+            <a:cxnLst/>
+            <a:rect l="l" t="t" r="r" b="b"/>
             <a:pathLst>
-              <a:path extrusionOk="0" h="120000" w="120000">
+              <a:path w="120000" h="120000" extrusionOk="0">
                 <a:moveTo>
                   <a:pt x="0" y="0"/>
                 </a:moveTo>
@@ -1072,11 +1110,11 @@
 </file>
 
 <file path=ppt/notesSlides/notesSlide5.xml><?xml version="1.0" encoding="utf-8"?>
-<p:notes xmlns:a="http://schemas.openxmlformats.org/drawingml/2006/main" xmlns:r="http://schemas.openxmlformats.org/officeDocument/2006/relationships" xmlns:mc="http://schemas.openxmlformats.org/markup-compatibility/2006" xmlns:mv="urn:schemas-microsoft-com:mac:vml" xmlns:p="http://schemas.openxmlformats.org/presentationml/2006/main" xmlns:c="http://schemas.openxmlformats.org/drawingml/2006/chart" xmlns:dgm="http://schemas.openxmlformats.org/drawingml/2006/diagram" xmlns:o="urn:schemas-microsoft-com:office:office" xmlns:v="urn:schemas-microsoft-com:vml" xmlns:pvml="urn:schemas-microsoft-com:office:powerpoint" xmlns:com="http://schemas.openxmlformats.org/drawingml/2006/compatibility" xmlns:p14="http://schemas.microsoft.com/office/powerpoint/2010/main" xmlns:p15="http://schemas.microsoft.com/office/powerpoint/2012/main" xmlns:ahyp="http://schemas.microsoft.com/office/drawing/2018/hyperlinkcolor" showMasterPhAnim="0" showMasterSp="0">
+<p:notes xmlns:a="http://schemas.openxmlformats.org/drawingml/2006/main" xmlns:r="http://schemas.openxmlformats.org/officeDocument/2006/relationships" xmlns:p="http://schemas.openxmlformats.org/presentationml/2006/main" showMasterSp="0" showMasterPhAnim="0">
   <p:cSld>
     <p:spTree>
       <p:nvGrpSpPr>
-        <p:cNvPr id="115" name="Shape 115"/>
+        <p:cNvPr id="1" name="Shape 115"/>
         <p:cNvGrpSpPr/>
         <p:nvPr/>
       </p:nvGrpSpPr>
@@ -1091,9 +1129,11 @@
       <p:sp>
         <p:nvSpPr>
           <p:cNvPr id="116" name="Google Shape;116;g35f67dfbda6_0_37:notes"/>
-          <p:cNvSpPr/>
+          <p:cNvSpPr>
+            <a:spLocks noGrp="1" noRot="1" noChangeAspect="1"/>
+          </p:cNvSpPr>
           <p:nvPr>
-            <p:ph idx="2" type="sldImg"/>
+            <p:ph type="sldImg" idx="2"/>
           </p:nvPr>
         </p:nvSpPr>
         <p:spPr>
@@ -1102,9 +1142,13 @@
             <a:ext cx="4572300" cy="3429000"/>
           </a:xfrm>
           <a:custGeom>
-            <a:rect b="b" l="l" r="r" t="t"/>
+            <a:avLst/>
+            <a:gdLst/>
+            <a:ahLst/>
+            <a:cxnLst/>
+            <a:rect l="l" t="t" r="r" b="b"/>
             <a:pathLst>
-              <a:path extrusionOk="0" h="120000" w="120000">
+              <a:path w="120000" h="120000" extrusionOk="0">
                 <a:moveTo>
                   <a:pt x="0" y="0"/>
                 </a:moveTo>
@@ -1126,9 +1170,11 @@
       <p:sp>
         <p:nvSpPr>
           <p:cNvPr id="117" name="Google Shape;117;g35f67dfbda6_0_37:notes"/>
-          <p:cNvSpPr txBox="1"/>
+          <p:cNvSpPr txBox="1">
+            <a:spLocks noGrp="1"/>
+          </p:cNvSpPr>
           <p:nvPr>
-            <p:ph idx="1" type="body"/>
+            <p:ph type="body" idx="1"/>
           </p:nvPr>
         </p:nvSpPr>
         <p:spPr>
@@ -1141,12 +1187,12 @@
           </a:prstGeom>
         </p:spPr>
         <p:txBody>
-          <a:bodyPr anchorCtr="0" anchor="t" bIns="91425" lIns="91425" spcFirstLastPara="1" rIns="91425" wrap="square" tIns="91425">
+          <a:bodyPr spcFirstLastPara="1" wrap="square" lIns="91425" tIns="91425" rIns="91425" bIns="91425" anchor="t" anchorCtr="0">
             <a:noAutofit/>
           </a:bodyPr>
           <a:lstStyle/>
           <a:p>
-            <a:pPr indent="0" lvl="0" marL="0" rtl="0" algn="l">
+            <a:pPr marL="0" lvl="0" indent="0" algn="l" rtl="0">
               <a:spcBef>
                 <a:spcPts val="0"/>
               </a:spcBef>
@@ -1155,9 +1201,6 @@
               </a:spcAft>
               <a:buNone/>
             </a:pPr>
-            <a:r>
-              <a:t/>
-            </a:r>
             <a:endParaRPr/>
           </a:p>
         </p:txBody>
@@ -1171,11 +1214,11 @@
 </file>
 
 <file path=ppt/notesSlides/notesSlide6.xml><?xml version="1.0" encoding="utf-8"?>
-<p:notes xmlns:a="http://schemas.openxmlformats.org/drawingml/2006/main" xmlns:r="http://schemas.openxmlformats.org/officeDocument/2006/relationships" xmlns:mc="http://schemas.openxmlformats.org/markup-compatibility/2006" xmlns:mv="urn:schemas-microsoft-com:mac:vml" xmlns:p="http://schemas.openxmlformats.org/presentationml/2006/main" xmlns:c="http://schemas.openxmlformats.org/drawingml/2006/chart" xmlns:dgm="http://schemas.openxmlformats.org/drawingml/2006/diagram" xmlns:o="urn:schemas-microsoft-com:office:office" xmlns:v="urn:schemas-microsoft-com:vml" xmlns:pvml="urn:schemas-microsoft-com:office:powerpoint" xmlns:com="http://schemas.openxmlformats.org/drawingml/2006/compatibility" xmlns:p14="http://schemas.microsoft.com/office/powerpoint/2010/main" xmlns:p15="http://schemas.microsoft.com/office/powerpoint/2012/main" xmlns:ahyp="http://schemas.microsoft.com/office/drawing/2018/hyperlinkcolor" showMasterPhAnim="0" showMasterSp="0">
+<p:notes xmlns:a="http://schemas.openxmlformats.org/drawingml/2006/main" xmlns:r="http://schemas.openxmlformats.org/officeDocument/2006/relationships" xmlns:p="http://schemas.openxmlformats.org/presentationml/2006/main" showMasterSp="0" showMasterPhAnim="0">
   <p:cSld>
     <p:spTree>
       <p:nvGrpSpPr>
-        <p:cNvPr id="123" name="Shape 123"/>
+        <p:cNvPr id="1" name="Shape 123"/>
         <p:cNvGrpSpPr/>
         <p:nvPr/>
       </p:nvGrpSpPr>
@@ -1190,20 +1233,26 @@
       <p:sp>
         <p:nvSpPr>
           <p:cNvPr id="124" name="Google Shape;124;g35f67dfbda6_0_30:notes"/>
-          <p:cNvSpPr/>
+          <p:cNvSpPr>
+            <a:spLocks noGrp="1" noRot="1" noChangeAspect="1"/>
+          </p:cNvSpPr>
           <p:nvPr>
-            <p:ph idx="2" type="sldImg"/>
+            <p:ph type="sldImg" idx="2"/>
           </p:nvPr>
         </p:nvSpPr>
         <p:spPr>
           <a:xfrm>
-            <a:off x="1143225" y="685800"/>
-            <a:ext cx="4572300" cy="3429000"/>
+            <a:off x="381000" y="685800"/>
+            <a:ext cx="6096000" cy="3429000"/>
           </a:xfrm>
           <a:custGeom>
-            <a:rect b="b" l="l" r="r" t="t"/>
+            <a:avLst/>
+            <a:gdLst/>
+            <a:ahLst/>
+            <a:cxnLst/>
+            <a:rect l="l" t="t" r="r" b="b"/>
             <a:pathLst>
-              <a:path extrusionOk="0" h="120000" w="120000">
+              <a:path w="120000" h="120000" extrusionOk="0">
                 <a:moveTo>
                   <a:pt x="0" y="0"/>
                 </a:moveTo>
@@ -1225,9 +1274,11 @@
       <p:sp>
         <p:nvSpPr>
           <p:cNvPr id="125" name="Google Shape;125;g35f67dfbda6_0_30:notes"/>
-          <p:cNvSpPr txBox="1"/>
+          <p:cNvSpPr txBox="1">
+            <a:spLocks noGrp="1"/>
+          </p:cNvSpPr>
           <p:nvPr>
-            <p:ph idx="1" type="body"/>
+            <p:ph type="body" idx="1"/>
           </p:nvPr>
         </p:nvSpPr>
         <p:spPr>
@@ -1240,12 +1291,12 @@
           </a:prstGeom>
         </p:spPr>
         <p:txBody>
-          <a:bodyPr anchorCtr="0" anchor="t" bIns="91425" lIns="91425" spcFirstLastPara="1" rIns="91425" wrap="square" tIns="91425">
+          <a:bodyPr spcFirstLastPara="1" wrap="square" lIns="91425" tIns="91425" rIns="91425" bIns="91425" anchor="t" anchorCtr="0">
             <a:noAutofit/>
           </a:bodyPr>
           <a:lstStyle/>
           <a:p>
-            <a:pPr indent="0" lvl="0" marL="0" rtl="0" algn="l">
+            <a:pPr marL="0" lvl="0" indent="0" algn="l" rtl="0">
               <a:spcBef>
                 <a:spcPts val="0"/>
               </a:spcBef>
@@ -1254,9 +1305,6 @@
               </a:spcAft>
               <a:buNone/>
             </a:pPr>
-            <a:r>
-              <a:t/>
-            </a:r>
             <a:endParaRPr/>
           </a:p>
         </p:txBody>
@@ -1270,11 +1318,11 @@
 </file>
 
 <file path=ppt/slideLayouts/slideLayout1.xml><?xml version="1.0" encoding="utf-8"?>
-<p:sldLayout xmlns:a="http://schemas.openxmlformats.org/drawingml/2006/main" xmlns:r="http://schemas.openxmlformats.org/officeDocument/2006/relationships" xmlns:mc="http://schemas.openxmlformats.org/markup-compatibility/2006" xmlns:mv="urn:schemas-microsoft-com:mac:vml" xmlns:p="http://schemas.openxmlformats.org/presentationml/2006/main" xmlns:c="http://schemas.openxmlformats.org/drawingml/2006/chart" xmlns:dgm="http://schemas.openxmlformats.org/drawingml/2006/diagram" xmlns:o="urn:schemas-microsoft-com:office:office" xmlns:v="urn:schemas-microsoft-com:vml" xmlns:pvml="urn:schemas-microsoft-com:office:powerpoint" xmlns:com="http://schemas.openxmlformats.org/drawingml/2006/compatibility" xmlns:p14="http://schemas.microsoft.com/office/powerpoint/2010/main" xmlns:p15="http://schemas.microsoft.com/office/powerpoint/2012/main" xmlns:ahyp="http://schemas.microsoft.com/office/drawing/2018/hyperlinkcolor" matchingName="Title Slide" type="title">
+<p:sldLayout xmlns:a="http://schemas.openxmlformats.org/drawingml/2006/main" xmlns:r="http://schemas.openxmlformats.org/officeDocument/2006/relationships" xmlns:p="http://schemas.openxmlformats.org/presentationml/2006/main" matchingName="Title Slide" type="title">
   <p:cSld name="TITLE">
     <p:spTree>
       <p:nvGrpSpPr>
-        <p:cNvPr id="11" name="Shape 11"/>
+        <p:cNvPr id="1" name="Shape 11"/>
         <p:cNvGrpSpPr/>
         <p:nvPr/>
       </p:nvGrpSpPr>
@@ -1289,7 +1337,9 @@
       <p:sp>
         <p:nvSpPr>
           <p:cNvPr id="12" name="Google Shape;12;p2"/>
-          <p:cNvSpPr txBox="1"/>
+          <p:cNvSpPr txBox="1">
+            <a:spLocks noGrp="1"/>
+          </p:cNvSpPr>
           <p:nvPr>
             <p:ph type="ctrTitle"/>
           </p:nvPr>
@@ -1308,7 +1358,7 @@
           </a:ln>
         </p:spPr>
         <p:txBody>
-          <a:bodyPr anchorCtr="0" anchor="b" bIns="45700" lIns="91425" spcFirstLastPara="1" rIns="91425" wrap="square" tIns="45700">
+          <a:bodyPr spcFirstLastPara="1" wrap="square" lIns="91425" tIns="45700" rIns="91425" bIns="45700" anchor="b" anchorCtr="0">
             <a:normAutofit/>
           </a:bodyPr>
           <a:lstStyle>
@@ -1419,15 +1469,19 @@
               <a:defRPr/>
             </a:lvl9pPr>
           </a:lstStyle>
-          <a:p/>
+          <a:p>
+            <a:endParaRPr/>
+          </a:p>
         </p:txBody>
       </p:sp>
       <p:sp>
         <p:nvSpPr>
           <p:cNvPr id="13" name="Google Shape;13;p2"/>
-          <p:cNvSpPr txBox="1"/>
+          <p:cNvSpPr txBox="1">
+            <a:spLocks noGrp="1"/>
+          </p:cNvSpPr>
           <p:nvPr>
-            <p:ph idx="1" type="subTitle"/>
+            <p:ph type="subTitle" idx="1"/>
           </p:nvPr>
         </p:nvSpPr>
         <p:spPr>
@@ -1444,7 +1498,7 @@
           </a:ln>
         </p:spPr>
         <p:txBody>
-          <a:bodyPr anchorCtr="0" anchor="t" bIns="45700" lIns="91425" spcFirstLastPara="1" rIns="91425" wrap="square" tIns="45700">
+          <a:bodyPr spcFirstLastPara="1" wrap="square" lIns="91425" tIns="45700" rIns="91425" bIns="45700" anchor="t" anchorCtr="0">
             <a:normAutofit/>
           </a:bodyPr>
           <a:lstStyle>
@@ -1602,15 +1656,19 @@
               <a:defRPr sz="1600"/>
             </a:lvl9pPr>
           </a:lstStyle>
-          <a:p/>
+          <a:p>
+            <a:endParaRPr/>
+          </a:p>
         </p:txBody>
       </p:sp>
       <p:sp>
         <p:nvSpPr>
           <p:cNvPr id="14" name="Google Shape;14;p2"/>
-          <p:cNvSpPr txBox="1"/>
+          <p:cNvSpPr txBox="1">
+            <a:spLocks noGrp="1"/>
+          </p:cNvSpPr>
           <p:nvPr>
-            <p:ph idx="10" type="dt"/>
+            <p:ph type="dt" idx="10"/>
           </p:nvPr>
         </p:nvSpPr>
         <p:spPr>
@@ -1627,7 +1685,7 @@
           </a:ln>
         </p:spPr>
         <p:txBody>
-          <a:bodyPr anchorCtr="0" anchor="ctr" bIns="45700" lIns="91425" spcFirstLastPara="1" rIns="91425" wrap="square" tIns="45700">
+          <a:bodyPr spcFirstLastPara="1" wrap="square" lIns="91425" tIns="45700" rIns="91425" bIns="45700" anchor="ctr" anchorCtr="0">
             <a:noAutofit/>
           </a:bodyPr>
           <a:lstStyle>
@@ -1731,15 +1789,19 @@
               <a:defRPr/>
             </a:lvl9pPr>
           </a:lstStyle>
-          <a:p/>
+          <a:p>
+            <a:endParaRPr/>
+          </a:p>
         </p:txBody>
       </p:sp>
       <p:sp>
         <p:nvSpPr>
           <p:cNvPr id="15" name="Google Shape;15;p2"/>
-          <p:cNvSpPr txBox="1"/>
+          <p:cNvSpPr txBox="1">
+            <a:spLocks noGrp="1"/>
+          </p:cNvSpPr>
           <p:nvPr>
-            <p:ph idx="11" type="ftr"/>
+            <p:ph type="ftr" idx="11"/>
           </p:nvPr>
         </p:nvSpPr>
         <p:spPr>
@@ -1756,7 +1818,7 @@
           </a:ln>
         </p:spPr>
         <p:txBody>
-          <a:bodyPr anchorCtr="0" anchor="ctr" bIns="45700" lIns="91425" spcFirstLastPara="1" rIns="91425" wrap="square" tIns="45700">
+          <a:bodyPr spcFirstLastPara="1" wrap="square" lIns="91425" tIns="45700" rIns="91425" bIns="45700" anchor="ctr" anchorCtr="0">
             <a:noAutofit/>
           </a:bodyPr>
           <a:lstStyle>
@@ -1860,15 +1922,19 @@
               <a:defRPr/>
             </a:lvl9pPr>
           </a:lstStyle>
-          <a:p/>
+          <a:p>
+            <a:endParaRPr/>
+          </a:p>
         </p:txBody>
       </p:sp>
       <p:sp>
         <p:nvSpPr>
           <p:cNvPr id="16" name="Google Shape;16;p2"/>
-          <p:cNvSpPr txBox="1"/>
+          <p:cNvSpPr txBox="1">
+            <a:spLocks noGrp="1"/>
+          </p:cNvSpPr>
           <p:nvPr>
-            <p:ph idx="12" type="sldNum"/>
+            <p:ph type="sldNum" idx="12"/>
           </p:nvPr>
         </p:nvSpPr>
         <p:spPr>
@@ -1885,67 +1951,67 @@
           </a:ln>
         </p:spPr>
         <p:txBody>
-          <a:bodyPr anchorCtr="0" anchor="ctr" bIns="45700" lIns="91425" spcFirstLastPara="1" rIns="91425" wrap="square" tIns="45700">
+          <a:bodyPr spcFirstLastPara="1" wrap="square" lIns="91425" tIns="45700" rIns="91425" bIns="45700" anchor="ctr" anchorCtr="0">
             <a:noAutofit/>
           </a:bodyPr>
           <a:lstStyle>
-            <a:lvl1pPr indent="0" lvl="0" marL="0" algn="r">
+            <a:lvl1pPr marL="0" lvl="0" indent="0" algn="r">
               <a:spcBef>
                 <a:spcPts val="0"/>
               </a:spcBef>
               <a:buNone/>
               <a:defRPr/>
             </a:lvl1pPr>
-            <a:lvl2pPr indent="0" lvl="1" marL="0" algn="r">
+            <a:lvl2pPr marL="0" lvl="1" indent="0" algn="r">
               <a:spcBef>
                 <a:spcPts val="0"/>
               </a:spcBef>
               <a:buNone/>
               <a:defRPr/>
             </a:lvl2pPr>
-            <a:lvl3pPr indent="0" lvl="2" marL="0" algn="r">
+            <a:lvl3pPr marL="0" lvl="2" indent="0" algn="r">
               <a:spcBef>
                 <a:spcPts val="0"/>
               </a:spcBef>
               <a:buNone/>
               <a:defRPr/>
             </a:lvl3pPr>
-            <a:lvl4pPr indent="0" lvl="3" marL="0" algn="r">
+            <a:lvl4pPr marL="0" lvl="3" indent="0" algn="r">
               <a:spcBef>
                 <a:spcPts val="0"/>
               </a:spcBef>
               <a:buNone/>
               <a:defRPr/>
             </a:lvl4pPr>
-            <a:lvl5pPr indent="0" lvl="4" marL="0" algn="r">
+            <a:lvl5pPr marL="0" lvl="4" indent="0" algn="r">
               <a:spcBef>
                 <a:spcPts val="0"/>
               </a:spcBef>
               <a:buNone/>
               <a:defRPr/>
             </a:lvl5pPr>
-            <a:lvl6pPr indent="0" lvl="5" marL="0" algn="r">
+            <a:lvl6pPr marL="0" lvl="5" indent="0" algn="r">
               <a:spcBef>
                 <a:spcPts val="0"/>
               </a:spcBef>
               <a:buNone/>
               <a:defRPr/>
             </a:lvl6pPr>
-            <a:lvl7pPr indent="0" lvl="6" marL="0" algn="r">
+            <a:lvl7pPr marL="0" lvl="6" indent="0" algn="r">
               <a:spcBef>
                 <a:spcPts val="0"/>
               </a:spcBef>
               <a:buNone/>
               <a:defRPr/>
             </a:lvl7pPr>
-            <a:lvl8pPr indent="0" lvl="7" marL="0" algn="r">
+            <a:lvl8pPr marL="0" lvl="7" indent="0" algn="r">
               <a:spcBef>
                 <a:spcPts val="0"/>
               </a:spcBef>
               <a:buNone/>
               <a:defRPr/>
             </a:lvl8pPr>
-            <a:lvl9pPr indent="0" lvl="8" marL="0" algn="r">
+            <a:lvl9pPr marL="0" lvl="8" indent="0" algn="r">
               <a:spcBef>
                 <a:spcPts val="0"/>
               </a:spcBef>
@@ -1954,7 +2020,7 @@
             </a:lvl9pPr>
           </a:lstStyle>
           <a:p>
-            <a:pPr indent="0" lvl="0" marL="0" rtl="0" algn="r">
+            <a:pPr marL="0" lvl="0" indent="0" algn="r" rtl="0">
               <a:spcBef>
                 <a:spcPts val="0"/>
               </a:spcBef>
@@ -1965,7 +2031,7 @@
             </a:pPr>
             <a:fld id="{00000000-1234-1234-1234-123412341234}" type="slidenum">
               <a:rPr lang="pt-BR"/>
-              <a:t>‹#›</a:t>
+              <a:t>‹nº›</a:t>
             </a:fld>
             <a:endParaRPr/>
           </a:p>
@@ -1980,11 +2046,11 @@
 </file>
 
 <file path=ppt/slideLayouts/slideLayout10.xml><?xml version="1.0" encoding="utf-8"?>
-<p:sldLayout xmlns:a="http://schemas.openxmlformats.org/drawingml/2006/main" xmlns:r="http://schemas.openxmlformats.org/officeDocument/2006/relationships" xmlns:mc="http://schemas.openxmlformats.org/markup-compatibility/2006" xmlns:mv="urn:schemas-microsoft-com:mac:vml" xmlns:p="http://schemas.openxmlformats.org/presentationml/2006/main" xmlns:c="http://schemas.openxmlformats.org/drawingml/2006/chart" xmlns:dgm="http://schemas.openxmlformats.org/drawingml/2006/diagram" xmlns:o="urn:schemas-microsoft-com:office:office" xmlns:v="urn:schemas-microsoft-com:vml" xmlns:pvml="urn:schemas-microsoft-com:office:powerpoint" xmlns:com="http://schemas.openxmlformats.org/drawingml/2006/compatibility" xmlns:p14="http://schemas.microsoft.com/office/powerpoint/2010/main" xmlns:p15="http://schemas.microsoft.com/office/powerpoint/2012/main" xmlns:ahyp="http://schemas.microsoft.com/office/drawing/2018/hyperlinkcolor" matchingName="Title and Vertical Text" type="vertTx">
+<p:sldLayout xmlns:a="http://schemas.openxmlformats.org/drawingml/2006/main" xmlns:r="http://schemas.openxmlformats.org/officeDocument/2006/relationships" xmlns:p="http://schemas.openxmlformats.org/presentationml/2006/main" matchingName="Title and Vertical Text" type="vertTx">
   <p:cSld name="VERTICAL_TEXT">
     <p:spTree>
       <p:nvGrpSpPr>
-        <p:cNvPr id="68" name="Shape 68"/>
+        <p:cNvPr id="1" name="Shape 68"/>
         <p:cNvGrpSpPr/>
         <p:nvPr/>
       </p:nvGrpSpPr>
@@ -1999,7 +2065,9 @@
       <p:sp>
         <p:nvSpPr>
           <p:cNvPr id="69" name="Google Shape;69;p11"/>
-          <p:cNvSpPr txBox="1"/>
+          <p:cNvSpPr txBox="1">
+            <a:spLocks noGrp="1"/>
+          </p:cNvSpPr>
           <p:nvPr>
             <p:ph type="title"/>
           </p:nvPr>
@@ -2018,7 +2086,7 @@
           </a:ln>
         </p:spPr>
         <p:txBody>
-          <a:bodyPr anchorCtr="0" anchor="ctr" bIns="45700" lIns="91425" spcFirstLastPara="1" rIns="91425" wrap="square" tIns="45700">
+          <a:bodyPr spcFirstLastPara="1" wrap="square" lIns="91425" tIns="45700" rIns="91425" bIns="45700" anchor="ctr" anchorCtr="0">
             <a:normAutofit/>
           </a:bodyPr>
           <a:lstStyle>
@@ -2128,15 +2196,19 @@
               <a:defRPr/>
             </a:lvl9pPr>
           </a:lstStyle>
-          <a:p/>
+          <a:p>
+            <a:endParaRPr/>
+          </a:p>
         </p:txBody>
       </p:sp>
       <p:sp>
         <p:nvSpPr>
           <p:cNvPr id="70" name="Google Shape;70;p11"/>
-          <p:cNvSpPr txBox="1"/>
+          <p:cNvSpPr txBox="1">
+            <a:spLocks noGrp="1"/>
+          </p:cNvSpPr>
           <p:nvPr>
-            <p:ph idx="1" type="body"/>
+            <p:ph type="body" idx="1"/>
           </p:nvPr>
         </p:nvSpPr>
         <p:spPr>
@@ -2153,11 +2225,11 @@
           </a:ln>
         </p:spPr>
         <p:txBody>
-          <a:bodyPr anchorCtr="0" anchor="t" bIns="45700" lIns="91425" spcFirstLastPara="1" rIns="91425" wrap="square" tIns="45700">
+          <a:bodyPr spcFirstLastPara="1" wrap="square" lIns="91425" tIns="45700" rIns="91425" bIns="45700" anchor="t" anchorCtr="0">
             <a:normAutofit/>
           </a:bodyPr>
           <a:lstStyle>
-            <a:lvl1pPr indent="-342900" lvl="0" marL="457200" algn="l">
+            <a:lvl1pPr marL="457200" lvl="0" indent="-342900" algn="l">
               <a:lnSpc>
                 <a:spcPct val="90000"/>
               </a:lnSpc>
@@ -2174,7 +2246,7 @@
               <a:buChar char="•"/>
               <a:defRPr/>
             </a:lvl1pPr>
-            <a:lvl2pPr indent="-342900" lvl="1" marL="914400" algn="l">
+            <a:lvl2pPr marL="914400" lvl="1" indent="-342900" algn="l">
               <a:lnSpc>
                 <a:spcPct val="90000"/>
               </a:lnSpc>
@@ -2191,7 +2263,7 @@
               <a:buChar char="•"/>
               <a:defRPr/>
             </a:lvl2pPr>
-            <a:lvl3pPr indent="-342900" lvl="2" marL="1371600" algn="l">
+            <a:lvl3pPr marL="1371600" lvl="2" indent="-342900" algn="l">
               <a:lnSpc>
                 <a:spcPct val="90000"/>
               </a:lnSpc>
@@ -2208,7 +2280,7 @@
               <a:buChar char="•"/>
               <a:defRPr/>
             </a:lvl3pPr>
-            <a:lvl4pPr indent="-342900" lvl="3" marL="1828800" algn="l">
+            <a:lvl4pPr marL="1828800" lvl="3" indent="-342900" algn="l">
               <a:lnSpc>
                 <a:spcPct val="90000"/>
               </a:lnSpc>
@@ -2225,7 +2297,7 @@
               <a:buChar char="•"/>
               <a:defRPr/>
             </a:lvl4pPr>
-            <a:lvl5pPr indent="-342900" lvl="4" marL="2286000" algn="l">
+            <a:lvl5pPr marL="2286000" lvl="4" indent="-342900" algn="l">
               <a:lnSpc>
                 <a:spcPct val="90000"/>
               </a:lnSpc>
@@ -2242,7 +2314,7 @@
               <a:buChar char="•"/>
               <a:defRPr/>
             </a:lvl5pPr>
-            <a:lvl6pPr indent="-342900" lvl="5" marL="2743200" algn="l">
+            <a:lvl6pPr marL="2743200" lvl="5" indent="-342900" algn="l">
               <a:lnSpc>
                 <a:spcPct val="90000"/>
               </a:lnSpc>
@@ -2259,7 +2331,7 @@
               <a:buChar char="•"/>
               <a:defRPr/>
             </a:lvl6pPr>
-            <a:lvl7pPr indent="-342900" lvl="6" marL="3200400" algn="l">
+            <a:lvl7pPr marL="3200400" lvl="6" indent="-342900" algn="l">
               <a:lnSpc>
                 <a:spcPct val="90000"/>
               </a:lnSpc>
@@ -2276,7 +2348,7 @@
               <a:buChar char="•"/>
               <a:defRPr/>
             </a:lvl7pPr>
-            <a:lvl8pPr indent="-342900" lvl="7" marL="3657600" algn="l">
+            <a:lvl8pPr marL="3657600" lvl="7" indent="-342900" algn="l">
               <a:lnSpc>
                 <a:spcPct val="90000"/>
               </a:lnSpc>
@@ -2293,7 +2365,7 @@
               <a:buChar char="•"/>
               <a:defRPr/>
             </a:lvl8pPr>
-            <a:lvl9pPr indent="-342900" lvl="8" marL="4114800" algn="l">
+            <a:lvl9pPr marL="4114800" lvl="8" indent="-342900" algn="l">
               <a:lnSpc>
                 <a:spcPct val="90000"/>
               </a:lnSpc>
@@ -2311,15 +2383,19 @@
               <a:defRPr/>
             </a:lvl9pPr>
           </a:lstStyle>
-          <a:p/>
+          <a:p>
+            <a:endParaRPr/>
+          </a:p>
         </p:txBody>
       </p:sp>
       <p:sp>
         <p:nvSpPr>
           <p:cNvPr id="71" name="Google Shape;71;p11"/>
-          <p:cNvSpPr txBox="1"/>
+          <p:cNvSpPr txBox="1">
+            <a:spLocks noGrp="1"/>
+          </p:cNvSpPr>
           <p:nvPr>
-            <p:ph idx="10" type="dt"/>
+            <p:ph type="dt" idx="10"/>
           </p:nvPr>
         </p:nvSpPr>
         <p:spPr>
@@ -2336,7 +2412,7 @@
           </a:ln>
         </p:spPr>
         <p:txBody>
-          <a:bodyPr anchorCtr="0" anchor="ctr" bIns="45700" lIns="91425" spcFirstLastPara="1" rIns="91425" wrap="square" tIns="45700">
+          <a:bodyPr spcFirstLastPara="1" wrap="square" lIns="91425" tIns="45700" rIns="91425" bIns="45700" anchor="ctr" anchorCtr="0">
             <a:noAutofit/>
           </a:bodyPr>
           <a:lstStyle>
@@ -2440,15 +2516,19 @@
               <a:defRPr/>
             </a:lvl9pPr>
           </a:lstStyle>
-          <a:p/>
+          <a:p>
+            <a:endParaRPr/>
+          </a:p>
         </p:txBody>
       </p:sp>
       <p:sp>
         <p:nvSpPr>
           <p:cNvPr id="72" name="Google Shape;72;p11"/>
-          <p:cNvSpPr txBox="1"/>
+          <p:cNvSpPr txBox="1">
+            <a:spLocks noGrp="1"/>
+          </p:cNvSpPr>
           <p:nvPr>
-            <p:ph idx="11" type="ftr"/>
+            <p:ph type="ftr" idx="11"/>
           </p:nvPr>
         </p:nvSpPr>
         <p:spPr>
@@ -2465,7 +2545,7 @@
           </a:ln>
         </p:spPr>
         <p:txBody>
-          <a:bodyPr anchorCtr="0" anchor="ctr" bIns="45700" lIns="91425" spcFirstLastPara="1" rIns="91425" wrap="square" tIns="45700">
+          <a:bodyPr spcFirstLastPara="1" wrap="square" lIns="91425" tIns="45700" rIns="91425" bIns="45700" anchor="ctr" anchorCtr="0">
             <a:noAutofit/>
           </a:bodyPr>
           <a:lstStyle>
@@ -2569,15 +2649,19 @@
               <a:defRPr/>
             </a:lvl9pPr>
           </a:lstStyle>
-          <a:p/>
+          <a:p>
+            <a:endParaRPr/>
+          </a:p>
         </p:txBody>
       </p:sp>
       <p:sp>
         <p:nvSpPr>
           <p:cNvPr id="73" name="Google Shape;73;p11"/>
-          <p:cNvSpPr txBox="1"/>
+          <p:cNvSpPr txBox="1">
+            <a:spLocks noGrp="1"/>
+          </p:cNvSpPr>
           <p:nvPr>
-            <p:ph idx="12" type="sldNum"/>
+            <p:ph type="sldNum" idx="12"/>
           </p:nvPr>
         </p:nvSpPr>
         <p:spPr>
@@ -2594,67 +2678,67 @@
           </a:ln>
         </p:spPr>
         <p:txBody>
-          <a:bodyPr anchorCtr="0" anchor="ctr" bIns="45700" lIns="91425" spcFirstLastPara="1" rIns="91425" wrap="square" tIns="45700">
+          <a:bodyPr spcFirstLastPara="1" wrap="square" lIns="91425" tIns="45700" rIns="91425" bIns="45700" anchor="ctr" anchorCtr="0">
             <a:noAutofit/>
           </a:bodyPr>
           <a:lstStyle>
-            <a:lvl1pPr indent="0" lvl="0" marL="0" algn="r">
+            <a:lvl1pPr marL="0" lvl="0" indent="0" algn="r">
               <a:spcBef>
                 <a:spcPts val="0"/>
               </a:spcBef>
               <a:buNone/>
               <a:defRPr/>
             </a:lvl1pPr>
-            <a:lvl2pPr indent="0" lvl="1" marL="0" algn="r">
+            <a:lvl2pPr marL="0" lvl="1" indent="0" algn="r">
               <a:spcBef>
                 <a:spcPts val="0"/>
               </a:spcBef>
               <a:buNone/>
               <a:defRPr/>
             </a:lvl2pPr>
-            <a:lvl3pPr indent="0" lvl="2" marL="0" algn="r">
+            <a:lvl3pPr marL="0" lvl="2" indent="0" algn="r">
               <a:spcBef>
                 <a:spcPts val="0"/>
               </a:spcBef>
               <a:buNone/>
               <a:defRPr/>
             </a:lvl3pPr>
-            <a:lvl4pPr indent="0" lvl="3" marL="0" algn="r">
+            <a:lvl4pPr marL="0" lvl="3" indent="0" algn="r">
               <a:spcBef>
                 <a:spcPts val="0"/>
               </a:spcBef>
               <a:buNone/>
               <a:defRPr/>
             </a:lvl4pPr>
-            <a:lvl5pPr indent="0" lvl="4" marL="0" algn="r">
+            <a:lvl5pPr marL="0" lvl="4" indent="0" algn="r">
               <a:spcBef>
                 <a:spcPts val="0"/>
               </a:spcBef>
               <a:buNone/>
               <a:defRPr/>
             </a:lvl5pPr>
-            <a:lvl6pPr indent="0" lvl="5" marL="0" algn="r">
+            <a:lvl6pPr marL="0" lvl="5" indent="0" algn="r">
               <a:spcBef>
                 <a:spcPts val="0"/>
               </a:spcBef>
               <a:buNone/>
               <a:defRPr/>
             </a:lvl6pPr>
-            <a:lvl7pPr indent="0" lvl="6" marL="0" algn="r">
+            <a:lvl7pPr marL="0" lvl="6" indent="0" algn="r">
               <a:spcBef>
                 <a:spcPts val="0"/>
               </a:spcBef>
               <a:buNone/>
               <a:defRPr/>
             </a:lvl7pPr>
-            <a:lvl8pPr indent="0" lvl="7" marL="0" algn="r">
+            <a:lvl8pPr marL="0" lvl="7" indent="0" algn="r">
               <a:spcBef>
                 <a:spcPts val="0"/>
               </a:spcBef>
               <a:buNone/>
               <a:defRPr/>
             </a:lvl8pPr>
-            <a:lvl9pPr indent="0" lvl="8" marL="0" algn="r">
+            <a:lvl9pPr marL="0" lvl="8" indent="0" algn="r">
               <a:spcBef>
                 <a:spcPts val="0"/>
               </a:spcBef>
@@ -2663,7 +2747,7 @@
             </a:lvl9pPr>
           </a:lstStyle>
           <a:p>
-            <a:pPr indent="0" lvl="0" marL="0" rtl="0" algn="r">
+            <a:pPr marL="0" lvl="0" indent="0" algn="r" rtl="0">
               <a:spcBef>
                 <a:spcPts val="0"/>
               </a:spcBef>
@@ -2674,7 +2758,7 @@
             </a:pPr>
             <a:fld id="{00000000-1234-1234-1234-123412341234}" type="slidenum">
               <a:rPr lang="pt-BR"/>
-              <a:t>‹#›</a:t>
+              <a:t>‹nº›</a:t>
             </a:fld>
             <a:endParaRPr/>
           </a:p>
@@ -2689,11 +2773,11 @@
 </file>
 
 <file path=ppt/slideLayouts/slideLayout11.xml><?xml version="1.0" encoding="utf-8"?>
-<p:sldLayout xmlns:a="http://schemas.openxmlformats.org/drawingml/2006/main" xmlns:r="http://schemas.openxmlformats.org/officeDocument/2006/relationships" xmlns:mc="http://schemas.openxmlformats.org/markup-compatibility/2006" xmlns:mv="urn:schemas-microsoft-com:mac:vml" xmlns:p="http://schemas.openxmlformats.org/presentationml/2006/main" xmlns:c="http://schemas.openxmlformats.org/drawingml/2006/chart" xmlns:dgm="http://schemas.openxmlformats.org/drawingml/2006/diagram" xmlns:o="urn:schemas-microsoft-com:office:office" xmlns:v="urn:schemas-microsoft-com:vml" xmlns:pvml="urn:schemas-microsoft-com:office:powerpoint" xmlns:com="http://schemas.openxmlformats.org/drawingml/2006/compatibility" xmlns:p14="http://schemas.microsoft.com/office/powerpoint/2010/main" xmlns:p15="http://schemas.microsoft.com/office/powerpoint/2012/main" xmlns:ahyp="http://schemas.microsoft.com/office/drawing/2018/hyperlinkcolor" matchingName="Vertical Title and Text" type="vertTitleAndTx">
+<p:sldLayout xmlns:a="http://schemas.openxmlformats.org/drawingml/2006/main" xmlns:r="http://schemas.openxmlformats.org/officeDocument/2006/relationships" xmlns:p="http://schemas.openxmlformats.org/presentationml/2006/main" matchingName="Vertical Title and Text" type="vertTitleAndTx">
   <p:cSld name="VERTICAL_TITLE_AND_VERTICAL_TEXT">
     <p:spTree>
       <p:nvGrpSpPr>
-        <p:cNvPr id="74" name="Shape 74"/>
+        <p:cNvPr id="1" name="Shape 74"/>
         <p:cNvGrpSpPr/>
         <p:nvPr/>
       </p:nvGrpSpPr>
@@ -2708,7 +2792,9 @@
       <p:sp>
         <p:nvSpPr>
           <p:cNvPr id="75" name="Google Shape;75;p12"/>
-          <p:cNvSpPr txBox="1"/>
+          <p:cNvSpPr txBox="1">
+            <a:spLocks noGrp="1"/>
+          </p:cNvSpPr>
           <p:nvPr>
             <p:ph type="title"/>
           </p:nvPr>
@@ -2727,7 +2813,7 @@
           </a:ln>
         </p:spPr>
         <p:txBody>
-          <a:bodyPr anchorCtr="0" anchor="ctr" bIns="45700" lIns="91425" spcFirstLastPara="1" rIns="91425" wrap="square" tIns="45700">
+          <a:bodyPr spcFirstLastPara="1" wrap="square" lIns="91425" tIns="45700" rIns="91425" bIns="45700" anchor="ctr" anchorCtr="0">
             <a:normAutofit/>
           </a:bodyPr>
           <a:lstStyle>
@@ -2837,15 +2923,19 @@
               <a:defRPr/>
             </a:lvl9pPr>
           </a:lstStyle>
-          <a:p/>
+          <a:p>
+            <a:endParaRPr/>
+          </a:p>
         </p:txBody>
       </p:sp>
       <p:sp>
         <p:nvSpPr>
           <p:cNvPr id="76" name="Google Shape;76;p12"/>
-          <p:cNvSpPr txBox="1"/>
+          <p:cNvSpPr txBox="1">
+            <a:spLocks noGrp="1"/>
+          </p:cNvSpPr>
           <p:nvPr>
-            <p:ph idx="1" type="body"/>
+            <p:ph type="body" idx="1"/>
           </p:nvPr>
         </p:nvSpPr>
         <p:spPr>
@@ -2862,11 +2952,11 @@
           </a:ln>
         </p:spPr>
         <p:txBody>
-          <a:bodyPr anchorCtr="0" anchor="t" bIns="45700" lIns="91425" spcFirstLastPara="1" rIns="91425" wrap="square" tIns="45700">
+          <a:bodyPr spcFirstLastPara="1" wrap="square" lIns="91425" tIns="45700" rIns="91425" bIns="45700" anchor="t" anchorCtr="0">
             <a:normAutofit/>
           </a:bodyPr>
           <a:lstStyle>
-            <a:lvl1pPr indent="-342900" lvl="0" marL="457200" algn="l">
+            <a:lvl1pPr marL="457200" lvl="0" indent="-342900" algn="l">
               <a:lnSpc>
                 <a:spcPct val="90000"/>
               </a:lnSpc>
@@ -2883,7 +2973,7 @@
               <a:buChar char="•"/>
               <a:defRPr/>
             </a:lvl1pPr>
-            <a:lvl2pPr indent="-342900" lvl="1" marL="914400" algn="l">
+            <a:lvl2pPr marL="914400" lvl="1" indent="-342900" algn="l">
               <a:lnSpc>
                 <a:spcPct val="90000"/>
               </a:lnSpc>
@@ -2900,7 +2990,7 @@
               <a:buChar char="•"/>
               <a:defRPr/>
             </a:lvl2pPr>
-            <a:lvl3pPr indent="-342900" lvl="2" marL="1371600" algn="l">
+            <a:lvl3pPr marL="1371600" lvl="2" indent="-342900" algn="l">
               <a:lnSpc>
                 <a:spcPct val="90000"/>
               </a:lnSpc>
@@ -2917,7 +3007,7 @@
               <a:buChar char="•"/>
               <a:defRPr/>
             </a:lvl3pPr>
-            <a:lvl4pPr indent="-342900" lvl="3" marL="1828800" algn="l">
+            <a:lvl4pPr marL="1828800" lvl="3" indent="-342900" algn="l">
               <a:lnSpc>
                 <a:spcPct val="90000"/>
               </a:lnSpc>
@@ -2934,7 +3024,7 @@
               <a:buChar char="•"/>
               <a:defRPr/>
             </a:lvl4pPr>
-            <a:lvl5pPr indent="-342900" lvl="4" marL="2286000" algn="l">
+            <a:lvl5pPr marL="2286000" lvl="4" indent="-342900" algn="l">
               <a:lnSpc>
                 <a:spcPct val="90000"/>
               </a:lnSpc>
@@ -2951,7 +3041,7 @@
               <a:buChar char="•"/>
               <a:defRPr/>
             </a:lvl5pPr>
-            <a:lvl6pPr indent="-342900" lvl="5" marL="2743200" algn="l">
+            <a:lvl6pPr marL="2743200" lvl="5" indent="-342900" algn="l">
               <a:lnSpc>
                 <a:spcPct val="90000"/>
               </a:lnSpc>
@@ -2968,7 +3058,7 @@
               <a:buChar char="•"/>
               <a:defRPr/>
             </a:lvl6pPr>
-            <a:lvl7pPr indent="-342900" lvl="6" marL="3200400" algn="l">
+            <a:lvl7pPr marL="3200400" lvl="6" indent="-342900" algn="l">
               <a:lnSpc>
                 <a:spcPct val="90000"/>
               </a:lnSpc>
@@ -2985,7 +3075,7 @@
               <a:buChar char="•"/>
               <a:defRPr/>
             </a:lvl7pPr>
-            <a:lvl8pPr indent="-342900" lvl="7" marL="3657600" algn="l">
+            <a:lvl8pPr marL="3657600" lvl="7" indent="-342900" algn="l">
               <a:lnSpc>
                 <a:spcPct val="90000"/>
               </a:lnSpc>
@@ -3002,7 +3092,7 @@
               <a:buChar char="•"/>
               <a:defRPr/>
             </a:lvl8pPr>
-            <a:lvl9pPr indent="-342900" lvl="8" marL="4114800" algn="l">
+            <a:lvl9pPr marL="4114800" lvl="8" indent="-342900" algn="l">
               <a:lnSpc>
                 <a:spcPct val="90000"/>
               </a:lnSpc>
@@ -3020,15 +3110,19 @@
               <a:defRPr/>
             </a:lvl9pPr>
           </a:lstStyle>
-          <a:p/>
+          <a:p>
+            <a:endParaRPr/>
+          </a:p>
         </p:txBody>
       </p:sp>
       <p:sp>
         <p:nvSpPr>
           <p:cNvPr id="77" name="Google Shape;77;p12"/>
-          <p:cNvSpPr txBox="1"/>
+          <p:cNvSpPr txBox="1">
+            <a:spLocks noGrp="1"/>
+          </p:cNvSpPr>
           <p:nvPr>
-            <p:ph idx="10" type="dt"/>
+            <p:ph type="dt" idx="10"/>
           </p:nvPr>
         </p:nvSpPr>
         <p:spPr>
@@ -3045,7 +3139,7 @@
           </a:ln>
         </p:spPr>
         <p:txBody>
-          <a:bodyPr anchorCtr="0" anchor="ctr" bIns="45700" lIns="91425" spcFirstLastPara="1" rIns="91425" wrap="square" tIns="45700">
+          <a:bodyPr spcFirstLastPara="1" wrap="square" lIns="91425" tIns="45700" rIns="91425" bIns="45700" anchor="ctr" anchorCtr="0">
             <a:noAutofit/>
           </a:bodyPr>
           <a:lstStyle>
@@ -3149,15 +3243,19 @@
               <a:defRPr/>
             </a:lvl9pPr>
           </a:lstStyle>
-          <a:p/>
+          <a:p>
+            <a:endParaRPr/>
+          </a:p>
         </p:txBody>
       </p:sp>
       <p:sp>
         <p:nvSpPr>
           <p:cNvPr id="78" name="Google Shape;78;p12"/>
-          <p:cNvSpPr txBox="1"/>
+          <p:cNvSpPr txBox="1">
+            <a:spLocks noGrp="1"/>
+          </p:cNvSpPr>
           <p:nvPr>
-            <p:ph idx="11" type="ftr"/>
+            <p:ph type="ftr" idx="11"/>
           </p:nvPr>
         </p:nvSpPr>
         <p:spPr>
@@ -3174,7 +3272,7 @@
           </a:ln>
         </p:spPr>
         <p:txBody>
-          <a:bodyPr anchorCtr="0" anchor="ctr" bIns="45700" lIns="91425" spcFirstLastPara="1" rIns="91425" wrap="square" tIns="45700">
+          <a:bodyPr spcFirstLastPara="1" wrap="square" lIns="91425" tIns="45700" rIns="91425" bIns="45700" anchor="ctr" anchorCtr="0">
             <a:noAutofit/>
           </a:bodyPr>
           <a:lstStyle>
@@ -3278,15 +3376,19 @@
               <a:defRPr/>
             </a:lvl9pPr>
           </a:lstStyle>
-          <a:p/>
+          <a:p>
+            <a:endParaRPr/>
+          </a:p>
         </p:txBody>
       </p:sp>
       <p:sp>
         <p:nvSpPr>
           <p:cNvPr id="79" name="Google Shape;79;p12"/>
-          <p:cNvSpPr txBox="1"/>
+          <p:cNvSpPr txBox="1">
+            <a:spLocks noGrp="1"/>
+          </p:cNvSpPr>
           <p:nvPr>
-            <p:ph idx="12" type="sldNum"/>
+            <p:ph type="sldNum" idx="12"/>
           </p:nvPr>
         </p:nvSpPr>
         <p:spPr>
@@ -3303,67 +3405,67 @@
           </a:ln>
         </p:spPr>
         <p:txBody>
-          <a:bodyPr anchorCtr="0" anchor="ctr" bIns="45700" lIns="91425" spcFirstLastPara="1" rIns="91425" wrap="square" tIns="45700">
+          <a:bodyPr spcFirstLastPara="1" wrap="square" lIns="91425" tIns="45700" rIns="91425" bIns="45700" anchor="ctr" anchorCtr="0">
             <a:noAutofit/>
           </a:bodyPr>
           <a:lstStyle>
-            <a:lvl1pPr indent="0" lvl="0" marL="0" algn="r">
+            <a:lvl1pPr marL="0" lvl="0" indent="0" algn="r">
               <a:spcBef>
                 <a:spcPts val="0"/>
               </a:spcBef>
               <a:buNone/>
               <a:defRPr/>
             </a:lvl1pPr>
-            <a:lvl2pPr indent="0" lvl="1" marL="0" algn="r">
+            <a:lvl2pPr marL="0" lvl="1" indent="0" algn="r">
               <a:spcBef>
                 <a:spcPts val="0"/>
               </a:spcBef>
               <a:buNone/>
               <a:defRPr/>
             </a:lvl2pPr>
-            <a:lvl3pPr indent="0" lvl="2" marL="0" algn="r">
+            <a:lvl3pPr marL="0" lvl="2" indent="0" algn="r">
               <a:spcBef>
                 <a:spcPts val="0"/>
               </a:spcBef>
               <a:buNone/>
               <a:defRPr/>
             </a:lvl3pPr>
-            <a:lvl4pPr indent="0" lvl="3" marL="0" algn="r">
+            <a:lvl4pPr marL="0" lvl="3" indent="0" algn="r">
               <a:spcBef>
                 <a:spcPts val="0"/>
               </a:spcBef>
               <a:buNone/>
               <a:defRPr/>
             </a:lvl4pPr>
-            <a:lvl5pPr indent="0" lvl="4" marL="0" algn="r">
+            <a:lvl5pPr marL="0" lvl="4" indent="0" algn="r">
               <a:spcBef>
                 <a:spcPts val="0"/>
               </a:spcBef>
               <a:buNone/>
               <a:defRPr/>
             </a:lvl5pPr>
-            <a:lvl6pPr indent="0" lvl="5" marL="0" algn="r">
+            <a:lvl6pPr marL="0" lvl="5" indent="0" algn="r">
               <a:spcBef>
                 <a:spcPts val="0"/>
               </a:spcBef>
               <a:buNone/>
               <a:defRPr/>
             </a:lvl6pPr>
-            <a:lvl7pPr indent="0" lvl="6" marL="0" algn="r">
+            <a:lvl7pPr marL="0" lvl="6" indent="0" algn="r">
               <a:spcBef>
                 <a:spcPts val="0"/>
               </a:spcBef>
               <a:buNone/>
               <a:defRPr/>
             </a:lvl7pPr>
-            <a:lvl8pPr indent="0" lvl="7" marL="0" algn="r">
+            <a:lvl8pPr marL="0" lvl="7" indent="0" algn="r">
               <a:spcBef>
                 <a:spcPts val="0"/>
               </a:spcBef>
               <a:buNone/>
               <a:defRPr/>
             </a:lvl8pPr>
-            <a:lvl9pPr indent="0" lvl="8" marL="0" algn="r">
+            <a:lvl9pPr marL="0" lvl="8" indent="0" algn="r">
               <a:spcBef>
                 <a:spcPts val="0"/>
               </a:spcBef>
@@ -3372,7 +3474,7 @@
             </a:lvl9pPr>
           </a:lstStyle>
           <a:p>
-            <a:pPr indent="0" lvl="0" marL="0" rtl="0" algn="r">
+            <a:pPr marL="0" lvl="0" indent="0" algn="r" rtl="0">
               <a:spcBef>
                 <a:spcPts val="0"/>
               </a:spcBef>
@@ -3383,7 +3485,7 @@
             </a:pPr>
             <a:fld id="{00000000-1234-1234-1234-123412341234}" type="slidenum">
               <a:rPr lang="pt-BR"/>
-              <a:t>‹#›</a:t>
+              <a:t>‹nº›</a:t>
             </a:fld>
             <a:endParaRPr/>
           </a:p>
@@ -3398,11 +3500,11 @@
 </file>
 
 <file path=ppt/slideLayouts/slideLayout2.xml><?xml version="1.0" encoding="utf-8"?>
-<p:sldLayout xmlns:a="http://schemas.openxmlformats.org/drawingml/2006/main" xmlns:r="http://schemas.openxmlformats.org/officeDocument/2006/relationships" xmlns:mc="http://schemas.openxmlformats.org/markup-compatibility/2006" xmlns:mv="urn:schemas-microsoft-com:mac:vml" xmlns:p="http://schemas.openxmlformats.org/presentationml/2006/main" xmlns:c="http://schemas.openxmlformats.org/drawingml/2006/chart" xmlns:dgm="http://schemas.openxmlformats.org/drawingml/2006/diagram" xmlns:o="urn:schemas-microsoft-com:office:office" xmlns:v="urn:schemas-microsoft-com:vml" xmlns:pvml="urn:schemas-microsoft-com:office:powerpoint" xmlns:com="http://schemas.openxmlformats.org/drawingml/2006/compatibility" xmlns:p14="http://schemas.microsoft.com/office/powerpoint/2010/main" xmlns:p15="http://schemas.microsoft.com/office/powerpoint/2012/main" xmlns:ahyp="http://schemas.microsoft.com/office/drawing/2018/hyperlinkcolor" matchingName="Title and Content" type="obj">
+<p:sldLayout xmlns:a="http://schemas.openxmlformats.org/drawingml/2006/main" xmlns:r="http://schemas.openxmlformats.org/officeDocument/2006/relationships" xmlns:p="http://schemas.openxmlformats.org/presentationml/2006/main" matchingName="Title and Content" type="obj">
   <p:cSld name="OBJECT">
     <p:spTree>
       <p:nvGrpSpPr>
-        <p:cNvPr id="17" name="Shape 17"/>
+        <p:cNvPr id="1" name="Shape 17"/>
         <p:cNvGrpSpPr/>
         <p:nvPr/>
       </p:nvGrpSpPr>
@@ -3417,7 +3519,9 @@
       <p:sp>
         <p:nvSpPr>
           <p:cNvPr id="18" name="Google Shape;18;p3"/>
-          <p:cNvSpPr txBox="1"/>
+          <p:cNvSpPr txBox="1">
+            <a:spLocks noGrp="1"/>
+          </p:cNvSpPr>
           <p:nvPr>
             <p:ph type="title"/>
           </p:nvPr>
@@ -3436,7 +3540,7 @@
           </a:ln>
         </p:spPr>
         <p:txBody>
-          <a:bodyPr anchorCtr="0" anchor="ctr" bIns="45700" lIns="91425" spcFirstLastPara="1" rIns="91425" wrap="square" tIns="45700">
+          <a:bodyPr spcFirstLastPara="1" wrap="square" lIns="91425" tIns="45700" rIns="91425" bIns="45700" anchor="ctr" anchorCtr="0">
             <a:normAutofit/>
           </a:bodyPr>
           <a:lstStyle>
@@ -3546,15 +3650,19 @@
               <a:defRPr/>
             </a:lvl9pPr>
           </a:lstStyle>
-          <a:p/>
+          <a:p>
+            <a:endParaRPr/>
+          </a:p>
         </p:txBody>
       </p:sp>
       <p:sp>
         <p:nvSpPr>
           <p:cNvPr id="19" name="Google Shape;19;p3"/>
-          <p:cNvSpPr txBox="1"/>
+          <p:cNvSpPr txBox="1">
+            <a:spLocks noGrp="1"/>
+          </p:cNvSpPr>
           <p:nvPr>
-            <p:ph idx="1" type="body"/>
+            <p:ph type="body" idx="1"/>
           </p:nvPr>
         </p:nvSpPr>
         <p:spPr>
@@ -3571,11 +3679,11 @@
           </a:ln>
         </p:spPr>
         <p:txBody>
-          <a:bodyPr anchorCtr="0" anchor="t" bIns="45700" lIns="91425" spcFirstLastPara="1" rIns="91425" wrap="square" tIns="45700">
+          <a:bodyPr spcFirstLastPara="1" wrap="square" lIns="91425" tIns="45700" rIns="91425" bIns="45700" anchor="t" anchorCtr="0">
             <a:normAutofit/>
           </a:bodyPr>
           <a:lstStyle>
-            <a:lvl1pPr indent="-342900" lvl="0" marL="457200" algn="l">
+            <a:lvl1pPr marL="457200" lvl="0" indent="-342900" algn="l">
               <a:lnSpc>
                 <a:spcPct val="90000"/>
               </a:lnSpc>
@@ -3592,7 +3700,7 @@
               <a:buChar char="•"/>
               <a:defRPr/>
             </a:lvl1pPr>
-            <a:lvl2pPr indent="-342900" lvl="1" marL="914400" algn="l">
+            <a:lvl2pPr marL="914400" lvl="1" indent="-342900" algn="l">
               <a:lnSpc>
                 <a:spcPct val="90000"/>
               </a:lnSpc>
@@ -3609,7 +3717,7 @@
               <a:buChar char="•"/>
               <a:defRPr/>
             </a:lvl2pPr>
-            <a:lvl3pPr indent="-342900" lvl="2" marL="1371600" algn="l">
+            <a:lvl3pPr marL="1371600" lvl="2" indent="-342900" algn="l">
               <a:lnSpc>
                 <a:spcPct val="90000"/>
               </a:lnSpc>
@@ -3626,7 +3734,7 @@
               <a:buChar char="•"/>
               <a:defRPr/>
             </a:lvl3pPr>
-            <a:lvl4pPr indent="-342900" lvl="3" marL="1828800" algn="l">
+            <a:lvl4pPr marL="1828800" lvl="3" indent="-342900" algn="l">
               <a:lnSpc>
                 <a:spcPct val="90000"/>
               </a:lnSpc>
@@ -3643,7 +3751,7 @@
               <a:buChar char="•"/>
               <a:defRPr/>
             </a:lvl4pPr>
-            <a:lvl5pPr indent="-342900" lvl="4" marL="2286000" algn="l">
+            <a:lvl5pPr marL="2286000" lvl="4" indent="-342900" algn="l">
               <a:lnSpc>
                 <a:spcPct val="90000"/>
               </a:lnSpc>
@@ -3660,7 +3768,7 @@
               <a:buChar char="•"/>
               <a:defRPr/>
             </a:lvl5pPr>
-            <a:lvl6pPr indent="-342900" lvl="5" marL="2743200" algn="l">
+            <a:lvl6pPr marL="2743200" lvl="5" indent="-342900" algn="l">
               <a:lnSpc>
                 <a:spcPct val="90000"/>
               </a:lnSpc>
@@ -3677,7 +3785,7 @@
               <a:buChar char="•"/>
               <a:defRPr/>
             </a:lvl6pPr>
-            <a:lvl7pPr indent="-342900" lvl="6" marL="3200400" algn="l">
+            <a:lvl7pPr marL="3200400" lvl="6" indent="-342900" algn="l">
               <a:lnSpc>
                 <a:spcPct val="90000"/>
               </a:lnSpc>
@@ -3694,7 +3802,7 @@
               <a:buChar char="•"/>
               <a:defRPr/>
             </a:lvl7pPr>
-            <a:lvl8pPr indent="-342900" lvl="7" marL="3657600" algn="l">
+            <a:lvl8pPr marL="3657600" lvl="7" indent="-342900" algn="l">
               <a:lnSpc>
                 <a:spcPct val="90000"/>
               </a:lnSpc>
@@ -3711,7 +3819,7 @@
               <a:buChar char="•"/>
               <a:defRPr/>
             </a:lvl8pPr>
-            <a:lvl9pPr indent="-342900" lvl="8" marL="4114800" algn="l">
+            <a:lvl9pPr marL="4114800" lvl="8" indent="-342900" algn="l">
               <a:lnSpc>
                 <a:spcPct val="90000"/>
               </a:lnSpc>
@@ -3729,15 +3837,19 @@
               <a:defRPr/>
             </a:lvl9pPr>
           </a:lstStyle>
-          <a:p/>
+          <a:p>
+            <a:endParaRPr/>
+          </a:p>
         </p:txBody>
       </p:sp>
       <p:sp>
         <p:nvSpPr>
           <p:cNvPr id="20" name="Google Shape;20;p3"/>
-          <p:cNvSpPr txBox="1"/>
+          <p:cNvSpPr txBox="1">
+            <a:spLocks noGrp="1"/>
+          </p:cNvSpPr>
           <p:nvPr>
-            <p:ph idx="10" type="dt"/>
+            <p:ph type="dt" idx="10"/>
           </p:nvPr>
         </p:nvSpPr>
         <p:spPr>
@@ -3754,7 +3866,7 @@
           </a:ln>
         </p:spPr>
         <p:txBody>
-          <a:bodyPr anchorCtr="0" anchor="ctr" bIns="45700" lIns="91425" spcFirstLastPara="1" rIns="91425" wrap="square" tIns="45700">
+          <a:bodyPr spcFirstLastPara="1" wrap="square" lIns="91425" tIns="45700" rIns="91425" bIns="45700" anchor="ctr" anchorCtr="0">
             <a:noAutofit/>
           </a:bodyPr>
           <a:lstStyle>
@@ -3858,15 +3970,19 @@
               <a:defRPr/>
             </a:lvl9pPr>
           </a:lstStyle>
-          <a:p/>
+          <a:p>
+            <a:endParaRPr/>
+          </a:p>
         </p:txBody>
       </p:sp>
       <p:sp>
         <p:nvSpPr>
           <p:cNvPr id="21" name="Google Shape;21;p3"/>
-          <p:cNvSpPr txBox="1"/>
+          <p:cNvSpPr txBox="1">
+            <a:spLocks noGrp="1"/>
+          </p:cNvSpPr>
           <p:nvPr>
-            <p:ph idx="11" type="ftr"/>
+            <p:ph type="ftr" idx="11"/>
           </p:nvPr>
         </p:nvSpPr>
         <p:spPr>
@@ -3883,7 +3999,7 @@
           </a:ln>
         </p:spPr>
         <p:txBody>
-          <a:bodyPr anchorCtr="0" anchor="ctr" bIns="45700" lIns="91425" spcFirstLastPara="1" rIns="91425" wrap="square" tIns="45700">
+          <a:bodyPr spcFirstLastPara="1" wrap="square" lIns="91425" tIns="45700" rIns="91425" bIns="45700" anchor="ctr" anchorCtr="0">
             <a:noAutofit/>
           </a:bodyPr>
           <a:lstStyle>
@@ -3987,15 +4103,19 @@
               <a:defRPr/>
             </a:lvl9pPr>
           </a:lstStyle>
-          <a:p/>
+          <a:p>
+            <a:endParaRPr/>
+          </a:p>
         </p:txBody>
       </p:sp>
       <p:sp>
         <p:nvSpPr>
           <p:cNvPr id="22" name="Google Shape;22;p3"/>
-          <p:cNvSpPr txBox="1"/>
+          <p:cNvSpPr txBox="1">
+            <a:spLocks noGrp="1"/>
+          </p:cNvSpPr>
           <p:nvPr>
-            <p:ph idx="12" type="sldNum"/>
+            <p:ph type="sldNum" idx="12"/>
           </p:nvPr>
         </p:nvSpPr>
         <p:spPr>
@@ -4012,67 +4132,67 @@
           </a:ln>
         </p:spPr>
         <p:txBody>
-          <a:bodyPr anchorCtr="0" anchor="ctr" bIns="45700" lIns="91425" spcFirstLastPara="1" rIns="91425" wrap="square" tIns="45700">
+          <a:bodyPr spcFirstLastPara="1" wrap="square" lIns="91425" tIns="45700" rIns="91425" bIns="45700" anchor="ctr" anchorCtr="0">
             <a:noAutofit/>
           </a:bodyPr>
           <a:lstStyle>
-            <a:lvl1pPr indent="0" lvl="0" marL="0" algn="r">
+            <a:lvl1pPr marL="0" lvl="0" indent="0" algn="r">
               <a:spcBef>
                 <a:spcPts val="0"/>
               </a:spcBef>
               <a:buNone/>
               <a:defRPr/>
             </a:lvl1pPr>
-            <a:lvl2pPr indent="0" lvl="1" marL="0" algn="r">
+            <a:lvl2pPr marL="0" lvl="1" indent="0" algn="r">
               <a:spcBef>
                 <a:spcPts val="0"/>
               </a:spcBef>
               <a:buNone/>
               <a:defRPr/>
             </a:lvl2pPr>
-            <a:lvl3pPr indent="0" lvl="2" marL="0" algn="r">
+            <a:lvl3pPr marL="0" lvl="2" indent="0" algn="r">
               <a:spcBef>
                 <a:spcPts val="0"/>
               </a:spcBef>
               <a:buNone/>
               <a:defRPr/>
             </a:lvl3pPr>
-            <a:lvl4pPr indent="0" lvl="3" marL="0" algn="r">
+            <a:lvl4pPr marL="0" lvl="3" indent="0" algn="r">
               <a:spcBef>
                 <a:spcPts val="0"/>
               </a:spcBef>
               <a:buNone/>
               <a:defRPr/>
             </a:lvl4pPr>
-            <a:lvl5pPr indent="0" lvl="4" marL="0" algn="r">
+            <a:lvl5pPr marL="0" lvl="4" indent="0" algn="r">
               <a:spcBef>
                 <a:spcPts val="0"/>
               </a:spcBef>
               <a:buNone/>
               <a:defRPr/>
             </a:lvl5pPr>
-            <a:lvl6pPr indent="0" lvl="5" marL="0" algn="r">
+            <a:lvl6pPr marL="0" lvl="5" indent="0" algn="r">
               <a:spcBef>
                 <a:spcPts val="0"/>
               </a:spcBef>
               <a:buNone/>
               <a:defRPr/>
             </a:lvl6pPr>
-            <a:lvl7pPr indent="0" lvl="6" marL="0" algn="r">
+            <a:lvl7pPr marL="0" lvl="6" indent="0" algn="r">
               <a:spcBef>
                 <a:spcPts val="0"/>
               </a:spcBef>
               <a:buNone/>
               <a:defRPr/>
             </a:lvl7pPr>
-            <a:lvl8pPr indent="0" lvl="7" marL="0" algn="r">
+            <a:lvl8pPr marL="0" lvl="7" indent="0" algn="r">
               <a:spcBef>
                 <a:spcPts val="0"/>
               </a:spcBef>
               <a:buNone/>
               <a:defRPr/>
             </a:lvl8pPr>
-            <a:lvl9pPr indent="0" lvl="8" marL="0" algn="r">
+            <a:lvl9pPr marL="0" lvl="8" indent="0" algn="r">
               <a:spcBef>
                 <a:spcPts val="0"/>
               </a:spcBef>
@@ -4081,7 +4201,7 @@
             </a:lvl9pPr>
           </a:lstStyle>
           <a:p>
-            <a:pPr indent="0" lvl="0" marL="0" rtl="0" algn="r">
+            <a:pPr marL="0" lvl="0" indent="0" algn="r" rtl="0">
               <a:spcBef>
                 <a:spcPts val="0"/>
               </a:spcBef>
@@ -4092,7 +4212,7 @@
             </a:pPr>
             <a:fld id="{00000000-1234-1234-1234-123412341234}" type="slidenum">
               <a:rPr lang="pt-BR"/>
-              <a:t>‹#›</a:t>
+              <a:t>‹nº›</a:t>
             </a:fld>
             <a:endParaRPr/>
           </a:p>
@@ -4107,11 +4227,11 @@
 </file>
 
 <file path=ppt/slideLayouts/slideLayout3.xml><?xml version="1.0" encoding="utf-8"?>
-<p:sldLayout xmlns:a="http://schemas.openxmlformats.org/drawingml/2006/main" xmlns:r="http://schemas.openxmlformats.org/officeDocument/2006/relationships" xmlns:mc="http://schemas.openxmlformats.org/markup-compatibility/2006" xmlns:mv="urn:schemas-microsoft-com:mac:vml" xmlns:p="http://schemas.openxmlformats.org/presentationml/2006/main" xmlns:c="http://schemas.openxmlformats.org/drawingml/2006/chart" xmlns:dgm="http://schemas.openxmlformats.org/drawingml/2006/diagram" xmlns:o="urn:schemas-microsoft-com:office:office" xmlns:v="urn:schemas-microsoft-com:vml" xmlns:pvml="urn:schemas-microsoft-com:office:powerpoint" xmlns:com="http://schemas.openxmlformats.org/drawingml/2006/compatibility" xmlns:p14="http://schemas.microsoft.com/office/powerpoint/2010/main" xmlns:p15="http://schemas.microsoft.com/office/powerpoint/2012/main" xmlns:ahyp="http://schemas.microsoft.com/office/drawing/2018/hyperlinkcolor" matchingName="Section Header" type="secHead">
+<p:sldLayout xmlns:a="http://schemas.openxmlformats.org/drawingml/2006/main" xmlns:r="http://schemas.openxmlformats.org/officeDocument/2006/relationships" xmlns:p="http://schemas.openxmlformats.org/presentationml/2006/main" matchingName="Section Header" type="secHead">
   <p:cSld name="SECTION_HEADER">
     <p:spTree>
       <p:nvGrpSpPr>
-        <p:cNvPr id="23" name="Shape 23"/>
+        <p:cNvPr id="1" name="Shape 23"/>
         <p:cNvGrpSpPr/>
         <p:nvPr/>
       </p:nvGrpSpPr>
@@ -4126,7 +4246,9 @@
       <p:sp>
         <p:nvSpPr>
           <p:cNvPr id="24" name="Google Shape;24;p4"/>
-          <p:cNvSpPr txBox="1"/>
+          <p:cNvSpPr txBox="1">
+            <a:spLocks noGrp="1"/>
+          </p:cNvSpPr>
           <p:nvPr>
             <p:ph type="title"/>
           </p:nvPr>
@@ -4145,7 +4267,7 @@
           </a:ln>
         </p:spPr>
         <p:txBody>
-          <a:bodyPr anchorCtr="0" anchor="b" bIns="45700" lIns="91425" spcFirstLastPara="1" rIns="91425" wrap="square" tIns="45700">
+          <a:bodyPr spcFirstLastPara="1" wrap="square" lIns="91425" tIns="45700" rIns="91425" bIns="45700" anchor="b" anchorCtr="0">
             <a:normAutofit/>
           </a:bodyPr>
           <a:lstStyle>
@@ -4256,15 +4378,19 @@
               <a:defRPr/>
             </a:lvl9pPr>
           </a:lstStyle>
-          <a:p/>
+          <a:p>
+            <a:endParaRPr/>
+          </a:p>
         </p:txBody>
       </p:sp>
       <p:sp>
         <p:nvSpPr>
           <p:cNvPr id="25" name="Google Shape;25;p4"/>
-          <p:cNvSpPr txBox="1"/>
+          <p:cNvSpPr txBox="1">
+            <a:spLocks noGrp="1"/>
+          </p:cNvSpPr>
           <p:nvPr>
-            <p:ph idx="1" type="body"/>
+            <p:ph type="body" idx="1"/>
           </p:nvPr>
         </p:nvSpPr>
         <p:spPr>
@@ -4281,11 +4407,11 @@
           </a:ln>
         </p:spPr>
         <p:txBody>
-          <a:bodyPr anchorCtr="0" anchor="t" bIns="45700" lIns="91425" spcFirstLastPara="1" rIns="91425" wrap="square" tIns="45700">
+          <a:bodyPr spcFirstLastPara="1" wrap="square" lIns="91425" tIns="45700" rIns="91425" bIns="45700" anchor="t" anchorCtr="0">
             <a:normAutofit/>
           </a:bodyPr>
           <a:lstStyle>
-            <a:lvl1pPr indent="-228600" lvl="0" marL="457200" algn="l">
+            <a:lvl1pPr marL="457200" lvl="0" indent="-228600" algn="l">
               <a:lnSpc>
                 <a:spcPct val="90000"/>
               </a:lnSpc>
@@ -4306,7 +4432,7 @@
                 </a:solidFill>
               </a:defRPr>
             </a:lvl1pPr>
-            <a:lvl2pPr indent="-228600" lvl="1" marL="914400" algn="l">
+            <a:lvl2pPr marL="914400" lvl="1" indent="-228600" algn="l">
               <a:lnSpc>
                 <a:spcPct val="90000"/>
               </a:lnSpc>
@@ -4327,7 +4453,7 @@
                 </a:solidFill>
               </a:defRPr>
             </a:lvl2pPr>
-            <a:lvl3pPr indent="-228600" lvl="2" marL="1371600" algn="l">
+            <a:lvl3pPr marL="1371600" lvl="2" indent="-228600" algn="l">
               <a:lnSpc>
                 <a:spcPct val="90000"/>
               </a:lnSpc>
@@ -4348,7 +4474,7 @@
                 </a:solidFill>
               </a:defRPr>
             </a:lvl3pPr>
-            <a:lvl4pPr indent="-228600" lvl="3" marL="1828800" algn="l">
+            <a:lvl4pPr marL="1828800" lvl="3" indent="-228600" algn="l">
               <a:lnSpc>
                 <a:spcPct val="90000"/>
               </a:lnSpc>
@@ -4369,7 +4495,7 @@
                 </a:solidFill>
               </a:defRPr>
             </a:lvl4pPr>
-            <a:lvl5pPr indent="-228600" lvl="4" marL="2286000" algn="l">
+            <a:lvl5pPr marL="2286000" lvl="4" indent="-228600" algn="l">
               <a:lnSpc>
                 <a:spcPct val="90000"/>
               </a:lnSpc>
@@ -4390,7 +4516,7 @@
                 </a:solidFill>
               </a:defRPr>
             </a:lvl5pPr>
-            <a:lvl6pPr indent="-228600" lvl="5" marL="2743200" algn="l">
+            <a:lvl6pPr marL="2743200" lvl="5" indent="-228600" algn="l">
               <a:lnSpc>
                 <a:spcPct val="90000"/>
               </a:lnSpc>
@@ -4411,7 +4537,7 @@
                 </a:solidFill>
               </a:defRPr>
             </a:lvl6pPr>
-            <a:lvl7pPr indent="-228600" lvl="6" marL="3200400" algn="l">
+            <a:lvl7pPr marL="3200400" lvl="6" indent="-228600" algn="l">
               <a:lnSpc>
                 <a:spcPct val="90000"/>
               </a:lnSpc>
@@ -4432,7 +4558,7 @@
                 </a:solidFill>
               </a:defRPr>
             </a:lvl7pPr>
-            <a:lvl8pPr indent="-228600" lvl="7" marL="3657600" algn="l">
+            <a:lvl8pPr marL="3657600" lvl="7" indent="-228600" algn="l">
               <a:lnSpc>
                 <a:spcPct val="90000"/>
               </a:lnSpc>
@@ -4453,7 +4579,7 @@
                 </a:solidFill>
               </a:defRPr>
             </a:lvl8pPr>
-            <a:lvl9pPr indent="-228600" lvl="8" marL="4114800" algn="l">
+            <a:lvl9pPr marL="4114800" lvl="8" indent="-228600" algn="l">
               <a:lnSpc>
                 <a:spcPct val="90000"/>
               </a:lnSpc>
@@ -4475,15 +4601,19 @@
               </a:defRPr>
             </a:lvl9pPr>
           </a:lstStyle>
-          <a:p/>
+          <a:p>
+            <a:endParaRPr/>
+          </a:p>
         </p:txBody>
       </p:sp>
       <p:sp>
         <p:nvSpPr>
           <p:cNvPr id="26" name="Google Shape;26;p4"/>
-          <p:cNvSpPr txBox="1"/>
+          <p:cNvSpPr txBox="1">
+            <a:spLocks noGrp="1"/>
+          </p:cNvSpPr>
           <p:nvPr>
-            <p:ph idx="10" type="dt"/>
+            <p:ph type="dt" idx="10"/>
           </p:nvPr>
         </p:nvSpPr>
         <p:spPr>
@@ -4500,7 +4630,7 @@
           </a:ln>
         </p:spPr>
         <p:txBody>
-          <a:bodyPr anchorCtr="0" anchor="ctr" bIns="45700" lIns="91425" spcFirstLastPara="1" rIns="91425" wrap="square" tIns="45700">
+          <a:bodyPr spcFirstLastPara="1" wrap="square" lIns="91425" tIns="45700" rIns="91425" bIns="45700" anchor="ctr" anchorCtr="0">
             <a:noAutofit/>
           </a:bodyPr>
           <a:lstStyle>
@@ -4604,15 +4734,19 @@
               <a:defRPr/>
             </a:lvl9pPr>
           </a:lstStyle>
-          <a:p/>
+          <a:p>
+            <a:endParaRPr/>
+          </a:p>
         </p:txBody>
       </p:sp>
       <p:sp>
         <p:nvSpPr>
           <p:cNvPr id="27" name="Google Shape;27;p4"/>
-          <p:cNvSpPr txBox="1"/>
+          <p:cNvSpPr txBox="1">
+            <a:spLocks noGrp="1"/>
+          </p:cNvSpPr>
           <p:nvPr>
-            <p:ph idx="11" type="ftr"/>
+            <p:ph type="ftr" idx="11"/>
           </p:nvPr>
         </p:nvSpPr>
         <p:spPr>
@@ -4629,7 +4763,7 @@
           </a:ln>
         </p:spPr>
         <p:txBody>
-          <a:bodyPr anchorCtr="0" anchor="ctr" bIns="45700" lIns="91425" spcFirstLastPara="1" rIns="91425" wrap="square" tIns="45700">
+          <a:bodyPr spcFirstLastPara="1" wrap="square" lIns="91425" tIns="45700" rIns="91425" bIns="45700" anchor="ctr" anchorCtr="0">
             <a:noAutofit/>
           </a:bodyPr>
           <a:lstStyle>
@@ -4733,15 +4867,19 @@
               <a:defRPr/>
             </a:lvl9pPr>
           </a:lstStyle>
-          <a:p/>
+          <a:p>
+            <a:endParaRPr/>
+          </a:p>
         </p:txBody>
       </p:sp>
       <p:sp>
         <p:nvSpPr>
           <p:cNvPr id="28" name="Google Shape;28;p4"/>
-          <p:cNvSpPr txBox="1"/>
+          <p:cNvSpPr txBox="1">
+            <a:spLocks noGrp="1"/>
+          </p:cNvSpPr>
           <p:nvPr>
-            <p:ph idx="12" type="sldNum"/>
+            <p:ph type="sldNum" idx="12"/>
           </p:nvPr>
         </p:nvSpPr>
         <p:spPr>
@@ -4758,67 +4896,67 @@
           </a:ln>
         </p:spPr>
         <p:txBody>
-          <a:bodyPr anchorCtr="0" anchor="ctr" bIns="45700" lIns="91425" spcFirstLastPara="1" rIns="91425" wrap="square" tIns="45700">
+          <a:bodyPr spcFirstLastPara="1" wrap="square" lIns="91425" tIns="45700" rIns="91425" bIns="45700" anchor="ctr" anchorCtr="0">
             <a:noAutofit/>
           </a:bodyPr>
           <a:lstStyle>
-            <a:lvl1pPr indent="0" lvl="0" marL="0" algn="r">
+            <a:lvl1pPr marL="0" lvl="0" indent="0" algn="r">
               <a:spcBef>
                 <a:spcPts val="0"/>
               </a:spcBef>
               <a:buNone/>
               <a:defRPr/>
             </a:lvl1pPr>
-            <a:lvl2pPr indent="0" lvl="1" marL="0" algn="r">
+            <a:lvl2pPr marL="0" lvl="1" indent="0" algn="r">
               <a:spcBef>
                 <a:spcPts val="0"/>
               </a:spcBef>
               <a:buNone/>
               <a:defRPr/>
             </a:lvl2pPr>
-            <a:lvl3pPr indent="0" lvl="2" marL="0" algn="r">
+            <a:lvl3pPr marL="0" lvl="2" indent="0" algn="r">
               <a:spcBef>
                 <a:spcPts val="0"/>
               </a:spcBef>
               <a:buNone/>
               <a:defRPr/>
             </a:lvl3pPr>
-            <a:lvl4pPr indent="0" lvl="3" marL="0" algn="r">
+            <a:lvl4pPr marL="0" lvl="3" indent="0" algn="r">
               <a:spcBef>
                 <a:spcPts val="0"/>
               </a:spcBef>
               <a:buNone/>
               <a:defRPr/>
             </a:lvl4pPr>
-            <a:lvl5pPr indent="0" lvl="4" marL="0" algn="r">
+            <a:lvl5pPr marL="0" lvl="4" indent="0" algn="r">
               <a:spcBef>
                 <a:spcPts val="0"/>
               </a:spcBef>
               <a:buNone/>
               <a:defRPr/>
             </a:lvl5pPr>
-            <a:lvl6pPr indent="0" lvl="5" marL="0" algn="r">
+            <a:lvl6pPr marL="0" lvl="5" indent="0" algn="r">
               <a:spcBef>
                 <a:spcPts val="0"/>
               </a:spcBef>
               <a:buNone/>
               <a:defRPr/>
             </a:lvl6pPr>
-            <a:lvl7pPr indent="0" lvl="6" marL="0" algn="r">
+            <a:lvl7pPr marL="0" lvl="6" indent="0" algn="r">
               <a:spcBef>
                 <a:spcPts val="0"/>
               </a:spcBef>
               <a:buNone/>
               <a:defRPr/>
             </a:lvl7pPr>
-            <a:lvl8pPr indent="0" lvl="7" marL="0" algn="r">
+            <a:lvl8pPr marL="0" lvl="7" indent="0" algn="r">
               <a:spcBef>
                 <a:spcPts val="0"/>
               </a:spcBef>
               <a:buNone/>
               <a:defRPr/>
             </a:lvl8pPr>
-            <a:lvl9pPr indent="0" lvl="8" marL="0" algn="r">
+            <a:lvl9pPr marL="0" lvl="8" indent="0" algn="r">
               <a:spcBef>
                 <a:spcPts val="0"/>
               </a:spcBef>
@@ -4827,7 +4965,7 @@
             </a:lvl9pPr>
           </a:lstStyle>
           <a:p>
-            <a:pPr indent="0" lvl="0" marL="0" rtl="0" algn="r">
+            <a:pPr marL="0" lvl="0" indent="0" algn="r" rtl="0">
               <a:spcBef>
                 <a:spcPts val="0"/>
               </a:spcBef>
@@ -4838,7 +4976,7 @@
             </a:pPr>
             <a:fld id="{00000000-1234-1234-1234-123412341234}" type="slidenum">
               <a:rPr lang="pt-BR"/>
-              <a:t>‹#›</a:t>
+              <a:t>‹nº›</a:t>
             </a:fld>
             <a:endParaRPr/>
           </a:p>
@@ -4853,11 +4991,11 @@
 </file>
 
 <file path=ppt/slideLayouts/slideLayout4.xml><?xml version="1.0" encoding="utf-8"?>
-<p:sldLayout xmlns:a="http://schemas.openxmlformats.org/drawingml/2006/main" xmlns:r="http://schemas.openxmlformats.org/officeDocument/2006/relationships" xmlns:mc="http://schemas.openxmlformats.org/markup-compatibility/2006" xmlns:mv="urn:schemas-microsoft-com:mac:vml" xmlns:p="http://schemas.openxmlformats.org/presentationml/2006/main" xmlns:c="http://schemas.openxmlformats.org/drawingml/2006/chart" xmlns:dgm="http://schemas.openxmlformats.org/drawingml/2006/diagram" xmlns:o="urn:schemas-microsoft-com:office:office" xmlns:v="urn:schemas-microsoft-com:vml" xmlns:pvml="urn:schemas-microsoft-com:office:powerpoint" xmlns:com="http://schemas.openxmlformats.org/drawingml/2006/compatibility" xmlns:p14="http://schemas.microsoft.com/office/powerpoint/2010/main" xmlns:p15="http://schemas.microsoft.com/office/powerpoint/2012/main" xmlns:ahyp="http://schemas.microsoft.com/office/drawing/2018/hyperlinkcolor" matchingName="Two Content" type="twoObj">
+<p:sldLayout xmlns:a="http://schemas.openxmlformats.org/drawingml/2006/main" xmlns:r="http://schemas.openxmlformats.org/officeDocument/2006/relationships" xmlns:p="http://schemas.openxmlformats.org/presentationml/2006/main" matchingName="Two Content" type="twoObj">
   <p:cSld name="TWO_OBJECTS">
     <p:spTree>
       <p:nvGrpSpPr>
-        <p:cNvPr id="29" name="Shape 29"/>
+        <p:cNvPr id="1" name="Shape 29"/>
         <p:cNvGrpSpPr/>
         <p:nvPr/>
       </p:nvGrpSpPr>
@@ -4872,7 +5010,9 @@
       <p:sp>
         <p:nvSpPr>
           <p:cNvPr id="30" name="Google Shape;30;p5"/>
-          <p:cNvSpPr txBox="1"/>
+          <p:cNvSpPr txBox="1">
+            <a:spLocks noGrp="1"/>
+          </p:cNvSpPr>
           <p:nvPr>
             <p:ph type="title"/>
           </p:nvPr>
@@ -4891,7 +5031,7 @@
           </a:ln>
         </p:spPr>
         <p:txBody>
-          <a:bodyPr anchorCtr="0" anchor="ctr" bIns="45700" lIns="91425" spcFirstLastPara="1" rIns="91425" wrap="square" tIns="45700">
+          <a:bodyPr spcFirstLastPara="1" wrap="square" lIns="91425" tIns="45700" rIns="91425" bIns="45700" anchor="ctr" anchorCtr="0">
             <a:normAutofit/>
           </a:bodyPr>
           <a:lstStyle>
@@ -5001,15 +5141,19 @@
               <a:defRPr/>
             </a:lvl9pPr>
           </a:lstStyle>
-          <a:p/>
+          <a:p>
+            <a:endParaRPr/>
+          </a:p>
         </p:txBody>
       </p:sp>
       <p:sp>
         <p:nvSpPr>
           <p:cNvPr id="31" name="Google Shape;31;p5"/>
-          <p:cNvSpPr txBox="1"/>
+          <p:cNvSpPr txBox="1">
+            <a:spLocks noGrp="1"/>
+          </p:cNvSpPr>
           <p:nvPr>
-            <p:ph idx="1" type="body"/>
+            <p:ph type="body" idx="1"/>
           </p:nvPr>
         </p:nvSpPr>
         <p:spPr>
@@ -5026,11 +5170,11 @@
           </a:ln>
         </p:spPr>
         <p:txBody>
-          <a:bodyPr anchorCtr="0" anchor="t" bIns="45700" lIns="91425" spcFirstLastPara="1" rIns="91425" wrap="square" tIns="45700">
+          <a:bodyPr spcFirstLastPara="1" wrap="square" lIns="91425" tIns="45700" rIns="91425" bIns="45700" anchor="t" anchorCtr="0">
             <a:normAutofit/>
           </a:bodyPr>
           <a:lstStyle>
-            <a:lvl1pPr indent="-342900" lvl="0" marL="457200" algn="l">
+            <a:lvl1pPr marL="457200" lvl="0" indent="-342900" algn="l">
               <a:lnSpc>
                 <a:spcPct val="90000"/>
               </a:lnSpc>
@@ -5047,7 +5191,7 @@
               <a:buChar char="•"/>
               <a:defRPr/>
             </a:lvl1pPr>
-            <a:lvl2pPr indent="-342900" lvl="1" marL="914400" algn="l">
+            <a:lvl2pPr marL="914400" lvl="1" indent="-342900" algn="l">
               <a:lnSpc>
                 <a:spcPct val="90000"/>
               </a:lnSpc>
@@ -5064,7 +5208,7 @@
               <a:buChar char="•"/>
               <a:defRPr/>
             </a:lvl2pPr>
-            <a:lvl3pPr indent="-342900" lvl="2" marL="1371600" algn="l">
+            <a:lvl3pPr marL="1371600" lvl="2" indent="-342900" algn="l">
               <a:lnSpc>
                 <a:spcPct val="90000"/>
               </a:lnSpc>
@@ -5081,7 +5225,7 @@
               <a:buChar char="•"/>
               <a:defRPr/>
             </a:lvl3pPr>
-            <a:lvl4pPr indent="-342900" lvl="3" marL="1828800" algn="l">
+            <a:lvl4pPr marL="1828800" lvl="3" indent="-342900" algn="l">
               <a:lnSpc>
                 <a:spcPct val="90000"/>
               </a:lnSpc>
@@ -5098,7 +5242,7 @@
               <a:buChar char="•"/>
               <a:defRPr/>
             </a:lvl4pPr>
-            <a:lvl5pPr indent="-342900" lvl="4" marL="2286000" algn="l">
+            <a:lvl5pPr marL="2286000" lvl="4" indent="-342900" algn="l">
               <a:lnSpc>
                 <a:spcPct val="90000"/>
               </a:lnSpc>
@@ -5115,7 +5259,7 @@
               <a:buChar char="•"/>
               <a:defRPr/>
             </a:lvl5pPr>
-            <a:lvl6pPr indent="-342900" lvl="5" marL="2743200" algn="l">
+            <a:lvl6pPr marL="2743200" lvl="5" indent="-342900" algn="l">
               <a:lnSpc>
                 <a:spcPct val="90000"/>
               </a:lnSpc>
@@ -5132,7 +5276,7 @@
               <a:buChar char="•"/>
               <a:defRPr/>
             </a:lvl6pPr>
-            <a:lvl7pPr indent="-342900" lvl="6" marL="3200400" algn="l">
+            <a:lvl7pPr marL="3200400" lvl="6" indent="-342900" algn="l">
               <a:lnSpc>
                 <a:spcPct val="90000"/>
               </a:lnSpc>
@@ -5149,7 +5293,7 @@
               <a:buChar char="•"/>
               <a:defRPr/>
             </a:lvl7pPr>
-            <a:lvl8pPr indent="-342900" lvl="7" marL="3657600" algn="l">
+            <a:lvl8pPr marL="3657600" lvl="7" indent="-342900" algn="l">
               <a:lnSpc>
                 <a:spcPct val="90000"/>
               </a:lnSpc>
@@ -5166,7 +5310,7 @@
               <a:buChar char="•"/>
               <a:defRPr/>
             </a:lvl8pPr>
-            <a:lvl9pPr indent="-342900" lvl="8" marL="4114800" algn="l">
+            <a:lvl9pPr marL="4114800" lvl="8" indent="-342900" algn="l">
               <a:lnSpc>
                 <a:spcPct val="90000"/>
               </a:lnSpc>
@@ -5184,15 +5328,19 @@
               <a:defRPr/>
             </a:lvl9pPr>
           </a:lstStyle>
-          <a:p/>
+          <a:p>
+            <a:endParaRPr/>
+          </a:p>
         </p:txBody>
       </p:sp>
       <p:sp>
         <p:nvSpPr>
           <p:cNvPr id="32" name="Google Shape;32;p5"/>
-          <p:cNvSpPr txBox="1"/>
+          <p:cNvSpPr txBox="1">
+            <a:spLocks noGrp="1"/>
+          </p:cNvSpPr>
           <p:nvPr>
-            <p:ph idx="2" type="body"/>
+            <p:ph type="body" idx="2"/>
           </p:nvPr>
         </p:nvSpPr>
         <p:spPr>
@@ -5209,11 +5357,11 @@
           </a:ln>
         </p:spPr>
         <p:txBody>
-          <a:bodyPr anchorCtr="0" anchor="t" bIns="45700" lIns="91425" spcFirstLastPara="1" rIns="91425" wrap="square" tIns="45700">
+          <a:bodyPr spcFirstLastPara="1" wrap="square" lIns="91425" tIns="45700" rIns="91425" bIns="45700" anchor="t" anchorCtr="0">
             <a:normAutofit/>
           </a:bodyPr>
           <a:lstStyle>
-            <a:lvl1pPr indent="-342900" lvl="0" marL="457200" algn="l">
+            <a:lvl1pPr marL="457200" lvl="0" indent="-342900" algn="l">
               <a:lnSpc>
                 <a:spcPct val="90000"/>
               </a:lnSpc>
@@ -5230,7 +5378,7 @@
               <a:buChar char="•"/>
               <a:defRPr/>
             </a:lvl1pPr>
-            <a:lvl2pPr indent="-342900" lvl="1" marL="914400" algn="l">
+            <a:lvl2pPr marL="914400" lvl="1" indent="-342900" algn="l">
               <a:lnSpc>
                 <a:spcPct val="90000"/>
               </a:lnSpc>
@@ -5247,7 +5395,7 @@
               <a:buChar char="•"/>
               <a:defRPr/>
             </a:lvl2pPr>
-            <a:lvl3pPr indent="-342900" lvl="2" marL="1371600" algn="l">
+            <a:lvl3pPr marL="1371600" lvl="2" indent="-342900" algn="l">
               <a:lnSpc>
                 <a:spcPct val="90000"/>
               </a:lnSpc>
@@ -5264,7 +5412,7 @@
               <a:buChar char="•"/>
               <a:defRPr/>
             </a:lvl3pPr>
-            <a:lvl4pPr indent="-342900" lvl="3" marL="1828800" algn="l">
+            <a:lvl4pPr marL="1828800" lvl="3" indent="-342900" algn="l">
               <a:lnSpc>
                 <a:spcPct val="90000"/>
               </a:lnSpc>
@@ -5281,7 +5429,7 @@
               <a:buChar char="•"/>
               <a:defRPr/>
             </a:lvl4pPr>
-            <a:lvl5pPr indent="-342900" lvl="4" marL="2286000" algn="l">
+            <a:lvl5pPr marL="2286000" lvl="4" indent="-342900" algn="l">
               <a:lnSpc>
                 <a:spcPct val="90000"/>
               </a:lnSpc>
@@ -5298,7 +5446,7 @@
               <a:buChar char="•"/>
               <a:defRPr/>
             </a:lvl5pPr>
-            <a:lvl6pPr indent="-342900" lvl="5" marL="2743200" algn="l">
+            <a:lvl6pPr marL="2743200" lvl="5" indent="-342900" algn="l">
               <a:lnSpc>
                 <a:spcPct val="90000"/>
               </a:lnSpc>
@@ -5315,7 +5463,7 @@
               <a:buChar char="•"/>
               <a:defRPr/>
             </a:lvl6pPr>
-            <a:lvl7pPr indent="-342900" lvl="6" marL="3200400" algn="l">
+            <a:lvl7pPr marL="3200400" lvl="6" indent="-342900" algn="l">
               <a:lnSpc>
                 <a:spcPct val="90000"/>
               </a:lnSpc>
@@ -5332,7 +5480,7 @@
               <a:buChar char="•"/>
               <a:defRPr/>
             </a:lvl7pPr>
-            <a:lvl8pPr indent="-342900" lvl="7" marL="3657600" algn="l">
+            <a:lvl8pPr marL="3657600" lvl="7" indent="-342900" algn="l">
               <a:lnSpc>
                 <a:spcPct val="90000"/>
               </a:lnSpc>
@@ -5349,7 +5497,7 @@
               <a:buChar char="•"/>
               <a:defRPr/>
             </a:lvl8pPr>
-            <a:lvl9pPr indent="-342900" lvl="8" marL="4114800" algn="l">
+            <a:lvl9pPr marL="4114800" lvl="8" indent="-342900" algn="l">
               <a:lnSpc>
                 <a:spcPct val="90000"/>
               </a:lnSpc>
@@ -5367,15 +5515,19 @@
               <a:defRPr/>
             </a:lvl9pPr>
           </a:lstStyle>
-          <a:p/>
+          <a:p>
+            <a:endParaRPr/>
+          </a:p>
         </p:txBody>
       </p:sp>
       <p:sp>
         <p:nvSpPr>
           <p:cNvPr id="33" name="Google Shape;33;p5"/>
-          <p:cNvSpPr txBox="1"/>
+          <p:cNvSpPr txBox="1">
+            <a:spLocks noGrp="1"/>
+          </p:cNvSpPr>
           <p:nvPr>
-            <p:ph idx="10" type="dt"/>
+            <p:ph type="dt" idx="10"/>
           </p:nvPr>
         </p:nvSpPr>
         <p:spPr>
@@ -5392,7 +5544,7 @@
           </a:ln>
         </p:spPr>
         <p:txBody>
-          <a:bodyPr anchorCtr="0" anchor="ctr" bIns="45700" lIns="91425" spcFirstLastPara="1" rIns="91425" wrap="square" tIns="45700">
+          <a:bodyPr spcFirstLastPara="1" wrap="square" lIns="91425" tIns="45700" rIns="91425" bIns="45700" anchor="ctr" anchorCtr="0">
             <a:noAutofit/>
           </a:bodyPr>
           <a:lstStyle>
@@ -5496,15 +5648,19 @@
               <a:defRPr/>
             </a:lvl9pPr>
           </a:lstStyle>
-          <a:p/>
+          <a:p>
+            <a:endParaRPr/>
+          </a:p>
         </p:txBody>
       </p:sp>
       <p:sp>
         <p:nvSpPr>
           <p:cNvPr id="34" name="Google Shape;34;p5"/>
-          <p:cNvSpPr txBox="1"/>
+          <p:cNvSpPr txBox="1">
+            <a:spLocks noGrp="1"/>
+          </p:cNvSpPr>
           <p:nvPr>
-            <p:ph idx="11" type="ftr"/>
+            <p:ph type="ftr" idx="11"/>
           </p:nvPr>
         </p:nvSpPr>
         <p:spPr>
@@ -5521,7 +5677,7 @@
           </a:ln>
         </p:spPr>
         <p:txBody>
-          <a:bodyPr anchorCtr="0" anchor="ctr" bIns="45700" lIns="91425" spcFirstLastPara="1" rIns="91425" wrap="square" tIns="45700">
+          <a:bodyPr spcFirstLastPara="1" wrap="square" lIns="91425" tIns="45700" rIns="91425" bIns="45700" anchor="ctr" anchorCtr="0">
             <a:noAutofit/>
           </a:bodyPr>
           <a:lstStyle>
@@ -5625,15 +5781,19 @@
               <a:defRPr/>
             </a:lvl9pPr>
           </a:lstStyle>
-          <a:p/>
+          <a:p>
+            <a:endParaRPr/>
+          </a:p>
         </p:txBody>
       </p:sp>
       <p:sp>
         <p:nvSpPr>
           <p:cNvPr id="35" name="Google Shape;35;p5"/>
-          <p:cNvSpPr txBox="1"/>
+          <p:cNvSpPr txBox="1">
+            <a:spLocks noGrp="1"/>
+          </p:cNvSpPr>
           <p:nvPr>
-            <p:ph idx="12" type="sldNum"/>
+            <p:ph type="sldNum" idx="12"/>
           </p:nvPr>
         </p:nvSpPr>
         <p:spPr>
@@ -5650,67 +5810,67 @@
           </a:ln>
         </p:spPr>
         <p:txBody>
-          <a:bodyPr anchorCtr="0" anchor="ctr" bIns="45700" lIns="91425" spcFirstLastPara="1" rIns="91425" wrap="square" tIns="45700">
+          <a:bodyPr spcFirstLastPara="1" wrap="square" lIns="91425" tIns="45700" rIns="91425" bIns="45700" anchor="ctr" anchorCtr="0">
             <a:noAutofit/>
           </a:bodyPr>
           <a:lstStyle>
-            <a:lvl1pPr indent="0" lvl="0" marL="0" algn="r">
+            <a:lvl1pPr marL="0" lvl="0" indent="0" algn="r">
               <a:spcBef>
                 <a:spcPts val="0"/>
               </a:spcBef>
               <a:buNone/>
               <a:defRPr/>
             </a:lvl1pPr>
-            <a:lvl2pPr indent="0" lvl="1" marL="0" algn="r">
+            <a:lvl2pPr marL="0" lvl="1" indent="0" algn="r">
               <a:spcBef>
                 <a:spcPts val="0"/>
               </a:spcBef>
               <a:buNone/>
               <a:defRPr/>
             </a:lvl2pPr>
-            <a:lvl3pPr indent="0" lvl="2" marL="0" algn="r">
+            <a:lvl3pPr marL="0" lvl="2" indent="0" algn="r">
               <a:spcBef>
                 <a:spcPts val="0"/>
               </a:spcBef>
               <a:buNone/>
               <a:defRPr/>
             </a:lvl3pPr>
-            <a:lvl4pPr indent="0" lvl="3" marL="0" algn="r">
+            <a:lvl4pPr marL="0" lvl="3" indent="0" algn="r">
               <a:spcBef>
                 <a:spcPts val="0"/>
               </a:spcBef>
               <a:buNone/>
               <a:defRPr/>
             </a:lvl4pPr>
-            <a:lvl5pPr indent="0" lvl="4" marL="0" algn="r">
+            <a:lvl5pPr marL="0" lvl="4" indent="0" algn="r">
               <a:spcBef>
                 <a:spcPts val="0"/>
               </a:spcBef>
               <a:buNone/>
               <a:defRPr/>
             </a:lvl5pPr>
-            <a:lvl6pPr indent="0" lvl="5" marL="0" algn="r">
+            <a:lvl6pPr marL="0" lvl="5" indent="0" algn="r">
               <a:spcBef>
                 <a:spcPts val="0"/>
               </a:spcBef>
               <a:buNone/>
               <a:defRPr/>
             </a:lvl6pPr>
-            <a:lvl7pPr indent="0" lvl="6" marL="0" algn="r">
+            <a:lvl7pPr marL="0" lvl="6" indent="0" algn="r">
               <a:spcBef>
                 <a:spcPts val="0"/>
               </a:spcBef>
               <a:buNone/>
               <a:defRPr/>
             </a:lvl7pPr>
-            <a:lvl8pPr indent="0" lvl="7" marL="0" algn="r">
+            <a:lvl8pPr marL="0" lvl="7" indent="0" algn="r">
               <a:spcBef>
                 <a:spcPts val="0"/>
               </a:spcBef>
               <a:buNone/>
               <a:defRPr/>
             </a:lvl8pPr>
-            <a:lvl9pPr indent="0" lvl="8" marL="0" algn="r">
+            <a:lvl9pPr marL="0" lvl="8" indent="0" algn="r">
               <a:spcBef>
                 <a:spcPts val="0"/>
               </a:spcBef>
@@ -5719,7 +5879,7 @@
             </a:lvl9pPr>
           </a:lstStyle>
           <a:p>
-            <a:pPr indent="0" lvl="0" marL="0" rtl="0" algn="r">
+            <a:pPr marL="0" lvl="0" indent="0" algn="r" rtl="0">
               <a:spcBef>
                 <a:spcPts val="0"/>
               </a:spcBef>
@@ -5730,7 +5890,7 @@
             </a:pPr>
             <a:fld id="{00000000-1234-1234-1234-123412341234}" type="slidenum">
               <a:rPr lang="pt-BR"/>
-              <a:t>‹#›</a:t>
+              <a:t>‹nº›</a:t>
             </a:fld>
             <a:endParaRPr/>
           </a:p>
@@ -5745,11 +5905,11 @@
 </file>
 
 <file path=ppt/slideLayouts/slideLayout5.xml><?xml version="1.0" encoding="utf-8"?>
-<p:sldLayout xmlns:a="http://schemas.openxmlformats.org/drawingml/2006/main" xmlns:r="http://schemas.openxmlformats.org/officeDocument/2006/relationships" xmlns:mc="http://schemas.openxmlformats.org/markup-compatibility/2006" xmlns:mv="urn:schemas-microsoft-com:mac:vml" xmlns:p="http://schemas.openxmlformats.org/presentationml/2006/main" xmlns:c="http://schemas.openxmlformats.org/drawingml/2006/chart" xmlns:dgm="http://schemas.openxmlformats.org/drawingml/2006/diagram" xmlns:o="urn:schemas-microsoft-com:office:office" xmlns:v="urn:schemas-microsoft-com:vml" xmlns:pvml="urn:schemas-microsoft-com:office:powerpoint" xmlns:com="http://schemas.openxmlformats.org/drawingml/2006/compatibility" xmlns:p14="http://schemas.microsoft.com/office/powerpoint/2010/main" xmlns:p15="http://schemas.microsoft.com/office/powerpoint/2012/main" xmlns:ahyp="http://schemas.microsoft.com/office/drawing/2018/hyperlinkcolor" matchingName="Comparison" type="twoTxTwoObj">
+<p:sldLayout xmlns:a="http://schemas.openxmlformats.org/drawingml/2006/main" xmlns:r="http://schemas.openxmlformats.org/officeDocument/2006/relationships" xmlns:p="http://schemas.openxmlformats.org/presentationml/2006/main" matchingName="Comparison" type="twoTxTwoObj">
   <p:cSld name="TWO_OBJECTS_WITH_TEXT">
     <p:spTree>
       <p:nvGrpSpPr>
-        <p:cNvPr id="36" name="Shape 36"/>
+        <p:cNvPr id="1" name="Shape 36"/>
         <p:cNvGrpSpPr/>
         <p:nvPr/>
       </p:nvGrpSpPr>
@@ -5764,7 +5924,9 @@
       <p:sp>
         <p:nvSpPr>
           <p:cNvPr id="37" name="Google Shape;37;p6"/>
-          <p:cNvSpPr txBox="1"/>
+          <p:cNvSpPr txBox="1">
+            <a:spLocks noGrp="1"/>
+          </p:cNvSpPr>
           <p:nvPr>
             <p:ph type="title"/>
           </p:nvPr>
@@ -5783,7 +5945,7 @@
           </a:ln>
         </p:spPr>
         <p:txBody>
-          <a:bodyPr anchorCtr="0" anchor="ctr" bIns="45700" lIns="91425" spcFirstLastPara="1" rIns="91425" wrap="square" tIns="45700">
+          <a:bodyPr spcFirstLastPara="1" wrap="square" lIns="91425" tIns="45700" rIns="91425" bIns="45700" anchor="ctr" anchorCtr="0">
             <a:normAutofit/>
           </a:bodyPr>
           <a:lstStyle>
@@ -5893,15 +6055,19 @@
               <a:defRPr/>
             </a:lvl9pPr>
           </a:lstStyle>
-          <a:p/>
+          <a:p>
+            <a:endParaRPr/>
+          </a:p>
         </p:txBody>
       </p:sp>
       <p:sp>
         <p:nvSpPr>
           <p:cNvPr id="38" name="Google Shape;38;p6"/>
-          <p:cNvSpPr txBox="1"/>
+          <p:cNvSpPr txBox="1">
+            <a:spLocks noGrp="1"/>
+          </p:cNvSpPr>
           <p:nvPr>
-            <p:ph idx="1" type="body"/>
+            <p:ph type="body" idx="1"/>
           </p:nvPr>
         </p:nvSpPr>
         <p:spPr>
@@ -5918,11 +6084,11 @@
           </a:ln>
         </p:spPr>
         <p:txBody>
-          <a:bodyPr anchorCtr="0" anchor="b" bIns="45700" lIns="91425" spcFirstLastPara="1" rIns="91425" wrap="square" tIns="45700">
+          <a:bodyPr spcFirstLastPara="1" wrap="square" lIns="91425" tIns="45700" rIns="91425" bIns="45700" anchor="b" anchorCtr="0">
             <a:normAutofit/>
           </a:bodyPr>
           <a:lstStyle>
-            <a:lvl1pPr indent="-228600" lvl="0" marL="457200" algn="l">
+            <a:lvl1pPr marL="457200" lvl="0" indent="-228600" algn="l">
               <a:lnSpc>
                 <a:spcPct val="90000"/>
               </a:lnSpc>
@@ -5937,9 +6103,9 @@
               </a:buClr>
               <a:buSzPts val="2400"/>
               <a:buNone/>
-              <a:defRPr b="1" sz="2400"/>
+              <a:defRPr sz="2400" b="1"/>
             </a:lvl1pPr>
-            <a:lvl2pPr indent="-228600" lvl="1" marL="914400" algn="l">
+            <a:lvl2pPr marL="914400" lvl="1" indent="-228600" algn="l">
               <a:lnSpc>
                 <a:spcPct val="90000"/>
               </a:lnSpc>
@@ -5954,9 +6120,9 @@
               </a:buClr>
               <a:buSzPts val="2000"/>
               <a:buNone/>
-              <a:defRPr b="1" sz="2000"/>
+              <a:defRPr sz="2000" b="1"/>
             </a:lvl2pPr>
-            <a:lvl3pPr indent="-228600" lvl="2" marL="1371600" algn="l">
+            <a:lvl3pPr marL="1371600" lvl="2" indent="-228600" algn="l">
               <a:lnSpc>
                 <a:spcPct val="90000"/>
               </a:lnSpc>
@@ -5971,9 +6137,9 @@
               </a:buClr>
               <a:buSzPts val="1800"/>
               <a:buNone/>
-              <a:defRPr b="1" sz="1800"/>
+              <a:defRPr sz="1800" b="1"/>
             </a:lvl3pPr>
-            <a:lvl4pPr indent="-228600" lvl="3" marL="1828800" algn="l">
+            <a:lvl4pPr marL="1828800" lvl="3" indent="-228600" algn="l">
               <a:lnSpc>
                 <a:spcPct val="90000"/>
               </a:lnSpc>
@@ -5988,9 +6154,9 @@
               </a:buClr>
               <a:buSzPts val="1600"/>
               <a:buNone/>
-              <a:defRPr b="1" sz="1600"/>
+              <a:defRPr sz="1600" b="1"/>
             </a:lvl4pPr>
-            <a:lvl5pPr indent="-228600" lvl="4" marL="2286000" algn="l">
+            <a:lvl5pPr marL="2286000" lvl="4" indent="-228600" algn="l">
               <a:lnSpc>
                 <a:spcPct val="90000"/>
               </a:lnSpc>
@@ -6005,9 +6171,9 @@
               </a:buClr>
               <a:buSzPts val="1600"/>
               <a:buNone/>
-              <a:defRPr b="1" sz="1600"/>
+              <a:defRPr sz="1600" b="1"/>
             </a:lvl5pPr>
-            <a:lvl6pPr indent="-228600" lvl="5" marL="2743200" algn="l">
+            <a:lvl6pPr marL="2743200" lvl="5" indent="-228600" algn="l">
               <a:lnSpc>
                 <a:spcPct val="90000"/>
               </a:lnSpc>
@@ -6022,9 +6188,9 @@
               </a:buClr>
               <a:buSzPts val="1600"/>
               <a:buNone/>
-              <a:defRPr b="1" sz="1600"/>
+              <a:defRPr sz="1600" b="1"/>
             </a:lvl6pPr>
-            <a:lvl7pPr indent="-228600" lvl="6" marL="3200400" algn="l">
+            <a:lvl7pPr marL="3200400" lvl="6" indent="-228600" algn="l">
               <a:lnSpc>
                 <a:spcPct val="90000"/>
               </a:lnSpc>
@@ -6039,9 +6205,9 @@
               </a:buClr>
               <a:buSzPts val="1600"/>
               <a:buNone/>
-              <a:defRPr b="1" sz="1600"/>
+              <a:defRPr sz="1600" b="1"/>
             </a:lvl7pPr>
-            <a:lvl8pPr indent="-228600" lvl="7" marL="3657600" algn="l">
+            <a:lvl8pPr marL="3657600" lvl="7" indent="-228600" algn="l">
               <a:lnSpc>
                 <a:spcPct val="90000"/>
               </a:lnSpc>
@@ -6056,9 +6222,9 @@
               </a:buClr>
               <a:buSzPts val="1600"/>
               <a:buNone/>
-              <a:defRPr b="1" sz="1600"/>
+              <a:defRPr sz="1600" b="1"/>
             </a:lvl8pPr>
-            <a:lvl9pPr indent="-228600" lvl="8" marL="4114800" algn="l">
+            <a:lvl9pPr marL="4114800" lvl="8" indent="-228600" algn="l">
               <a:lnSpc>
                 <a:spcPct val="90000"/>
               </a:lnSpc>
@@ -6073,18 +6239,22 @@
               </a:buClr>
               <a:buSzPts val="1600"/>
               <a:buNone/>
-              <a:defRPr b="1" sz="1600"/>
+              <a:defRPr sz="1600" b="1"/>
             </a:lvl9pPr>
           </a:lstStyle>
-          <a:p/>
+          <a:p>
+            <a:endParaRPr/>
+          </a:p>
         </p:txBody>
       </p:sp>
       <p:sp>
         <p:nvSpPr>
           <p:cNvPr id="39" name="Google Shape;39;p6"/>
-          <p:cNvSpPr txBox="1"/>
+          <p:cNvSpPr txBox="1">
+            <a:spLocks noGrp="1"/>
+          </p:cNvSpPr>
           <p:nvPr>
-            <p:ph idx="2" type="body"/>
+            <p:ph type="body" idx="2"/>
           </p:nvPr>
         </p:nvSpPr>
         <p:spPr>
@@ -6101,11 +6271,11 @@
           </a:ln>
         </p:spPr>
         <p:txBody>
-          <a:bodyPr anchorCtr="0" anchor="t" bIns="45700" lIns="91425" spcFirstLastPara="1" rIns="91425" wrap="square" tIns="45700">
+          <a:bodyPr spcFirstLastPara="1" wrap="square" lIns="91425" tIns="45700" rIns="91425" bIns="45700" anchor="t" anchorCtr="0">
             <a:normAutofit/>
           </a:bodyPr>
           <a:lstStyle>
-            <a:lvl1pPr indent="-342900" lvl="0" marL="457200" algn="l">
+            <a:lvl1pPr marL="457200" lvl="0" indent="-342900" algn="l">
               <a:lnSpc>
                 <a:spcPct val="90000"/>
               </a:lnSpc>
@@ -6122,7 +6292,7 @@
               <a:buChar char="•"/>
               <a:defRPr/>
             </a:lvl1pPr>
-            <a:lvl2pPr indent="-342900" lvl="1" marL="914400" algn="l">
+            <a:lvl2pPr marL="914400" lvl="1" indent="-342900" algn="l">
               <a:lnSpc>
                 <a:spcPct val="90000"/>
               </a:lnSpc>
@@ -6139,7 +6309,7 @@
               <a:buChar char="•"/>
               <a:defRPr/>
             </a:lvl2pPr>
-            <a:lvl3pPr indent="-342900" lvl="2" marL="1371600" algn="l">
+            <a:lvl3pPr marL="1371600" lvl="2" indent="-342900" algn="l">
               <a:lnSpc>
                 <a:spcPct val="90000"/>
               </a:lnSpc>
@@ -6156,7 +6326,7 @@
               <a:buChar char="•"/>
               <a:defRPr/>
             </a:lvl3pPr>
-            <a:lvl4pPr indent="-342900" lvl="3" marL="1828800" algn="l">
+            <a:lvl4pPr marL="1828800" lvl="3" indent="-342900" algn="l">
               <a:lnSpc>
                 <a:spcPct val="90000"/>
               </a:lnSpc>
@@ -6173,7 +6343,7 @@
               <a:buChar char="•"/>
               <a:defRPr/>
             </a:lvl4pPr>
-            <a:lvl5pPr indent="-342900" lvl="4" marL="2286000" algn="l">
+            <a:lvl5pPr marL="2286000" lvl="4" indent="-342900" algn="l">
               <a:lnSpc>
                 <a:spcPct val="90000"/>
               </a:lnSpc>
@@ -6190,7 +6360,7 @@
               <a:buChar char="•"/>
               <a:defRPr/>
             </a:lvl5pPr>
-            <a:lvl6pPr indent="-342900" lvl="5" marL="2743200" algn="l">
+            <a:lvl6pPr marL="2743200" lvl="5" indent="-342900" algn="l">
               <a:lnSpc>
                 <a:spcPct val="90000"/>
               </a:lnSpc>
@@ -6207,7 +6377,7 @@
               <a:buChar char="•"/>
               <a:defRPr/>
             </a:lvl6pPr>
-            <a:lvl7pPr indent="-342900" lvl="6" marL="3200400" algn="l">
+            <a:lvl7pPr marL="3200400" lvl="6" indent="-342900" algn="l">
               <a:lnSpc>
                 <a:spcPct val="90000"/>
               </a:lnSpc>
@@ -6224,7 +6394,7 @@
               <a:buChar char="•"/>
               <a:defRPr/>
             </a:lvl7pPr>
-            <a:lvl8pPr indent="-342900" lvl="7" marL="3657600" algn="l">
+            <a:lvl8pPr marL="3657600" lvl="7" indent="-342900" algn="l">
               <a:lnSpc>
                 <a:spcPct val="90000"/>
               </a:lnSpc>
@@ -6241,7 +6411,7 @@
               <a:buChar char="•"/>
               <a:defRPr/>
             </a:lvl8pPr>
-            <a:lvl9pPr indent="-342900" lvl="8" marL="4114800" algn="l">
+            <a:lvl9pPr marL="4114800" lvl="8" indent="-342900" algn="l">
               <a:lnSpc>
                 <a:spcPct val="90000"/>
               </a:lnSpc>
@@ -6259,15 +6429,19 @@
               <a:defRPr/>
             </a:lvl9pPr>
           </a:lstStyle>
-          <a:p/>
+          <a:p>
+            <a:endParaRPr/>
+          </a:p>
         </p:txBody>
       </p:sp>
       <p:sp>
         <p:nvSpPr>
           <p:cNvPr id="40" name="Google Shape;40;p6"/>
-          <p:cNvSpPr txBox="1"/>
+          <p:cNvSpPr txBox="1">
+            <a:spLocks noGrp="1"/>
+          </p:cNvSpPr>
           <p:nvPr>
-            <p:ph idx="3" type="body"/>
+            <p:ph type="body" idx="3"/>
           </p:nvPr>
         </p:nvSpPr>
         <p:spPr>
@@ -6284,11 +6458,11 @@
           </a:ln>
         </p:spPr>
         <p:txBody>
-          <a:bodyPr anchorCtr="0" anchor="b" bIns="45700" lIns="91425" spcFirstLastPara="1" rIns="91425" wrap="square" tIns="45700">
+          <a:bodyPr spcFirstLastPara="1" wrap="square" lIns="91425" tIns="45700" rIns="91425" bIns="45700" anchor="b" anchorCtr="0">
             <a:normAutofit/>
           </a:bodyPr>
           <a:lstStyle>
-            <a:lvl1pPr indent="-228600" lvl="0" marL="457200" algn="l">
+            <a:lvl1pPr marL="457200" lvl="0" indent="-228600" algn="l">
               <a:lnSpc>
                 <a:spcPct val="90000"/>
               </a:lnSpc>
@@ -6303,9 +6477,9 @@
               </a:buClr>
               <a:buSzPts val="2400"/>
               <a:buNone/>
-              <a:defRPr b="1" sz="2400"/>
+              <a:defRPr sz="2400" b="1"/>
             </a:lvl1pPr>
-            <a:lvl2pPr indent="-228600" lvl="1" marL="914400" algn="l">
+            <a:lvl2pPr marL="914400" lvl="1" indent="-228600" algn="l">
               <a:lnSpc>
                 <a:spcPct val="90000"/>
               </a:lnSpc>
@@ -6320,9 +6494,9 @@
               </a:buClr>
               <a:buSzPts val="2000"/>
               <a:buNone/>
-              <a:defRPr b="1" sz="2000"/>
+              <a:defRPr sz="2000" b="1"/>
             </a:lvl2pPr>
-            <a:lvl3pPr indent="-228600" lvl="2" marL="1371600" algn="l">
+            <a:lvl3pPr marL="1371600" lvl="2" indent="-228600" algn="l">
               <a:lnSpc>
                 <a:spcPct val="90000"/>
               </a:lnSpc>
@@ -6337,9 +6511,9 @@
               </a:buClr>
               <a:buSzPts val="1800"/>
               <a:buNone/>
-              <a:defRPr b="1" sz="1800"/>
+              <a:defRPr sz="1800" b="1"/>
             </a:lvl3pPr>
-            <a:lvl4pPr indent="-228600" lvl="3" marL="1828800" algn="l">
+            <a:lvl4pPr marL="1828800" lvl="3" indent="-228600" algn="l">
               <a:lnSpc>
                 <a:spcPct val="90000"/>
               </a:lnSpc>
@@ -6354,9 +6528,9 @@
               </a:buClr>
               <a:buSzPts val="1600"/>
               <a:buNone/>
-              <a:defRPr b="1" sz="1600"/>
+              <a:defRPr sz="1600" b="1"/>
             </a:lvl4pPr>
-            <a:lvl5pPr indent="-228600" lvl="4" marL="2286000" algn="l">
+            <a:lvl5pPr marL="2286000" lvl="4" indent="-228600" algn="l">
               <a:lnSpc>
                 <a:spcPct val="90000"/>
               </a:lnSpc>
@@ -6371,9 +6545,9 @@
               </a:buClr>
               <a:buSzPts val="1600"/>
               <a:buNone/>
-              <a:defRPr b="1" sz="1600"/>
+              <a:defRPr sz="1600" b="1"/>
             </a:lvl5pPr>
-            <a:lvl6pPr indent="-228600" lvl="5" marL="2743200" algn="l">
+            <a:lvl6pPr marL="2743200" lvl="5" indent="-228600" algn="l">
               <a:lnSpc>
                 <a:spcPct val="90000"/>
               </a:lnSpc>
@@ -6388,9 +6562,9 @@
               </a:buClr>
               <a:buSzPts val="1600"/>
               <a:buNone/>
-              <a:defRPr b="1" sz="1600"/>
+              <a:defRPr sz="1600" b="1"/>
             </a:lvl6pPr>
-            <a:lvl7pPr indent="-228600" lvl="6" marL="3200400" algn="l">
+            <a:lvl7pPr marL="3200400" lvl="6" indent="-228600" algn="l">
               <a:lnSpc>
                 <a:spcPct val="90000"/>
               </a:lnSpc>
@@ -6405,9 +6579,9 @@
               </a:buClr>
               <a:buSzPts val="1600"/>
               <a:buNone/>
-              <a:defRPr b="1" sz="1600"/>
+              <a:defRPr sz="1600" b="1"/>
             </a:lvl7pPr>
-            <a:lvl8pPr indent="-228600" lvl="7" marL="3657600" algn="l">
+            <a:lvl8pPr marL="3657600" lvl="7" indent="-228600" algn="l">
               <a:lnSpc>
                 <a:spcPct val="90000"/>
               </a:lnSpc>
@@ -6422,9 +6596,9 @@
               </a:buClr>
               <a:buSzPts val="1600"/>
               <a:buNone/>
-              <a:defRPr b="1" sz="1600"/>
+              <a:defRPr sz="1600" b="1"/>
             </a:lvl8pPr>
-            <a:lvl9pPr indent="-228600" lvl="8" marL="4114800" algn="l">
+            <a:lvl9pPr marL="4114800" lvl="8" indent="-228600" algn="l">
               <a:lnSpc>
                 <a:spcPct val="90000"/>
               </a:lnSpc>
@@ -6439,18 +6613,22 @@
               </a:buClr>
               <a:buSzPts val="1600"/>
               <a:buNone/>
-              <a:defRPr b="1" sz="1600"/>
+              <a:defRPr sz="1600" b="1"/>
             </a:lvl9pPr>
           </a:lstStyle>
-          <a:p/>
+          <a:p>
+            <a:endParaRPr/>
+          </a:p>
         </p:txBody>
       </p:sp>
       <p:sp>
         <p:nvSpPr>
           <p:cNvPr id="41" name="Google Shape;41;p6"/>
-          <p:cNvSpPr txBox="1"/>
+          <p:cNvSpPr txBox="1">
+            <a:spLocks noGrp="1"/>
+          </p:cNvSpPr>
           <p:nvPr>
-            <p:ph idx="4" type="body"/>
+            <p:ph type="body" idx="4"/>
           </p:nvPr>
         </p:nvSpPr>
         <p:spPr>
@@ -6467,11 +6645,11 @@
           </a:ln>
         </p:spPr>
         <p:txBody>
-          <a:bodyPr anchorCtr="0" anchor="t" bIns="45700" lIns="91425" spcFirstLastPara="1" rIns="91425" wrap="square" tIns="45700">
+          <a:bodyPr spcFirstLastPara="1" wrap="square" lIns="91425" tIns="45700" rIns="91425" bIns="45700" anchor="t" anchorCtr="0">
             <a:normAutofit/>
           </a:bodyPr>
           <a:lstStyle>
-            <a:lvl1pPr indent="-342900" lvl="0" marL="457200" algn="l">
+            <a:lvl1pPr marL="457200" lvl="0" indent="-342900" algn="l">
               <a:lnSpc>
                 <a:spcPct val="90000"/>
               </a:lnSpc>
@@ -6488,7 +6666,7 @@
               <a:buChar char="•"/>
               <a:defRPr/>
             </a:lvl1pPr>
-            <a:lvl2pPr indent="-342900" lvl="1" marL="914400" algn="l">
+            <a:lvl2pPr marL="914400" lvl="1" indent="-342900" algn="l">
               <a:lnSpc>
                 <a:spcPct val="90000"/>
               </a:lnSpc>
@@ -6505,7 +6683,7 @@
               <a:buChar char="•"/>
               <a:defRPr/>
             </a:lvl2pPr>
-            <a:lvl3pPr indent="-342900" lvl="2" marL="1371600" algn="l">
+            <a:lvl3pPr marL="1371600" lvl="2" indent="-342900" algn="l">
               <a:lnSpc>
                 <a:spcPct val="90000"/>
               </a:lnSpc>
@@ -6522,7 +6700,7 @@
               <a:buChar char="•"/>
               <a:defRPr/>
             </a:lvl3pPr>
-            <a:lvl4pPr indent="-342900" lvl="3" marL="1828800" algn="l">
+            <a:lvl4pPr marL="1828800" lvl="3" indent="-342900" algn="l">
               <a:lnSpc>
                 <a:spcPct val="90000"/>
               </a:lnSpc>
@@ -6539,7 +6717,7 @@
               <a:buChar char="•"/>
               <a:defRPr/>
             </a:lvl4pPr>
-            <a:lvl5pPr indent="-342900" lvl="4" marL="2286000" algn="l">
+            <a:lvl5pPr marL="2286000" lvl="4" indent="-342900" algn="l">
               <a:lnSpc>
                 <a:spcPct val="90000"/>
               </a:lnSpc>
@@ -6556,7 +6734,7 @@
               <a:buChar char="•"/>
               <a:defRPr/>
             </a:lvl5pPr>
-            <a:lvl6pPr indent="-342900" lvl="5" marL="2743200" algn="l">
+            <a:lvl6pPr marL="2743200" lvl="5" indent="-342900" algn="l">
               <a:lnSpc>
                 <a:spcPct val="90000"/>
               </a:lnSpc>
@@ -6573,7 +6751,7 @@
               <a:buChar char="•"/>
               <a:defRPr/>
             </a:lvl6pPr>
-            <a:lvl7pPr indent="-342900" lvl="6" marL="3200400" algn="l">
+            <a:lvl7pPr marL="3200400" lvl="6" indent="-342900" algn="l">
               <a:lnSpc>
                 <a:spcPct val="90000"/>
               </a:lnSpc>
@@ -6590,7 +6768,7 @@
               <a:buChar char="•"/>
               <a:defRPr/>
             </a:lvl7pPr>
-            <a:lvl8pPr indent="-342900" lvl="7" marL="3657600" algn="l">
+            <a:lvl8pPr marL="3657600" lvl="7" indent="-342900" algn="l">
               <a:lnSpc>
                 <a:spcPct val="90000"/>
               </a:lnSpc>
@@ -6607,7 +6785,7 @@
               <a:buChar char="•"/>
               <a:defRPr/>
             </a:lvl8pPr>
-            <a:lvl9pPr indent="-342900" lvl="8" marL="4114800" algn="l">
+            <a:lvl9pPr marL="4114800" lvl="8" indent="-342900" algn="l">
               <a:lnSpc>
                 <a:spcPct val="90000"/>
               </a:lnSpc>
@@ -6625,15 +6803,19 @@
               <a:defRPr/>
             </a:lvl9pPr>
           </a:lstStyle>
-          <a:p/>
+          <a:p>
+            <a:endParaRPr/>
+          </a:p>
         </p:txBody>
       </p:sp>
       <p:sp>
         <p:nvSpPr>
           <p:cNvPr id="42" name="Google Shape;42;p6"/>
-          <p:cNvSpPr txBox="1"/>
+          <p:cNvSpPr txBox="1">
+            <a:spLocks noGrp="1"/>
+          </p:cNvSpPr>
           <p:nvPr>
-            <p:ph idx="10" type="dt"/>
+            <p:ph type="dt" idx="10"/>
           </p:nvPr>
         </p:nvSpPr>
         <p:spPr>
@@ -6650,7 +6832,7 @@
           </a:ln>
         </p:spPr>
         <p:txBody>
-          <a:bodyPr anchorCtr="0" anchor="ctr" bIns="45700" lIns="91425" spcFirstLastPara="1" rIns="91425" wrap="square" tIns="45700">
+          <a:bodyPr spcFirstLastPara="1" wrap="square" lIns="91425" tIns="45700" rIns="91425" bIns="45700" anchor="ctr" anchorCtr="0">
             <a:noAutofit/>
           </a:bodyPr>
           <a:lstStyle>
@@ -6754,15 +6936,19 @@
               <a:defRPr/>
             </a:lvl9pPr>
           </a:lstStyle>
-          <a:p/>
+          <a:p>
+            <a:endParaRPr/>
+          </a:p>
         </p:txBody>
       </p:sp>
       <p:sp>
         <p:nvSpPr>
           <p:cNvPr id="43" name="Google Shape;43;p6"/>
-          <p:cNvSpPr txBox="1"/>
+          <p:cNvSpPr txBox="1">
+            <a:spLocks noGrp="1"/>
+          </p:cNvSpPr>
           <p:nvPr>
-            <p:ph idx="11" type="ftr"/>
+            <p:ph type="ftr" idx="11"/>
           </p:nvPr>
         </p:nvSpPr>
         <p:spPr>
@@ -6779,7 +6965,7 @@
           </a:ln>
         </p:spPr>
         <p:txBody>
-          <a:bodyPr anchorCtr="0" anchor="ctr" bIns="45700" lIns="91425" spcFirstLastPara="1" rIns="91425" wrap="square" tIns="45700">
+          <a:bodyPr spcFirstLastPara="1" wrap="square" lIns="91425" tIns="45700" rIns="91425" bIns="45700" anchor="ctr" anchorCtr="0">
             <a:noAutofit/>
           </a:bodyPr>
           <a:lstStyle>
@@ -6883,15 +7069,19 @@
               <a:defRPr/>
             </a:lvl9pPr>
           </a:lstStyle>
-          <a:p/>
+          <a:p>
+            <a:endParaRPr/>
+          </a:p>
         </p:txBody>
       </p:sp>
       <p:sp>
         <p:nvSpPr>
           <p:cNvPr id="44" name="Google Shape;44;p6"/>
-          <p:cNvSpPr txBox="1"/>
+          <p:cNvSpPr txBox="1">
+            <a:spLocks noGrp="1"/>
+          </p:cNvSpPr>
           <p:nvPr>
-            <p:ph idx="12" type="sldNum"/>
+            <p:ph type="sldNum" idx="12"/>
           </p:nvPr>
         </p:nvSpPr>
         <p:spPr>
@@ -6908,67 +7098,67 @@
           </a:ln>
         </p:spPr>
         <p:txBody>
-          <a:bodyPr anchorCtr="0" anchor="ctr" bIns="45700" lIns="91425" spcFirstLastPara="1" rIns="91425" wrap="square" tIns="45700">
+          <a:bodyPr spcFirstLastPara="1" wrap="square" lIns="91425" tIns="45700" rIns="91425" bIns="45700" anchor="ctr" anchorCtr="0">
             <a:noAutofit/>
           </a:bodyPr>
           <a:lstStyle>
-            <a:lvl1pPr indent="0" lvl="0" marL="0" algn="r">
+            <a:lvl1pPr marL="0" lvl="0" indent="0" algn="r">
               <a:spcBef>
                 <a:spcPts val="0"/>
               </a:spcBef>
               <a:buNone/>
               <a:defRPr/>
             </a:lvl1pPr>
-            <a:lvl2pPr indent="0" lvl="1" marL="0" algn="r">
+            <a:lvl2pPr marL="0" lvl="1" indent="0" algn="r">
               <a:spcBef>
                 <a:spcPts val="0"/>
               </a:spcBef>
               <a:buNone/>
               <a:defRPr/>
             </a:lvl2pPr>
-            <a:lvl3pPr indent="0" lvl="2" marL="0" algn="r">
+            <a:lvl3pPr marL="0" lvl="2" indent="0" algn="r">
               <a:spcBef>
                 <a:spcPts val="0"/>
               </a:spcBef>
               <a:buNone/>
               <a:defRPr/>
             </a:lvl3pPr>
-            <a:lvl4pPr indent="0" lvl="3" marL="0" algn="r">
+            <a:lvl4pPr marL="0" lvl="3" indent="0" algn="r">
               <a:spcBef>
                 <a:spcPts val="0"/>
               </a:spcBef>
               <a:buNone/>
               <a:defRPr/>
             </a:lvl4pPr>
-            <a:lvl5pPr indent="0" lvl="4" marL="0" algn="r">
+            <a:lvl5pPr marL="0" lvl="4" indent="0" algn="r">
               <a:spcBef>
                 <a:spcPts val="0"/>
               </a:spcBef>
               <a:buNone/>
               <a:defRPr/>
             </a:lvl5pPr>
-            <a:lvl6pPr indent="0" lvl="5" marL="0" algn="r">
+            <a:lvl6pPr marL="0" lvl="5" indent="0" algn="r">
               <a:spcBef>
                 <a:spcPts val="0"/>
               </a:spcBef>
               <a:buNone/>
               <a:defRPr/>
             </a:lvl6pPr>
-            <a:lvl7pPr indent="0" lvl="6" marL="0" algn="r">
+            <a:lvl7pPr marL="0" lvl="6" indent="0" algn="r">
               <a:spcBef>
                 <a:spcPts val="0"/>
               </a:spcBef>
               <a:buNone/>
               <a:defRPr/>
             </a:lvl7pPr>
-            <a:lvl8pPr indent="0" lvl="7" marL="0" algn="r">
+            <a:lvl8pPr marL="0" lvl="7" indent="0" algn="r">
               <a:spcBef>
                 <a:spcPts val="0"/>
               </a:spcBef>
               <a:buNone/>
               <a:defRPr/>
             </a:lvl8pPr>
-            <a:lvl9pPr indent="0" lvl="8" marL="0" algn="r">
+            <a:lvl9pPr marL="0" lvl="8" indent="0" algn="r">
               <a:spcBef>
                 <a:spcPts val="0"/>
               </a:spcBef>
@@ -6977,7 +7167,7 @@
             </a:lvl9pPr>
           </a:lstStyle>
           <a:p>
-            <a:pPr indent="0" lvl="0" marL="0" rtl="0" algn="r">
+            <a:pPr marL="0" lvl="0" indent="0" algn="r" rtl="0">
               <a:spcBef>
                 <a:spcPts val="0"/>
               </a:spcBef>
@@ -6988,7 +7178,7 @@
             </a:pPr>
             <a:fld id="{00000000-1234-1234-1234-123412341234}" type="slidenum">
               <a:rPr lang="pt-BR"/>
-              <a:t>‹#›</a:t>
+              <a:t>‹nº›</a:t>
             </a:fld>
             <a:endParaRPr/>
           </a:p>
@@ -7003,11 +7193,11 @@
 </file>
 
 <file path=ppt/slideLayouts/slideLayout6.xml><?xml version="1.0" encoding="utf-8"?>
-<p:sldLayout xmlns:a="http://schemas.openxmlformats.org/drawingml/2006/main" xmlns:r="http://schemas.openxmlformats.org/officeDocument/2006/relationships" xmlns:mc="http://schemas.openxmlformats.org/markup-compatibility/2006" xmlns:mv="urn:schemas-microsoft-com:mac:vml" xmlns:p="http://schemas.openxmlformats.org/presentationml/2006/main" xmlns:c="http://schemas.openxmlformats.org/drawingml/2006/chart" xmlns:dgm="http://schemas.openxmlformats.org/drawingml/2006/diagram" xmlns:o="urn:schemas-microsoft-com:office:office" xmlns:v="urn:schemas-microsoft-com:vml" xmlns:pvml="urn:schemas-microsoft-com:office:powerpoint" xmlns:com="http://schemas.openxmlformats.org/drawingml/2006/compatibility" xmlns:p14="http://schemas.microsoft.com/office/powerpoint/2010/main" xmlns:p15="http://schemas.microsoft.com/office/powerpoint/2012/main" xmlns:ahyp="http://schemas.microsoft.com/office/drawing/2018/hyperlinkcolor" matchingName="Title Only" type="titleOnly">
+<p:sldLayout xmlns:a="http://schemas.openxmlformats.org/drawingml/2006/main" xmlns:r="http://schemas.openxmlformats.org/officeDocument/2006/relationships" xmlns:p="http://schemas.openxmlformats.org/presentationml/2006/main" matchingName="Title Only" type="titleOnly">
   <p:cSld name="TITLE_ONLY">
     <p:spTree>
       <p:nvGrpSpPr>
-        <p:cNvPr id="45" name="Shape 45"/>
+        <p:cNvPr id="1" name="Shape 45"/>
         <p:cNvGrpSpPr/>
         <p:nvPr/>
       </p:nvGrpSpPr>
@@ -7022,7 +7212,9 @@
       <p:sp>
         <p:nvSpPr>
           <p:cNvPr id="46" name="Google Shape;46;p7"/>
-          <p:cNvSpPr txBox="1"/>
+          <p:cNvSpPr txBox="1">
+            <a:spLocks noGrp="1"/>
+          </p:cNvSpPr>
           <p:nvPr>
             <p:ph type="title"/>
           </p:nvPr>
@@ -7041,7 +7233,7 @@
           </a:ln>
         </p:spPr>
         <p:txBody>
-          <a:bodyPr anchorCtr="0" anchor="ctr" bIns="45700" lIns="91425" spcFirstLastPara="1" rIns="91425" wrap="square" tIns="45700">
+          <a:bodyPr spcFirstLastPara="1" wrap="square" lIns="91425" tIns="45700" rIns="91425" bIns="45700" anchor="ctr" anchorCtr="0">
             <a:normAutofit/>
           </a:bodyPr>
           <a:lstStyle>
@@ -7151,15 +7343,19 @@
               <a:defRPr/>
             </a:lvl9pPr>
           </a:lstStyle>
-          <a:p/>
+          <a:p>
+            <a:endParaRPr/>
+          </a:p>
         </p:txBody>
       </p:sp>
       <p:sp>
         <p:nvSpPr>
           <p:cNvPr id="47" name="Google Shape;47;p7"/>
-          <p:cNvSpPr txBox="1"/>
+          <p:cNvSpPr txBox="1">
+            <a:spLocks noGrp="1"/>
+          </p:cNvSpPr>
           <p:nvPr>
-            <p:ph idx="10" type="dt"/>
+            <p:ph type="dt" idx="10"/>
           </p:nvPr>
         </p:nvSpPr>
         <p:spPr>
@@ -7176,7 +7372,7 @@
           </a:ln>
         </p:spPr>
         <p:txBody>
-          <a:bodyPr anchorCtr="0" anchor="ctr" bIns="45700" lIns="91425" spcFirstLastPara="1" rIns="91425" wrap="square" tIns="45700">
+          <a:bodyPr spcFirstLastPara="1" wrap="square" lIns="91425" tIns="45700" rIns="91425" bIns="45700" anchor="ctr" anchorCtr="0">
             <a:noAutofit/>
           </a:bodyPr>
           <a:lstStyle>
@@ -7280,15 +7476,19 @@
               <a:defRPr/>
             </a:lvl9pPr>
           </a:lstStyle>
-          <a:p/>
+          <a:p>
+            <a:endParaRPr/>
+          </a:p>
         </p:txBody>
       </p:sp>
       <p:sp>
         <p:nvSpPr>
           <p:cNvPr id="48" name="Google Shape;48;p7"/>
-          <p:cNvSpPr txBox="1"/>
+          <p:cNvSpPr txBox="1">
+            <a:spLocks noGrp="1"/>
+          </p:cNvSpPr>
           <p:nvPr>
-            <p:ph idx="11" type="ftr"/>
+            <p:ph type="ftr" idx="11"/>
           </p:nvPr>
         </p:nvSpPr>
         <p:spPr>
@@ -7305,7 +7505,7 @@
           </a:ln>
         </p:spPr>
         <p:txBody>
-          <a:bodyPr anchorCtr="0" anchor="ctr" bIns="45700" lIns="91425" spcFirstLastPara="1" rIns="91425" wrap="square" tIns="45700">
+          <a:bodyPr spcFirstLastPara="1" wrap="square" lIns="91425" tIns="45700" rIns="91425" bIns="45700" anchor="ctr" anchorCtr="0">
             <a:noAutofit/>
           </a:bodyPr>
           <a:lstStyle>
@@ -7409,15 +7609,19 @@
               <a:defRPr/>
             </a:lvl9pPr>
           </a:lstStyle>
-          <a:p/>
+          <a:p>
+            <a:endParaRPr/>
+          </a:p>
         </p:txBody>
       </p:sp>
       <p:sp>
         <p:nvSpPr>
           <p:cNvPr id="49" name="Google Shape;49;p7"/>
-          <p:cNvSpPr txBox="1"/>
+          <p:cNvSpPr txBox="1">
+            <a:spLocks noGrp="1"/>
+          </p:cNvSpPr>
           <p:nvPr>
-            <p:ph idx="12" type="sldNum"/>
+            <p:ph type="sldNum" idx="12"/>
           </p:nvPr>
         </p:nvSpPr>
         <p:spPr>
@@ -7434,67 +7638,67 @@
           </a:ln>
         </p:spPr>
         <p:txBody>
-          <a:bodyPr anchorCtr="0" anchor="ctr" bIns="45700" lIns="91425" spcFirstLastPara="1" rIns="91425" wrap="square" tIns="45700">
+          <a:bodyPr spcFirstLastPara="1" wrap="square" lIns="91425" tIns="45700" rIns="91425" bIns="45700" anchor="ctr" anchorCtr="0">
             <a:noAutofit/>
           </a:bodyPr>
           <a:lstStyle>
-            <a:lvl1pPr indent="0" lvl="0" marL="0" algn="r">
+            <a:lvl1pPr marL="0" lvl="0" indent="0" algn="r">
               <a:spcBef>
                 <a:spcPts val="0"/>
               </a:spcBef>
               <a:buNone/>
               <a:defRPr/>
             </a:lvl1pPr>
-            <a:lvl2pPr indent="0" lvl="1" marL="0" algn="r">
+            <a:lvl2pPr marL="0" lvl="1" indent="0" algn="r">
               <a:spcBef>
                 <a:spcPts val="0"/>
               </a:spcBef>
               <a:buNone/>
               <a:defRPr/>
             </a:lvl2pPr>
-            <a:lvl3pPr indent="0" lvl="2" marL="0" algn="r">
+            <a:lvl3pPr marL="0" lvl="2" indent="0" algn="r">
               <a:spcBef>
                 <a:spcPts val="0"/>
               </a:spcBef>
               <a:buNone/>
               <a:defRPr/>
             </a:lvl3pPr>
-            <a:lvl4pPr indent="0" lvl="3" marL="0" algn="r">
+            <a:lvl4pPr marL="0" lvl="3" indent="0" algn="r">
               <a:spcBef>
                 <a:spcPts val="0"/>
               </a:spcBef>
               <a:buNone/>
               <a:defRPr/>
             </a:lvl4pPr>
-            <a:lvl5pPr indent="0" lvl="4" marL="0" algn="r">
+            <a:lvl5pPr marL="0" lvl="4" indent="0" algn="r">
               <a:spcBef>
                 <a:spcPts val="0"/>
               </a:spcBef>
               <a:buNone/>
               <a:defRPr/>
             </a:lvl5pPr>
-            <a:lvl6pPr indent="0" lvl="5" marL="0" algn="r">
+            <a:lvl6pPr marL="0" lvl="5" indent="0" algn="r">
               <a:spcBef>
                 <a:spcPts val="0"/>
               </a:spcBef>
               <a:buNone/>
               <a:defRPr/>
             </a:lvl6pPr>
-            <a:lvl7pPr indent="0" lvl="6" marL="0" algn="r">
+            <a:lvl7pPr marL="0" lvl="6" indent="0" algn="r">
               <a:spcBef>
                 <a:spcPts val="0"/>
               </a:spcBef>
               <a:buNone/>
               <a:defRPr/>
             </a:lvl7pPr>
-            <a:lvl8pPr indent="0" lvl="7" marL="0" algn="r">
+            <a:lvl8pPr marL="0" lvl="7" indent="0" algn="r">
               <a:spcBef>
                 <a:spcPts val="0"/>
               </a:spcBef>
               <a:buNone/>
               <a:defRPr/>
             </a:lvl8pPr>
-            <a:lvl9pPr indent="0" lvl="8" marL="0" algn="r">
+            <a:lvl9pPr marL="0" lvl="8" indent="0" algn="r">
               <a:spcBef>
                 <a:spcPts val="0"/>
               </a:spcBef>
@@ -7503,7 +7707,7 @@
             </a:lvl9pPr>
           </a:lstStyle>
           <a:p>
-            <a:pPr indent="0" lvl="0" marL="0" rtl="0" algn="r">
+            <a:pPr marL="0" lvl="0" indent="0" algn="r" rtl="0">
               <a:spcBef>
                 <a:spcPts val="0"/>
               </a:spcBef>
@@ -7514,7 +7718,7 @@
             </a:pPr>
             <a:fld id="{00000000-1234-1234-1234-123412341234}" type="slidenum">
               <a:rPr lang="pt-BR"/>
-              <a:t>‹#›</a:t>
+              <a:t>‹nº›</a:t>
             </a:fld>
             <a:endParaRPr/>
           </a:p>
@@ -7529,11 +7733,11 @@
 </file>
 
 <file path=ppt/slideLayouts/slideLayout7.xml><?xml version="1.0" encoding="utf-8"?>
-<p:sldLayout xmlns:a="http://schemas.openxmlformats.org/drawingml/2006/main" xmlns:r="http://schemas.openxmlformats.org/officeDocument/2006/relationships" xmlns:mc="http://schemas.openxmlformats.org/markup-compatibility/2006" xmlns:mv="urn:schemas-microsoft-com:mac:vml" xmlns:p="http://schemas.openxmlformats.org/presentationml/2006/main" xmlns:c="http://schemas.openxmlformats.org/drawingml/2006/chart" xmlns:dgm="http://schemas.openxmlformats.org/drawingml/2006/diagram" xmlns:o="urn:schemas-microsoft-com:office:office" xmlns:v="urn:schemas-microsoft-com:vml" xmlns:pvml="urn:schemas-microsoft-com:office:powerpoint" xmlns:com="http://schemas.openxmlformats.org/drawingml/2006/compatibility" xmlns:p14="http://schemas.microsoft.com/office/powerpoint/2010/main" xmlns:p15="http://schemas.microsoft.com/office/powerpoint/2012/main" xmlns:ahyp="http://schemas.microsoft.com/office/drawing/2018/hyperlinkcolor" matchingName="Blank" type="blank">
+<p:sldLayout xmlns:a="http://schemas.openxmlformats.org/drawingml/2006/main" xmlns:r="http://schemas.openxmlformats.org/officeDocument/2006/relationships" xmlns:p="http://schemas.openxmlformats.org/presentationml/2006/main" matchingName="Blank" type="blank">
   <p:cSld name="BLANK">
     <p:spTree>
       <p:nvGrpSpPr>
-        <p:cNvPr id="50" name="Shape 50"/>
+        <p:cNvPr id="1" name="Shape 50"/>
         <p:cNvGrpSpPr/>
         <p:nvPr/>
       </p:nvGrpSpPr>
@@ -7548,9 +7752,11 @@
       <p:sp>
         <p:nvSpPr>
           <p:cNvPr id="51" name="Google Shape;51;p8"/>
-          <p:cNvSpPr txBox="1"/>
+          <p:cNvSpPr txBox="1">
+            <a:spLocks noGrp="1"/>
+          </p:cNvSpPr>
           <p:nvPr>
-            <p:ph idx="10" type="dt"/>
+            <p:ph type="dt" idx="10"/>
           </p:nvPr>
         </p:nvSpPr>
         <p:spPr>
@@ -7567,7 +7773,7 @@
           </a:ln>
         </p:spPr>
         <p:txBody>
-          <a:bodyPr anchorCtr="0" anchor="ctr" bIns="45700" lIns="91425" spcFirstLastPara="1" rIns="91425" wrap="square" tIns="45700">
+          <a:bodyPr spcFirstLastPara="1" wrap="square" lIns="91425" tIns="45700" rIns="91425" bIns="45700" anchor="ctr" anchorCtr="0">
             <a:noAutofit/>
           </a:bodyPr>
           <a:lstStyle>
@@ -7671,15 +7877,19 @@
               <a:defRPr/>
             </a:lvl9pPr>
           </a:lstStyle>
-          <a:p/>
+          <a:p>
+            <a:endParaRPr/>
+          </a:p>
         </p:txBody>
       </p:sp>
       <p:sp>
         <p:nvSpPr>
           <p:cNvPr id="52" name="Google Shape;52;p8"/>
-          <p:cNvSpPr txBox="1"/>
+          <p:cNvSpPr txBox="1">
+            <a:spLocks noGrp="1"/>
+          </p:cNvSpPr>
           <p:nvPr>
-            <p:ph idx="11" type="ftr"/>
+            <p:ph type="ftr" idx="11"/>
           </p:nvPr>
         </p:nvSpPr>
         <p:spPr>
@@ -7696,7 +7906,7 @@
           </a:ln>
         </p:spPr>
         <p:txBody>
-          <a:bodyPr anchorCtr="0" anchor="ctr" bIns="45700" lIns="91425" spcFirstLastPara="1" rIns="91425" wrap="square" tIns="45700">
+          <a:bodyPr spcFirstLastPara="1" wrap="square" lIns="91425" tIns="45700" rIns="91425" bIns="45700" anchor="ctr" anchorCtr="0">
             <a:noAutofit/>
           </a:bodyPr>
           <a:lstStyle>
@@ -7800,15 +8010,19 @@
               <a:defRPr/>
             </a:lvl9pPr>
           </a:lstStyle>
-          <a:p/>
+          <a:p>
+            <a:endParaRPr/>
+          </a:p>
         </p:txBody>
       </p:sp>
       <p:sp>
         <p:nvSpPr>
           <p:cNvPr id="53" name="Google Shape;53;p8"/>
-          <p:cNvSpPr txBox="1"/>
+          <p:cNvSpPr txBox="1">
+            <a:spLocks noGrp="1"/>
+          </p:cNvSpPr>
           <p:nvPr>
-            <p:ph idx="12" type="sldNum"/>
+            <p:ph type="sldNum" idx="12"/>
           </p:nvPr>
         </p:nvSpPr>
         <p:spPr>
@@ -7825,67 +8039,67 @@
           </a:ln>
         </p:spPr>
         <p:txBody>
-          <a:bodyPr anchorCtr="0" anchor="ctr" bIns="45700" lIns="91425" spcFirstLastPara="1" rIns="91425" wrap="square" tIns="45700">
+          <a:bodyPr spcFirstLastPara="1" wrap="square" lIns="91425" tIns="45700" rIns="91425" bIns="45700" anchor="ctr" anchorCtr="0">
             <a:noAutofit/>
           </a:bodyPr>
           <a:lstStyle>
-            <a:lvl1pPr indent="0" lvl="0" marL="0" algn="r">
+            <a:lvl1pPr marL="0" lvl="0" indent="0" algn="r">
               <a:spcBef>
                 <a:spcPts val="0"/>
               </a:spcBef>
               <a:buNone/>
               <a:defRPr/>
             </a:lvl1pPr>
-            <a:lvl2pPr indent="0" lvl="1" marL="0" algn="r">
+            <a:lvl2pPr marL="0" lvl="1" indent="0" algn="r">
               <a:spcBef>
                 <a:spcPts val="0"/>
               </a:spcBef>
               <a:buNone/>
               <a:defRPr/>
             </a:lvl2pPr>
-            <a:lvl3pPr indent="0" lvl="2" marL="0" algn="r">
+            <a:lvl3pPr marL="0" lvl="2" indent="0" algn="r">
               <a:spcBef>
                 <a:spcPts val="0"/>
               </a:spcBef>
               <a:buNone/>
               <a:defRPr/>
             </a:lvl3pPr>
-            <a:lvl4pPr indent="0" lvl="3" marL="0" algn="r">
+            <a:lvl4pPr marL="0" lvl="3" indent="0" algn="r">
               <a:spcBef>
                 <a:spcPts val="0"/>
               </a:spcBef>
               <a:buNone/>
               <a:defRPr/>
             </a:lvl4pPr>
-            <a:lvl5pPr indent="0" lvl="4" marL="0" algn="r">
+            <a:lvl5pPr marL="0" lvl="4" indent="0" algn="r">
               <a:spcBef>
                 <a:spcPts val="0"/>
               </a:spcBef>
               <a:buNone/>
               <a:defRPr/>
             </a:lvl5pPr>
-            <a:lvl6pPr indent="0" lvl="5" marL="0" algn="r">
+            <a:lvl6pPr marL="0" lvl="5" indent="0" algn="r">
               <a:spcBef>
                 <a:spcPts val="0"/>
               </a:spcBef>
               <a:buNone/>
               <a:defRPr/>
             </a:lvl6pPr>
-            <a:lvl7pPr indent="0" lvl="6" marL="0" algn="r">
+            <a:lvl7pPr marL="0" lvl="6" indent="0" algn="r">
               <a:spcBef>
                 <a:spcPts val="0"/>
               </a:spcBef>
               <a:buNone/>
               <a:defRPr/>
             </a:lvl7pPr>
-            <a:lvl8pPr indent="0" lvl="7" marL="0" algn="r">
+            <a:lvl8pPr marL="0" lvl="7" indent="0" algn="r">
               <a:spcBef>
                 <a:spcPts val="0"/>
               </a:spcBef>
               <a:buNone/>
               <a:defRPr/>
             </a:lvl8pPr>
-            <a:lvl9pPr indent="0" lvl="8" marL="0" algn="r">
+            <a:lvl9pPr marL="0" lvl="8" indent="0" algn="r">
               <a:spcBef>
                 <a:spcPts val="0"/>
               </a:spcBef>
@@ -7894,7 +8108,7 @@
             </a:lvl9pPr>
           </a:lstStyle>
           <a:p>
-            <a:pPr indent="0" lvl="0" marL="0" rtl="0" algn="r">
+            <a:pPr marL="0" lvl="0" indent="0" algn="r" rtl="0">
               <a:spcBef>
                 <a:spcPts val="0"/>
               </a:spcBef>
@@ -7905,7 +8119,7 @@
             </a:pPr>
             <a:fld id="{00000000-1234-1234-1234-123412341234}" type="slidenum">
               <a:rPr lang="pt-BR"/>
-              <a:t>‹#›</a:t>
+              <a:t>‹nº›</a:t>
             </a:fld>
             <a:endParaRPr/>
           </a:p>
@@ -7920,11 +8134,11 @@
 </file>
 
 <file path=ppt/slideLayouts/slideLayout8.xml><?xml version="1.0" encoding="utf-8"?>
-<p:sldLayout xmlns:a="http://schemas.openxmlformats.org/drawingml/2006/main" xmlns:r="http://schemas.openxmlformats.org/officeDocument/2006/relationships" xmlns:mc="http://schemas.openxmlformats.org/markup-compatibility/2006" xmlns:mv="urn:schemas-microsoft-com:mac:vml" xmlns:p="http://schemas.openxmlformats.org/presentationml/2006/main" xmlns:c="http://schemas.openxmlformats.org/drawingml/2006/chart" xmlns:dgm="http://schemas.openxmlformats.org/drawingml/2006/diagram" xmlns:o="urn:schemas-microsoft-com:office:office" xmlns:v="urn:schemas-microsoft-com:vml" xmlns:pvml="urn:schemas-microsoft-com:office:powerpoint" xmlns:com="http://schemas.openxmlformats.org/drawingml/2006/compatibility" xmlns:p14="http://schemas.microsoft.com/office/powerpoint/2010/main" xmlns:p15="http://schemas.microsoft.com/office/powerpoint/2012/main" xmlns:ahyp="http://schemas.microsoft.com/office/drawing/2018/hyperlinkcolor" matchingName="Content with Caption" type="objTx">
+<p:sldLayout xmlns:a="http://schemas.openxmlformats.org/drawingml/2006/main" xmlns:r="http://schemas.openxmlformats.org/officeDocument/2006/relationships" xmlns:p="http://schemas.openxmlformats.org/presentationml/2006/main" matchingName="Content with Caption" type="objTx">
   <p:cSld name="OBJECT_WITH_CAPTION_TEXT">
     <p:spTree>
       <p:nvGrpSpPr>
-        <p:cNvPr id="54" name="Shape 54"/>
+        <p:cNvPr id="1" name="Shape 54"/>
         <p:cNvGrpSpPr/>
         <p:nvPr/>
       </p:nvGrpSpPr>
@@ -7939,7 +8153,9 @@
       <p:sp>
         <p:nvSpPr>
           <p:cNvPr id="55" name="Google Shape;55;p9"/>
-          <p:cNvSpPr txBox="1"/>
+          <p:cNvSpPr txBox="1">
+            <a:spLocks noGrp="1"/>
+          </p:cNvSpPr>
           <p:nvPr>
             <p:ph type="title"/>
           </p:nvPr>
@@ -7958,7 +8174,7 @@
           </a:ln>
         </p:spPr>
         <p:txBody>
-          <a:bodyPr anchorCtr="0" anchor="b" bIns="45700" lIns="91425" spcFirstLastPara="1" rIns="91425" wrap="square" tIns="45700">
+          <a:bodyPr spcFirstLastPara="1" wrap="square" lIns="91425" tIns="45700" rIns="91425" bIns="45700" anchor="b" anchorCtr="0">
             <a:normAutofit/>
           </a:bodyPr>
           <a:lstStyle>
@@ -8069,15 +8285,19 @@
               <a:defRPr/>
             </a:lvl9pPr>
           </a:lstStyle>
-          <a:p/>
+          <a:p>
+            <a:endParaRPr/>
+          </a:p>
         </p:txBody>
       </p:sp>
       <p:sp>
         <p:nvSpPr>
           <p:cNvPr id="56" name="Google Shape;56;p9"/>
-          <p:cNvSpPr txBox="1"/>
+          <p:cNvSpPr txBox="1">
+            <a:spLocks noGrp="1"/>
+          </p:cNvSpPr>
           <p:nvPr>
-            <p:ph idx="1" type="body"/>
+            <p:ph type="body" idx="1"/>
           </p:nvPr>
         </p:nvSpPr>
         <p:spPr>
@@ -8094,11 +8314,11 @@
           </a:ln>
         </p:spPr>
         <p:txBody>
-          <a:bodyPr anchorCtr="0" anchor="t" bIns="45700" lIns="91425" spcFirstLastPara="1" rIns="91425" wrap="square" tIns="45700">
+          <a:bodyPr spcFirstLastPara="1" wrap="square" lIns="91425" tIns="45700" rIns="91425" bIns="45700" anchor="t" anchorCtr="0">
             <a:normAutofit/>
           </a:bodyPr>
           <a:lstStyle>
-            <a:lvl1pPr indent="-431800" lvl="0" marL="457200" algn="l">
+            <a:lvl1pPr marL="457200" lvl="0" indent="-431800" algn="l">
               <a:lnSpc>
                 <a:spcPct val="90000"/>
               </a:lnSpc>
@@ -8115,7 +8335,7 @@
               <a:buChar char="•"/>
               <a:defRPr sz="3200"/>
             </a:lvl1pPr>
-            <a:lvl2pPr indent="-406400" lvl="1" marL="914400" algn="l">
+            <a:lvl2pPr marL="914400" lvl="1" indent="-406400" algn="l">
               <a:lnSpc>
                 <a:spcPct val="90000"/>
               </a:lnSpc>
@@ -8132,7 +8352,7 @@
               <a:buChar char="•"/>
               <a:defRPr sz="2800"/>
             </a:lvl2pPr>
-            <a:lvl3pPr indent="-381000" lvl="2" marL="1371600" algn="l">
+            <a:lvl3pPr marL="1371600" lvl="2" indent="-381000" algn="l">
               <a:lnSpc>
                 <a:spcPct val="90000"/>
               </a:lnSpc>
@@ -8149,7 +8369,7 @@
               <a:buChar char="•"/>
               <a:defRPr sz="2400"/>
             </a:lvl3pPr>
-            <a:lvl4pPr indent="-355600" lvl="3" marL="1828800" algn="l">
+            <a:lvl4pPr marL="1828800" lvl="3" indent="-355600" algn="l">
               <a:lnSpc>
                 <a:spcPct val="90000"/>
               </a:lnSpc>
@@ -8166,7 +8386,7 @@
               <a:buChar char="•"/>
               <a:defRPr sz="2000"/>
             </a:lvl4pPr>
-            <a:lvl5pPr indent="-355600" lvl="4" marL="2286000" algn="l">
+            <a:lvl5pPr marL="2286000" lvl="4" indent="-355600" algn="l">
               <a:lnSpc>
                 <a:spcPct val="90000"/>
               </a:lnSpc>
@@ -8183,7 +8403,7 @@
               <a:buChar char="•"/>
               <a:defRPr sz="2000"/>
             </a:lvl5pPr>
-            <a:lvl6pPr indent="-355600" lvl="5" marL="2743200" algn="l">
+            <a:lvl6pPr marL="2743200" lvl="5" indent="-355600" algn="l">
               <a:lnSpc>
                 <a:spcPct val="90000"/>
               </a:lnSpc>
@@ -8200,7 +8420,7 @@
               <a:buChar char="•"/>
               <a:defRPr sz="2000"/>
             </a:lvl6pPr>
-            <a:lvl7pPr indent="-355600" lvl="6" marL="3200400" algn="l">
+            <a:lvl7pPr marL="3200400" lvl="6" indent="-355600" algn="l">
               <a:lnSpc>
                 <a:spcPct val="90000"/>
               </a:lnSpc>
@@ -8217,7 +8437,7 @@
               <a:buChar char="•"/>
               <a:defRPr sz="2000"/>
             </a:lvl7pPr>
-            <a:lvl8pPr indent="-355600" lvl="7" marL="3657600" algn="l">
+            <a:lvl8pPr marL="3657600" lvl="7" indent="-355600" algn="l">
               <a:lnSpc>
                 <a:spcPct val="90000"/>
               </a:lnSpc>
@@ -8234,7 +8454,7 @@
               <a:buChar char="•"/>
               <a:defRPr sz="2000"/>
             </a:lvl8pPr>
-            <a:lvl9pPr indent="-355600" lvl="8" marL="4114800" algn="l">
+            <a:lvl9pPr marL="4114800" lvl="8" indent="-355600" algn="l">
               <a:lnSpc>
                 <a:spcPct val="90000"/>
               </a:lnSpc>
@@ -8252,15 +8472,19 @@
               <a:defRPr sz="2000"/>
             </a:lvl9pPr>
           </a:lstStyle>
-          <a:p/>
+          <a:p>
+            <a:endParaRPr/>
+          </a:p>
         </p:txBody>
       </p:sp>
       <p:sp>
         <p:nvSpPr>
           <p:cNvPr id="57" name="Google Shape;57;p9"/>
-          <p:cNvSpPr txBox="1"/>
+          <p:cNvSpPr txBox="1">
+            <a:spLocks noGrp="1"/>
+          </p:cNvSpPr>
           <p:nvPr>
-            <p:ph idx="2" type="body"/>
+            <p:ph type="body" idx="2"/>
           </p:nvPr>
         </p:nvSpPr>
         <p:spPr>
@@ -8277,11 +8501,11 @@
           </a:ln>
         </p:spPr>
         <p:txBody>
-          <a:bodyPr anchorCtr="0" anchor="t" bIns="45700" lIns="91425" spcFirstLastPara="1" rIns="91425" wrap="square" tIns="45700">
+          <a:bodyPr spcFirstLastPara="1" wrap="square" lIns="91425" tIns="45700" rIns="91425" bIns="45700" anchor="t" anchorCtr="0">
             <a:normAutofit/>
           </a:bodyPr>
           <a:lstStyle>
-            <a:lvl1pPr indent="-228600" lvl="0" marL="457200" algn="l">
+            <a:lvl1pPr marL="457200" lvl="0" indent="-228600" algn="l">
               <a:lnSpc>
                 <a:spcPct val="90000"/>
               </a:lnSpc>
@@ -8298,7 +8522,7 @@
               <a:buNone/>
               <a:defRPr sz="1600"/>
             </a:lvl1pPr>
-            <a:lvl2pPr indent="-228600" lvl="1" marL="914400" algn="l">
+            <a:lvl2pPr marL="914400" lvl="1" indent="-228600" algn="l">
               <a:lnSpc>
                 <a:spcPct val="90000"/>
               </a:lnSpc>
@@ -8315,7 +8539,7 @@
               <a:buNone/>
               <a:defRPr sz="1400"/>
             </a:lvl2pPr>
-            <a:lvl3pPr indent="-228600" lvl="2" marL="1371600" algn="l">
+            <a:lvl3pPr marL="1371600" lvl="2" indent="-228600" algn="l">
               <a:lnSpc>
                 <a:spcPct val="90000"/>
               </a:lnSpc>
@@ -8332,7 +8556,7 @@
               <a:buNone/>
               <a:defRPr sz="1200"/>
             </a:lvl3pPr>
-            <a:lvl4pPr indent="-228600" lvl="3" marL="1828800" algn="l">
+            <a:lvl4pPr marL="1828800" lvl="3" indent="-228600" algn="l">
               <a:lnSpc>
                 <a:spcPct val="90000"/>
               </a:lnSpc>
@@ -8349,7 +8573,7 @@
               <a:buNone/>
               <a:defRPr sz="1000"/>
             </a:lvl4pPr>
-            <a:lvl5pPr indent="-228600" lvl="4" marL="2286000" algn="l">
+            <a:lvl5pPr marL="2286000" lvl="4" indent="-228600" algn="l">
               <a:lnSpc>
                 <a:spcPct val="90000"/>
               </a:lnSpc>
@@ -8366,7 +8590,7 @@
               <a:buNone/>
               <a:defRPr sz="1000"/>
             </a:lvl5pPr>
-            <a:lvl6pPr indent="-228600" lvl="5" marL="2743200" algn="l">
+            <a:lvl6pPr marL="2743200" lvl="5" indent="-228600" algn="l">
               <a:lnSpc>
                 <a:spcPct val="90000"/>
               </a:lnSpc>
@@ -8383,7 +8607,7 @@
               <a:buNone/>
               <a:defRPr sz="1000"/>
             </a:lvl6pPr>
-            <a:lvl7pPr indent="-228600" lvl="6" marL="3200400" algn="l">
+            <a:lvl7pPr marL="3200400" lvl="6" indent="-228600" algn="l">
               <a:lnSpc>
                 <a:spcPct val="90000"/>
               </a:lnSpc>
@@ -8400,7 +8624,7 @@
               <a:buNone/>
               <a:defRPr sz="1000"/>
             </a:lvl7pPr>
-            <a:lvl8pPr indent="-228600" lvl="7" marL="3657600" algn="l">
+            <a:lvl8pPr marL="3657600" lvl="7" indent="-228600" algn="l">
               <a:lnSpc>
                 <a:spcPct val="90000"/>
               </a:lnSpc>
@@ -8417,7 +8641,7 @@
               <a:buNone/>
               <a:defRPr sz="1000"/>
             </a:lvl8pPr>
-            <a:lvl9pPr indent="-228600" lvl="8" marL="4114800" algn="l">
+            <a:lvl9pPr marL="4114800" lvl="8" indent="-228600" algn="l">
               <a:lnSpc>
                 <a:spcPct val="90000"/>
               </a:lnSpc>
@@ -8435,15 +8659,19 @@
               <a:defRPr sz="1000"/>
             </a:lvl9pPr>
           </a:lstStyle>
-          <a:p/>
+          <a:p>
+            <a:endParaRPr/>
+          </a:p>
         </p:txBody>
       </p:sp>
       <p:sp>
         <p:nvSpPr>
           <p:cNvPr id="58" name="Google Shape;58;p9"/>
-          <p:cNvSpPr txBox="1"/>
+          <p:cNvSpPr txBox="1">
+            <a:spLocks noGrp="1"/>
+          </p:cNvSpPr>
           <p:nvPr>
-            <p:ph idx="10" type="dt"/>
+            <p:ph type="dt" idx="10"/>
           </p:nvPr>
         </p:nvSpPr>
         <p:spPr>
@@ -8460,7 +8688,7 @@
           </a:ln>
         </p:spPr>
         <p:txBody>
-          <a:bodyPr anchorCtr="0" anchor="ctr" bIns="45700" lIns="91425" spcFirstLastPara="1" rIns="91425" wrap="square" tIns="45700">
+          <a:bodyPr spcFirstLastPara="1" wrap="square" lIns="91425" tIns="45700" rIns="91425" bIns="45700" anchor="ctr" anchorCtr="0">
             <a:noAutofit/>
           </a:bodyPr>
           <a:lstStyle>
@@ -8564,15 +8792,19 @@
               <a:defRPr/>
             </a:lvl9pPr>
           </a:lstStyle>
-          <a:p/>
+          <a:p>
+            <a:endParaRPr/>
+          </a:p>
         </p:txBody>
       </p:sp>
       <p:sp>
         <p:nvSpPr>
           <p:cNvPr id="59" name="Google Shape;59;p9"/>
-          <p:cNvSpPr txBox="1"/>
+          <p:cNvSpPr txBox="1">
+            <a:spLocks noGrp="1"/>
+          </p:cNvSpPr>
           <p:nvPr>
-            <p:ph idx="11" type="ftr"/>
+            <p:ph type="ftr" idx="11"/>
           </p:nvPr>
         </p:nvSpPr>
         <p:spPr>
@@ -8589,7 +8821,7 @@
           </a:ln>
         </p:spPr>
         <p:txBody>
-          <a:bodyPr anchorCtr="0" anchor="ctr" bIns="45700" lIns="91425" spcFirstLastPara="1" rIns="91425" wrap="square" tIns="45700">
+          <a:bodyPr spcFirstLastPara="1" wrap="square" lIns="91425" tIns="45700" rIns="91425" bIns="45700" anchor="ctr" anchorCtr="0">
             <a:noAutofit/>
           </a:bodyPr>
           <a:lstStyle>
@@ -8693,15 +8925,19 @@
               <a:defRPr/>
             </a:lvl9pPr>
           </a:lstStyle>
-          <a:p/>
+          <a:p>
+            <a:endParaRPr/>
+          </a:p>
         </p:txBody>
       </p:sp>
       <p:sp>
         <p:nvSpPr>
           <p:cNvPr id="60" name="Google Shape;60;p9"/>
-          <p:cNvSpPr txBox="1"/>
+          <p:cNvSpPr txBox="1">
+            <a:spLocks noGrp="1"/>
+          </p:cNvSpPr>
           <p:nvPr>
-            <p:ph idx="12" type="sldNum"/>
+            <p:ph type="sldNum" idx="12"/>
           </p:nvPr>
         </p:nvSpPr>
         <p:spPr>
@@ -8718,67 +8954,67 @@
           </a:ln>
         </p:spPr>
         <p:txBody>
-          <a:bodyPr anchorCtr="0" anchor="ctr" bIns="45700" lIns="91425" spcFirstLastPara="1" rIns="91425" wrap="square" tIns="45700">
+          <a:bodyPr spcFirstLastPara="1" wrap="square" lIns="91425" tIns="45700" rIns="91425" bIns="45700" anchor="ctr" anchorCtr="0">
             <a:noAutofit/>
           </a:bodyPr>
           <a:lstStyle>
-            <a:lvl1pPr indent="0" lvl="0" marL="0" algn="r">
+            <a:lvl1pPr marL="0" lvl="0" indent="0" algn="r">
               <a:spcBef>
                 <a:spcPts val="0"/>
               </a:spcBef>
               <a:buNone/>
               <a:defRPr/>
             </a:lvl1pPr>
-            <a:lvl2pPr indent="0" lvl="1" marL="0" algn="r">
+            <a:lvl2pPr marL="0" lvl="1" indent="0" algn="r">
               <a:spcBef>
                 <a:spcPts val="0"/>
               </a:spcBef>
               <a:buNone/>
               <a:defRPr/>
             </a:lvl2pPr>
-            <a:lvl3pPr indent="0" lvl="2" marL="0" algn="r">
+            <a:lvl3pPr marL="0" lvl="2" indent="0" algn="r">
               <a:spcBef>
                 <a:spcPts val="0"/>
               </a:spcBef>
               <a:buNone/>
               <a:defRPr/>
             </a:lvl3pPr>
-            <a:lvl4pPr indent="0" lvl="3" marL="0" algn="r">
+            <a:lvl4pPr marL="0" lvl="3" indent="0" algn="r">
               <a:spcBef>
                 <a:spcPts val="0"/>
               </a:spcBef>
               <a:buNone/>
               <a:defRPr/>
             </a:lvl4pPr>
-            <a:lvl5pPr indent="0" lvl="4" marL="0" algn="r">
+            <a:lvl5pPr marL="0" lvl="4" indent="0" algn="r">
               <a:spcBef>
                 <a:spcPts val="0"/>
               </a:spcBef>
               <a:buNone/>
               <a:defRPr/>
             </a:lvl5pPr>
-            <a:lvl6pPr indent="0" lvl="5" marL="0" algn="r">
+            <a:lvl6pPr marL="0" lvl="5" indent="0" algn="r">
               <a:spcBef>
                 <a:spcPts val="0"/>
               </a:spcBef>
               <a:buNone/>
               <a:defRPr/>
             </a:lvl6pPr>
-            <a:lvl7pPr indent="0" lvl="6" marL="0" algn="r">
+            <a:lvl7pPr marL="0" lvl="6" indent="0" algn="r">
               <a:spcBef>
                 <a:spcPts val="0"/>
               </a:spcBef>
               <a:buNone/>
               <a:defRPr/>
             </a:lvl7pPr>
-            <a:lvl8pPr indent="0" lvl="7" marL="0" algn="r">
+            <a:lvl8pPr marL="0" lvl="7" indent="0" algn="r">
               <a:spcBef>
                 <a:spcPts val="0"/>
               </a:spcBef>
               <a:buNone/>
               <a:defRPr/>
             </a:lvl8pPr>
-            <a:lvl9pPr indent="0" lvl="8" marL="0" algn="r">
+            <a:lvl9pPr marL="0" lvl="8" indent="0" algn="r">
               <a:spcBef>
                 <a:spcPts val="0"/>
               </a:spcBef>
@@ -8787,7 +9023,7 @@
             </a:lvl9pPr>
           </a:lstStyle>
           <a:p>
-            <a:pPr indent="0" lvl="0" marL="0" rtl="0" algn="r">
+            <a:pPr marL="0" lvl="0" indent="0" algn="r" rtl="0">
               <a:spcBef>
                 <a:spcPts val="0"/>
               </a:spcBef>
@@ -8798,7 +9034,7 @@
             </a:pPr>
             <a:fld id="{00000000-1234-1234-1234-123412341234}" type="slidenum">
               <a:rPr lang="pt-BR"/>
-              <a:t>‹#›</a:t>
+              <a:t>‹nº›</a:t>
             </a:fld>
             <a:endParaRPr/>
           </a:p>
@@ -8813,11 +9049,11 @@
 </file>
 
 <file path=ppt/slideLayouts/slideLayout9.xml><?xml version="1.0" encoding="utf-8"?>
-<p:sldLayout xmlns:a="http://schemas.openxmlformats.org/drawingml/2006/main" xmlns:r="http://schemas.openxmlformats.org/officeDocument/2006/relationships" xmlns:mc="http://schemas.openxmlformats.org/markup-compatibility/2006" xmlns:mv="urn:schemas-microsoft-com:mac:vml" xmlns:p="http://schemas.openxmlformats.org/presentationml/2006/main" xmlns:c="http://schemas.openxmlformats.org/drawingml/2006/chart" xmlns:dgm="http://schemas.openxmlformats.org/drawingml/2006/diagram" xmlns:o="urn:schemas-microsoft-com:office:office" xmlns:v="urn:schemas-microsoft-com:vml" xmlns:pvml="urn:schemas-microsoft-com:office:powerpoint" xmlns:com="http://schemas.openxmlformats.org/drawingml/2006/compatibility" xmlns:p14="http://schemas.microsoft.com/office/powerpoint/2010/main" xmlns:p15="http://schemas.microsoft.com/office/powerpoint/2012/main" xmlns:ahyp="http://schemas.microsoft.com/office/drawing/2018/hyperlinkcolor" matchingName="Picture with Caption" type="picTx">
+<p:sldLayout xmlns:a="http://schemas.openxmlformats.org/drawingml/2006/main" xmlns:r="http://schemas.openxmlformats.org/officeDocument/2006/relationships" xmlns:p="http://schemas.openxmlformats.org/presentationml/2006/main" matchingName="Picture with Caption" type="picTx">
   <p:cSld name="PICTURE_WITH_CAPTION_TEXT">
     <p:spTree>
       <p:nvGrpSpPr>
-        <p:cNvPr id="61" name="Shape 61"/>
+        <p:cNvPr id="1" name="Shape 61"/>
         <p:cNvGrpSpPr/>
         <p:nvPr/>
       </p:nvGrpSpPr>
@@ -8832,7 +9068,9 @@
       <p:sp>
         <p:nvSpPr>
           <p:cNvPr id="62" name="Google Shape;62;p10"/>
-          <p:cNvSpPr txBox="1"/>
+          <p:cNvSpPr txBox="1">
+            <a:spLocks noGrp="1"/>
+          </p:cNvSpPr>
           <p:nvPr>
             <p:ph type="title"/>
           </p:nvPr>
@@ -8851,7 +9089,7 @@
           </a:ln>
         </p:spPr>
         <p:txBody>
-          <a:bodyPr anchorCtr="0" anchor="b" bIns="45700" lIns="91425" spcFirstLastPara="1" rIns="91425" wrap="square" tIns="45700">
+          <a:bodyPr spcFirstLastPara="1" wrap="square" lIns="91425" tIns="45700" rIns="91425" bIns="45700" anchor="b" anchorCtr="0">
             <a:normAutofit/>
           </a:bodyPr>
           <a:lstStyle>
@@ -8962,15 +9200,19 @@
               <a:defRPr/>
             </a:lvl9pPr>
           </a:lstStyle>
-          <a:p/>
+          <a:p>
+            <a:endParaRPr/>
+          </a:p>
         </p:txBody>
       </p:sp>
       <p:sp>
         <p:nvSpPr>
           <p:cNvPr id="63" name="Google Shape;63;p10"/>
-          <p:cNvSpPr/>
+          <p:cNvSpPr>
+            <a:spLocks noGrp="1"/>
+          </p:cNvSpPr>
           <p:nvPr>
-            <p:ph idx="2" type="pic"/>
+            <p:ph type="pic" idx="2"/>
           </p:nvPr>
         </p:nvSpPr>
         <p:spPr>
@@ -8990,9 +9232,11 @@
       <p:sp>
         <p:nvSpPr>
           <p:cNvPr id="64" name="Google Shape;64;p10"/>
-          <p:cNvSpPr txBox="1"/>
+          <p:cNvSpPr txBox="1">
+            <a:spLocks noGrp="1"/>
+          </p:cNvSpPr>
           <p:nvPr>
-            <p:ph idx="1" type="body"/>
+            <p:ph type="body" idx="1"/>
           </p:nvPr>
         </p:nvSpPr>
         <p:spPr>
@@ -9009,11 +9253,11 @@
           </a:ln>
         </p:spPr>
         <p:txBody>
-          <a:bodyPr anchorCtr="0" anchor="t" bIns="45700" lIns="91425" spcFirstLastPara="1" rIns="91425" wrap="square" tIns="45700">
+          <a:bodyPr spcFirstLastPara="1" wrap="square" lIns="91425" tIns="45700" rIns="91425" bIns="45700" anchor="t" anchorCtr="0">
             <a:normAutofit/>
           </a:bodyPr>
           <a:lstStyle>
-            <a:lvl1pPr indent="-228600" lvl="0" marL="457200" algn="l">
+            <a:lvl1pPr marL="457200" lvl="0" indent="-228600" algn="l">
               <a:lnSpc>
                 <a:spcPct val="90000"/>
               </a:lnSpc>
@@ -9030,7 +9274,7 @@
               <a:buNone/>
               <a:defRPr sz="1600"/>
             </a:lvl1pPr>
-            <a:lvl2pPr indent="-228600" lvl="1" marL="914400" algn="l">
+            <a:lvl2pPr marL="914400" lvl="1" indent="-228600" algn="l">
               <a:lnSpc>
                 <a:spcPct val="90000"/>
               </a:lnSpc>
@@ -9047,7 +9291,7 @@
               <a:buNone/>
               <a:defRPr sz="1400"/>
             </a:lvl2pPr>
-            <a:lvl3pPr indent="-228600" lvl="2" marL="1371600" algn="l">
+            <a:lvl3pPr marL="1371600" lvl="2" indent="-228600" algn="l">
               <a:lnSpc>
                 <a:spcPct val="90000"/>
               </a:lnSpc>
@@ -9064,7 +9308,7 @@
               <a:buNone/>
               <a:defRPr sz="1200"/>
             </a:lvl3pPr>
-            <a:lvl4pPr indent="-228600" lvl="3" marL="1828800" algn="l">
+            <a:lvl4pPr marL="1828800" lvl="3" indent="-228600" algn="l">
               <a:lnSpc>
                 <a:spcPct val="90000"/>
               </a:lnSpc>
@@ -9081,7 +9325,7 @@
               <a:buNone/>
               <a:defRPr sz="1000"/>
             </a:lvl4pPr>
-            <a:lvl5pPr indent="-228600" lvl="4" marL="2286000" algn="l">
+            <a:lvl5pPr marL="2286000" lvl="4" indent="-228600" algn="l">
               <a:lnSpc>
                 <a:spcPct val="90000"/>
               </a:lnSpc>
@@ -9098,7 +9342,7 @@
               <a:buNone/>
               <a:defRPr sz="1000"/>
             </a:lvl5pPr>
-            <a:lvl6pPr indent="-228600" lvl="5" marL="2743200" algn="l">
+            <a:lvl6pPr marL="2743200" lvl="5" indent="-228600" algn="l">
               <a:lnSpc>
                 <a:spcPct val="90000"/>
               </a:lnSpc>
@@ -9115,7 +9359,7 @@
               <a:buNone/>
               <a:defRPr sz="1000"/>
             </a:lvl6pPr>
-            <a:lvl7pPr indent="-228600" lvl="6" marL="3200400" algn="l">
+            <a:lvl7pPr marL="3200400" lvl="6" indent="-228600" algn="l">
               <a:lnSpc>
                 <a:spcPct val="90000"/>
               </a:lnSpc>
@@ -9132,7 +9376,7 @@
               <a:buNone/>
               <a:defRPr sz="1000"/>
             </a:lvl7pPr>
-            <a:lvl8pPr indent="-228600" lvl="7" marL="3657600" algn="l">
+            <a:lvl8pPr marL="3657600" lvl="7" indent="-228600" algn="l">
               <a:lnSpc>
                 <a:spcPct val="90000"/>
               </a:lnSpc>
@@ -9149,7 +9393,7 @@
               <a:buNone/>
               <a:defRPr sz="1000"/>
             </a:lvl8pPr>
-            <a:lvl9pPr indent="-228600" lvl="8" marL="4114800" algn="l">
+            <a:lvl9pPr marL="4114800" lvl="8" indent="-228600" algn="l">
               <a:lnSpc>
                 <a:spcPct val="90000"/>
               </a:lnSpc>
@@ -9167,15 +9411,19 @@
               <a:defRPr sz="1000"/>
             </a:lvl9pPr>
           </a:lstStyle>
-          <a:p/>
+          <a:p>
+            <a:endParaRPr/>
+          </a:p>
         </p:txBody>
       </p:sp>
       <p:sp>
         <p:nvSpPr>
           <p:cNvPr id="65" name="Google Shape;65;p10"/>
-          <p:cNvSpPr txBox="1"/>
+          <p:cNvSpPr txBox="1">
+            <a:spLocks noGrp="1"/>
+          </p:cNvSpPr>
           <p:nvPr>
-            <p:ph idx="10" type="dt"/>
+            <p:ph type="dt" idx="10"/>
           </p:nvPr>
         </p:nvSpPr>
         <p:spPr>
@@ -9192,7 +9440,7 @@
           </a:ln>
         </p:spPr>
         <p:txBody>
-          <a:bodyPr anchorCtr="0" anchor="ctr" bIns="45700" lIns="91425" spcFirstLastPara="1" rIns="91425" wrap="square" tIns="45700">
+          <a:bodyPr spcFirstLastPara="1" wrap="square" lIns="91425" tIns="45700" rIns="91425" bIns="45700" anchor="ctr" anchorCtr="0">
             <a:noAutofit/>
           </a:bodyPr>
           <a:lstStyle>
@@ -9296,15 +9544,19 @@
               <a:defRPr/>
             </a:lvl9pPr>
           </a:lstStyle>
-          <a:p/>
+          <a:p>
+            <a:endParaRPr/>
+          </a:p>
         </p:txBody>
       </p:sp>
       <p:sp>
         <p:nvSpPr>
           <p:cNvPr id="66" name="Google Shape;66;p10"/>
-          <p:cNvSpPr txBox="1"/>
+          <p:cNvSpPr txBox="1">
+            <a:spLocks noGrp="1"/>
+          </p:cNvSpPr>
           <p:nvPr>
-            <p:ph idx="11" type="ftr"/>
+            <p:ph type="ftr" idx="11"/>
           </p:nvPr>
         </p:nvSpPr>
         <p:spPr>
@@ -9321,7 +9573,7 @@
           </a:ln>
         </p:spPr>
         <p:txBody>
-          <a:bodyPr anchorCtr="0" anchor="ctr" bIns="45700" lIns="91425" spcFirstLastPara="1" rIns="91425" wrap="square" tIns="45700">
+          <a:bodyPr spcFirstLastPara="1" wrap="square" lIns="91425" tIns="45700" rIns="91425" bIns="45700" anchor="ctr" anchorCtr="0">
             <a:noAutofit/>
           </a:bodyPr>
           <a:lstStyle>
@@ -9425,15 +9677,19 @@
               <a:defRPr/>
             </a:lvl9pPr>
           </a:lstStyle>
-          <a:p/>
+          <a:p>
+            <a:endParaRPr/>
+          </a:p>
         </p:txBody>
       </p:sp>
       <p:sp>
         <p:nvSpPr>
           <p:cNvPr id="67" name="Google Shape;67;p10"/>
-          <p:cNvSpPr txBox="1"/>
+          <p:cNvSpPr txBox="1">
+            <a:spLocks noGrp="1"/>
+          </p:cNvSpPr>
           <p:nvPr>
-            <p:ph idx="12" type="sldNum"/>
+            <p:ph type="sldNum" idx="12"/>
           </p:nvPr>
         </p:nvSpPr>
         <p:spPr>
@@ -9450,67 +9706,67 @@
           </a:ln>
         </p:spPr>
         <p:txBody>
-          <a:bodyPr anchorCtr="0" anchor="ctr" bIns="45700" lIns="91425" spcFirstLastPara="1" rIns="91425" wrap="square" tIns="45700">
+          <a:bodyPr spcFirstLastPara="1" wrap="square" lIns="91425" tIns="45700" rIns="91425" bIns="45700" anchor="ctr" anchorCtr="0">
             <a:noAutofit/>
           </a:bodyPr>
           <a:lstStyle>
-            <a:lvl1pPr indent="0" lvl="0" marL="0" algn="r">
+            <a:lvl1pPr marL="0" lvl="0" indent="0" algn="r">
               <a:spcBef>
                 <a:spcPts val="0"/>
               </a:spcBef>
               <a:buNone/>
               <a:defRPr/>
             </a:lvl1pPr>
-            <a:lvl2pPr indent="0" lvl="1" marL="0" algn="r">
+            <a:lvl2pPr marL="0" lvl="1" indent="0" algn="r">
               <a:spcBef>
                 <a:spcPts val="0"/>
               </a:spcBef>
               <a:buNone/>
               <a:defRPr/>
             </a:lvl2pPr>
-            <a:lvl3pPr indent="0" lvl="2" marL="0" algn="r">
+            <a:lvl3pPr marL="0" lvl="2" indent="0" algn="r">
               <a:spcBef>
                 <a:spcPts val="0"/>
               </a:spcBef>
               <a:buNone/>
               <a:defRPr/>
             </a:lvl3pPr>
-            <a:lvl4pPr indent="0" lvl="3" marL="0" algn="r">
+            <a:lvl4pPr marL="0" lvl="3" indent="0" algn="r">
               <a:spcBef>
                 <a:spcPts val="0"/>
               </a:spcBef>
               <a:buNone/>
               <a:defRPr/>
             </a:lvl4pPr>
-            <a:lvl5pPr indent="0" lvl="4" marL="0" algn="r">
+            <a:lvl5pPr marL="0" lvl="4" indent="0" algn="r">
               <a:spcBef>
                 <a:spcPts val="0"/>
               </a:spcBef>
               <a:buNone/>
               <a:defRPr/>
             </a:lvl5pPr>
-            <a:lvl6pPr indent="0" lvl="5" marL="0" algn="r">
+            <a:lvl6pPr marL="0" lvl="5" indent="0" algn="r">
               <a:spcBef>
                 <a:spcPts val="0"/>
               </a:spcBef>
               <a:buNone/>
               <a:defRPr/>
             </a:lvl6pPr>
-            <a:lvl7pPr indent="0" lvl="6" marL="0" algn="r">
+            <a:lvl7pPr marL="0" lvl="6" indent="0" algn="r">
               <a:spcBef>
                 <a:spcPts val="0"/>
               </a:spcBef>
               <a:buNone/>
               <a:defRPr/>
             </a:lvl7pPr>
-            <a:lvl8pPr indent="0" lvl="7" marL="0" algn="r">
+            <a:lvl8pPr marL="0" lvl="7" indent="0" algn="r">
               <a:spcBef>
                 <a:spcPts val="0"/>
               </a:spcBef>
               <a:buNone/>
               <a:defRPr/>
             </a:lvl8pPr>
-            <a:lvl9pPr indent="0" lvl="8" marL="0" algn="r">
+            <a:lvl9pPr marL="0" lvl="8" indent="0" algn="r">
               <a:spcBef>
                 <a:spcPts val="0"/>
               </a:spcBef>
@@ -9519,7 +9775,7 @@
             </a:lvl9pPr>
           </a:lstStyle>
           <a:p>
-            <a:pPr indent="0" lvl="0" marL="0" rtl="0" algn="r">
+            <a:pPr marL="0" lvl="0" indent="0" algn="r" rtl="0">
               <a:spcBef>
                 <a:spcPts val="0"/>
               </a:spcBef>
@@ -9530,7 +9786,7 @@
             </a:pPr>
             <a:fld id="{00000000-1234-1234-1234-123412341234}" type="slidenum">
               <a:rPr lang="pt-BR"/>
-              <a:t>‹#›</a:t>
+              <a:t>‹nº›</a:t>
             </a:fld>
             <a:endParaRPr/>
           </a:p>
@@ -9545,18 +9801,19 @@
 </file>
 
 <file path=ppt/slideMasters/slideMaster1.xml><?xml version="1.0" encoding="utf-8"?>
-<p:sldMaster xmlns:a="http://schemas.openxmlformats.org/drawingml/2006/main" xmlns:r="http://schemas.openxmlformats.org/officeDocument/2006/relationships" xmlns:mc="http://schemas.openxmlformats.org/markup-compatibility/2006" xmlns:mv="urn:schemas-microsoft-com:mac:vml" xmlns:p="http://schemas.openxmlformats.org/presentationml/2006/main" xmlns:c="http://schemas.openxmlformats.org/drawingml/2006/chart" xmlns:dgm="http://schemas.openxmlformats.org/drawingml/2006/diagram" xmlns:o="urn:schemas-microsoft-com:office:office" xmlns:v="urn:schemas-microsoft-com:vml" xmlns:pvml="urn:schemas-microsoft-com:office:powerpoint" xmlns:com="http://schemas.openxmlformats.org/drawingml/2006/compatibility" xmlns:p14="http://schemas.microsoft.com/office/powerpoint/2010/main" xmlns:p15="http://schemas.microsoft.com/office/powerpoint/2012/main" xmlns:ahyp="http://schemas.microsoft.com/office/drawing/2018/hyperlinkcolor">
+<p:sldMaster xmlns:a="http://schemas.openxmlformats.org/drawingml/2006/main" xmlns:r="http://schemas.openxmlformats.org/officeDocument/2006/relationships" xmlns:p="http://schemas.openxmlformats.org/presentationml/2006/main">
   <p:cSld>
     <p:bg>
       <p:bgPr>
         <a:solidFill>
           <a:schemeClr val="lt1"/>
         </a:solidFill>
+        <a:effectLst/>
       </p:bgPr>
     </p:bg>
     <p:spTree>
       <p:nvGrpSpPr>
-        <p:cNvPr id="5" name="Shape 5"/>
+        <p:cNvPr id="1" name="Shape 5"/>
         <p:cNvGrpSpPr/>
         <p:nvPr/>
       </p:nvGrpSpPr>
@@ -9571,7 +9828,9 @@
       <p:sp>
         <p:nvSpPr>
           <p:cNvPr id="6" name="Google Shape;6;p1"/>
-          <p:cNvSpPr txBox="1"/>
+          <p:cNvSpPr txBox="1">
+            <a:spLocks noGrp="1"/>
+          </p:cNvSpPr>
           <p:nvPr>
             <p:ph type="title"/>
           </p:nvPr>
@@ -9590,11 +9849,11 @@
           </a:ln>
         </p:spPr>
         <p:txBody>
-          <a:bodyPr anchorCtr="0" anchor="ctr" bIns="45700" lIns="91425" spcFirstLastPara="1" rIns="91425" wrap="square" tIns="45700">
+          <a:bodyPr spcFirstLastPara="1" wrap="square" lIns="91425" tIns="45700" rIns="91425" bIns="45700" anchor="ctr" anchorCtr="0">
             <a:normAutofit/>
           </a:bodyPr>
           <a:lstStyle>
-            <a:lvl1pPr lvl="0" marR="0" rtl="0" algn="l">
+            <a:lvl1pPr marR="0" lvl="0" algn="l" rtl="0">
               <a:lnSpc>
                 <a:spcPct val="90000"/>
               </a:lnSpc>
@@ -9610,7 +9869,7 @@
               <a:buSzPts val="4400"/>
               <a:buFont typeface="Calibri"/>
               <a:buNone/>
-              <a:defRPr b="0" i="0" sz="4400" u="none" cap="none" strike="noStrike">
+              <a:defRPr sz="4400" b="0" i="0" u="none" strike="noStrike" cap="none">
                 <a:solidFill>
                   <a:schemeClr val="dk1"/>
                 </a:solidFill>
@@ -9709,15 +9968,19 @@
               <a:defRPr sz="1800"/>
             </a:lvl9pPr>
           </a:lstStyle>
-          <a:p/>
+          <a:p>
+            <a:endParaRPr/>
+          </a:p>
         </p:txBody>
       </p:sp>
       <p:sp>
         <p:nvSpPr>
           <p:cNvPr id="7" name="Google Shape;7;p1"/>
-          <p:cNvSpPr txBox="1"/>
+          <p:cNvSpPr txBox="1">
+            <a:spLocks noGrp="1"/>
+          </p:cNvSpPr>
           <p:nvPr>
-            <p:ph idx="1" type="body"/>
+            <p:ph type="body" idx="1"/>
           </p:nvPr>
         </p:nvSpPr>
         <p:spPr>
@@ -9734,11 +9997,11 @@
           </a:ln>
         </p:spPr>
         <p:txBody>
-          <a:bodyPr anchorCtr="0" anchor="t" bIns="45700" lIns="91425" spcFirstLastPara="1" rIns="91425" wrap="square" tIns="45700">
+          <a:bodyPr spcFirstLastPara="1" wrap="square" lIns="91425" tIns="45700" rIns="91425" bIns="45700" anchor="t" anchorCtr="0">
             <a:normAutofit/>
           </a:bodyPr>
           <a:lstStyle>
-            <a:lvl1pPr indent="-406400" lvl="0" marL="457200" marR="0" rtl="0" algn="l">
+            <a:lvl1pPr marL="457200" marR="0" lvl="0" indent="-406400" algn="l" rtl="0">
               <a:lnSpc>
                 <a:spcPct val="90000"/>
               </a:lnSpc>
@@ -9754,7 +10017,7 @@
               <a:buSzPts val="2800"/>
               <a:buFont typeface="Arial"/>
               <a:buChar char="•"/>
-              <a:defRPr b="0" i="0" sz="2800" u="none" cap="none" strike="noStrike">
+              <a:defRPr sz="2800" b="0" i="0" u="none" strike="noStrike" cap="none">
                 <a:solidFill>
                   <a:schemeClr val="dk1"/>
                 </a:solidFill>
@@ -9764,7 +10027,7 @@
                 <a:sym typeface="Calibri"/>
               </a:defRPr>
             </a:lvl1pPr>
-            <a:lvl2pPr indent="-381000" lvl="1" marL="914400" marR="0" rtl="0" algn="l">
+            <a:lvl2pPr marL="914400" marR="0" lvl="1" indent="-381000" algn="l" rtl="0">
               <a:lnSpc>
                 <a:spcPct val="90000"/>
               </a:lnSpc>
@@ -9780,7 +10043,7 @@
               <a:buSzPts val="2400"/>
               <a:buFont typeface="Arial"/>
               <a:buChar char="•"/>
-              <a:defRPr b="0" i="0" sz="2400" u="none" cap="none" strike="noStrike">
+              <a:defRPr sz="2400" b="0" i="0" u="none" strike="noStrike" cap="none">
                 <a:solidFill>
                   <a:schemeClr val="dk1"/>
                 </a:solidFill>
@@ -9790,7 +10053,7 @@
                 <a:sym typeface="Calibri"/>
               </a:defRPr>
             </a:lvl2pPr>
-            <a:lvl3pPr indent="-355600" lvl="2" marL="1371600" marR="0" rtl="0" algn="l">
+            <a:lvl3pPr marL="1371600" marR="0" lvl="2" indent="-355600" algn="l" rtl="0">
               <a:lnSpc>
                 <a:spcPct val="90000"/>
               </a:lnSpc>
@@ -9806,7 +10069,7 @@
               <a:buSzPts val="2000"/>
               <a:buFont typeface="Arial"/>
               <a:buChar char="•"/>
-              <a:defRPr b="0" i="0" sz="2000" u="none" cap="none" strike="noStrike">
+              <a:defRPr sz="2000" b="0" i="0" u="none" strike="noStrike" cap="none">
                 <a:solidFill>
                   <a:schemeClr val="dk1"/>
                 </a:solidFill>
@@ -9816,7 +10079,7 @@
                 <a:sym typeface="Calibri"/>
               </a:defRPr>
             </a:lvl3pPr>
-            <a:lvl4pPr indent="-342900" lvl="3" marL="1828800" marR="0" rtl="0" algn="l">
+            <a:lvl4pPr marL="1828800" marR="0" lvl="3" indent="-342900" algn="l" rtl="0">
               <a:lnSpc>
                 <a:spcPct val="90000"/>
               </a:lnSpc>
@@ -9832,7 +10095,7 @@
               <a:buSzPts val="1800"/>
               <a:buFont typeface="Arial"/>
               <a:buChar char="•"/>
-              <a:defRPr b="0" i="0" sz="1800" u="none" cap="none" strike="noStrike">
+              <a:defRPr sz="1800" b="0" i="0" u="none" strike="noStrike" cap="none">
                 <a:solidFill>
                   <a:schemeClr val="dk1"/>
                 </a:solidFill>
@@ -9842,7 +10105,7 @@
                 <a:sym typeface="Calibri"/>
               </a:defRPr>
             </a:lvl4pPr>
-            <a:lvl5pPr indent="-342900" lvl="4" marL="2286000" marR="0" rtl="0" algn="l">
+            <a:lvl5pPr marL="2286000" marR="0" lvl="4" indent="-342900" algn="l" rtl="0">
               <a:lnSpc>
                 <a:spcPct val="90000"/>
               </a:lnSpc>
@@ -9858,7 +10121,7 @@
               <a:buSzPts val="1800"/>
               <a:buFont typeface="Arial"/>
               <a:buChar char="•"/>
-              <a:defRPr b="0" i="0" sz="1800" u="none" cap="none" strike="noStrike">
+              <a:defRPr sz="1800" b="0" i="0" u="none" strike="noStrike" cap="none">
                 <a:solidFill>
                   <a:schemeClr val="dk1"/>
                 </a:solidFill>
@@ -9868,7 +10131,7 @@
                 <a:sym typeface="Calibri"/>
               </a:defRPr>
             </a:lvl5pPr>
-            <a:lvl6pPr indent="-342900" lvl="5" marL="2743200" marR="0" rtl="0" algn="l">
+            <a:lvl6pPr marL="2743200" marR="0" lvl="5" indent="-342900" algn="l" rtl="0">
               <a:lnSpc>
                 <a:spcPct val="90000"/>
               </a:lnSpc>
@@ -9884,7 +10147,7 @@
               <a:buSzPts val="1800"/>
               <a:buFont typeface="Arial"/>
               <a:buChar char="•"/>
-              <a:defRPr b="0" i="0" sz="1800" u="none" cap="none" strike="noStrike">
+              <a:defRPr sz="1800" b="0" i="0" u="none" strike="noStrike" cap="none">
                 <a:solidFill>
                   <a:schemeClr val="dk1"/>
                 </a:solidFill>
@@ -9894,7 +10157,7 @@
                 <a:sym typeface="Calibri"/>
               </a:defRPr>
             </a:lvl6pPr>
-            <a:lvl7pPr indent="-342900" lvl="6" marL="3200400" marR="0" rtl="0" algn="l">
+            <a:lvl7pPr marL="3200400" marR="0" lvl="6" indent="-342900" algn="l" rtl="0">
               <a:lnSpc>
                 <a:spcPct val="90000"/>
               </a:lnSpc>
@@ -9910,7 +10173,7 @@
               <a:buSzPts val="1800"/>
               <a:buFont typeface="Arial"/>
               <a:buChar char="•"/>
-              <a:defRPr b="0" i="0" sz="1800" u="none" cap="none" strike="noStrike">
+              <a:defRPr sz="1800" b="0" i="0" u="none" strike="noStrike" cap="none">
                 <a:solidFill>
                   <a:schemeClr val="dk1"/>
                 </a:solidFill>
@@ -9920,7 +10183,7 @@
                 <a:sym typeface="Calibri"/>
               </a:defRPr>
             </a:lvl7pPr>
-            <a:lvl8pPr indent="-342900" lvl="7" marL="3657600" marR="0" rtl="0" algn="l">
+            <a:lvl8pPr marL="3657600" marR="0" lvl="7" indent="-342900" algn="l" rtl="0">
               <a:lnSpc>
                 <a:spcPct val="90000"/>
               </a:lnSpc>
@@ -9936,7 +10199,7 @@
               <a:buSzPts val="1800"/>
               <a:buFont typeface="Arial"/>
               <a:buChar char="•"/>
-              <a:defRPr b="0" i="0" sz="1800" u="none" cap="none" strike="noStrike">
+              <a:defRPr sz="1800" b="0" i="0" u="none" strike="noStrike" cap="none">
                 <a:solidFill>
                   <a:schemeClr val="dk1"/>
                 </a:solidFill>
@@ -9946,7 +10209,7 @@
                 <a:sym typeface="Calibri"/>
               </a:defRPr>
             </a:lvl8pPr>
-            <a:lvl9pPr indent="-342900" lvl="8" marL="4114800" marR="0" rtl="0" algn="l">
+            <a:lvl9pPr marL="4114800" marR="0" lvl="8" indent="-342900" algn="l" rtl="0">
               <a:lnSpc>
                 <a:spcPct val="90000"/>
               </a:lnSpc>
@@ -9962,7 +10225,7 @@
               <a:buSzPts val="1800"/>
               <a:buFont typeface="Arial"/>
               <a:buChar char="•"/>
-              <a:defRPr b="0" i="0" sz="1800" u="none" cap="none" strike="noStrike">
+              <a:defRPr sz="1800" b="0" i="0" u="none" strike="noStrike" cap="none">
                 <a:solidFill>
                   <a:schemeClr val="dk1"/>
                 </a:solidFill>
@@ -9973,15 +10236,19 @@
               </a:defRPr>
             </a:lvl9pPr>
           </a:lstStyle>
-          <a:p/>
+          <a:p>
+            <a:endParaRPr/>
+          </a:p>
         </p:txBody>
       </p:sp>
       <p:sp>
         <p:nvSpPr>
           <p:cNvPr id="8" name="Google Shape;8;p1"/>
-          <p:cNvSpPr txBox="1"/>
+          <p:cNvSpPr txBox="1">
+            <a:spLocks noGrp="1"/>
+          </p:cNvSpPr>
           <p:nvPr>
-            <p:ph idx="10" type="dt"/>
+            <p:ph type="dt" idx="10"/>
           </p:nvPr>
         </p:nvSpPr>
         <p:spPr>
@@ -9998,20 +10265,20 @@
           </a:ln>
         </p:spPr>
         <p:txBody>
-          <a:bodyPr anchorCtr="0" anchor="ctr" bIns="45700" lIns="91425" spcFirstLastPara="1" rIns="91425" wrap="square" tIns="45700">
+          <a:bodyPr spcFirstLastPara="1" wrap="square" lIns="91425" tIns="45700" rIns="91425" bIns="45700" anchor="ctr" anchorCtr="0">
             <a:noAutofit/>
           </a:bodyPr>
           <a:lstStyle>
-            <a:lvl1pPr lvl="0" marR="0" rtl="0" algn="l">
-              <a:spcBef>
-                <a:spcPts val="0"/>
-              </a:spcBef>
-              <a:spcAft>
-                <a:spcPts val="0"/>
-              </a:spcAft>
-              <a:buSzPts val="1400"/>
-              <a:buNone/>
-              <a:defRPr b="0" i="0" sz="1200" u="none" cap="none" strike="noStrike">
+            <a:lvl1pPr marR="0" lvl="0" algn="l" rtl="0">
+              <a:spcBef>
+                <a:spcPts val="0"/>
+              </a:spcBef>
+              <a:spcAft>
+                <a:spcPts val="0"/>
+              </a:spcAft>
+              <a:buSzPts val="1400"/>
+              <a:buNone/>
+              <a:defRPr sz="1200" b="0" i="0" u="none" strike="noStrike" cap="none">
                 <a:solidFill>
                   <a:srgbClr val="888888"/>
                 </a:solidFill>
@@ -10021,16 +10288,16 @@
                 <a:sym typeface="Calibri"/>
               </a:defRPr>
             </a:lvl1pPr>
-            <a:lvl2pPr lvl="1" marR="0" rtl="0" algn="l">
-              <a:spcBef>
-                <a:spcPts val="0"/>
-              </a:spcBef>
-              <a:spcAft>
-                <a:spcPts val="0"/>
-              </a:spcAft>
-              <a:buSzPts val="1400"/>
-              <a:buNone/>
-              <a:defRPr b="0" i="0" sz="1800" u="none" cap="none" strike="noStrike">
+            <a:lvl2pPr marR="0" lvl="1" algn="l" rtl="0">
+              <a:spcBef>
+                <a:spcPts val="0"/>
+              </a:spcBef>
+              <a:spcAft>
+                <a:spcPts val="0"/>
+              </a:spcAft>
+              <a:buSzPts val="1400"/>
+              <a:buNone/>
+              <a:defRPr sz="1800" b="0" i="0" u="none" strike="noStrike" cap="none">
                 <a:solidFill>
                   <a:schemeClr val="dk1"/>
                 </a:solidFill>
@@ -10040,16 +10307,16 @@
                 <a:sym typeface="Calibri"/>
               </a:defRPr>
             </a:lvl2pPr>
-            <a:lvl3pPr lvl="2" marR="0" rtl="0" algn="l">
-              <a:spcBef>
-                <a:spcPts val="0"/>
-              </a:spcBef>
-              <a:spcAft>
-                <a:spcPts val="0"/>
-              </a:spcAft>
-              <a:buSzPts val="1400"/>
-              <a:buNone/>
-              <a:defRPr b="0" i="0" sz="1800" u="none" cap="none" strike="noStrike">
+            <a:lvl3pPr marR="0" lvl="2" algn="l" rtl="0">
+              <a:spcBef>
+                <a:spcPts val="0"/>
+              </a:spcBef>
+              <a:spcAft>
+                <a:spcPts val="0"/>
+              </a:spcAft>
+              <a:buSzPts val="1400"/>
+              <a:buNone/>
+              <a:defRPr sz="1800" b="0" i="0" u="none" strike="noStrike" cap="none">
                 <a:solidFill>
                   <a:schemeClr val="dk1"/>
                 </a:solidFill>
@@ -10059,16 +10326,16 @@
                 <a:sym typeface="Calibri"/>
               </a:defRPr>
             </a:lvl3pPr>
-            <a:lvl4pPr lvl="3" marR="0" rtl="0" algn="l">
-              <a:spcBef>
-                <a:spcPts val="0"/>
-              </a:spcBef>
-              <a:spcAft>
-                <a:spcPts val="0"/>
-              </a:spcAft>
-              <a:buSzPts val="1400"/>
-              <a:buNone/>
-              <a:defRPr b="0" i="0" sz="1800" u="none" cap="none" strike="noStrike">
+            <a:lvl4pPr marR="0" lvl="3" algn="l" rtl="0">
+              <a:spcBef>
+                <a:spcPts val="0"/>
+              </a:spcBef>
+              <a:spcAft>
+                <a:spcPts val="0"/>
+              </a:spcAft>
+              <a:buSzPts val="1400"/>
+              <a:buNone/>
+              <a:defRPr sz="1800" b="0" i="0" u="none" strike="noStrike" cap="none">
                 <a:solidFill>
                   <a:schemeClr val="dk1"/>
                 </a:solidFill>
@@ -10078,16 +10345,16 @@
                 <a:sym typeface="Calibri"/>
               </a:defRPr>
             </a:lvl4pPr>
-            <a:lvl5pPr lvl="4" marR="0" rtl="0" algn="l">
-              <a:spcBef>
-                <a:spcPts val="0"/>
-              </a:spcBef>
-              <a:spcAft>
-                <a:spcPts val="0"/>
-              </a:spcAft>
-              <a:buSzPts val="1400"/>
-              <a:buNone/>
-              <a:defRPr b="0" i="0" sz="1800" u="none" cap="none" strike="noStrike">
+            <a:lvl5pPr marR="0" lvl="4" algn="l" rtl="0">
+              <a:spcBef>
+                <a:spcPts val="0"/>
+              </a:spcBef>
+              <a:spcAft>
+                <a:spcPts val="0"/>
+              </a:spcAft>
+              <a:buSzPts val="1400"/>
+              <a:buNone/>
+              <a:defRPr sz="1800" b="0" i="0" u="none" strike="noStrike" cap="none">
                 <a:solidFill>
                   <a:schemeClr val="dk1"/>
                 </a:solidFill>
@@ -10097,16 +10364,16 @@
                 <a:sym typeface="Calibri"/>
               </a:defRPr>
             </a:lvl5pPr>
-            <a:lvl6pPr lvl="5" marR="0" rtl="0" algn="l">
-              <a:spcBef>
-                <a:spcPts val="0"/>
-              </a:spcBef>
-              <a:spcAft>
-                <a:spcPts val="0"/>
-              </a:spcAft>
-              <a:buSzPts val="1400"/>
-              <a:buNone/>
-              <a:defRPr b="0" i="0" sz="1800" u="none" cap="none" strike="noStrike">
+            <a:lvl6pPr marR="0" lvl="5" algn="l" rtl="0">
+              <a:spcBef>
+                <a:spcPts val="0"/>
+              </a:spcBef>
+              <a:spcAft>
+                <a:spcPts val="0"/>
+              </a:spcAft>
+              <a:buSzPts val="1400"/>
+              <a:buNone/>
+              <a:defRPr sz="1800" b="0" i="0" u="none" strike="noStrike" cap="none">
                 <a:solidFill>
                   <a:schemeClr val="dk1"/>
                 </a:solidFill>
@@ -10116,16 +10383,16 @@
                 <a:sym typeface="Calibri"/>
               </a:defRPr>
             </a:lvl6pPr>
-            <a:lvl7pPr lvl="6" marR="0" rtl="0" algn="l">
-              <a:spcBef>
-                <a:spcPts val="0"/>
-              </a:spcBef>
-              <a:spcAft>
-                <a:spcPts val="0"/>
-              </a:spcAft>
-              <a:buSzPts val="1400"/>
-              <a:buNone/>
-              <a:defRPr b="0" i="0" sz="1800" u="none" cap="none" strike="noStrike">
+            <a:lvl7pPr marR="0" lvl="6" algn="l" rtl="0">
+              <a:spcBef>
+                <a:spcPts val="0"/>
+              </a:spcBef>
+              <a:spcAft>
+                <a:spcPts val="0"/>
+              </a:spcAft>
+              <a:buSzPts val="1400"/>
+              <a:buNone/>
+              <a:defRPr sz="1800" b="0" i="0" u="none" strike="noStrike" cap="none">
                 <a:solidFill>
                   <a:schemeClr val="dk1"/>
                 </a:solidFill>
@@ -10135,16 +10402,16 @@
                 <a:sym typeface="Calibri"/>
               </a:defRPr>
             </a:lvl7pPr>
-            <a:lvl8pPr lvl="7" marR="0" rtl="0" algn="l">
-              <a:spcBef>
-                <a:spcPts val="0"/>
-              </a:spcBef>
-              <a:spcAft>
-                <a:spcPts val="0"/>
-              </a:spcAft>
-              <a:buSzPts val="1400"/>
-              <a:buNone/>
-              <a:defRPr b="0" i="0" sz="1800" u="none" cap="none" strike="noStrike">
+            <a:lvl8pPr marR="0" lvl="7" algn="l" rtl="0">
+              <a:spcBef>
+                <a:spcPts val="0"/>
+              </a:spcBef>
+              <a:spcAft>
+                <a:spcPts val="0"/>
+              </a:spcAft>
+              <a:buSzPts val="1400"/>
+              <a:buNone/>
+              <a:defRPr sz="1800" b="0" i="0" u="none" strike="noStrike" cap="none">
                 <a:solidFill>
                   <a:schemeClr val="dk1"/>
                 </a:solidFill>
@@ -10154,16 +10421,16 @@
                 <a:sym typeface="Calibri"/>
               </a:defRPr>
             </a:lvl8pPr>
-            <a:lvl9pPr lvl="8" marR="0" rtl="0" algn="l">
-              <a:spcBef>
-                <a:spcPts val="0"/>
-              </a:spcBef>
-              <a:spcAft>
-                <a:spcPts val="0"/>
-              </a:spcAft>
-              <a:buSzPts val="1400"/>
-              <a:buNone/>
-              <a:defRPr b="0" i="0" sz="1800" u="none" cap="none" strike="noStrike">
+            <a:lvl9pPr marR="0" lvl="8" algn="l" rtl="0">
+              <a:spcBef>
+                <a:spcPts val="0"/>
+              </a:spcBef>
+              <a:spcAft>
+                <a:spcPts val="0"/>
+              </a:spcAft>
+              <a:buSzPts val="1400"/>
+              <a:buNone/>
+              <a:defRPr sz="1800" b="0" i="0" u="none" strike="noStrike" cap="none">
                 <a:solidFill>
                   <a:schemeClr val="dk1"/>
                 </a:solidFill>
@@ -10174,15 +10441,19 @@
               </a:defRPr>
             </a:lvl9pPr>
           </a:lstStyle>
-          <a:p/>
+          <a:p>
+            <a:endParaRPr/>
+          </a:p>
         </p:txBody>
       </p:sp>
       <p:sp>
         <p:nvSpPr>
           <p:cNvPr id="9" name="Google Shape;9;p1"/>
-          <p:cNvSpPr txBox="1"/>
+          <p:cNvSpPr txBox="1">
+            <a:spLocks noGrp="1"/>
+          </p:cNvSpPr>
           <p:nvPr>
-            <p:ph idx="11" type="ftr"/>
+            <p:ph type="ftr" idx="11"/>
           </p:nvPr>
         </p:nvSpPr>
         <p:spPr>
@@ -10199,20 +10470,20 @@
           </a:ln>
         </p:spPr>
         <p:txBody>
-          <a:bodyPr anchorCtr="0" anchor="ctr" bIns="45700" lIns="91425" spcFirstLastPara="1" rIns="91425" wrap="square" tIns="45700">
+          <a:bodyPr spcFirstLastPara="1" wrap="square" lIns="91425" tIns="45700" rIns="91425" bIns="45700" anchor="ctr" anchorCtr="0">
             <a:noAutofit/>
           </a:bodyPr>
           <a:lstStyle>
-            <a:lvl1pPr lvl="0" marR="0" rtl="0" algn="ctr">
-              <a:spcBef>
-                <a:spcPts val="0"/>
-              </a:spcBef>
-              <a:spcAft>
-                <a:spcPts val="0"/>
-              </a:spcAft>
-              <a:buSzPts val="1400"/>
-              <a:buNone/>
-              <a:defRPr b="0" i="0" sz="1200" u="none" cap="none" strike="noStrike">
+            <a:lvl1pPr marR="0" lvl="0" algn="ctr" rtl="0">
+              <a:spcBef>
+                <a:spcPts val="0"/>
+              </a:spcBef>
+              <a:spcAft>
+                <a:spcPts val="0"/>
+              </a:spcAft>
+              <a:buSzPts val="1400"/>
+              <a:buNone/>
+              <a:defRPr sz="1200" b="0" i="0" u="none" strike="noStrike" cap="none">
                 <a:solidFill>
                   <a:srgbClr val="888888"/>
                 </a:solidFill>
@@ -10222,16 +10493,16 @@
                 <a:sym typeface="Calibri"/>
               </a:defRPr>
             </a:lvl1pPr>
-            <a:lvl2pPr lvl="1" marR="0" rtl="0" algn="l">
-              <a:spcBef>
-                <a:spcPts val="0"/>
-              </a:spcBef>
-              <a:spcAft>
-                <a:spcPts val="0"/>
-              </a:spcAft>
-              <a:buSzPts val="1400"/>
-              <a:buNone/>
-              <a:defRPr b="0" i="0" sz="1800" u="none" cap="none" strike="noStrike">
+            <a:lvl2pPr marR="0" lvl="1" algn="l" rtl="0">
+              <a:spcBef>
+                <a:spcPts val="0"/>
+              </a:spcBef>
+              <a:spcAft>
+                <a:spcPts val="0"/>
+              </a:spcAft>
+              <a:buSzPts val="1400"/>
+              <a:buNone/>
+              <a:defRPr sz="1800" b="0" i="0" u="none" strike="noStrike" cap="none">
                 <a:solidFill>
                   <a:schemeClr val="dk1"/>
                 </a:solidFill>
@@ -10241,16 +10512,16 @@
                 <a:sym typeface="Calibri"/>
               </a:defRPr>
             </a:lvl2pPr>
-            <a:lvl3pPr lvl="2" marR="0" rtl="0" algn="l">
-              <a:spcBef>
-                <a:spcPts val="0"/>
-              </a:spcBef>
-              <a:spcAft>
-                <a:spcPts val="0"/>
-              </a:spcAft>
-              <a:buSzPts val="1400"/>
-              <a:buNone/>
-              <a:defRPr b="0" i="0" sz="1800" u="none" cap="none" strike="noStrike">
+            <a:lvl3pPr marR="0" lvl="2" algn="l" rtl="0">
+              <a:spcBef>
+                <a:spcPts val="0"/>
+              </a:spcBef>
+              <a:spcAft>
+                <a:spcPts val="0"/>
+              </a:spcAft>
+              <a:buSzPts val="1400"/>
+              <a:buNone/>
+              <a:defRPr sz="1800" b="0" i="0" u="none" strike="noStrike" cap="none">
                 <a:solidFill>
                   <a:schemeClr val="dk1"/>
                 </a:solidFill>
@@ -10260,16 +10531,16 @@
                 <a:sym typeface="Calibri"/>
               </a:defRPr>
             </a:lvl3pPr>
-            <a:lvl4pPr lvl="3" marR="0" rtl="0" algn="l">
-              <a:spcBef>
-                <a:spcPts val="0"/>
-              </a:spcBef>
-              <a:spcAft>
-                <a:spcPts val="0"/>
-              </a:spcAft>
-              <a:buSzPts val="1400"/>
-              <a:buNone/>
-              <a:defRPr b="0" i="0" sz="1800" u="none" cap="none" strike="noStrike">
+            <a:lvl4pPr marR="0" lvl="3" algn="l" rtl="0">
+              <a:spcBef>
+                <a:spcPts val="0"/>
+              </a:spcBef>
+              <a:spcAft>
+                <a:spcPts val="0"/>
+              </a:spcAft>
+              <a:buSzPts val="1400"/>
+              <a:buNone/>
+              <a:defRPr sz="1800" b="0" i="0" u="none" strike="noStrike" cap="none">
                 <a:solidFill>
                   <a:schemeClr val="dk1"/>
                 </a:solidFill>
@@ -10279,16 +10550,16 @@
                 <a:sym typeface="Calibri"/>
               </a:defRPr>
             </a:lvl4pPr>
-            <a:lvl5pPr lvl="4" marR="0" rtl="0" algn="l">
-              <a:spcBef>
-                <a:spcPts val="0"/>
-              </a:spcBef>
-              <a:spcAft>
-                <a:spcPts val="0"/>
-              </a:spcAft>
-              <a:buSzPts val="1400"/>
-              <a:buNone/>
-              <a:defRPr b="0" i="0" sz="1800" u="none" cap="none" strike="noStrike">
+            <a:lvl5pPr marR="0" lvl="4" algn="l" rtl="0">
+              <a:spcBef>
+                <a:spcPts val="0"/>
+              </a:spcBef>
+              <a:spcAft>
+                <a:spcPts val="0"/>
+              </a:spcAft>
+              <a:buSzPts val="1400"/>
+              <a:buNone/>
+              <a:defRPr sz="1800" b="0" i="0" u="none" strike="noStrike" cap="none">
                 <a:solidFill>
                   <a:schemeClr val="dk1"/>
                 </a:solidFill>
@@ -10298,16 +10569,16 @@
                 <a:sym typeface="Calibri"/>
               </a:defRPr>
             </a:lvl5pPr>
-            <a:lvl6pPr lvl="5" marR="0" rtl="0" algn="l">
-              <a:spcBef>
-                <a:spcPts val="0"/>
-              </a:spcBef>
-              <a:spcAft>
-                <a:spcPts val="0"/>
-              </a:spcAft>
-              <a:buSzPts val="1400"/>
-              <a:buNone/>
-              <a:defRPr b="0" i="0" sz="1800" u="none" cap="none" strike="noStrike">
+            <a:lvl6pPr marR="0" lvl="5" algn="l" rtl="0">
+              <a:spcBef>
+                <a:spcPts val="0"/>
+              </a:spcBef>
+              <a:spcAft>
+                <a:spcPts val="0"/>
+              </a:spcAft>
+              <a:buSzPts val="1400"/>
+              <a:buNone/>
+              <a:defRPr sz="1800" b="0" i="0" u="none" strike="noStrike" cap="none">
                 <a:solidFill>
                   <a:schemeClr val="dk1"/>
                 </a:solidFill>
@@ -10317,16 +10588,16 @@
                 <a:sym typeface="Calibri"/>
               </a:defRPr>
             </a:lvl6pPr>
-            <a:lvl7pPr lvl="6" marR="0" rtl="0" algn="l">
-              <a:spcBef>
-                <a:spcPts val="0"/>
-              </a:spcBef>
-              <a:spcAft>
-                <a:spcPts val="0"/>
-              </a:spcAft>
-              <a:buSzPts val="1400"/>
-              <a:buNone/>
-              <a:defRPr b="0" i="0" sz="1800" u="none" cap="none" strike="noStrike">
+            <a:lvl7pPr marR="0" lvl="6" algn="l" rtl="0">
+              <a:spcBef>
+                <a:spcPts val="0"/>
+              </a:spcBef>
+              <a:spcAft>
+                <a:spcPts val="0"/>
+              </a:spcAft>
+              <a:buSzPts val="1400"/>
+              <a:buNone/>
+              <a:defRPr sz="1800" b="0" i="0" u="none" strike="noStrike" cap="none">
                 <a:solidFill>
                   <a:schemeClr val="dk1"/>
                 </a:solidFill>
@@ -10336,16 +10607,16 @@
                 <a:sym typeface="Calibri"/>
               </a:defRPr>
             </a:lvl7pPr>
-            <a:lvl8pPr lvl="7" marR="0" rtl="0" algn="l">
-              <a:spcBef>
-                <a:spcPts val="0"/>
-              </a:spcBef>
-              <a:spcAft>
-                <a:spcPts val="0"/>
-              </a:spcAft>
-              <a:buSzPts val="1400"/>
-              <a:buNone/>
-              <a:defRPr b="0" i="0" sz="1800" u="none" cap="none" strike="noStrike">
+            <a:lvl8pPr marR="0" lvl="7" algn="l" rtl="0">
+              <a:spcBef>
+                <a:spcPts val="0"/>
+              </a:spcBef>
+              <a:spcAft>
+                <a:spcPts val="0"/>
+              </a:spcAft>
+              <a:buSzPts val="1400"/>
+              <a:buNone/>
+              <a:defRPr sz="1800" b="0" i="0" u="none" strike="noStrike" cap="none">
                 <a:solidFill>
                   <a:schemeClr val="dk1"/>
                 </a:solidFill>
@@ -10355,16 +10626,16 @@
                 <a:sym typeface="Calibri"/>
               </a:defRPr>
             </a:lvl8pPr>
-            <a:lvl9pPr lvl="8" marR="0" rtl="0" algn="l">
-              <a:spcBef>
-                <a:spcPts val="0"/>
-              </a:spcBef>
-              <a:spcAft>
-                <a:spcPts val="0"/>
-              </a:spcAft>
-              <a:buSzPts val="1400"/>
-              <a:buNone/>
-              <a:defRPr b="0" i="0" sz="1800" u="none" cap="none" strike="noStrike">
+            <a:lvl9pPr marR="0" lvl="8" algn="l" rtl="0">
+              <a:spcBef>
+                <a:spcPts val="0"/>
+              </a:spcBef>
+              <a:spcAft>
+                <a:spcPts val="0"/>
+              </a:spcAft>
+              <a:buSzPts val="1400"/>
+              <a:buNone/>
+              <a:defRPr sz="1800" b="0" i="0" u="none" strike="noStrike" cap="none">
                 <a:solidFill>
                   <a:schemeClr val="dk1"/>
                 </a:solidFill>
@@ -10375,15 +10646,19 @@
               </a:defRPr>
             </a:lvl9pPr>
           </a:lstStyle>
-          <a:p/>
+          <a:p>
+            <a:endParaRPr/>
+          </a:p>
         </p:txBody>
       </p:sp>
       <p:sp>
         <p:nvSpPr>
           <p:cNvPr id="10" name="Google Shape;10;p1"/>
-          <p:cNvSpPr txBox="1"/>
+          <p:cNvSpPr txBox="1">
+            <a:spLocks noGrp="1"/>
+          </p:cNvSpPr>
           <p:nvPr>
-            <p:ph idx="12" type="sldNum"/>
+            <p:ph type="sldNum" idx="12"/>
           </p:nvPr>
         </p:nvSpPr>
         <p:spPr>
@@ -10400,16 +10675,16 @@
           </a:ln>
         </p:spPr>
         <p:txBody>
-          <a:bodyPr anchorCtr="0" anchor="ctr" bIns="45700" lIns="91425" spcFirstLastPara="1" rIns="91425" wrap="square" tIns="45700">
+          <a:bodyPr spcFirstLastPara="1" wrap="square" lIns="91425" tIns="45700" rIns="91425" bIns="45700" anchor="ctr" anchorCtr="0">
             <a:noAutofit/>
           </a:bodyPr>
           <a:lstStyle>
-            <a:lvl1pPr indent="0" lvl="0" marL="0" marR="0" rtl="0" algn="r">
-              <a:spcBef>
-                <a:spcPts val="0"/>
-              </a:spcBef>
-              <a:buNone/>
-              <a:defRPr b="0" i="0" sz="1200" u="none" cap="none" strike="noStrike">
+            <a:lvl1pPr marL="0" marR="0" lvl="0" indent="0" algn="r" rtl="0">
+              <a:spcBef>
+                <a:spcPts val="0"/>
+              </a:spcBef>
+              <a:buNone/>
+              <a:defRPr sz="1200" b="0" i="0" u="none" strike="noStrike" cap="none">
                 <a:solidFill>
                   <a:srgbClr val="888888"/>
                 </a:solidFill>
@@ -10419,12 +10694,12 @@
                 <a:sym typeface="Calibri"/>
               </a:defRPr>
             </a:lvl1pPr>
-            <a:lvl2pPr indent="0" lvl="1" marL="0" marR="0" rtl="0" algn="r">
-              <a:spcBef>
-                <a:spcPts val="0"/>
-              </a:spcBef>
-              <a:buNone/>
-              <a:defRPr b="0" i="0" sz="1200" u="none" cap="none" strike="noStrike">
+            <a:lvl2pPr marL="0" marR="0" lvl="1" indent="0" algn="r" rtl="0">
+              <a:spcBef>
+                <a:spcPts val="0"/>
+              </a:spcBef>
+              <a:buNone/>
+              <a:defRPr sz="1200" b="0" i="0" u="none" strike="noStrike" cap="none">
                 <a:solidFill>
                   <a:srgbClr val="888888"/>
                 </a:solidFill>
@@ -10434,12 +10709,12 @@
                 <a:sym typeface="Calibri"/>
               </a:defRPr>
             </a:lvl2pPr>
-            <a:lvl3pPr indent="0" lvl="2" marL="0" marR="0" rtl="0" algn="r">
-              <a:spcBef>
-                <a:spcPts val="0"/>
-              </a:spcBef>
-              <a:buNone/>
-              <a:defRPr b="0" i="0" sz="1200" u="none" cap="none" strike="noStrike">
+            <a:lvl3pPr marL="0" marR="0" lvl="2" indent="0" algn="r" rtl="0">
+              <a:spcBef>
+                <a:spcPts val="0"/>
+              </a:spcBef>
+              <a:buNone/>
+              <a:defRPr sz="1200" b="0" i="0" u="none" strike="noStrike" cap="none">
                 <a:solidFill>
                   <a:srgbClr val="888888"/>
                 </a:solidFill>
@@ -10449,12 +10724,12 @@
                 <a:sym typeface="Calibri"/>
               </a:defRPr>
             </a:lvl3pPr>
-            <a:lvl4pPr indent="0" lvl="3" marL="0" marR="0" rtl="0" algn="r">
-              <a:spcBef>
-                <a:spcPts val="0"/>
-              </a:spcBef>
-              <a:buNone/>
-              <a:defRPr b="0" i="0" sz="1200" u="none" cap="none" strike="noStrike">
+            <a:lvl4pPr marL="0" marR="0" lvl="3" indent="0" algn="r" rtl="0">
+              <a:spcBef>
+                <a:spcPts val="0"/>
+              </a:spcBef>
+              <a:buNone/>
+              <a:defRPr sz="1200" b="0" i="0" u="none" strike="noStrike" cap="none">
                 <a:solidFill>
                   <a:srgbClr val="888888"/>
                 </a:solidFill>
@@ -10464,12 +10739,12 @@
                 <a:sym typeface="Calibri"/>
               </a:defRPr>
             </a:lvl4pPr>
-            <a:lvl5pPr indent="0" lvl="4" marL="0" marR="0" rtl="0" algn="r">
-              <a:spcBef>
-                <a:spcPts val="0"/>
-              </a:spcBef>
-              <a:buNone/>
-              <a:defRPr b="0" i="0" sz="1200" u="none" cap="none" strike="noStrike">
+            <a:lvl5pPr marL="0" marR="0" lvl="4" indent="0" algn="r" rtl="0">
+              <a:spcBef>
+                <a:spcPts val="0"/>
+              </a:spcBef>
+              <a:buNone/>
+              <a:defRPr sz="1200" b="0" i="0" u="none" strike="noStrike" cap="none">
                 <a:solidFill>
                   <a:srgbClr val="888888"/>
                 </a:solidFill>
@@ -10479,12 +10754,12 @@
                 <a:sym typeface="Calibri"/>
               </a:defRPr>
             </a:lvl5pPr>
-            <a:lvl6pPr indent="0" lvl="5" marL="0" marR="0" rtl="0" algn="r">
-              <a:spcBef>
-                <a:spcPts val="0"/>
-              </a:spcBef>
-              <a:buNone/>
-              <a:defRPr b="0" i="0" sz="1200" u="none" cap="none" strike="noStrike">
+            <a:lvl6pPr marL="0" marR="0" lvl="5" indent="0" algn="r" rtl="0">
+              <a:spcBef>
+                <a:spcPts val="0"/>
+              </a:spcBef>
+              <a:buNone/>
+              <a:defRPr sz="1200" b="0" i="0" u="none" strike="noStrike" cap="none">
                 <a:solidFill>
                   <a:srgbClr val="888888"/>
                 </a:solidFill>
@@ -10494,12 +10769,12 @@
                 <a:sym typeface="Calibri"/>
               </a:defRPr>
             </a:lvl6pPr>
-            <a:lvl7pPr indent="0" lvl="6" marL="0" marR="0" rtl="0" algn="r">
-              <a:spcBef>
-                <a:spcPts val="0"/>
-              </a:spcBef>
-              <a:buNone/>
-              <a:defRPr b="0" i="0" sz="1200" u="none" cap="none" strike="noStrike">
+            <a:lvl7pPr marL="0" marR="0" lvl="6" indent="0" algn="r" rtl="0">
+              <a:spcBef>
+                <a:spcPts val="0"/>
+              </a:spcBef>
+              <a:buNone/>
+              <a:defRPr sz="1200" b="0" i="0" u="none" strike="noStrike" cap="none">
                 <a:solidFill>
                   <a:srgbClr val="888888"/>
                 </a:solidFill>
@@ -10509,12 +10784,12 @@
                 <a:sym typeface="Calibri"/>
               </a:defRPr>
             </a:lvl7pPr>
-            <a:lvl8pPr indent="0" lvl="7" marL="0" marR="0" rtl="0" algn="r">
-              <a:spcBef>
-                <a:spcPts val="0"/>
-              </a:spcBef>
-              <a:buNone/>
-              <a:defRPr b="0" i="0" sz="1200" u="none" cap="none" strike="noStrike">
+            <a:lvl8pPr marL="0" marR="0" lvl="7" indent="0" algn="r" rtl="0">
+              <a:spcBef>
+                <a:spcPts val="0"/>
+              </a:spcBef>
+              <a:buNone/>
+              <a:defRPr sz="1200" b="0" i="0" u="none" strike="noStrike" cap="none">
                 <a:solidFill>
                   <a:srgbClr val="888888"/>
                 </a:solidFill>
@@ -10524,12 +10799,12 @@
                 <a:sym typeface="Calibri"/>
               </a:defRPr>
             </a:lvl8pPr>
-            <a:lvl9pPr indent="0" lvl="8" marL="0" marR="0" rtl="0" algn="r">
-              <a:spcBef>
-                <a:spcPts val="0"/>
-              </a:spcBef>
-              <a:buNone/>
-              <a:defRPr b="0" i="0" sz="1200" u="none" cap="none" strike="noStrike">
+            <a:lvl9pPr marL="0" marR="0" lvl="8" indent="0" algn="r" rtl="0">
+              <a:spcBef>
+                <a:spcPts val="0"/>
+              </a:spcBef>
+              <a:buNone/>
+              <a:defRPr sz="1200" b="0" i="0" u="none" strike="noStrike" cap="none">
                 <a:solidFill>
                   <a:srgbClr val="888888"/>
                 </a:solidFill>
@@ -10541,7 +10816,7 @@
             </a:lvl9pPr>
           </a:lstStyle>
           <a:p>
-            <a:pPr indent="0" lvl="0" marL="0" rtl="0" algn="r">
+            <a:pPr marL="0" lvl="0" indent="0" algn="r" rtl="0">
               <a:spcBef>
                 <a:spcPts val="0"/>
               </a:spcBef>
@@ -10552,7 +10827,7 @@
             </a:pPr>
             <a:fld id="{00000000-1234-1234-1234-123412341234}" type="slidenum">
               <a:rPr lang="pt-BR"/>
-              <a:t>‹#›</a:t>
+              <a:t>‹nº›</a:t>
             </a:fld>
             <a:endParaRPr/>
           </a:p>
@@ -10560,7 +10835,7 @@
       </p:sp>
     </p:spTree>
   </p:cSld>
-  <p:clrMap accent1="accent1" accent2="accent2" accent3="accent3" accent4="accent4" accent5="accent5" accent6="accent6" bg1="lt1" bg2="dk2" tx1="dk1" tx2="lt2" folHlink="folHlink" hlink="hlink"/>
+  <p:clrMap bg1="lt1" tx1="dk1" bg2="dk2" tx2="lt2" accent1="accent1" accent2="accent2" accent3="accent3" accent4="accent4" accent5="accent5" accent6="accent6" hlink="hlink" folHlink="folHlink"/>
   <p:sldLayoutIdLst>
     <p:sldLayoutId id="2147483648" r:id="rId1"/>
     <p:sldLayoutId id="2147483649" r:id="rId2"/>
@@ -10574,10 +10849,10 @@
     <p:sldLayoutId id="2147483657" r:id="rId10"/>
     <p:sldLayoutId id="2147483658" r:id="rId11"/>
   </p:sldLayoutIdLst>
-  <p:hf dt="0" ftr="0" hdr="0" sldNum="0"/>
+  <p:hf sldNum="0" hdr="0" ftr="0" dt="0"/>
   <p:txStyles>
     <p:titleStyle>
-      <a:defPPr lvl="0" marR="0" rtl="0" algn="l">
+      <a:defPPr marR="0" lvl="0" algn="l" rtl="0">
         <a:lnSpc>
           <a:spcPct val="100000"/>
         </a:lnSpc>
@@ -10588,7 +10863,7 @@
           <a:spcPts val="0"/>
         </a:spcAft>
       </a:defPPr>
-      <a:lvl1pPr lvl="0" marR="0" rtl="0" algn="l">
+      <a:lvl1pPr marR="0" lvl="0" algn="l" rtl="0">
         <a:lnSpc>
           <a:spcPct val="100000"/>
         </a:lnSpc>
@@ -10602,7 +10877,7 @@
           <a:srgbClr val="000000"/>
         </a:buClr>
         <a:buFont typeface="Arial"/>
-        <a:defRPr b="0" i="0" sz="1400" u="none" cap="none" strike="noStrike">
+        <a:defRPr sz="1400" b="0" i="0" u="none" strike="noStrike" cap="none">
           <a:solidFill>
             <a:srgbClr val="000000"/>
           </a:solidFill>
@@ -10612,7 +10887,7 @@
           <a:sym typeface="Arial"/>
         </a:defRPr>
       </a:lvl1pPr>
-      <a:lvl2pPr lvl="1" marR="0" rtl="0" algn="l">
+      <a:lvl2pPr marR="0" lvl="1" algn="l" rtl="0">
         <a:lnSpc>
           <a:spcPct val="100000"/>
         </a:lnSpc>
@@ -10626,7 +10901,7 @@
           <a:srgbClr val="000000"/>
         </a:buClr>
         <a:buFont typeface="Arial"/>
-        <a:defRPr b="0" i="0" sz="1400" u="none" cap="none" strike="noStrike">
+        <a:defRPr sz="1400" b="0" i="0" u="none" strike="noStrike" cap="none">
           <a:solidFill>
             <a:srgbClr val="000000"/>
           </a:solidFill>
@@ -10636,7 +10911,7 @@
           <a:sym typeface="Arial"/>
         </a:defRPr>
       </a:lvl2pPr>
-      <a:lvl3pPr lvl="2" marR="0" rtl="0" algn="l">
+      <a:lvl3pPr marR="0" lvl="2" algn="l" rtl="0">
         <a:lnSpc>
           <a:spcPct val="100000"/>
         </a:lnSpc>
@@ -10650,7 +10925,7 @@
           <a:srgbClr val="000000"/>
         </a:buClr>
         <a:buFont typeface="Arial"/>
-        <a:defRPr b="0" i="0" sz="1400" u="none" cap="none" strike="noStrike">
+        <a:defRPr sz="1400" b="0" i="0" u="none" strike="noStrike" cap="none">
           <a:solidFill>
             <a:srgbClr val="000000"/>
           </a:solidFill>
@@ -10660,7 +10935,7 @@
           <a:sym typeface="Arial"/>
         </a:defRPr>
       </a:lvl3pPr>
-      <a:lvl4pPr lvl="3" marR="0" rtl="0" algn="l">
+      <a:lvl4pPr marR="0" lvl="3" algn="l" rtl="0">
         <a:lnSpc>
           <a:spcPct val="100000"/>
         </a:lnSpc>
@@ -10674,7 +10949,7 @@
           <a:srgbClr val="000000"/>
         </a:buClr>
         <a:buFont typeface="Arial"/>
-        <a:defRPr b="0" i="0" sz="1400" u="none" cap="none" strike="noStrike">
+        <a:defRPr sz="1400" b="0" i="0" u="none" strike="noStrike" cap="none">
           <a:solidFill>
             <a:srgbClr val="000000"/>
           </a:solidFill>
@@ -10684,7 +10959,7 @@
           <a:sym typeface="Arial"/>
         </a:defRPr>
       </a:lvl4pPr>
-      <a:lvl5pPr lvl="4" marR="0" rtl="0" algn="l">
+      <a:lvl5pPr marR="0" lvl="4" algn="l" rtl="0">
         <a:lnSpc>
           <a:spcPct val="100000"/>
         </a:lnSpc>
@@ -10698,7 +10973,7 @@
           <a:srgbClr val="000000"/>
         </a:buClr>
         <a:buFont typeface="Arial"/>
-        <a:defRPr b="0" i="0" sz="1400" u="none" cap="none" strike="noStrike">
+        <a:defRPr sz="1400" b="0" i="0" u="none" strike="noStrike" cap="none">
           <a:solidFill>
             <a:srgbClr val="000000"/>
           </a:solidFill>
@@ -10708,7 +10983,7 @@
           <a:sym typeface="Arial"/>
         </a:defRPr>
       </a:lvl5pPr>
-      <a:lvl6pPr lvl="5" marR="0" rtl="0" algn="l">
+      <a:lvl6pPr marR="0" lvl="5" algn="l" rtl="0">
         <a:lnSpc>
           <a:spcPct val="100000"/>
         </a:lnSpc>
@@ -10722,7 +10997,7 @@
           <a:srgbClr val="000000"/>
         </a:buClr>
         <a:buFont typeface="Arial"/>
-        <a:defRPr b="0" i="0" sz="1400" u="none" cap="none" strike="noStrike">
+        <a:defRPr sz="1400" b="0" i="0" u="none" strike="noStrike" cap="none">
           <a:solidFill>
             <a:srgbClr val="000000"/>
           </a:solidFill>
@@ -10732,7 +11007,7 @@
           <a:sym typeface="Arial"/>
         </a:defRPr>
       </a:lvl6pPr>
-      <a:lvl7pPr lvl="6" marR="0" rtl="0" algn="l">
+      <a:lvl7pPr marR="0" lvl="6" algn="l" rtl="0">
         <a:lnSpc>
           <a:spcPct val="100000"/>
         </a:lnSpc>
@@ -10746,7 +11021,7 @@
           <a:srgbClr val="000000"/>
         </a:buClr>
         <a:buFont typeface="Arial"/>
-        <a:defRPr b="0" i="0" sz="1400" u="none" cap="none" strike="noStrike">
+        <a:defRPr sz="1400" b="0" i="0" u="none" strike="noStrike" cap="none">
           <a:solidFill>
             <a:srgbClr val="000000"/>
           </a:solidFill>
@@ -10756,7 +11031,7 @@
           <a:sym typeface="Arial"/>
         </a:defRPr>
       </a:lvl7pPr>
-      <a:lvl8pPr lvl="7" marR="0" rtl="0" algn="l">
+      <a:lvl8pPr marR="0" lvl="7" algn="l" rtl="0">
         <a:lnSpc>
           <a:spcPct val="100000"/>
         </a:lnSpc>
@@ -10770,7 +11045,7 @@
           <a:srgbClr val="000000"/>
         </a:buClr>
         <a:buFont typeface="Arial"/>
-        <a:defRPr b="0" i="0" sz="1400" u="none" cap="none" strike="noStrike">
+        <a:defRPr sz="1400" b="0" i="0" u="none" strike="noStrike" cap="none">
           <a:solidFill>
             <a:srgbClr val="000000"/>
           </a:solidFill>
@@ -10780,7 +11055,7 @@
           <a:sym typeface="Arial"/>
         </a:defRPr>
       </a:lvl8pPr>
-      <a:lvl9pPr lvl="8" marR="0" rtl="0" algn="l">
+      <a:lvl9pPr marR="0" lvl="8" algn="l" rtl="0">
         <a:lnSpc>
           <a:spcPct val="100000"/>
         </a:lnSpc>
@@ -10794,7 +11069,7 @@
           <a:srgbClr val="000000"/>
         </a:buClr>
         <a:buFont typeface="Arial"/>
-        <a:defRPr b="0" i="0" sz="1400" u="none" cap="none" strike="noStrike">
+        <a:defRPr sz="1400" b="0" i="0" u="none" strike="noStrike" cap="none">
           <a:solidFill>
             <a:srgbClr val="000000"/>
           </a:solidFill>
@@ -10806,7 +11081,7 @@
       </a:lvl9pPr>
     </p:titleStyle>
     <p:bodyStyle>
-      <a:defPPr lvl="0" marR="0" rtl="0" algn="l">
+      <a:defPPr marR="0" lvl="0" algn="l" rtl="0">
         <a:lnSpc>
           <a:spcPct val="100000"/>
         </a:lnSpc>
@@ -10817,7 +11092,7 @@
           <a:spcPts val="0"/>
         </a:spcAft>
       </a:defPPr>
-      <a:lvl1pPr lvl="0" marR="0" rtl="0" algn="l">
+      <a:lvl1pPr marR="0" lvl="0" algn="l" rtl="0">
         <a:lnSpc>
           <a:spcPct val="100000"/>
         </a:lnSpc>
@@ -10831,7 +11106,7 @@
           <a:srgbClr val="000000"/>
         </a:buClr>
         <a:buFont typeface="Arial"/>
-        <a:defRPr b="0" i="0" sz="1400" u="none" cap="none" strike="noStrike">
+        <a:defRPr sz="1400" b="0" i="0" u="none" strike="noStrike" cap="none">
           <a:solidFill>
             <a:srgbClr val="000000"/>
           </a:solidFill>
@@ -10841,7 +11116,7 @@
           <a:sym typeface="Arial"/>
         </a:defRPr>
       </a:lvl1pPr>
-      <a:lvl2pPr lvl="1" marR="0" rtl="0" algn="l">
+      <a:lvl2pPr marR="0" lvl="1" algn="l" rtl="0">
         <a:lnSpc>
           <a:spcPct val="100000"/>
         </a:lnSpc>
@@ -10855,7 +11130,7 @@
           <a:srgbClr val="000000"/>
         </a:buClr>
         <a:buFont typeface="Arial"/>
-        <a:defRPr b="0" i="0" sz="1400" u="none" cap="none" strike="noStrike">
+        <a:defRPr sz="1400" b="0" i="0" u="none" strike="noStrike" cap="none">
           <a:solidFill>
             <a:srgbClr val="000000"/>
           </a:solidFill>
@@ -10865,7 +11140,7 @@
           <a:sym typeface="Arial"/>
         </a:defRPr>
       </a:lvl2pPr>
-      <a:lvl3pPr lvl="2" marR="0" rtl="0" algn="l">
+      <a:lvl3pPr marR="0" lvl="2" algn="l" rtl="0">
         <a:lnSpc>
           <a:spcPct val="100000"/>
         </a:lnSpc>
@@ -10879,7 +11154,7 @@
           <a:srgbClr val="000000"/>
         </a:buClr>
         <a:buFont typeface="Arial"/>
-        <a:defRPr b="0" i="0" sz="1400" u="none" cap="none" strike="noStrike">
+        <a:defRPr sz="1400" b="0" i="0" u="none" strike="noStrike" cap="none">
           <a:solidFill>
             <a:srgbClr val="000000"/>
           </a:solidFill>
@@ -10889,7 +11164,7 @@
           <a:sym typeface="Arial"/>
         </a:defRPr>
       </a:lvl3pPr>
-      <a:lvl4pPr lvl="3" marR="0" rtl="0" algn="l">
+      <a:lvl4pPr marR="0" lvl="3" algn="l" rtl="0">
         <a:lnSpc>
           <a:spcPct val="100000"/>
         </a:lnSpc>
@@ -10903,7 +11178,7 @@
           <a:srgbClr val="000000"/>
         </a:buClr>
         <a:buFont typeface="Arial"/>
-        <a:defRPr b="0" i="0" sz="1400" u="none" cap="none" strike="noStrike">
+        <a:defRPr sz="1400" b="0" i="0" u="none" strike="noStrike" cap="none">
           <a:solidFill>
             <a:srgbClr val="000000"/>
           </a:solidFill>
@@ -10913,7 +11188,7 @@
           <a:sym typeface="Arial"/>
         </a:defRPr>
       </a:lvl4pPr>
-      <a:lvl5pPr lvl="4" marR="0" rtl="0" algn="l">
+      <a:lvl5pPr marR="0" lvl="4" algn="l" rtl="0">
         <a:lnSpc>
           <a:spcPct val="100000"/>
         </a:lnSpc>
@@ -10927,7 +11202,7 @@
           <a:srgbClr val="000000"/>
         </a:buClr>
         <a:buFont typeface="Arial"/>
-        <a:defRPr b="0" i="0" sz="1400" u="none" cap="none" strike="noStrike">
+        <a:defRPr sz="1400" b="0" i="0" u="none" strike="noStrike" cap="none">
           <a:solidFill>
             <a:srgbClr val="000000"/>
           </a:solidFill>
@@ -10937,7 +11212,7 @@
           <a:sym typeface="Arial"/>
         </a:defRPr>
       </a:lvl5pPr>
-      <a:lvl6pPr lvl="5" marR="0" rtl="0" algn="l">
+      <a:lvl6pPr marR="0" lvl="5" algn="l" rtl="0">
         <a:lnSpc>
           <a:spcPct val="100000"/>
         </a:lnSpc>
@@ -10951,7 +11226,7 @@
           <a:srgbClr val="000000"/>
         </a:buClr>
         <a:buFont typeface="Arial"/>
-        <a:defRPr b="0" i="0" sz="1400" u="none" cap="none" strike="noStrike">
+        <a:defRPr sz="1400" b="0" i="0" u="none" strike="noStrike" cap="none">
           <a:solidFill>
             <a:srgbClr val="000000"/>
           </a:solidFill>
@@ -10961,7 +11236,7 @@
           <a:sym typeface="Arial"/>
         </a:defRPr>
       </a:lvl6pPr>
-      <a:lvl7pPr lvl="6" marR="0" rtl="0" algn="l">
+      <a:lvl7pPr marR="0" lvl="6" algn="l" rtl="0">
         <a:lnSpc>
           <a:spcPct val="100000"/>
         </a:lnSpc>
@@ -10975,7 +11250,7 @@
           <a:srgbClr val="000000"/>
         </a:buClr>
         <a:buFont typeface="Arial"/>
-        <a:defRPr b="0" i="0" sz="1400" u="none" cap="none" strike="noStrike">
+        <a:defRPr sz="1400" b="0" i="0" u="none" strike="noStrike" cap="none">
           <a:solidFill>
             <a:srgbClr val="000000"/>
           </a:solidFill>
@@ -10985,7 +11260,7 @@
           <a:sym typeface="Arial"/>
         </a:defRPr>
       </a:lvl7pPr>
-      <a:lvl8pPr lvl="7" marR="0" rtl="0" algn="l">
+      <a:lvl8pPr marR="0" lvl="7" algn="l" rtl="0">
         <a:lnSpc>
           <a:spcPct val="100000"/>
         </a:lnSpc>
@@ -10999,7 +11274,7 @@
           <a:srgbClr val="000000"/>
         </a:buClr>
         <a:buFont typeface="Arial"/>
-        <a:defRPr b="0" i="0" sz="1400" u="none" cap="none" strike="noStrike">
+        <a:defRPr sz="1400" b="0" i="0" u="none" strike="noStrike" cap="none">
           <a:solidFill>
             <a:srgbClr val="000000"/>
           </a:solidFill>
@@ -11009,7 +11284,7 @@
           <a:sym typeface="Arial"/>
         </a:defRPr>
       </a:lvl8pPr>
-      <a:lvl9pPr lvl="8" marR="0" rtl="0" algn="l">
+      <a:lvl9pPr marR="0" lvl="8" algn="l" rtl="0">
         <a:lnSpc>
           <a:spcPct val="100000"/>
         </a:lnSpc>
@@ -11023,7 +11298,7 @@
           <a:srgbClr val="000000"/>
         </a:buClr>
         <a:buFont typeface="Arial"/>
-        <a:defRPr b="0" i="0" sz="1400" u="none" cap="none" strike="noStrike">
+        <a:defRPr sz="1400" b="0" i="0" u="none" strike="noStrike" cap="none">
           <a:solidFill>
             <a:srgbClr val="000000"/>
           </a:solidFill>
@@ -11035,7 +11310,7 @@
       </a:lvl9pPr>
     </p:bodyStyle>
     <p:otherStyle>
-      <a:defPPr lvl="0" marR="0" rtl="0" algn="l">
+      <a:defPPr marR="0" lvl="0" algn="l" rtl="0">
         <a:lnSpc>
           <a:spcPct val="100000"/>
         </a:lnSpc>
@@ -11046,7 +11321,7 @@
           <a:spcPts val="0"/>
         </a:spcAft>
       </a:defPPr>
-      <a:lvl1pPr lvl="0" marR="0" rtl="0" algn="l">
+      <a:lvl1pPr marR="0" lvl="0" algn="l" rtl="0">
         <a:lnSpc>
           <a:spcPct val="100000"/>
         </a:lnSpc>
@@ -11060,7 +11335,7 @@
           <a:srgbClr val="000000"/>
         </a:buClr>
         <a:buFont typeface="Arial"/>
-        <a:defRPr b="0" i="0" sz="1400" u="none" cap="none" strike="noStrike">
+        <a:defRPr sz="1400" b="0" i="0" u="none" strike="noStrike" cap="none">
           <a:solidFill>
             <a:srgbClr val="000000"/>
           </a:solidFill>
@@ -11070,7 +11345,7 @@
           <a:sym typeface="Arial"/>
         </a:defRPr>
       </a:lvl1pPr>
-      <a:lvl2pPr lvl="1" marR="0" rtl="0" algn="l">
+      <a:lvl2pPr marR="0" lvl="1" algn="l" rtl="0">
         <a:lnSpc>
           <a:spcPct val="100000"/>
         </a:lnSpc>
@@ -11084,7 +11359,7 @@
           <a:srgbClr val="000000"/>
         </a:buClr>
         <a:buFont typeface="Arial"/>
-        <a:defRPr b="0" i="0" sz="1400" u="none" cap="none" strike="noStrike">
+        <a:defRPr sz="1400" b="0" i="0" u="none" strike="noStrike" cap="none">
           <a:solidFill>
             <a:srgbClr val="000000"/>
           </a:solidFill>
@@ -11094,7 +11369,7 @@
           <a:sym typeface="Arial"/>
         </a:defRPr>
       </a:lvl2pPr>
-      <a:lvl3pPr lvl="2" marR="0" rtl="0" algn="l">
+      <a:lvl3pPr marR="0" lvl="2" algn="l" rtl="0">
         <a:lnSpc>
           <a:spcPct val="100000"/>
         </a:lnSpc>
@@ -11108,7 +11383,7 @@
           <a:srgbClr val="000000"/>
         </a:buClr>
         <a:buFont typeface="Arial"/>
-        <a:defRPr b="0" i="0" sz="1400" u="none" cap="none" strike="noStrike">
+        <a:defRPr sz="1400" b="0" i="0" u="none" strike="noStrike" cap="none">
           <a:solidFill>
             <a:srgbClr val="000000"/>
           </a:solidFill>
@@ -11118,7 +11393,7 @@
           <a:sym typeface="Arial"/>
         </a:defRPr>
       </a:lvl3pPr>
-      <a:lvl4pPr lvl="3" marR="0" rtl="0" algn="l">
+      <a:lvl4pPr marR="0" lvl="3" algn="l" rtl="0">
         <a:lnSpc>
           <a:spcPct val="100000"/>
         </a:lnSpc>
@@ -11132,7 +11407,7 @@
           <a:srgbClr val="000000"/>
         </a:buClr>
         <a:buFont typeface="Arial"/>
-        <a:defRPr b="0" i="0" sz="1400" u="none" cap="none" strike="noStrike">
+        <a:defRPr sz="1400" b="0" i="0" u="none" strike="noStrike" cap="none">
           <a:solidFill>
             <a:srgbClr val="000000"/>
           </a:solidFill>
@@ -11142,7 +11417,7 @@
           <a:sym typeface="Arial"/>
         </a:defRPr>
       </a:lvl4pPr>
-      <a:lvl5pPr lvl="4" marR="0" rtl="0" algn="l">
+      <a:lvl5pPr marR="0" lvl="4" algn="l" rtl="0">
         <a:lnSpc>
           <a:spcPct val="100000"/>
         </a:lnSpc>
@@ -11156,7 +11431,7 @@
           <a:srgbClr val="000000"/>
         </a:buClr>
         <a:buFont typeface="Arial"/>
-        <a:defRPr b="0" i="0" sz="1400" u="none" cap="none" strike="noStrike">
+        <a:defRPr sz="1400" b="0" i="0" u="none" strike="noStrike" cap="none">
           <a:solidFill>
             <a:srgbClr val="000000"/>
           </a:solidFill>
@@ -11166,7 +11441,7 @@
           <a:sym typeface="Arial"/>
         </a:defRPr>
       </a:lvl5pPr>
-      <a:lvl6pPr lvl="5" marR="0" rtl="0" algn="l">
+      <a:lvl6pPr marR="0" lvl="5" algn="l" rtl="0">
         <a:lnSpc>
           <a:spcPct val="100000"/>
         </a:lnSpc>
@@ -11180,7 +11455,7 @@
           <a:srgbClr val="000000"/>
         </a:buClr>
         <a:buFont typeface="Arial"/>
-        <a:defRPr b="0" i="0" sz="1400" u="none" cap="none" strike="noStrike">
+        <a:defRPr sz="1400" b="0" i="0" u="none" strike="noStrike" cap="none">
           <a:solidFill>
             <a:srgbClr val="000000"/>
           </a:solidFill>
@@ -11190,7 +11465,7 @@
           <a:sym typeface="Arial"/>
         </a:defRPr>
       </a:lvl6pPr>
-      <a:lvl7pPr lvl="6" marR="0" rtl="0" algn="l">
+      <a:lvl7pPr marR="0" lvl="6" algn="l" rtl="0">
         <a:lnSpc>
           <a:spcPct val="100000"/>
         </a:lnSpc>
@@ -11204,7 +11479,7 @@
           <a:srgbClr val="000000"/>
         </a:buClr>
         <a:buFont typeface="Arial"/>
-        <a:defRPr b="0" i="0" sz="1400" u="none" cap="none" strike="noStrike">
+        <a:defRPr sz="1400" b="0" i="0" u="none" strike="noStrike" cap="none">
           <a:solidFill>
             <a:srgbClr val="000000"/>
           </a:solidFill>
@@ -11214,7 +11489,7 @@
           <a:sym typeface="Arial"/>
         </a:defRPr>
       </a:lvl7pPr>
-      <a:lvl8pPr lvl="7" marR="0" rtl="0" algn="l">
+      <a:lvl8pPr marR="0" lvl="7" algn="l" rtl="0">
         <a:lnSpc>
           <a:spcPct val="100000"/>
         </a:lnSpc>
@@ -11228,7 +11503,7 @@
           <a:srgbClr val="000000"/>
         </a:buClr>
         <a:buFont typeface="Arial"/>
-        <a:defRPr b="0" i="0" sz="1400" u="none" cap="none" strike="noStrike">
+        <a:defRPr sz="1400" b="0" i="0" u="none" strike="noStrike" cap="none">
           <a:solidFill>
             <a:srgbClr val="000000"/>
           </a:solidFill>
@@ -11238,7 +11513,7 @@
           <a:sym typeface="Arial"/>
         </a:defRPr>
       </a:lvl8pPr>
-      <a:lvl9pPr lvl="8" marR="0" rtl="0" algn="l">
+      <a:lvl9pPr marR="0" lvl="8" algn="l" rtl="0">
         <a:lnSpc>
           <a:spcPct val="100000"/>
         </a:lnSpc>
@@ -11252,7 +11527,7 @@
           <a:srgbClr val="000000"/>
         </a:buClr>
         <a:buFont typeface="Arial"/>
-        <a:defRPr b="0" i="0" sz="1400" u="none" cap="none" strike="noStrike">
+        <a:defRPr sz="1400" b="0" i="0" u="none" strike="noStrike" cap="none">
           <a:solidFill>
             <a:srgbClr val="000000"/>
           </a:solidFill>
@@ -11268,11 +11543,11 @@
 </file>
 
 <file path=ppt/slides/slide1.xml><?xml version="1.0" encoding="utf-8"?>
-<p:sld xmlns:a="http://schemas.openxmlformats.org/drawingml/2006/main" xmlns:r="http://schemas.openxmlformats.org/officeDocument/2006/relationships" xmlns:mc="http://schemas.openxmlformats.org/markup-compatibility/2006" xmlns:mv="urn:schemas-microsoft-com:mac:vml" xmlns:p="http://schemas.openxmlformats.org/presentationml/2006/main" xmlns:c="http://schemas.openxmlformats.org/drawingml/2006/chart" xmlns:dgm="http://schemas.openxmlformats.org/drawingml/2006/diagram" xmlns:o="urn:schemas-microsoft-com:office:office" xmlns:v="urn:schemas-microsoft-com:vml" xmlns:pvml="urn:schemas-microsoft-com:office:powerpoint" xmlns:com="http://schemas.openxmlformats.org/drawingml/2006/compatibility" xmlns:p14="http://schemas.microsoft.com/office/powerpoint/2010/main" xmlns:p15="http://schemas.microsoft.com/office/powerpoint/2012/main" xmlns:ahyp="http://schemas.microsoft.com/office/drawing/2018/hyperlinkcolor">
+<p:sld xmlns:a="http://schemas.openxmlformats.org/drawingml/2006/main" xmlns:r="http://schemas.openxmlformats.org/officeDocument/2006/relationships" xmlns:p="http://schemas.openxmlformats.org/presentationml/2006/main">
   <p:cSld>
     <p:spTree>
       <p:nvGrpSpPr>
-        <p:cNvPr id="83" name="Shape 83"/>
+        <p:cNvPr id="1" name="Shape 83"/>
         <p:cNvGrpSpPr/>
         <p:nvPr/>
       </p:nvGrpSpPr>
@@ -11287,7 +11562,9 @@
       <p:sp>
         <p:nvSpPr>
           <p:cNvPr id="84" name="Google Shape;84;p13"/>
-          <p:cNvSpPr txBox="1"/>
+          <p:cNvSpPr txBox="1">
+            <a:spLocks noGrp="1"/>
+          </p:cNvSpPr>
           <p:nvPr>
             <p:ph type="ctrTitle"/>
           </p:nvPr>
@@ -11306,12 +11583,12 @@
           </a:ln>
         </p:spPr>
         <p:txBody>
-          <a:bodyPr anchorCtr="0" anchor="b" bIns="45700" lIns="91425" spcFirstLastPara="1" rIns="91425" wrap="square" tIns="45700">
+          <a:bodyPr spcFirstLastPara="1" wrap="square" lIns="91425" tIns="45700" rIns="91425" bIns="45700" anchor="b" anchorCtr="0">
             <a:normAutofit/>
           </a:bodyPr>
           <a:lstStyle/>
           <a:p>
-            <a:pPr indent="0" lvl="0" marL="0" rtl="0" algn="ctr">
+            <a:pPr marL="0" lvl="0" indent="0" algn="ctr" rtl="0">
               <a:lnSpc>
                 <a:spcPct val="90000"/>
               </a:lnSpc>
@@ -11329,7 +11606,7 @@
               <a:buNone/>
             </a:pPr>
             <a:r>
-              <a:rPr b="1" i="0" lang="pt-BR" sz="1800" u="none" strike="noStrike">
+              <a:rPr lang="pt-BR" sz="1800" b="1" i="0" u="none" strike="noStrike">
                 <a:solidFill>
                   <a:srgbClr val="000000"/>
                 </a:solidFill>
@@ -11341,7 +11618,7 @@
               <a:t>Projeto Integrado de Visão Computacional e Inteligência Artificial</a:t>
             </a:r>
             <a:br>
-              <a:rPr b="1" lang="pt-BR"/>
+              <a:rPr lang="pt-BR" b="1"/>
             </a:br>
             <a:endParaRPr/>
           </a:p>
@@ -11350,9 +11627,11 @@
       <p:sp>
         <p:nvSpPr>
           <p:cNvPr id="85" name="Google Shape;85;p13"/>
-          <p:cNvSpPr txBox="1"/>
+          <p:cNvSpPr txBox="1">
+            <a:spLocks noGrp="1"/>
+          </p:cNvSpPr>
           <p:nvPr>
-            <p:ph idx="1" type="subTitle"/>
+            <p:ph type="subTitle" idx="1"/>
           </p:nvPr>
         </p:nvSpPr>
         <p:spPr>
@@ -11369,12 +11648,12 @@
           </a:ln>
         </p:spPr>
         <p:txBody>
-          <a:bodyPr anchorCtr="0" anchor="t" bIns="45700" lIns="91425" spcFirstLastPara="1" rIns="91425" wrap="square" tIns="45700">
+          <a:bodyPr spcFirstLastPara="1" wrap="square" lIns="91425" tIns="45700" rIns="91425" bIns="45700" anchor="t" anchorCtr="0">
             <a:normAutofit fontScale="77500" lnSpcReduction="20000"/>
           </a:bodyPr>
           <a:lstStyle/>
           <a:p>
-            <a:pPr indent="0" lvl="0" marL="0" rtl="0" algn="ctr">
+            <a:pPr marL="0" lvl="0" indent="0" algn="ctr" rtl="0">
               <a:lnSpc>
                 <a:spcPct val="90000"/>
               </a:lnSpc>
@@ -11397,7 +11676,7 @@
             <a:endParaRPr/>
           </a:p>
           <a:p>
-            <a:pPr indent="0" lvl="0" marL="0" rtl="0" algn="ctr">
+            <a:pPr marL="0" lvl="0" indent="0" algn="ctr" rtl="0">
               <a:lnSpc>
                 <a:spcPct val="90000"/>
               </a:lnSpc>
@@ -11420,7 +11699,7 @@
             <a:endParaRPr/>
           </a:p>
           <a:p>
-            <a:pPr indent="0" lvl="0" marL="0" rtl="0" algn="ctr">
+            <a:pPr marL="0" lvl="0" indent="0" algn="ctr" rtl="0">
               <a:lnSpc>
                 <a:spcPct val="90000"/>
               </a:lnSpc>
@@ -11443,7 +11722,7 @@
             <a:endParaRPr/>
           </a:p>
           <a:p>
-            <a:pPr indent="0" lvl="0" marL="0" rtl="0" algn="ctr">
+            <a:pPr marL="0" lvl="0" indent="0" algn="ctr" rtl="0">
               <a:lnSpc>
                 <a:spcPct val="90000"/>
               </a:lnSpc>
@@ -11466,7 +11745,7 @@
             <a:endParaRPr/>
           </a:p>
           <a:p>
-            <a:pPr indent="0" lvl="0" marL="0" rtl="0" algn="ctr">
+            <a:pPr marL="0" lvl="0" indent="0" algn="ctr" rtl="0">
               <a:lnSpc>
                 <a:spcPct val="90000"/>
               </a:lnSpc>
@@ -11499,11 +11778,11 @@
 </file>
 
 <file path=ppt/slides/slide2.xml><?xml version="1.0" encoding="utf-8"?>
-<p:sld xmlns:a="http://schemas.openxmlformats.org/drawingml/2006/main" xmlns:r="http://schemas.openxmlformats.org/officeDocument/2006/relationships" xmlns:mc="http://schemas.openxmlformats.org/markup-compatibility/2006" xmlns:mv="urn:schemas-microsoft-com:mac:vml" xmlns:p="http://schemas.openxmlformats.org/presentationml/2006/main" xmlns:c="http://schemas.openxmlformats.org/drawingml/2006/chart" xmlns:dgm="http://schemas.openxmlformats.org/drawingml/2006/diagram" xmlns:o="urn:schemas-microsoft-com:office:office" xmlns:v="urn:schemas-microsoft-com:vml" xmlns:pvml="urn:schemas-microsoft-com:office:powerpoint" xmlns:com="http://schemas.openxmlformats.org/drawingml/2006/compatibility" xmlns:p14="http://schemas.microsoft.com/office/powerpoint/2010/main" xmlns:p15="http://schemas.microsoft.com/office/powerpoint/2012/main" xmlns:ahyp="http://schemas.microsoft.com/office/drawing/2018/hyperlinkcolor">
+<p:sld xmlns:a="http://schemas.openxmlformats.org/drawingml/2006/main" xmlns:r="http://schemas.openxmlformats.org/officeDocument/2006/relationships" xmlns:p="http://schemas.openxmlformats.org/presentationml/2006/main">
   <p:cSld>
     <p:spTree>
       <p:nvGrpSpPr>
-        <p:cNvPr id="89" name="Shape 89"/>
+        <p:cNvPr id="1" name="Shape 89"/>
         <p:cNvGrpSpPr/>
         <p:nvPr/>
       </p:nvGrpSpPr>
@@ -11518,7 +11797,9 @@
       <p:sp>
         <p:nvSpPr>
           <p:cNvPr id="90" name="Google Shape;90;p14"/>
-          <p:cNvSpPr txBox="1"/>
+          <p:cNvSpPr txBox="1">
+            <a:spLocks noGrp="1"/>
+          </p:cNvSpPr>
           <p:nvPr>
             <p:ph type="title"/>
           </p:nvPr>
@@ -11537,12 +11818,12 @@
           </a:ln>
         </p:spPr>
         <p:txBody>
-          <a:bodyPr anchorCtr="0" anchor="ctr" bIns="45700" lIns="91425" spcFirstLastPara="1" rIns="91425" wrap="square" tIns="45700">
+          <a:bodyPr spcFirstLastPara="1" wrap="square" lIns="91425" tIns="45700" rIns="91425" bIns="45700" anchor="ctr" anchorCtr="0">
             <a:normAutofit/>
           </a:bodyPr>
           <a:lstStyle/>
           <a:p>
-            <a:pPr indent="0" lvl="0" marL="0" rtl="0" algn="ctr">
+            <a:pPr marL="0" lvl="0" indent="0" algn="ctr" rtl="0">
               <a:lnSpc>
                 <a:spcPct val="90000"/>
               </a:lnSpc>
@@ -11569,17 +11850,19 @@
       </p:sp>
       <p:pic>
         <p:nvPicPr>
-          <p:cNvPr descr="Learning PyTorch: The Basic Program Structure | by Dagang Wei | Medium" id="91" name="Google Shape;91;p14"/>
-          <p:cNvPicPr preferRelativeResize="0"/>
+          <p:cNvPr id="91" name="Google Shape;91;p14" descr="Learning PyTorch: The Basic Program Structure | by Dagang Wei | Medium"/>
+          <p:cNvPicPr preferRelativeResize="0">
+            <a:picLocks noGrp="1"/>
+          </p:cNvPicPr>
           <p:nvPr>
-            <p:ph idx="1" type="body"/>
+            <p:ph type="body" idx="1"/>
           </p:nvPr>
         </p:nvPicPr>
         <p:blipFill rotWithShape="1">
           <a:blip r:embed="rId3">
             <a:alphaModFix/>
           </a:blip>
-          <a:srcRect b="0" l="0" r="0" t="0"/>
+          <a:srcRect/>
           <a:stretch/>
         </p:blipFill>
         <p:spPr>
@@ -11598,7 +11881,7 @@
       </p:pic>
       <p:pic>
         <p:nvPicPr>
-          <p:cNvPr descr="numpy · PyPI" id="92" name="Google Shape;92;p14"/>
+          <p:cNvPr id="92" name="Google Shape;92;p14" descr="numpy · PyPI"/>
           <p:cNvPicPr preferRelativeResize="0"/>
           <p:nvPr/>
         </p:nvPicPr>
@@ -11606,7 +11889,7 @@
           <a:blip r:embed="rId4">
             <a:alphaModFix/>
           </a:blip>
-          <a:srcRect b="0" l="0" r="0" t="0"/>
+          <a:srcRect/>
           <a:stretch/>
         </p:blipFill>
         <p:spPr>
@@ -11625,7 +11908,7 @@
       </p:pic>
       <p:pic>
         <p:nvPicPr>
-          <p:cNvPr descr="OpenCV – Wikipédia, a enciclopédia livre" id="93" name="Google Shape;93;p14"/>
+          <p:cNvPr id="93" name="Google Shape;93;p14" descr="OpenCV – Wikipédia, a enciclopédia livre"/>
           <p:cNvPicPr preferRelativeResize="0"/>
           <p:nvPr/>
         </p:nvPicPr>
@@ -11633,7 +11916,7 @@
           <a:blip r:embed="rId5">
             <a:alphaModFix/>
           </a:blip>
-          <a:srcRect b="0" l="0" r="0" t="0"/>
+          <a:srcRect/>
           <a:stretch/>
         </p:blipFill>
         <p:spPr>
@@ -11659,11 +11942,11 @@
 </file>
 
 <file path=ppt/slides/slide3.xml><?xml version="1.0" encoding="utf-8"?>
-<p:sld xmlns:a="http://schemas.openxmlformats.org/drawingml/2006/main" xmlns:r="http://schemas.openxmlformats.org/officeDocument/2006/relationships" xmlns:mc="http://schemas.openxmlformats.org/markup-compatibility/2006" xmlns:mv="urn:schemas-microsoft-com:mac:vml" xmlns:p="http://schemas.openxmlformats.org/presentationml/2006/main" xmlns:c="http://schemas.openxmlformats.org/drawingml/2006/chart" xmlns:dgm="http://schemas.openxmlformats.org/drawingml/2006/diagram" xmlns:o="urn:schemas-microsoft-com:office:office" xmlns:v="urn:schemas-microsoft-com:vml" xmlns:pvml="urn:schemas-microsoft-com:office:powerpoint" xmlns:com="http://schemas.openxmlformats.org/drawingml/2006/compatibility" xmlns:p14="http://schemas.microsoft.com/office/powerpoint/2010/main" xmlns:p15="http://schemas.microsoft.com/office/powerpoint/2012/main" xmlns:ahyp="http://schemas.microsoft.com/office/drawing/2018/hyperlinkcolor">
+<p:sld xmlns:a="http://schemas.openxmlformats.org/drawingml/2006/main" xmlns:r="http://schemas.openxmlformats.org/officeDocument/2006/relationships" xmlns:p="http://schemas.openxmlformats.org/presentationml/2006/main">
   <p:cSld>
     <p:spTree>
       <p:nvGrpSpPr>
-        <p:cNvPr id="97" name="Shape 97"/>
+        <p:cNvPr id="1" name="Shape 97"/>
         <p:cNvGrpSpPr/>
         <p:nvPr/>
       </p:nvGrpSpPr>
@@ -11678,7 +11961,9 @@
       <p:sp>
         <p:nvSpPr>
           <p:cNvPr id="98" name="Google Shape;98;p15"/>
-          <p:cNvSpPr txBox="1"/>
+          <p:cNvSpPr txBox="1">
+            <a:spLocks noGrp="1"/>
+          </p:cNvSpPr>
           <p:nvPr>
             <p:ph type="title"/>
           </p:nvPr>
@@ -11697,12 +11982,12 @@
           </a:ln>
         </p:spPr>
         <p:txBody>
-          <a:bodyPr anchorCtr="0" anchor="ctr" bIns="45700" lIns="91425" spcFirstLastPara="1" rIns="91425" wrap="square" tIns="45700">
+          <a:bodyPr spcFirstLastPara="1" wrap="square" lIns="91425" tIns="45700" rIns="91425" bIns="45700" anchor="ctr" anchorCtr="0">
             <a:normAutofit/>
           </a:bodyPr>
           <a:lstStyle/>
           <a:p>
-            <a:pPr indent="0" lvl="0" marL="0" rtl="0" algn="l">
+            <a:pPr marL="0" lvl="0" indent="0" algn="l" rtl="0">
               <a:lnSpc>
                 <a:spcPct val="90000"/>
               </a:lnSpc>
@@ -11730,9 +12015,11 @@
       <p:sp>
         <p:nvSpPr>
           <p:cNvPr id="99" name="Google Shape;99;p15"/>
-          <p:cNvSpPr txBox="1"/>
+          <p:cNvSpPr txBox="1">
+            <a:spLocks noGrp="1"/>
+          </p:cNvSpPr>
           <p:nvPr>
-            <p:ph idx="1" type="body"/>
+            <p:ph type="body" idx="1"/>
           </p:nvPr>
         </p:nvSpPr>
         <p:spPr>
@@ -11749,12 +12036,12 @@
           </a:ln>
         </p:spPr>
         <p:txBody>
-          <a:bodyPr anchorCtr="0" anchor="t" bIns="45700" lIns="91425" spcFirstLastPara="1" rIns="91425" wrap="square" tIns="45700">
+          <a:bodyPr spcFirstLastPara="1" wrap="square" lIns="91425" tIns="45700" rIns="91425" bIns="45700" anchor="t" anchorCtr="0">
             <a:noAutofit/>
           </a:bodyPr>
           <a:lstStyle/>
           <a:p>
-            <a:pPr indent="-228600" lvl="0" marL="228600" rtl="0" algn="l">
+            <a:pPr marL="228600" lvl="0" indent="-228600" algn="l" rtl="0">
               <a:lnSpc>
                 <a:spcPct val="90000"/>
               </a:lnSpc>
@@ -11777,7 +12064,7 @@
             <a:endParaRPr/>
           </a:p>
           <a:p>
-            <a:pPr indent="0" lvl="0" marL="0" rtl="0" algn="l">
+            <a:pPr marL="0" lvl="0" indent="0" algn="l" rtl="0">
               <a:lnSpc>
                 <a:spcPct val="90000"/>
               </a:lnSpc>
@@ -11800,7 +12087,7 @@
             <a:endParaRPr sz="1600"/>
           </a:p>
           <a:p>
-            <a:pPr indent="0" lvl="0" marL="0" rtl="0" algn="l">
+            <a:pPr marL="0" lvl="0" indent="0" algn="l" rtl="0">
               <a:lnSpc>
                 <a:spcPct val="90000"/>
               </a:lnSpc>
@@ -11823,7 +12110,7 @@
             <a:endParaRPr sz="1600"/>
           </a:p>
           <a:p>
-            <a:pPr indent="-228600" lvl="0" marL="228600" rtl="0" algn="l">
+            <a:pPr marL="228600" lvl="0" indent="-228600" algn="l" rtl="0">
               <a:lnSpc>
                 <a:spcPct val="90000"/>
               </a:lnSpc>
@@ -11846,7 +12133,7 @@
             <a:endParaRPr/>
           </a:p>
           <a:p>
-            <a:pPr indent="0" lvl="0" marL="0" rtl="0" algn="l">
+            <a:pPr marL="0" lvl="0" indent="0" algn="l" rtl="0">
               <a:lnSpc>
                 <a:spcPct val="90000"/>
               </a:lnSpc>
@@ -11869,7 +12156,7 @@
             <a:endParaRPr sz="1600"/>
           </a:p>
           <a:p>
-            <a:pPr indent="0" lvl="0" marL="0" rtl="0" algn="l">
+            <a:pPr marL="0" lvl="0" indent="0" algn="l" rtl="0">
               <a:lnSpc>
                 <a:spcPct val="90000"/>
               </a:lnSpc>
@@ -11892,7 +12179,7 @@
             <a:endParaRPr sz="1600"/>
           </a:p>
           <a:p>
-            <a:pPr indent="-228600" lvl="0" marL="228600" rtl="0" algn="l">
+            <a:pPr marL="228600" lvl="0" indent="-228600" algn="l" rtl="0">
               <a:lnSpc>
                 <a:spcPct val="90000"/>
               </a:lnSpc>
@@ -11915,7 +12202,7 @@
             <a:endParaRPr/>
           </a:p>
           <a:p>
-            <a:pPr indent="0" lvl="0" marL="0" rtl="0" algn="l">
+            <a:pPr marL="0" lvl="0" indent="0" algn="l" rtl="0">
               <a:lnSpc>
                 <a:spcPct val="90000"/>
               </a:lnSpc>
@@ -11938,7 +12225,7 @@
             <a:endParaRPr sz="1600"/>
           </a:p>
           <a:p>
-            <a:pPr indent="0" lvl="0" marL="0" rtl="0" algn="l">
+            <a:pPr marL="0" lvl="0" indent="0" algn="l" rtl="0">
               <a:lnSpc>
                 <a:spcPct val="90000"/>
               </a:lnSpc>
@@ -11961,7 +12248,7 @@
             <a:endParaRPr sz="1600"/>
           </a:p>
           <a:p>
-            <a:pPr indent="-228600" lvl="0" marL="228600" rtl="0" algn="l">
+            <a:pPr marL="228600" lvl="0" indent="-228600" algn="l" rtl="0">
               <a:lnSpc>
                 <a:spcPct val="90000"/>
               </a:lnSpc>
@@ -11984,7 +12271,7 @@
             <a:endParaRPr/>
           </a:p>
           <a:p>
-            <a:pPr indent="0" lvl="0" marL="0" rtl="0" algn="l">
+            <a:pPr marL="0" lvl="0" indent="0" algn="l" rtl="0">
               <a:lnSpc>
                 <a:spcPct val="90000"/>
               </a:lnSpc>
@@ -12007,7 +12294,7 @@
             <a:endParaRPr sz="1600"/>
           </a:p>
           <a:p>
-            <a:pPr indent="0" lvl="0" marL="0" rtl="0" algn="l">
+            <a:pPr marL="0" lvl="0" indent="0" algn="l" rtl="0">
               <a:lnSpc>
                 <a:spcPct val="90000"/>
               </a:lnSpc>
@@ -12040,11 +12327,11 @@
 </file>
 
 <file path=ppt/slides/slide4.xml><?xml version="1.0" encoding="utf-8"?>
-<p:sld xmlns:a="http://schemas.openxmlformats.org/drawingml/2006/main" xmlns:r="http://schemas.openxmlformats.org/officeDocument/2006/relationships" xmlns:mc="http://schemas.openxmlformats.org/markup-compatibility/2006" xmlns:mv="urn:schemas-microsoft-com:mac:vml" xmlns:p="http://schemas.openxmlformats.org/presentationml/2006/main" xmlns:c="http://schemas.openxmlformats.org/drawingml/2006/chart" xmlns:dgm="http://schemas.openxmlformats.org/drawingml/2006/diagram" xmlns:o="urn:schemas-microsoft-com:office:office" xmlns:v="urn:schemas-microsoft-com:vml" xmlns:pvml="urn:schemas-microsoft-com:office:powerpoint" xmlns:com="http://schemas.openxmlformats.org/drawingml/2006/compatibility" xmlns:p14="http://schemas.microsoft.com/office/powerpoint/2010/main" xmlns:p15="http://schemas.microsoft.com/office/powerpoint/2012/main" xmlns:ahyp="http://schemas.microsoft.com/office/drawing/2018/hyperlinkcolor">
+<p:sld xmlns:a="http://schemas.openxmlformats.org/drawingml/2006/main" xmlns:r="http://schemas.openxmlformats.org/officeDocument/2006/relationships" xmlns:p="http://schemas.openxmlformats.org/presentationml/2006/main">
   <p:cSld>
     <p:spTree>
       <p:nvGrpSpPr>
-        <p:cNvPr id="103" name="Shape 103"/>
+        <p:cNvPr id="1" name="Shape 103"/>
         <p:cNvGrpSpPr/>
         <p:nvPr/>
       </p:nvGrpSpPr>
@@ -12059,7 +12346,9 @@
       <p:sp>
         <p:nvSpPr>
           <p:cNvPr id="104" name="Google Shape;104;p16"/>
-          <p:cNvSpPr txBox="1"/>
+          <p:cNvSpPr txBox="1">
+            <a:spLocks noGrp="1"/>
+          </p:cNvSpPr>
           <p:nvPr>
             <p:ph type="title"/>
           </p:nvPr>
@@ -12078,12 +12367,12 @@
           </a:ln>
         </p:spPr>
         <p:txBody>
-          <a:bodyPr anchorCtr="0" anchor="ctr" bIns="45700" lIns="91425" spcFirstLastPara="1" rIns="91425" wrap="square" tIns="45700">
+          <a:bodyPr spcFirstLastPara="1" wrap="square" lIns="91425" tIns="45700" rIns="91425" bIns="45700" anchor="ctr" anchorCtr="0">
             <a:normAutofit/>
           </a:bodyPr>
           <a:lstStyle/>
           <a:p>
-            <a:pPr indent="0" lvl="0" marL="0" rtl="0" algn="l">
+            <a:pPr marL="0" lvl="0" indent="0" algn="l" rtl="0">
               <a:lnSpc>
                 <a:spcPct val="90000"/>
               </a:lnSpc>
@@ -12101,23 +12390,23 @@
               <a:buNone/>
             </a:pPr>
             <a:r>
-              <a:rPr lang="pt-BR" sz="4200"/>
-              <a:t>Tecnicas de Detecção e Segmentação utilizadas</a:t>
+              <a:rPr lang="pt-BR" sz="4200" dirty="0"/>
+              <a:t>Técnicas de Detecção utilizadas</a:t>
             </a:r>
-            <a:endParaRPr/>
+            <a:endParaRPr dirty="0"/>
           </a:p>
         </p:txBody>
       </p:sp>
       <p:sp>
         <p:nvSpPr>
-          <p:cNvPr id="105" name="Google Shape;105;p16"/>
+          <p:cNvPr id="106" name="Google Shape;106;p16"/>
           <p:cNvSpPr txBox="1"/>
           <p:nvPr/>
         </p:nvSpPr>
         <p:spPr>
           <a:xfrm>
-            <a:off x="1183342" y="1603840"/>
-            <a:ext cx="2429435" cy="923330"/>
+            <a:off x="838201" y="1442282"/>
+            <a:ext cx="4485238" cy="584735"/>
           </a:xfrm>
           <a:prstGeom prst="rect">
             <a:avLst/>
@@ -12128,12 +12417,12 @@
           </a:ln>
         </p:spPr>
         <p:txBody>
-          <a:bodyPr anchorCtr="0" anchor="t" bIns="45700" lIns="91425" spcFirstLastPara="1" rIns="91425" wrap="square" tIns="45700">
+          <a:bodyPr spcFirstLastPara="1" wrap="square" lIns="91425" tIns="45700" rIns="91425" bIns="45700" anchor="t" anchorCtr="0">
             <a:spAutoFit/>
           </a:bodyPr>
           <a:lstStyle/>
           <a:p>
-            <a:pPr indent="0" lvl="0" marL="0" marR="0" rtl="0" algn="l">
+            <a:pPr marL="0" marR="0" lvl="0" indent="0" algn="l" rtl="0">
               <a:spcBef>
                 <a:spcPts val="0"/>
               </a:spcBef>
@@ -12143,57 +12432,7 @@
               <a:buNone/>
             </a:pPr>
             <a:r>
-              <a:rPr b="0" i="0" lang="pt-BR" sz="5400" u="none" cap="none" strike="noStrike">
-                <a:solidFill>
-                  <a:schemeClr val="dk1"/>
-                </a:solidFill>
-                <a:latin typeface="Calibri"/>
-                <a:ea typeface="Calibri"/>
-                <a:cs typeface="Calibri"/>
-                <a:sym typeface="Calibri"/>
-              </a:rPr>
-              <a:t>Sobel</a:t>
-            </a:r>
-            <a:endParaRPr/>
-          </a:p>
-        </p:txBody>
-      </p:sp>
-      <p:sp>
-        <p:nvSpPr>
-          <p:cNvPr id="106" name="Google Shape;106;p16"/>
-          <p:cNvSpPr txBox="1"/>
-          <p:nvPr/>
-        </p:nvSpPr>
-        <p:spPr>
-          <a:xfrm>
-            <a:off x="7126942" y="1670881"/>
-            <a:ext cx="5127811" cy="769441"/>
-          </a:xfrm>
-          <a:prstGeom prst="rect">
-            <a:avLst/>
-          </a:prstGeom>
-          <a:noFill/>
-          <a:ln>
-            <a:noFill/>
-          </a:ln>
-        </p:spPr>
-        <p:txBody>
-          <a:bodyPr anchorCtr="0" anchor="t" bIns="45700" lIns="91425" spcFirstLastPara="1" rIns="91425" wrap="square" tIns="45700">
-            <a:spAutoFit/>
-          </a:bodyPr>
-          <a:lstStyle/>
-          <a:p>
-            <a:pPr indent="0" lvl="0" marL="0" marR="0" rtl="0" algn="l">
-              <a:spcBef>
-                <a:spcPts val="0"/>
-              </a:spcBef>
-              <a:spcAft>
-                <a:spcPts val="0"/>
-              </a:spcAft>
-              <a:buNone/>
-            </a:pPr>
-            <a:r>
-              <a:rPr lang="pt-BR" sz="4400">
+              <a:rPr lang="pt-BR" sz="3200" dirty="0" err="1">
                 <a:solidFill>
                   <a:srgbClr val="000000"/>
                 </a:solidFill>
@@ -12205,7 +12444,7 @@
               <a:t>T</a:t>
             </a:r>
             <a:r>
-              <a:rPr b="0" i="0" lang="pt-BR" sz="4400" u="none" strike="noStrike">
+              <a:rPr lang="pt-BR" sz="3200" b="0" i="0" u="none" strike="noStrike" dirty="0" err="1">
                 <a:solidFill>
                   <a:srgbClr val="000000"/>
                 </a:solidFill>
@@ -12214,9 +12453,21 @@
                 <a:cs typeface="Arial"/>
                 <a:sym typeface="Arial"/>
               </a:rPr>
-              <a:t>hresholding Adap.</a:t>
+              <a:t>hresholding</a:t>
             </a:r>
-            <a:endParaRPr sz="4400">
+            <a:r>
+              <a:rPr lang="pt-BR" sz="3200" b="0" i="0" u="none" strike="noStrike" dirty="0">
+                <a:solidFill>
+                  <a:srgbClr val="000000"/>
+                </a:solidFill>
+                <a:latin typeface="Arial"/>
+                <a:ea typeface="Arial"/>
+                <a:cs typeface="Arial"/>
+                <a:sym typeface="Arial"/>
+              </a:rPr>
+              <a:t>:</a:t>
+            </a:r>
+            <a:endParaRPr sz="4400" dirty="0">
               <a:solidFill>
                 <a:schemeClr val="dk1"/>
               </a:solidFill>
@@ -12230,14 +12481,116 @@
       </p:sp>
       <p:sp>
         <p:nvSpPr>
-          <p:cNvPr id="107" name="Google Shape;107;p16"/>
+          <p:cNvPr id="3" name="CaixaDeTexto 2">
+            <a:extLst>
+              <a:ext uri="{FF2B5EF4-FFF2-40B4-BE49-F238E27FC236}">
+                <a16:creationId xmlns:a16="http://schemas.microsoft.com/office/drawing/2014/main" id="{9048CD47-E100-4B9B-3C23-5BCEC8907061}"/>
+              </a:ext>
+            </a:extLst>
+          </p:cNvPr>
           <p:cNvSpPr txBox="1"/>
           <p:nvPr/>
         </p:nvSpPr>
         <p:spPr>
           <a:xfrm>
-            <a:off x="152400" y="2157838"/>
-            <a:ext cx="12416117" cy="369332"/>
+            <a:off x="914399" y="2399168"/>
+            <a:ext cx="4409039" cy="4253537"/>
+          </a:xfrm>
+          <a:prstGeom prst="rect">
+            <a:avLst/>
+          </a:prstGeom>
+          <a:noFill/>
+        </p:spPr>
+        <p:txBody>
+          <a:bodyPr wrap="square" rtlCol="0">
+            <a:spAutoFit/>
+          </a:bodyPr>
+          <a:lstStyle/>
+          <a:p>
+            <a:pPr marL="285750" indent="-285750" algn="just">
+              <a:lnSpc>
+                <a:spcPct val="150000"/>
+              </a:lnSpc>
+              <a:buFont typeface="Arial" panose="020B0604020202020204" pitchFamily="34" charset="0"/>
+              <a:buChar char="•"/>
+            </a:pPr>
+            <a:r>
+              <a:rPr lang="pt-BR" dirty="0"/>
+              <a:t>É um processo de conversão de uma imagem em escala de cinza para uma imagem binária.</a:t>
+            </a:r>
+          </a:p>
+          <a:p>
+            <a:pPr marL="285750" indent="-285750" algn="just">
+              <a:lnSpc>
+                <a:spcPct val="150000"/>
+              </a:lnSpc>
+              <a:buFont typeface="Arial" panose="020B0604020202020204" pitchFamily="34" charset="0"/>
+              <a:buChar char="•"/>
+            </a:pPr>
+            <a:endParaRPr lang="pt-BR" dirty="0"/>
+          </a:p>
+          <a:p>
+            <a:pPr marL="285750" indent="-285750" algn="just">
+              <a:lnSpc>
+                <a:spcPct val="150000"/>
+              </a:lnSpc>
+              <a:buFont typeface="Arial" panose="020B0604020202020204" pitchFamily="34" charset="0"/>
+              <a:buChar char="•"/>
+            </a:pPr>
+            <a:r>
+              <a:rPr lang="pt-BR" dirty="0"/>
+              <a:t>Definição de todos os pixels com intensidades inferiores a p como zero (preto) e todos os pixels com intensidades superiores a p como 255 (branco). </a:t>
+            </a:r>
+          </a:p>
+          <a:p>
+            <a:pPr marL="285750" indent="-285750" algn="just">
+              <a:lnSpc>
+                <a:spcPct val="150000"/>
+              </a:lnSpc>
+              <a:buFont typeface="Arial" panose="020B0604020202020204" pitchFamily="34" charset="0"/>
+              <a:buChar char="•"/>
+            </a:pPr>
+            <a:endParaRPr lang="pt-BR" dirty="0"/>
+          </a:p>
+          <a:p>
+            <a:pPr marL="285750" indent="-285750" algn="just">
+              <a:lnSpc>
+                <a:spcPct val="150000"/>
+              </a:lnSpc>
+              <a:buFont typeface="Arial" panose="020B0604020202020204" pitchFamily="34" charset="0"/>
+              <a:buChar char="•"/>
+            </a:pPr>
+            <a:r>
+              <a:rPr lang="pt-BR" dirty="0"/>
+              <a:t>Comumente utilizado para segmentar objetos ou áreas específicas de uma imagem, facilitando a sua análise e extração de informações relevantes.</a:t>
+            </a:r>
+          </a:p>
+          <a:p>
+            <a:pPr>
+              <a:lnSpc>
+                <a:spcPct val="150000"/>
+              </a:lnSpc>
+            </a:pPr>
+            <a:endParaRPr lang="pt-BR" dirty="0"/>
+          </a:p>
+        </p:txBody>
+      </p:sp>
+      <p:sp>
+        <p:nvSpPr>
+          <p:cNvPr id="4" name="Google Shape;106;p16">
+            <a:extLst>
+              <a:ext uri="{FF2B5EF4-FFF2-40B4-BE49-F238E27FC236}">
+                <a16:creationId xmlns:a16="http://schemas.microsoft.com/office/drawing/2014/main" id="{20ECB47D-7E67-C249-9672-2894FC9EB892}"/>
+              </a:ext>
+            </a:extLst>
+          </p:cNvPr>
+          <p:cNvSpPr txBox="1"/>
+          <p:nvPr/>
+        </p:nvSpPr>
+        <p:spPr>
+          <a:xfrm>
+            <a:off x="6096000" y="1442281"/>
+            <a:ext cx="4485238" cy="584735"/>
           </a:xfrm>
           <a:prstGeom prst="rect">
             <a:avLst/>
@@ -12248,12 +12601,12 @@
           </a:ln>
         </p:spPr>
         <p:txBody>
-          <a:bodyPr anchorCtr="0" anchor="t" bIns="45700" lIns="91425" spcFirstLastPara="1" rIns="91425" wrap="square" tIns="45700">
+          <a:bodyPr spcFirstLastPara="1" wrap="square" lIns="91425" tIns="45700" rIns="91425" bIns="45700" anchor="t" anchorCtr="0">
             <a:spAutoFit/>
           </a:bodyPr>
           <a:lstStyle/>
           <a:p>
-            <a:pPr indent="0" lvl="0" marL="0" marR="0" rtl="0" algn="l">
+            <a:pPr marL="0" marR="0" lvl="0" indent="0" algn="l" rtl="0">
               <a:spcBef>
                 <a:spcPts val="0"/>
               </a:spcBef>
@@ -12263,357 +12616,34 @@
               <a:buNone/>
             </a:pPr>
             <a:r>
-              <a:rPr lang="pt-BR" sz="1800">
+              <a:rPr lang="pt-BR" sz="3200" dirty="0" err="1">
                 <a:solidFill>
-                  <a:schemeClr val="dk1"/>
+                  <a:srgbClr val="000000"/>
                 </a:solidFill>
-                <a:latin typeface="Calibri"/>
-                <a:ea typeface="Calibri"/>
-                <a:cs typeface="Calibri"/>
-                <a:sym typeface="Calibri"/>
+                <a:latin typeface="Arial"/>
+                <a:ea typeface="Arial"/>
+                <a:cs typeface="Arial"/>
+                <a:sym typeface="Arial"/>
               </a:rPr>
-              <a:t>_______________________________________________________________________________________________________</a:t>
+              <a:t>T</a:t>
             </a:r>
-            <a:endParaRPr/>
-          </a:p>
-        </p:txBody>
-      </p:sp>
-      <p:sp>
-        <p:nvSpPr>
-          <p:cNvPr id="108" name="Google Shape;108;p16"/>
-          <p:cNvSpPr txBox="1"/>
-          <p:nvPr/>
-        </p:nvSpPr>
-        <p:spPr>
-          <a:xfrm>
-            <a:off x="5446061" y="2440322"/>
-            <a:ext cx="291352" cy="3970318"/>
-          </a:xfrm>
-          <a:prstGeom prst="rect">
-            <a:avLst/>
-          </a:prstGeom>
-          <a:noFill/>
-          <a:ln>
-            <a:noFill/>
-          </a:ln>
-        </p:spPr>
-        <p:txBody>
-          <a:bodyPr anchorCtr="0" anchor="t" bIns="45700" lIns="91425" spcFirstLastPara="1" rIns="91425" wrap="square" tIns="45700">
-            <a:spAutoFit/>
-          </a:bodyPr>
-          <a:lstStyle/>
-          <a:p>
-            <a:pPr indent="0" lvl="0" marL="0" marR="0" rtl="0" algn="l">
-              <a:spcBef>
-                <a:spcPts val="0"/>
-              </a:spcBef>
-              <a:spcAft>
-                <a:spcPts val="0"/>
-              </a:spcAft>
-              <a:buNone/>
-            </a:pPr>
             <a:r>
-              <a:rPr lang="pt-BR" sz="1800">
+              <a:rPr lang="pt-BR" sz="3200" b="0" i="0" u="none" strike="noStrike" dirty="0" err="1">
                 <a:solidFill>
-                  <a:schemeClr val="dk1"/>
+                  <a:srgbClr val="000000"/>
                 </a:solidFill>
-                <a:latin typeface="Calibri"/>
-                <a:ea typeface="Calibri"/>
-                <a:cs typeface="Calibri"/>
-                <a:sym typeface="Calibri"/>
+                <a:latin typeface="Arial"/>
+                <a:ea typeface="Arial"/>
+                <a:cs typeface="Arial"/>
+                <a:sym typeface="Arial"/>
               </a:rPr>
-              <a:t>|</a:t>
+              <a:t>hresholding</a:t>
             </a:r>
-            <a:endParaRPr/>
-          </a:p>
-          <a:p>
-            <a:pPr indent="0" lvl="0" marL="0" marR="0" rtl="0" algn="l">
-              <a:spcBef>
-                <a:spcPts val="0"/>
-              </a:spcBef>
-              <a:spcAft>
-                <a:spcPts val="0"/>
-              </a:spcAft>
-              <a:buNone/>
-            </a:pPr>
             <a:r>
-              <a:rPr lang="pt-BR" sz="1800">
-                <a:solidFill>
-                  <a:schemeClr val="dk1"/>
-                </a:solidFill>
-                <a:latin typeface="Calibri"/>
-                <a:ea typeface="Calibri"/>
-                <a:cs typeface="Calibri"/>
-                <a:sym typeface="Calibri"/>
-              </a:rPr>
-              <a:t>|</a:t>
+              <a:rPr lang="pt-BR" sz="3200" dirty="0"/>
+              <a:t> Adap.</a:t>
             </a:r>
-            <a:endParaRPr/>
-          </a:p>
-          <a:p>
-            <a:pPr indent="0" lvl="0" marL="0" marR="0" rtl="0" algn="l">
-              <a:spcBef>
-                <a:spcPts val="0"/>
-              </a:spcBef>
-              <a:spcAft>
-                <a:spcPts val="0"/>
-              </a:spcAft>
-              <a:buNone/>
-            </a:pPr>
-            <a:r>
-              <a:rPr lang="pt-BR" sz="1800">
-                <a:solidFill>
-                  <a:schemeClr val="dk1"/>
-                </a:solidFill>
-                <a:latin typeface="Calibri"/>
-                <a:ea typeface="Calibri"/>
-                <a:cs typeface="Calibri"/>
-                <a:sym typeface="Calibri"/>
-              </a:rPr>
-              <a:t>|</a:t>
-            </a:r>
-            <a:br>
-              <a:rPr lang="pt-BR" sz="1800">
-                <a:solidFill>
-                  <a:schemeClr val="dk1"/>
-                </a:solidFill>
-                <a:latin typeface="Calibri"/>
-                <a:ea typeface="Calibri"/>
-                <a:cs typeface="Calibri"/>
-                <a:sym typeface="Calibri"/>
-              </a:rPr>
-            </a:br>
-            <a:r>
-              <a:rPr lang="pt-BR" sz="1800">
-                <a:solidFill>
-                  <a:schemeClr val="dk1"/>
-                </a:solidFill>
-                <a:latin typeface="Calibri"/>
-                <a:ea typeface="Calibri"/>
-                <a:cs typeface="Calibri"/>
-                <a:sym typeface="Calibri"/>
-              </a:rPr>
-              <a:t>|</a:t>
-            </a:r>
-            <a:br>
-              <a:rPr lang="pt-BR" sz="1800">
-                <a:solidFill>
-                  <a:schemeClr val="dk1"/>
-                </a:solidFill>
-                <a:latin typeface="Calibri"/>
-                <a:ea typeface="Calibri"/>
-                <a:cs typeface="Calibri"/>
-                <a:sym typeface="Calibri"/>
-              </a:rPr>
-            </a:br>
-            <a:r>
-              <a:rPr lang="pt-BR" sz="1800">
-                <a:solidFill>
-                  <a:schemeClr val="dk1"/>
-                </a:solidFill>
-                <a:latin typeface="Calibri"/>
-                <a:ea typeface="Calibri"/>
-                <a:cs typeface="Calibri"/>
-                <a:sym typeface="Calibri"/>
-              </a:rPr>
-              <a:t>|</a:t>
-            </a:r>
-            <a:br>
-              <a:rPr lang="pt-BR" sz="1800">
-                <a:solidFill>
-                  <a:schemeClr val="dk1"/>
-                </a:solidFill>
-                <a:latin typeface="Calibri"/>
-                <a:ea typeface="Calibri"/>
-                <a:cs typeface="Calibri"/>
-                <a:sym typeface="Calibri"/>
-              </a:rPr>
-            </a:br>
-            <a:r>
-              <a:rPr lang="pt-BR" sz="1800">
-                <a:solidFill>
-                  <a:schemeClr val="dk1"/>
-                </a:solidFill>
-                <a:latin typeface="Calibri"/>
-                <a:ea typeface="Calibri"/>
-                <a:cs typeface="Calibri"/>
-                <a:sym typeface="Calibri"/>
-              </a:rPr>
-              <a:t>|</a:t>
-            </a:r>
-            <a:br>
-              <a:rPr lang="pt-BR" sz="1800">
-                <a:solidFill>
-                  <a:schemeClr val="dk1"/>
-                </a:solidFill>
-                <a:latin typeface="Calibri"/>
-                <a:ea typeface="Calibri"/>
-                <a:cs typeface="Calibri"/>
-                <a:sym typeface="Calibri"/>
-              </a:rPr>
-            </a:br>
-            <a:r>
-              <a:rPr lang="pt-BR" sz="1800">
-                <a:solidFill>
-                  <a:schemeClr val="dk1"/>
-                </a:solidFill>
-                <a:latin typeface="Calibri"/>
-                <a:ea typeface="Calibri"/>
-                <a:cs typeface="Calibri"/>
-                <a:sym typeface="Calibri"/>
-              </a:rPr>
-              <a:t>|</a:t>
-            </a:r>
-            <a:br>
-              <a:rPr lang="pt-BR" sz="1800">
-                <a:solidFill>
-                  <a:schemeClr val="dk1"/>
-                </a:solidFill>
-                <a:latin typeface="Calibri"/>
-                <a:ea typeface="Calibri"/>
-                <a:cs typeface="Calibri"/>
-                <a:sym typeface="Calibri"/>
-              </a:rPr>
-            </a:br>
-            <a:r>
-              <a:rPr lang="pt-BR" sz="1800">
-                <a:solidFill>
-                  <a:schemeClr val="dk1"/>
-                </a:solidFill>
-                <a:latin typeface="Calibri"/>
-                <a:ea typeface="Calibri"/>
-                <a:cs typeface="Calibri"/>
-                <a:sym typeface="Calibri"/>
-              </a:rPr>
-              <a:t>|</a:t>
-            </a:r>
-            <a:br>
-              <a:rPr lang="pt-BR" sz="1800">
-                <a:solidFill>
-                  <a:schemeClr val="dk1"/>
-                </a:solidFill>
-                <a:latin typeface="Calibri"/>
-                <a:ea typeface="Calibri"/>
-                <a:cs typeface="Calibri"/>
-                <a:sym typeface="Calibri"/>
-              </a:rPr>
-            </a:br>
-            <a:r>
-              <a:rPr lang="pt-BR" sz="1800">
-                <a:solidFill>
-                  <a:schemeClr val="dk1"/>
-                </a:solidFill>
-                <a:latin typeface="Calibri"/>
-                <a:ea typeface="Calibri"/>
-                <a:cs typeface="Calibri"/>
-                <a:sym typeface="Calibri"/>
-              </a:rPr>
-              <a:t>|</a:t>
-            </a:r>
-            <a:br>
-              <a:rPr lang="pt-BR" sz="1800">
-                <a:solidFill>
-                  <a:schemeClr val="dk1"/>
-                </a:solidFill>
-                <a:latin typeface="Calibri"/>
-                <a:ea typeface="Calibri"/>
-                <a:cs typeface="Calibri"/>
-                <a:sym typeface="Calibri"/>
-              </a:rPr>
-            </a:br>
-            <a:r>
-              <a:rPr lang="pt-BR" sz="1800">
-                <a:solidFill>
-                  <a:schemeClr val="dk1"/>
-                </a:solidFill>
-                <a:latin typeface="Calibri"/>
-                <a:ea typeface="Calibri"/>
-                <a:cs typeface="Calibri"/>
-                <a:sym typeface="Calibri"/>
-              </a:rPr>
-              <a:t>|</a:t>
-            </a:r>
-            <a:br>
-              <a:rPr lang="pt-BR" sz="1800">
-                <a:solidFill>
-                  <a:schemeClr val="dk1"/>
-                </a:solidFill>
-                <a:latin typeface="Calibri"/>
-                <a:ea typeface="Calibri"/>
-                <a:cs typeface="Calibri"/>
-                <a:sym typeface="Calibri"/>
-              </a:rPr>
-            </a:br>
-            <a:r>
-              <a:rPr lang="pt-BR" sz="1800">
-                <a:solidFill>
-                  <a:schemeClr val="dk1"/>
-                </a:solidFill>
-                <a:latin typeface="Calibri"/>
-                <a:ea typeface="Calibri"/>
-                <a:cs typeface="Calibri"/>
-                <a:sym typeface="Calibri"/>
-              </a:rPr>
-              <a:t>|</a:t>
-            </a:r>
-            <a:br>
-              <a:rPr lang="pt-BR" sz="1800">
-                <a:solidFill>
-                  <a:schemeClr val="dk1"/>
-                </a:solidFill>
-                <a:latin typeface="Calibri"/>
-                <a:ea typeface="Calibri"/>
-                <a:cs typeface="Calibri"/>
-                <a:sym typeface="Calibri"/>
-              </a:rPr>
-            </a:br>
-            <a:r>
-              <a:rPr lang="pt-BR" sz="1800">
-                <a:solidFill>
-                  <a:schemeClr val="dk1"/>
-                </a:solidFill>
-                <a:latin typeface="Calibri"/>
-                <a:ea typeface="Calibri"/>
-                <a:cs typeface="Calibri"/>
-                <a:sym typeface="Calibri"/>
-              </a:rPr>
-              <a:t>|</a:t>
-            </a:r>
-            <a:br>
-              <a:rPr lang="pt-BR" sz="1800">
-                <a:solidFill>
-                  <a:schemeClr val="dk1"/>
-                </a:solidFill>
-                <a:latin typeface="Calibri"/>
-                <a:ea typeface="Calibri"/>
-                <a:cs typeface="Calibri"/>
-                <a:sym typeface="Calibri"/>
-              </a:rPr>
-            </a:br>
-            <a:r>
-              <a:rPr lang="pt-BR" sz="1800">
-                <a:solidFill>
-                  <a:schemeClr val="dk1"/>
-                </a:solidFill>
-                <a:latin typeface="Calibri"/>
-                <a:ea typeface="Calibri"/>
-                <a:cs typeface="Calibri"/>
-                <a:sym typeface="Calibri"/>
-              </a:rPr>
-              <a:t>|</a:t>
-            </a:r>
-            <a:br>
-              <a:rPr lang="pt-BR" sz="1800">
-                <a:solidFill>
-                  <a:schemeClr val="dk1"/>
-                </a:solidFill>
-                <a:latin typeface="Calibri"/>
-                <a:ea typeface="Calibri"/>
-                <a:cs typeface="Calibri"/>
-                <a:sym typeface="Calibri"/>
-              </a:rPr>
-            </a:br>
-            <a:endParaRPr sz="1800">
+            <a:endParaRPr sz="4400" dirty="0">
               <a:solidFill>
                 <a:schemeClr val="dk1"/>
               </a:solidFill>
@@ -12627,301 +12657,105 @@
       </p:sp>
       <p:sp>
         <p:nvSpPr>
-          <p:cNvPr id="109" name="Google Shape;109;p16"/>
+          <p:cNvPr id="6" name="CaixaDeTexto 5">
+            <a:extLst>
+              <a:ext uri="{FF2B5EF4-FFF2-40B4-BE49-F238E27FC236}">
+                <a16:creationId xmlns:a16="http://schemas.microsoft.com/office/drawing/2014/main" id="{07B58B10-E252-BA05-1789-52C16245314E}"/>
+              </a:ext>
+            </a:extLst>
+          </p:cNvPr>
           <p:cNvSpPr txBox="1"/>
           <p:nvPr/>
         </p:nvSpPr>
         <p:spPr>
           <a:xfrm>
-            <a:off x="564777" y="2700790"/>
-            <a:ext cx="2429435" cy="830997"/>
+            <a:off x="6096000" y="2399167"/>
+            <a:ext cx="4409039" cy="3607206"/>
           </a:xfrm>
           <a:prstGeom prst="rect">
             <a:avLst/>
           </a:prstGeom>
           <a:noFill/>
-          <a:ln>
-            <a:noFill/>
-          </a:ln>
         </p:spPr>
         <p:txBody>
-          <a:bodyPr anchorCtr="0" anchor="t" bIns="45700" lIns="91425" spcFirstLastPara="1" rIns="91425" wrap="square" tIns="45700">
+          <a:bodyPr wrap="square" rtlCol="0">
             <a:spAutoFit/>
           </a:bodyPr>
           <a:lstStyle/>
           <a:p>
-            <a:pPr indent="0" lvl="0" marL="0" marR="0" rtl="0" algn="l">
-              <a:spcBef>
-                <a:spcPts val="0"/>
-              </a:spcBef>
-              <a:spcAft>
-                <a:spcPts val="0"/>
-              </a:spcAft>
-              <a:buNone/>
+            <a:pPr marL="285750" indent="-285750" algn="just">
+              <a:lnSpc>
+                <a:spcPct val="150000"/>
+              </a:lnSpc>
+              <a:buFont typeface="Arial" panose="020B0604020202020204" pitchFamily="34" charset="0"/>
+              <a:buChar char="•"/>
             </a:pPr>
             <a:r>
-              <a:rPr lang="pt-BR" sz="4800">
-                <a:solidFill>
-                  <a:srgbClr val="00B050"/>
-                </a:solidFill>
-                <a:latin typeface="Calibri"/>
-                <a:ea typeface="Calibri"/>
-                <a:cs typeface="Calibri"/>
-                <a:sym typeface="Calibri"/>
-              </a:rPr>
-              <a:t>+</a:t>
+              <a:rPr lang="pt-BR" dirty="0"/>
+              <a:t>Leva em consideração pequenas vizinhanças de pixels e encontra um valor de </a:t>
             </a:r>
-            <a:endParaRPr/>
-          </a:p>
-        </p:txBody>
-      </p:sp>
-      <p:sp>
-        <p:nvSpPr>
-          <p:cNvPr id="110" name="Google Shape;110;p16"/>
-          <p:cNvSpPr txBox="1"/>
-          <p:nvPr/>
-        </p:nvSpPr>
-        <p:spPr>
-          <a:xfrm>
-            <a:off x="564776" y="3422449"/>
-            <a:ext cx="2429435" cy="830997"/>
-          </a:xfrm>
-          <a:prstGeom prst="rect">
-            <a:avLst/>
-          </a:prstGeom>
-          <a:noFill/>
-          <a:ln>
-            <a:noFill/>
-          </a:ln>
-        </p:spPr>
-        <p:txBody>
-          <a:bodyPr anchorCtr="0" anchor="t" bIns="45700" lIns="91425" spcFirstLastPara="1" rIns="91425" wrap="square" tIns="45700">
-            <a:spAutoFit/>
-          </a:bodyPr>
-          <a:lstStyle/>
-          <a:p>
-            <a:pPr indent="0" lvl="0" marL="0" marR="0" rtl="0" algn="l">
-              <a:spcBef>
-                <a:spcPts val="0"/>
-              </a:spcBef>
-              <a:spcAft>
-                <a:spcPts val="0"/>
-              </a:spcAft>
-              <a:buNone/>
+            <a:r>
+              <a:rPr lang="pt-BR" dirty="0" err="1"/>
+              <a:t>threshold</a:t>
+            </a:r>
+            <a:r>
+              <a:rPr lang="pt-BR" dirty="0"/>
+              <a:t> ótimo T para cada vizinho. </a:t>
+            </a:r>
+          </a:p>
+          <a:p>
+            <a:pPr marL="285750" indent="-285750" algn="just">
+              <a:lnSpc>
+                <a:spcPct val="150000"/>
+              </a:lnSpc>
+              <a:buFont typeface="Arial" panose="020B0604020202020204" pitchFamily="34" charset="0"/>
+              <a:buChar char="•"/>
+            </a:pPr>
+            <a:endParaRPr lang="pt-BR" dirty="0"/>
+          </a:p>
+          <a:p>
+            <a:pPr marL="285750" indent="-285750" algn="just">
+              <a:lnSpc>
+                <a:spcPct val="150000"/>
+              </a:lnSpc>
+              <a:buFont typeface="Arial" panose="020B0604020202020204" pitchFamily="34" charset="0"/>
+              <a:buChar char="•"/>
             </a:pPr>
             <a:r>
-              <a:rPr lang="pt-BR" sz="4800">
-                <a:solidFill>
-                  <a:srgbClr val="00B050"/>
-                </a:solidFill>
-                <a:latin typeface="Calibri"/>
-                <a:ea typeface="Calibri"/>
-                <a:cs typeface="Calibri"/>
-                <a:sym typeface="Calibri"/>
-              </a:rPr>
-              <a:t>+</a:t>
+              <a:rPr lang="pt-BR" dirty="0"/>
+              <a:t>Permite ajustar o valor de </a:t>
             </a:r>
-            <a:endParaRPr/>
-          </a:p>
-        </p:txBody>
-      </p:sp>
-      <p:sp>
-        <p:nvSpPr>
-          <p:cNvPr id="111" name="Google Shape;111;p16"/>
-          <p:cNvSpPr txBox="1"/>
-          <p:nvPr/>
-        </p:nvSpPr>
-        <p:spPr>
-          <a:xfrm>
-            <a:off x="564775" y="4253446"/>
-            <a:ext cx="2429435" cy="830997"/>
-          </a:xfrm>
-          <a:prstGeom prst="rect">
-            <a:avLst/>
-          </a:prstGeom>
-          <a:noFill/>
-          <a:ln>
-            <a:noFill/>
-          </a:ln>
-        </p:spPr>
-        <p:txBody>
-          <a:bodyPr anchorCtr="0" anchor="t" bIns="45700" lIns="91425" spcFirstLastPara="1" rIns="91425" wrap="square" tIns="45700">
-            <a:spAutoFit/>
-          </a:bodyPr>
-          <a:lstStyle/>
-          <a:p>
-            <a:pPr indent="0" lvl="0" marL="0" marR="0" rtl="0" algn="l">
-              <a:spcBef>
-                <a:spcPts val="0"/>
-              </a:spcBef>
-              <a:spcAft>
-                <a:spcPts val="0"/>
-              </a:spcAft>
-              <a:buNone/>
+            <a:r>
+              <a:rPr lang="pt-BR" dirty="0" err="1"/>
+              <a:t>threshold</a:t>
+            </a:r>
+            <a:r>
+              <a:rPr lang="pt-BR" dirty="0"/>
+              <a:t> de forma adaptativa, levando em conta o contexto local de cada pixel.</a:t>
+            </a:r>
+          </a:p>
+          <a:p>
+            <a:pPr marL="285750" indent="-285750" algn="just">
+              <a:lnSpc>
+                <a:spcPct val="150000"/>
+              </a:lnSpc>
+              <a:buFont typeface="Arial" panose="020B0604020202020204" pitchFamily="34" charset="0"/>
+              <a:buChar char="•"/>
+            </a:pPr>
+            <a:endParaRPr lang="pt-BR" dirty="0"/>
+          </a:p>
+          <a:p>
+            <a:pPr marL="285750" indent="-285750" algn="just">
+              <a:lnSpc>
+                <a:spcPct val="150000"/>
+              </a:lnSpc>
+              <a:buFont typeface="Arial" panose="020B0604020202020204" pitchFamily="34" charset="0"/>
+              <a:buChar char="•"/>
             </a:pPr>
             <a:r>
-              <a:rPr lang="pt-BR" sz="4800">
-                <a:solidFill>
-                  <a:srgbClr val="FF0000"/>
-                </a:solidFill>
-                <a:latin typeface="Calibri"/>
-                <a:ea typeface="Calibri"/>
-                <a:cs typeface="Calibri"/>
-                <a:sym typeface="Calibri"/>
-              </a:rPr>
-              <a:t>-</a:t>
+              <a:rPr lang="pt-BR" dirty="0"/>
+              <a:t>Especialmente útil quando a imagem exibe variações significativas nas intensidades de pixels</a:t>
             </a:r>
-            <a:endParaRPr/>
-          </a:p>
-        </p:txBody>
-      </p:sp>
-      <p:sp>
-        <p:nvSpPr>
-          <p:cNvPr id="112" name="Google Shape;112;p16"/>
-          <p:cNvSpPr txBox="1"/>
-          <p:nvPr/>
-        </p:nvSpPr>
-        <p:spPr>
-          <a:xfrm>
-            <a:off x="6454589" y="2724254"/>
-            <a:ext cx="2429435" cy="830997"/>
-          </a:xfrm>
-          <a:prstGeom prst="rect">
-            <a:avLst/>
-          </a:prstGeom>
-          <a:noFill/>
-          <a:ln>
-            <a:noFill/>
-          </a:ln>
-        </p:spPr>
-        <p:txBody>
-          <a:bodyPr anchorCtr="0" anchor="t" bIns="45700" lIns="91425" spcFirstLastPara="1" rIns="91425" wrap="square" tIns="45700">
-            <a:spAutoFit/>
-          </a:bodyPr>
-          <a:lstStyle/>
-          <a:p>
-            <a:pPr indent="0" lvl="0" marL="0" marR="0" rtl="0" algn="l">
-              <a:spcBef>
-                <a:spcPts val="0"/>
-              </a:spcBef>
-              <a:spcAft>
-                <a:spcPts val="0"/>
-              </a:spcAft>
-              <a:buNone/>
-            </a:pPr>
-            <a:r>
-              <a:rPr lang="pt-BR" sz="4800">
-                <a:solidFill>
-                  <a:srgbClr val="00B050"/>
-                </a:solidFill>
-                <a:latin typeface="Calibri"/>
-                <a:ea typeface="Calibri"/>
-                <a:cs typeface="Calibri"/>
-                <a:sym typeface="Calibri"/>
-              </a:rPr>
-              <a:t>+</a:t>
-            </a:r>
-            <a:endParaRPr/>
-          </a:p>
-        </p:txBody>
-      </p:sp>
-      <p:sp>
-        <p:nvSpPr>
-          <p:cNvPr id="113" name="Google Shape;113;p16"/>
-          <p:cNvSpPr txBox="1"/>
-          <p:nvPr/>
-        </p:nvSpPr>
-        <p:spPr>
-          <a:xfrm>
-            <a:off x="6454588" y="3445913"/>
-            <a:ext cx="2429435" cy="830997"/>
-          </a:xfrm>
-          <a:prstGeom prst="rect">
-            <a:avLst/>
-          </a:prstGeom>
-          <a:noFill/>
-          <a:ln>
-            <a:noFill/>
-          </a:ln>
-        </p:spPr>
-        <p:txBody>
-          <a:bodyPr anchorCtr="0" anchor="t" bIns="45700" lIns="91425" spcFirstLastPara="1" rIns="91425" wrap="square" tIns="45700">
-            <a:spAutoFit/>
-          </a:bodyPr>
-          <a:lstStyle/>
-          <a:p>
-            <a:pPr indent="0" lvl="0" marL="0" marR="0" rtl="0" algn="l">
-              <a:spcBef>
-                <a:spcPts val="0"/>
-              </a:spcBef>
-              <a:spcAft>
-                <a:spcPts val="0"/>
-              </a:spcAft>
-              <a:buNone/>
-            </a:pPr>
-            <a:r>
-              <a:rPr lang="pt-BR" sz="4800">
-                <a:solidFill>
-                  <a:srgbClr val="00B050"/>
-                </a:solidFill>
-                <a:latin typeface="Calibri"/>
-                <a:ea typeface="Calibri"/>
-                <a:cs typeface="Calibri"/>
-                <a:sym typeface="Calibri"/>
-              </a:rPr>
-              <a:t>+</a:t>
-            </a:r>
-            <a:endParaRPr/>
-          </a:p>
-        </p:txBody>
-      </p:sp>
-      <p:sp>
-        <p:nvSpPr>
-          <p:cNvPr id="114" name="Google Shape;114;p16"/>
-          <p:cNvSpPr txBox="1"/>
-          <p:nvPr/>
-        </p:nvSpPr>
-        <p:spPr>
-          <a:xfrm>
-            <a:off x="6454587" y="4276910"/>
-            <a:ext cx="2429435" cy="830997"/>
-          </a:xfrm>
-          <a:prstGeom prst="rect">
-            <a:avLst/>
-          </a:prstGeom>
-          <a:noFill/>
-          <a:ln>
-            <a:noFill/>
-          </a:ln>
-        </p:spPr>
-        <p:txBody>
-          <a:bodyPr anchorCtr="0" anchor="t" bIns="45700" lIns="91425" spcFirstLastPara="1" rIns="91425" wrap="square" tIns="45700">
-            <a:spAutoFit/>
-          </a:bodyPr>
-          <a:lstStyle/>
-          <a:p>
-            <a:pPr indent="0" lvl="0" marL="0" marR="0" rtl="0" algn="l">
-              <a:spcBef>
-                <a:spcPts val="0"/>
-              </a:spcBef>
-              <a:spcAft>
-                <a:spcPts val="0"/>
-              </a:spcAft>
-              <a:buNone/>
-            </a:pPr>
-            <a:r>
-              <a:rPr lang="pt-BR" sz="4800">
-                <a:solidFill>
-                  <a:srgbClr val="FF0000"/>
-                </a:solidFill>
-                <a:latin typeface="Calibri"/>
-                <a:ea typeface="Calibri"/>
-                <a:cs typeface="Calibri"/>
-                <a:sym typeface="Calibri"/>
-              </a:rPr>
-              <a:t>-</a:t>
-            </a:r>
-            <a:endParaRPr/>
           </a:p>
         </p:txBody>
       </p:sp>
@@ -12934,11 +12768,1013 @@
 </file>
 
 <file path=ppt/slides/slide5.xml><?xml version="1.0" encoding="utf-8"?>
-<p:sld xmlns:a="http://schemas.openxmlformats.org/drawingml/2006/main" xmlns:r="http://schemas.openxmlformats.org/officeDocument/2006/relationships" xmlns:mc="http://schemas.openxmlformats.org/markup-compatibility/2006" xmlns:mv="urn:schemas-microsoft-com:mac:vml" xmlns:p="http://schemas.openxmlformats.org/presentationml/2006/main" xmlns:c="http://schemas.openxmlformats.org/drawingml/2006/chart" xmlns:dgm="http://schemas.openxmlformats.org/drawingml/2006/diagram" xmlns:o="urn:schemas-microsoft-com:office:office" xmlns:v="urn:schemas-microsoft-com:vml" xmlns:pvml="urn:schemas-microsoft-com:office:powerpoint" xmlns:com="http://schemas.openxmlformats.org/drawingml/2006/compatibility" xmlns:p14="http://schemas.microsoft.com/office/powerpoint/2010/main" xmlns:p15="http://schemas.microsoft.com/office/powerpoint/2012/main" xmlns:ahyp="http://schemas.microsoft.com/office/drawing/2018/hyperlinkcolor">
+<p:sld xmlns:a="http://schemas.openxmlformats.org/drawingml/2006/main" xmlns:r="http://schemas.openxmlformats.org/officeDocument/2006/relationships" xmlns:p="http://schemas.openxmlformats.org/presentationml/2006/main">
   <p:cSld>
     <p:spTree>
       <p:nvGrpSpPr>
-        <p:cNvPr id="118" name="Shape 118"/>
+        <p:cNvPr id="1" name=""/>
+        <p:cNvGrpSpPr/>
+        <p:nvPr/>
+      </p:nvGrpSpPr>
+      <p:grpSpPr>
+        <a:xfrm>
+          <a:off x="0" y="0"/>
+          <a:ext cx="0" cy="0"/>
+          <a:chOff x="0" y="0"/>
+          <a:chExt cx="0" cy="0"/>
+        </a:xfrm>
+      </p:grpSpPr>
+      <p:sp>
+        <p:nvSpPr>
+          <p:cNvPr id="2" name="Título 1">
+            <a:extLst>
+              <a:ext uri="{FF2B5EF4-FFF2-40B4-BE49-F238E27FC236}">
+                <a16:creationId xmlns:a16="http://schemas.microsoft.com/office/drawing/2014/main" id="{2A99D395-C272-CC7A-6A53-356A8A714D90}"/>
+              </a:ext>
+            </a:extLst>
+          </p:cNvPr>
+          <p:cNvSpPr>
+            <a:spLocks noGrp="1"/>
+          </p:cNvSpPr>
+          <p:nvPr>
+            <p:ph type="title"/>
+          </p:nvPr>
+        </p:nvSpPr>
+        <p:spPr/>
+        <p:txBody>
+          <a:bodyPr/>
+          <a:lstStyle/>
+          <a:p>
+            <a:r>
+              <a:rPr lang="pt-BR" dirty="0" err="1"/>
+              <a:t>Thresholding</a:t>
+            </a:r>
+            <a:r>
+              <a:rPr lang="pt-BR" dirty="0"/>
+              <a:t> Adaptativo</a:t>
+            </a:r>
+          </a:p>
+        </p:txBody>
+      </p:sp>
+      <p:sp>
+        <p:nvSpPr>
+          <p:cNvPr id="3" name="Espaço Reservado para Texto 2">
+            <a:extLst>
+              <a:ext uri="{FF2B5EF4-FFF2-40B4-BE49-F238E27FC236}">
+                <a16:creationId xmlns:a16="http://schemas.microsoft.com/office/drawing/2014/main" id="{1A805E3F-4AF6-7EBA-DD44-29FAAFC0E508}"/>
+              </a:ext>
+            </a:extLst>
+          </p:cNvPr>
+          <p:cNvSpPr>
+            <a:spLocks noGrp="1"/>
+          </p:cNvSpPr>
+          <p:nvPr>
+            <p:ph type="body" idx="1"/>
+          </p:nvPr>
+        </p:nvSpPr>
+        <p:spPr>
+          <a:xfrm>
+            <a:off x="838200" y="1825625"/>
+            <a:ext cx="5128034" cy="4351338"/>
+          </a:xfrm>
+        </p:spPr>
+        <p:txBody>
+          <a:bodyPr/>
+          <a:lstStyle/>
+          <a:p>
+            <a:pPr marL="114300" indent="0">
+              <a:buNone/>
+            </a:pPr>
+            <a:r>
+              <a:rPr lang="pt-BR" dirty="0"/>
+              <a:t>Vantagens</a:t>
+            </a:r>
+          </a:p>
+          <a:p>
+            <a:endParaRPr lang="pt-BR" sz="1600" dirty="0"/>
+          </a:p>
+          <a:p>
+            <a:r>
+              <a:rPr lang="pt-BR" sz="1600" dirty="0"/>
+              <a:t>Melhor em condições de iluminação não uniforme</a:t>
+            </a:r>
+          </a:p>
+          <a:p>
+            <a:endParaRPr lang="pt-BR" sz="1600" dirty="0"/>
+          </a:p>
+          <a:p>
+            <a:r>
+              <a:rPr lang="pt-BR" sz="1600" dirty="0"/>
+              <a:t>Realça detalhes locais</a:t>
+            </a:r>
+          </a:p>
+          <a:p>
+            <a:endParaRPr lang="pt-BR" sz="1600" dirty="0"/>
+          </a:p>
+          <a:p>
+            <a:r>
+              <a:rPr lang="pt-BR" sz="1600" dirty="0"/>
+              <a:t>Mais robusto em imagens complexas</a:t>
+            </a:r>
+          </a:p>
+        </p:txBody>
+      </p:sp>
+      <p:sp>
+        <p:nvSpPr>
+          <p:cNvPr id="4" name="Espaço Reservado para Texto 2">
+            <a:extLst>
+              <a:ext uri="{FF2B5EF4-FFF2-40B4-BE49-F238E27FC236}">
+                <a16:creationId xmlns:a16="http://schemas.microsoft.com/office/drawing/2014/main" id="{D1B61D0A-61B3-6926-F1F5-6BBB33850481}"/>
+              </a:ext>
+            </a:extLst>
+          </p:cNvPr>
+          <p:cNvSpPr txBox="1">
+            <a:spLocks/>
+          </p:cNvSpPr>
+          <p:nvPr/>
+        </p:nvSpPr>
+        <p:spPr>
+          <a:xfrm>
+            <a:off x="6225766" y="1825625"/>
+            <a:ext cx="5128034" cy="4351338"/>
+          </a:xfrm>
+          <a:prstGeom prst="rect">
+            <a:avLst/>
+          </a:prstGeom>
+          <a:noFill/>
+          <a:ln>
+            <a:noFill/>
+          </a:ln>
+        </p:spPr>
+        <p:txBody>
+          <a:bodyPr spcFirstLastPara="1" wrap="square" lIns="91425" tIns="45700" rIns="91425" bIns="45700" anchor="t" anchorCtr="0">
+            <a:normAutofit/>
+          </a:bodyPr>
+          <a:lstStyle>
+            <a:defPPr marR="0" lvl="0" algn="l" rtl="0">
+              <a:lnSpc>
+                <a:spcPct val="100000"/>
+              </a:lnSpc>
+              <a:spcBef>
+                <a:spcPts val="0"/>
+              </a:spcBef>
+              <a:spcAft>
+                <a:spcPts val="0"/>
+              </a:spcAft>
+            </a:defPPr>
+            <a:lvl1pPr marL="457200" marR="0" lvl="0" indent="-342900" algn="l" rtl="0">
+              <a:lnSpc>
+                <a:spcPct val="90000"/>
+              </a:lnSpc>
+              <a:spcBef>
+                <a:spcPts val="1000"/>
+              </a:spcBef>
+              <a:spcAft>
+                <a:spcPts val="0"/>
+              </a:spcAft>
+              <a:buClr>
+                <a:schemeClr val="dk1"/>
+              </a:buClr>
+              <a:buSzPts val="1800"/>
+              <a:buFont typeface="Arial"/>
+              <a:buChar char="•"/>
+              <a:defRPr sz="2800" b="0" i="0" u="none" strike="noStrike" cap="none">
+                <a:solidFill>
+                  <a:schemeClr val="dk1"/>
+                </a:solidFill>
+                <a:latin typeface="Calibri"/>
+                <a:ea typeface="Calibri"/>
+                <a:cs typeface="Calibri"/>
+                <a:sym typeface="Calibri"/>
+              </a:defRPr>
+            </a:lvl1pPr>
+            <a:lvl2pPr marL="914400" marR="0" lvl="1" indent="-342900" algn="l" rtl="0">
+              <a:lnSpc>
+                <a:spcPct val="90000"/>
+              </a:lnSpc>
+              <a:spcBef>
+                <a:spcPts val="500"/>
+              </a:spcBef>
+              <a:spcAft>
+                <a:spcPts val="0"/>
+              </a:spcAft>
+              <a:buClr>
+                <a:schemeClr val="dk1"/>
+              </a:buClr>
+              <a:buSzPts val="1800"/>
+              <a:buFont typeface="Arial"/>
+              <a:buChar char="•"/>
+              <a:defRPr sz="2400" b="0" i="0" u="none" strike="noStrike" cap="none">
+                <a:solidFill>
+                  <a:schemeClr val="dk1"/>
+                </a:solidFill>
+                <a:latin typeface="Calibri"/>
+                <a:ea typeface="Calibri"/>
+                <a:cs typeface="Calibri"/>
+                <a:sym typeface="Calibri"/>
+              </a:defRPr>
+            </a:lvl2pPr>
+            <a:lvl3pPr marL="1371600" marR="0" lvl="2" indent="-342900" algn="l" rtl="0">
+              <a:lnSpc>
+                <a:spcPct val="90000"/>
+              </a:lnSpc>
+              <a:spcBef>
+                <a:spcPts val="500"/>
+              </a:spcBef>
+              <a:spcAft>
+                <a:spcPts val="0"/>
+              </a:spcAft>
+              <a:buClr>
+                <a:schemeClr val="dk1"/>
+              </a:buClr>
+              <a:buSzPts val="1800"/>
+              <a:buFont typeface="Arial"/>
+              <a:buChar char="•"/>
+              <a:defRPr sz="2000" b="0" i="0" u="none" strike="noStrike" cap="none">
+                <a:solidFill>
+                  <a:schemeClr val="dk1"/>
+                </a:solidFill>
+                <a:latin typeface="Calibri"/>
+                <a:ea typeface="Calibri"/>
+                <a:cs typeface="Calibri"/>
+                <a:sym typeface="Calibri"/>
+              </a:defRPr>
+            </a:lvl3pPr>
+            <a:lvl4pPr marL="1828800" marR="0" lvl="3" indent="-342900" algn="l" rtl="0">
+              <a:lnSpc>
+                <a:spcPct val="90000"/>
+              </a:lnSpc>
+              <a:spcBef>
+                <a:spcPts val="500"/>
+              </a:spcBef>
+              <a:spcAft>
+                <a:spcPts val="0"/>
+              </a:spcAft>
+              <a:buClr>
+                <a:schemeClr val="dk1"/>
+              </a:buClr>
+              <a:buSzPts val="1800"/>
+              <a:buFont typeface="Arial"/>
+              <a:buChar char="•"/>
+              <a:defRPr sz="1800" b="0" i="0" u="none" strike="noStrike" cap="none">
+                <a:solidFill>
+                  <a:schemeClr val="dk1"/>
+                </a:solidFill>
+                <a:latin typeface="Calibri"/>
+                <a:ea typeface="Calibri"/>
+                <a:cs typeface="Calibri"/>
+                <a:sym typeface="Calibri"/>
+              </a:defRPr>
+            </a:lvl4pPr>
+            <a:lvl5pPr marL="2286000" marR="0" lvl="4" indent="-342900" algn="l" rtl="0">
+              <a:lnSpc>
+                <a:spcPct val="90000"/>
+              </a:lnSpc>
+              <a:spcBef>
+                <a:spcPts val="500"/>
+              </a:spcBef>
+              <a:spcAft>
+                <a:spcPts val="0"/>
+              </a:spcAft>
+              <a:buClr>
+                <a:schemeClr val="dk1"/>
+              </a:buClr>
+              <a:buSzPts val="1800"/>
+              <a:buFont typeface="Arial"/>
+              <a:buChar char="•"/>
+              <a:defRPr sz="1800" b="0" i="0" u="none" strike="noStrike" cap="none">
+                <a:solidFill>
+                  <a:schemeClr val="dk1"/>
+                </a:solidFill>
+                <a:latin typeface="Calibri"/>
+                <a:ea typeface="Calibri"/>
+                <a:cs typeface="Calibri"/>
+                <a:sym typeface="Calibri"/>
+              </a:defRPr>
+            </a:lvl5pPr>
+            <a:lvl6pPr marL="2743200" marR="0" lvl="5" indent="-342900" algn="l" rtl="0">
+              <a:lnSpc>
+                <a:spcPct val="90000"/>
+              </a:lnSpc>
+              <a:spcBef>
+                <a:spcPts val="500"/>
+              </a:spcBef>
+              <a:spcAft>
+                <a:spcPts val="0"/>
+              </a:spcAft>
+              <a:buClr>
+                <a:schemeClr val="dk1"/>
+              </a:buClr>
+              <a:buSzPts val="1800"/>
+              <a:buFont typeface="Arial"/>
+              <a:buChar char="•"/>
+              <a:defRPr sz="1800" b="0" i="0" u="none" strike="noStrike" cap="none">
+                <a:solidFill>
+                  <a:schemeClr val="dk1"/>
+                </a:solidFill>
+                <a:latin typeface="Calibri"/>
+                <a:ea typeface="Calibri"/>
+                <a:cs typeface="Calibri"/>
+                <a:sym typeface="Calibri"/>
+              </a:defRPr>
+            </a:lvl6pPr>
+            <a:lvl7pPr marL="3200400" marR="0" lvl="6" indent="-342900" algn="l" rtl="0">
+              <a:lnSpc>
+                <a:spcPct val="90000"/>
+              </a:lnSpc>
+              <a:spcBef>
+                <a:spcPts val="500"/>
+              </a:spcBef>
+              <a:spcAft>
+                <a:spcPts val="0"/>
+              </a:spcAft>
+              <a:buClr>
+                <a:schemeClr val="dk1"/>
+              </a:buClr>
+              <a:buSzPts val="1800"/>
+              <a:buFont typeface="Arial"/>
+              <a:buChar char="•"/>
+              <a:defRPr sz="1800" b="0" i="0" u="none" strike="noStrike" cap="none">
+                <a:solidFill>
+                  <a:schemeClr val="dk1"/>
+                </a:solidFill>
+                <a:latin typeface="Calibri"/>
+                <a:ea typeface="Calibri"/>
+                <a:cs typeface="Calibri"/>
+                <a:sym typeface="Calibri"/>
+              </a:defRPr>
+            </a:lvl7pPr>
+            <a:lvl8pPr marL="3657600" marR="0" lvl="7" indent="-342900" algn="l" rtl="0">
+              <a:lnSpc>
+                <a:spcPct val="90000"/>
+              </a:lnSpc>
+              <a:spcBef>
+                <a:spcPts val="500"/>
+              </a:spcBef>
+              <a:spcAft>
+                <a:spcPts val="0"/>
+              </a:spcAft>
+              <a:buClr>
+                <a:schemeClr val="dk1"/>
+              </a:buClr>
+              <a:buSzPts val="1800"/>
+              <a:buFont typeface="Arial"/>
+              <a:buChar char="•"/>
+              <a:defRPr sz="1800" b="0" i="0" u="none" strike="noStrike" cap="none">
+                <a:solidFill>
+                  <a:schemeClr val="dk1"/>
+                </a:solidFill>
+                <a:latin typeface="Calibri"/>
+                <a:ea typeface="Calibri"/>
+                <a:cs typeface="Calibri"/>
+                <a:sym typeface="Calibri"/>
+              </a:defRPr>
+            </a:lvl8pPr>
+            <a:lvl9pPr marL="4114800" marR="0" lvl="8" indent="-342900" algn="l" rtl="0">
+              <a:lnSpc>
+                <a:spcPct val="90000"/>
+              </a:lnSpc>
+              <a:spcBef>
+                <a:spcPts val="500"/>
+              </a:spcBef>
+              <a:spcAft>
+                <a:spcPts val="0"/>
+              </a:spcAft>
+              <a:buClr>
+                <a:schemeClr val="dk1"/>
+              </a:buClr>
+              <a:buSzPts val="1800"/>
+              <a:buFont typeface="Arial"/>
+              <a:buChar char="•"/>
+              <a:defRPr sz="1800" b="0" i="0" u="none" strike="noStrike" cap="none">
+                <a:solidFill>
+                  <a:schemeClr val="dk1"/>
+                </a:solidFill>
+                <a:latin typeface="Calibri"/>
+                <a:ea typeface="Calibri"/>
+                <a:cs typeface="Calibri"/>
+                <a:sym typeface="Calibri"/>
+              </a:defRPr>
+            </a:lvl9pPr>
+          </a:lstStyle>
+          <a:p>
+            <a:pPr marL="114300" indent="0">
+              <a:buNone/>
+            </a:pPr>
+            <a:r>
+              <a:rPr lang="pt-BR" dirty="0"/>
+              <a:t>Desvantagens </a:t>
+            </a:r>
+          </a:p>
+          <a:p>
+            <a:endParaRPr lang="pt-BR" sz="1600" dirty="0"/>
+          </a:p>
+          <a:p>
+            <a:r>
+              <a:rPr lang="pt-BR" sz="1600" dirty="0"/>
+              <a:t>Maior custo computacional</a:t>
+            </a:r>
+          </a:p>
+          <a:p>
+            <a:endParaRPr lang="pt-BR" sz="1600" dirty="0"/>
+          </a:p>
+          <a:p>
+            <a:r>
+              <a:rPr lang="pt-BR" sz="1600" dirty="0"/>
+              <a:t>Sensível ao tamanho da janela</a:t>
+            </a:r>
+          </a:p>
+          <a:p>
+            <a:endParaRPr lang="pt-BR" sz="1600" dirty="0"/>
+          </a:p>
+          <a:p>
+            <a:r>
+              <a:rPr lang="pt-BR" sz="1600" dirty="0"/>
+              <a:t>Mais difícil de configurar</a:t>
+            </a:r>
+          </a:p>
+        </p:txBody>
+      </p:sp>
+    </p:spTree>
+    <p:extLst>
+      <p:ext uri="{BB962C8B-B14F-4D97-AF65-F5344CB8AC3E}">
+        <p14:creationId xmlns:p14="http://schemas.microsoft.com/office/powerpoint/2010/main" val="3150092642"/>
+      </p:ext>
+    </p:extLst>
+  </p:cSld>
+  <p:clrMapOvr>
+    <a:masterClrMapping/>
+  </p:clrMapOvr>
+</p:sld>
+</file>
+
+<file path=ppt/slides/slide6.xml><?xml version="1.0" encoding="utf-8"?>
+<p:sld xmlns:a="http://schemas.openxmlformats.org/drawingml/2006/main" xmlns:r="http://schemas.openxmlformats.org/officeDocument/2006/relationships" xmlns:p="http://schemas.openxmlformats.org/presentationml/2006/main">
+  <p:cSld>
+    <p:spTree>
+      <p:nvGrpSpPr>
+        <p:cNvPr id="1" name=""/>
+        <p:cNvGrpSpPr/>
+        <p:nvPr/>
+      </p:nvGrpSpPr>
+      <p:grpSpPr>
+        <a:xfrm>
+          <a:off x="0" y="0"/>
+          <a:ext cx="0" cy="0"/>
+          <a:chOff x="0" y="0"/>
+          <a:chExt cx="0" cy="0"/>
+        </a:xfrm>
+      </p:grpSpPr>
+      <p:sp>
+        <p:nvSpPr>
+          <p:cNvPr id="2" name="Título 1">
+            <a:extLst>
+              <a:ext uri="{FF2B5EF4-FFF2-40B4-BE49-F238E27FC236}">
+                <a16:creationId xmlns:a16="http://schemas.microsoft.com/office/drawing/2014/main" id="{40C84DD2-6C12-BB8B-F4C1-1E658054FBE9}"/>
+              </a:ext>
+            </a:extLst>
+          </p:cNvPr>
+          <p:cNvSpPr>
+            <a:spLocks noGrp="1"/>
+          </p:cNvSpPr>
+          <p:nvPr>
+            <p:ph type="title"/>
+          </p:nvPr>
+        </p:nvSpPr>
+        <p:spPr/>
+        <p:txBody>
+          <a:bodyPr/>
+          <a:lstStyle/>
+          <a:p>
+            <a:r>
+              <a:rPr lang="pt-BR" dirty="0"/>
+              <a:t>Técnicas de Segmentação utilizadas</a:t>
+            </a:r>
+          </a:p>
+        </p:txBody>
+      </p:sp>
+      <p:sp>
+        <p:nvSpPr>
+          <p:cNvPr id="3" name="Espaço Reservado para Texto 2">
+            <a:extLst>
+              <a:ext uri="{FF2B5EF4-FFF2-40B4-BE49-F238E27FC236}">
+                <a16:creationId xmlns:a16="http://schemas.microsoft.com/office/drawing/2014/main" id="{D55D7604-6BF4-9062-F5B6-D2A786AD3773}"/>
+              </a:ext>
+            </a:extLst>
+          </p:cNvPr>
+          <p:cNvSpPr>
+            <a:spLocks noGrp="1"/>
+          </p:cNvSpPr>
+          <p:nvPr>
+            <p:ph type="body" idx="1"/>
+          </p:nvPr>
+        </p:nvSpPr>
+        <p:spPr>
+          <a:xfrm>
+            <a:off x="838200" y="1620570"/>
+            <a:ext cx="4910750" cy="4556393"/>
+          </a:xfrm>
+        </p:spPr>
+        <p:txBody>
+          <a:bodyPr>
+            <a:normAutofit/>
+          </a:bodyPr>
+          <a:lstStyle/>
+          <a:p>
+            <a:pPr marL="114300" indent="0">
+              <a:buNone/>
+            </a:pPr>
+            <a:r>
+              <a:rPr lang="pt-BR" sz="3200" dirty="0"/>
+              <a:t>Sobel:</a:t>
+            </a:r>
+            <a:endParaRPr lang="pt-BR" dirty="0"/>
+          </a:p>
+          <a:p>
+            <a:r>
+              <a:rPr lang="pt-BR" sz="1600" dirty="0"/>
+              <a:t>Detecta variações bruscas de intensidade de pixels, que normalmente indicam bordas.</a:t>
+            </a:r>
+          </a:p>
+          <a:p>
+            <a:endParaRPr lang="pt-BR" sz="1600" dirty="0"/>
+          </a:p>
+          <a:p>
+            <a:r>
+              <a:rPr lang="pt-BR" sz="1600" dirty="0"/>
+              <a:t>Destacar as bordas de uma imagem ao identificar regiões onde há mudanças rápidas na intensidade </a:t>
+            </a:r>
+          </a:p>
+          <a:p>
+            <a:endParaRPr lang="pt-BR" sz="1600" dirty="0"/>
+          </a:p>
+          <a:p>
+            <a:r>
+              <a:rPr lang="pt-BR" sz="1600" dirty="0"/>
+              <a:t>Utiliza dois kernels, um para detectar mudanças na direção horizontal (eixo x) e outro na direção vertical (eixo y):</a:t>
+            </a:r>
+          </a:p>
+        </p:txBody>
+      </p:sp>
+    </p:spTree>
+    <p:extLst>
+      <p:ext uri="{BB962C8B-B14F-4D97-AF65-F5344CB8AC3E}">
+        <p14:creationId xmlns:p14="http://schemas.microsoft.com/office/powerpoint/2010/main" val="4253152760"/>
+      </p:ext>
+    </p:extLst>
+  </p:cSld>
+  <p:clrMapOvr>
+    <a:masterClrMapping/>
+  </p:clrMapOvr>
+</p:sld>
+</file>
+
+<file path=ppt/slides/slide7.xml><?xml version="1.0" encoding="utf-8"?>
+<p:sld xmlns:a="http://schemas.openxmlformats.org/drawingml/2006/main" xmlns:r="http://schemas.openxmlformats.org/officeDocument/2006/relationships" xmlns:p="http://schemas.openxmlformats.org/presentationml/2006/main">
+  <p:cSld>
+    <p:spTree>
+      <p:nvGrpSpPr>
+        <p:cNvPr id="1" name="">
+          <a:extLst>
+            <a:ext uri="{FF2B5EF4-FFF2-40B4-BE49-F238E27FC236}">
+              <a16:creationId xmlns:a16="http://schemas.microsoft.com/office/drawing/2014/main" id="{AA859432-8FE6-D58C-0FE3-54BCD0767F34}"/>
+            </a:ext>
+          </a:extLst>
+        </p:cNvPr>
+        <p:cNvGrpSpPr/>
+        <p:nvPr/>
+      </p:nvGrpSpPr>
+      <p:grpSpPr>
+        <a:xfrm>
+          <a:off x="0" y="0"/>
+          <a:ext cx="0" cy="0"/>
+          <a:chOff x="0" y="0"/>
+          <a:chExt cx="0" cy="0"/>
+        </a:xfrm>
+      </p:grpSpPr>
+      <p:sp>
+        <p:nvSpPr>
+          <p:cNvPr id="2" name="Título 1">
+            <a:extLst>
+              <a:ext uri="{FF2B5EF4-FFF2-40B4-BE49-F238E27FC236}">
+                <a16:creationId xmlns:a16="http://schemas.microsoft.com/office/drawing/2014/main" id="{F51316A2-AA4F-0D7D-7F4C-A20AD9674F6F}"/>
+              </a:ext>
+            </a:extLst>
+          </p:cNvPr>
+          <p:cNvSpPr>
+            <a:spLocks noGrp="1"/>
+          </p:cNvSpPr>
+          <p:nvPr>
+            <p:ph type="title"/>
+          </p:nvPr>
+        </p:nvSpPr>
+        <p:spPr/>
+        <p:txBody>
+          <a:bodyPr/>
+          <a:lstStyle/>
+          <a:p>
+            <a:r>
+              <a:rPr lang="pt-BR" dirty="0"/>
+              <a:t>Sobel</a:t>
+            </a:r>
+          </a:p>
+        </p:txBody>
+      </p:sp>
+      <p:sp>
+        <p:nvSpPr>
+          <p:cNvPr id="3" name="Espaço Reservado para Texto 2">
+            <a:extLst>
+              <a:ext uri="{FF2B5EF4-FFF2-40B4-BE49-F238E27FC236}">
+                <a16:creationId xmlns:a16="http://schemas.microsoft.com/office/drawing/2014/main" id="{519B69DF-6E20-939C-8D38-F7689BCF15DF}"/>
+              </a:ext>
+            </a:extLst>
+          </p:cNvPr>
+          <p:cNvSpPr>
+            <a:spLocks noGrp="1"/>
+          </p:cNvSpPr>
+          <p:nvPr>
+            <p:ph type="body" idx="1"/>
+          </p:nvPr>
+        </p:nvSpPr>
+        <p:spPr>
+          <a:xfrm>
+            <a:off x="838200" y="1825625"/>
+            <a:ext cx="5128034" cy="4351338"/>
+          </a:xfrm>
+        </p:spPr>
+        <p:txBody>
+          <a:bodyPr/>
+          <a:lstStyle/>
+          <a:p>
+            <a:pPr marL="114300" indent="0">
+              <a:buNone/>
+            </a:pPr>
+            <a:r>
+              <a:rPr lang="pt-BR" dirty="0"/>
+              <a:t>Vantagens</a:t>
+            </a:r>
+          </a:p>
+          <a:p>
+            <a:endParaRPr lang="pt-BR" sz="1600" dirty="0"/>
+          </a:p>
+          <a:p>
+            <a:r>
+              <a:rPr lang="pt-BR" sz="1600" dirty="0"/>
+              <a:t>Simples e eficiente</a:t>
+            </a:r>
+          </a:p>
+          <a:p>
+            <a:endParaRPr lang="pt-BR" sz="1600" dirty="0"/>
+          </a:p>
+          <a:p>
+            <a:r>
+              <a:rPr lang="pt-BR" sz="1600" dirty="0"/>
+              <a:t>Realça detalhes locais</a:t>
+            </a:r>
+          </a:p>
+          <a:p>
+            <a:endParaRPr lang="pt-BR" sz="1600" dirty="0"/>
+          </a:p>
+          <a:p>
+            <a:r>
+              <a:rPr lang="pt-BR" sz="1600" dirty="0"/>
+              <a:t>Destaca bem as bordas principais</a:t>
+            </a:r>
+          </a:p>
+        </p:txBody>
+      </p:sp>
+      <p:sp>
+        <p:nvSpPr>
+          <p:cNvPr id="4" name="Espaço Reservado para Texto 2">
+            <a:extLst>
+              <a:ext uri="{FF2B5EF4-FFF2-40B4-BE49-F238E27FC236}">
+                <a16:creationId xmlns:a16="http://schemas.microsoft.com/office/drawing/2014/main" id="{A22A3033-2A6B-5DD7-3ED7-B5A84AABD7FD}"/>
+              </a:ext>
+            </a:extLst>
+          </p:cNvPr>
+          <p:cNvSpPr txBox="1">
+            <a:spLocks/>
+          </p:cNvSpPr>
+          <p:nvPr/>
+        </p:nvSpPr>
+        <p:spPr>
+          <a:xfrm>
+            <a:off x="6225766" y="1825625"/>
+            <a:ext cx="5128034" cy="4351338"/>
+          </a:xfrm>
+          <a:prstGeom prst="rect">
+            <a:avLst/>
+          </a:prstGeom>
+          <a:noFill/>
+          <a:ln>
+            <a:noFill/>
+          </a:ln>
+        </p:spPr>
+        <p:txBody>
+          <a:bodyPr spcFirstLastPara="1" wrap="square" lIns="91425" tIns="45700" rIns="91425" bIns="45700" anchor="t" anchorCtr="0">
+            <a:normAutofit/>
+          </a:bodyPr>
+          <a:lstStyle>
+            <a:defPPr marR="0" lvl="0" algn="l" rtl="0">
+              <a:lnSpc>
+                <a:spcPct val="100000"/>
+              </a:lnSpc>
+              <a:spcBef>
+                <a:spcPts val="0"/>
+              </a:spcBef>
+              <a:spcAft>
+                <a:spcPts val="0"/>
+              </a:spcAft>
+            </a:defPPr>
+            <a:lvl1pPr marL="457200" marR="0" lvl="0" indent="-342900" algn="l" rtl="0">
+              <a:lnSpc>
+                <a:spcPct val="90000"/>
+              </a:lnSpc>
+              <a:spcBef>
+                <a:spcPts val="1000"/>
+              </a:spcBef>
+              <a:spcAft>
+                <a:spcPts val="0"/>
+              </a:spcAft>
+              <a:buClr>
+                <a:schemeClr val="dk1"/>
+              </a:buClr>
+              <a:buSzPts val="1800"/>
+              <a:buFont typeface="Arial"/>
+              <a:buChar char="•"/>
+              <a:defRPr sz="2800" b="0" i="0" u="none" strike="noStrike" cap="none">
+                <a:solidFill>
+                  <a:schemeClr val="dk1"/>
+                </a:solidFill>
+                <a:latin typeface="Calibri"/>
+                <a:ea typeface="Calibri"/>
+                <a:cs typeface="Calibri"/>
+                <a:sym typeface="Calibri"/>
+              </a:defRPr>
+            </a:lvl1pPr>
+            <a:lvl2pPr marL="914400" marR="0" lvl="1" indent="-342900" algn="l" rtl="0">
+              <a:lnSpc>
+                <a:spcPct val="90000"/>
+              </a:lnSpc>
+              <a:spcBef>
+                <a:spcPts val="500"/>
+              </a:spcBef>
+              <a:spcAft>
+                <a:spcPts val="0"/>
+              </a:spcAft>
+              <a:buClr>
+                <a:schemeClr val="dk1"/>
+              </a:buClr>
+              <a:buSzPts val="1800"/>
+              <a:buFont typeface="Arial"/>
+              <a:buChar char="•"/>
+              <a:defRPr sz="2400" b="0" i="0" u="none" strike="noStrike" cap="none">
+                <a:solidFill>
+                  <a:schemeClr val="dk1"/>
+                </a:solidFill>
+                <a:latin typeface="Calibri"/>
+                <a:ea typeface="Calibri"/>
+                <a:cs typeface="Calibri"/>
+                <a:sym typeface="Calibri"/>
+              </a:defRPr>
+            </a:lvl2pPr>
+            <a:lvl3pPr marL="1371600" marR="0" lvl="2" indent="-342900" algn="l" rtl="0">
+              <a:lnSpc>
+                <a:spcPct val="90000"/>
+              </a:lnSpc>
+              <a:spcBef>
+                <a:spcPts val="500"/>
+              </a:spcBef>
+              <a:spcAft>
+                <a:spcPts val="0"/>
+              </a:spcAft>
+              <a:buClr>
+                <a:schemeClr val="dk1"/>
+              </a:buClr>
+              <a:buSzPts val="1800"/>
+              <a:buFont typeface="Arial"/>
+              <a:buChar char="•"/>
+              <a:defRPr sz="2000" b="0" i="0" u="none" strike="noStrike" cap="none">
+                <a:solidFill>
+                  <a:schemeClr val="dk1"/>
+                </a:solidFill>
+                <a:latin typeface="Calibri"/>
+                <a:ea typeface="Calibri"/>
+                <a:cs typeface="Calibri"/>
+                <a:sym typeface="Calibri"/>
+              </a:defRPr>
+            </a:lvl3pPr>
+            <a:lvl4pPr marL="1828800" marR="0" lvl="3" indent="-342900" algn="l" rtl="0">
+              <a:lnSpc>
+                <a:spcPct val="90000"/>
+              </a:lnSpc>
+              <a:spcBef>
+                <a:spcPts val="500"/>
+              </a:spcBef>
+              <a:spcAft>
+                <a:spcPts val="0"/>
+              </a:spcAft>
+              <a:buClr>
+                <a:schemeClr val="dk1"/>
+              </a:buClr>
+              <a:buSzPts val="1800"/>
+              <a:buFont typeface="Arial"/>
+              <a:buChar char="•"/>
+              <a:defRPr sz="1800" b="0" i="0" u="none" strike="noStrike" cap="none">
+                <a:solidFill>
+                  <a:schemeClr val="dk1"/>
+                </a:solidFill>
+                <a:latin typeface="Calibri"/>
+                <a:ea typeface="Calibri"/>
+                <a:cs typeface="Calibri"/>
+                <a:sym typeface="Calibri"/>
+              </a:defRPr>
+            </a:lvl4pPr>
+            <a:lvl5pPr marL="2286000" marR="0" lvl="4" indent="-342900" algn="l" rtl="0">
+              <a:lnSpc>
+                <a:spcPct val="90000"/>
+              </a:lnSpc>
+              <a:spcBef>
+                <a:spcPts val="500"/>
+              </a:spcBef>
+              <a:spcAft>
+                <a:spcPts val="0"/>
+              </a:spcAft>
+              <a:buClr>
+                <a:schemeClr val="dk1"/>
+              </a:buClr>
+              <a:buSzPts val="1800"/>
+              <a:buFont typeface="Arial"/>
+              <a:buChar char="•"/>
+              <a:defRPr sz="1800" b="0" i="0" u="none" strike="noStrike" cap="none">
+                <a:solidFill>
+                  <a:schemeClr val="dk1"/>
+                </a:solidFill>
+                <a:latin typeface="Calibri"/>
+                <a:ea typeface="Calibri"/>
+                <a:cs typeface="Calibri"/>
+                <a:sym typeface="Calibri"/>
+              </a:defRPr>
+            </a:lvl5pPr>
+            <a:lvl6pPr marL="2743200" marR="0" lvl="5" indent="-342900" algn="l" rtl="0">
+              <a:lnSpc>
+                <a:spcPct val="90000"/>
+              </a:lnSpc>
+              <a:spcBef>
+                <a:spcPts val="500"/>
+              </a:spcBef>
+              <a:spcAft>
+                <a:spcPts val="0"/>
+              </a:spcAft>
+              <a:buClr>
+                <a:schemeClr val="dk1"/>
+              </a:buClr>
+              <a:buSzPts val="1800"/>
+              <a:buFont typeface="Arial"/>
+              <a:buChar char="•"/>
+              <a:defRPr sz="1800" b="0" i="0" u="none" strike="noStrike" cap="none">
+                <a:solidFill>
+                  <a:schemeClr val="dk1"/>
+                </a:solidFill>
+                <a:latin typeface="Calibri"/>
+                <a:ea typeface="Calibri"/>
+                <a:cs typeface="Calibri"/>
+                <a:sym typeface="Calibri"/>
+              </a:defRPr>
+            </a:lvl6pPr>
+            <a:lvl7pPr marL="3200400" marR="0" lvl="6" indent="-342900" algn="l" rtl="0">
+              <a:lnSpc>
+                <a:spcPct val="90000"/>
+              </a:lnSpc>
+              <a:spcBef>
+                <a:spcPts val="500"/>
+              </a:spcBef>
+              <a:spcAft>
+                <a:spcPts val="0"/>
+              </a:spcAft>
+              <a:buClr>
+                <a:schemeClr val="dk1"/>
+              </a:buClr>
+              <a:buSzPts val="1800"/>
+              <a:buFont typeface="Arial"/>
+              <a:buChar char="•"/>
+              <a:defRPr sz="1800" b="0" i="0" u="none" strike="noStrike" cap="none">
+                <a:solidFill>
+                  <a:schemeClr val="dk1"/>
+                </a:solidFill>
+                <a:latin typeface="Calibri"/>
+                <a:ea typeface="Calibri"/>
+                <a:cs typeface="Calibri"/>
+                <a:sym typeface="Calibri"/>
+              </a:defRPr>
+            </a:lvl7pPr>
+            <a:lvl8pPr marL="3657600" marR="0" lvl="7" indent="-342900" algn="l" rtl="0">
+              <a:lnSpc>
+                <a:spcPct val="90000"/>
+              </a:lnSpc>
+              <a:spcBef>
+                <a:spcPts val="500"/>
+              </a:spcBef>
+              <a:spcAft>
+                <a:spcPts val="0"/>
+              </a:spcAft>
+              <a:buClr>
+                <a:schemeClr val="dk1"/>
+              </a:buClr>
+              <a:buSzPts val="1800"/>
+              <a:buFont typeface="Arial"/>
+              <a:buChar char="•"/>
+              <a:defRPr sz="1800" b="0" i="0" u="none" strike="noStrike" cap="none">
+                <a:solidFill>
+                  <a:schemeClr val="dk1"/>
+                </a:solidFill>
+                <a:latin typeface="Calibri"/>
+                <a:ea typeface="Calibri"/>
+                <a:cs typeface="Calibri"/>
+                <a:sym typeface="Calibri"/>
+              </a:defRPr>
+            </a:lvl8pPr>
+            <a:lvl9pPr marL="4114800" marR="0" lvl="8" indent="-342900" algn="l" rtl="0">
+              <a:lnSpc>
+                <a:spcPct val="90000"/>
+              </a:lnSpc>
+              <a:spcBef>
+                <a:spcPts val="500"/>
+              </a:spcBef>
+              <a:spcAft>
+                <a:spcPts val="0"/>
+              </a:spcAft>
+              <a:buClr>
+                <a:schemeClr val="dk1"/>
+              </a:buClr>
+              <a:buSzPts val="1800"/>
+              <a:buFont typeface="Arial"/>
+              <a:buChar char="•"/>
+              <a:defRPr sz="1800" b="0" i="0" u="none" strike="noStrike" cap="none">
+                <a:solidFill>
+                  <a:schemeClr val="dk1"/>
+                </a:solidFill>
+                <a:latin typeface="Calibri"/>
+                <a:ea typeface="Calibri"/>
+                <a:cs typeface="Calibri"/>
+                <a:sym typeface="Calibri"/>
+              </a:defRPr>
+            </a:lvl9pPr>
+          </a:lstStyle>
+          <a:p>
+            <a:pPr marL="114300" indent="0">
+              <a:buNone/>
+            </a:pPr>
+            <a:r>
+              <a:rPr lang="pt-BR" dirty="0"/>
+              <a:t>Desvantagens </a:t>
+            </a:r>
+          </a:p>
+          <a:p>
+            <a:endParaRPr lang="pt-BR" sz="1600" dirty="0"/>
+          </a:p>
+          <a:p>
+            <a:r>
+              <a:rPr lang="pt-BR" sz="1600" dirty="0"/>
+              <a:t>Sensível a ruído </a:t>
+            </a:r>
+          </a:p>
+          <a:p>
+            <a:endParaRPr lang="pt-BR" sz="1600" dirty="0"/>
+          </a:p>
+          <a:p>
+            <a:r>
+              <a:rPr lang="pt-BR" sz="1600" dirty="0"/>
+              <a:t>Não detecta bem bordas em todas as direções igualmente, apenas horizontal e vertical.</a:t>
+            </a:r>
+          </a:p>
+          <a:p>
+            <a:pPr marL="114300" indent="0">
+              <a:buNone/>
+            </a:pPr>
+            <a:endParaRPr lang="pt-BR" sz="1600" dirty="0"/>
+          </a:p>
+        </p:txBody>
+      </p:sp>
+    </p:spTree>
+    <p:extLst>
+      <p:ext uri="{BB962C8B-B14F-4D97-AF65-F5344CB8AC3E}">
+        <p14:creationId xmlns:p14="http://schemas.microsoft.com/office/powerpoint/2010/main" val="374254640"/>
+      </p:ext>
+    </p:extLst>
+  </p:cSld>
+  <p:clrMapOvr>
+    <a:masterClrMapping/>
+  </p:clrMapOvr>
+</p:sld>
+</file>
+
+<file path=ppt/slides/slide8.xml><?xml version="1.0" encoding="utf-8"?>
+<p:sld xmlns:a="http://schemas.openxmlformats.org/drawingml/2006/main" xmlns:r="http://schemas.openxmlformats.org/officeDocument/2006/relationships" xmlns:p="http://schemas.openxmlformats.org/presentationml/2006/main">
+  <p:cSld>
+    <p:spTree>
+      <p:nvGrpSpPr>
+        <p:cNvPr id="1" name="Shape 118"/>
         <p:cNvGrpSpPr/>
         <p:nvPr/>
       </p:nvGrpSpPr>
@@ -12953,7 +13789,9 @@
       <p:sp>
         <p:nvSpPr>
           <p:cNvPr id="119" name="Google Shape;119;p17"/>
-          <p:cNvSpPr txBox="1"/>
+          <p:cNvSpPr txBox="1">
+            <a:spLocks noGrp="1"/>
+          </p:cNvSpPr>
           <p:nvPr>
             <p:ph type="title"/>
           </p:nvPr>
@@ -12968,12 +13806,12 @@
           </a:prstGeom>
         </p:spPr>
         <p:txBody>
-          <a:bodyPr anchorCtr="0" anchor="ctr" bIns="45700" lIns="91425" spcFirstLastPara="1" rIns="91425" wrap="square" tIns="45700">
+          <a:bodyPr spcFirstLastPara="1" wrap="square" lIns="91425" tIns="45700" rIns="91425" bIns="45700" anchor="ctr" anchorCtr="0">
             <a:normAutofit/>
           </a:bodyPr>
           <a:lstStyle/>
           <a:p>
-            <a:pPr indent="0" lvl="0" marL="0" rtl="0" algn="l">
+            <a:pPr marL="0" lvl="0" indent="0" algn="l" rtl="0">
               <a:spcBef>
                 <a:spcPts val="0"/>
               </a:spcBef>
@@ -12993,9 +13831,11 @@
       <p:sp>
         <p:nvSpPr>
           <p:cNvPr id="120" name="Google Shape;120;p17"/>
-          <p:cNvSpPr txBox="1"/>
+          <p:cNvSpPr txBox="1">
+            <a:spLocks noGrp="1"/>
+          </p:cNvSpPr>
           <p:nvPr>
-            <p:ph idx="1" type="body"/>
+            <p:ph type="body" idx="1"/>
           </p:nvPr>
         </p:nvSpPr>
         <p:spPr>
@@ -13008,12 +13848,12 @@
           </a:prstGeom>
         </p:spPr>
         <p:txBody>
-          <a:bodyPr anchorCtr="0" anchor="t" bIns="45700" lIns="91425" spcFirstLastPara="1" rIns="91425" wrap="square" tIns="45700">
+          <a:bodyPr spcFirstLastPara="1" wrap="square" lIns="91425" tIns="45700" rIns="91425" bIns="45700" anchor="t" anchorCtr="0">
             <a:noAutofit/>
           </a:bodyPr>
           <a:lstStyle/>
           <a:p>
-            <a:pPr indent="0" lvl="0" marL="0" rtl="0" algn="l">
+            <a:pPr marL="0" lvl="0" indent="0" algn="l" rtl="0">
               <a:lnSpc>
                 <a:spcPct val="115000"/>
               </a:lnSpc>
@@ -13042,7 +13882,7 @@
             </a:endParaRPr>
           </a:p>
           <a:p>
-            <a:pPr indent="0" lvl="0" marL="0" rtl="0" algn="l">
+            <a:pPr marL="0" lvl="0" indent="0" algn="l" rtl="0">
               <a:spcBef>
                 <a:spcPts val="1200"/>
               </a:spcBef>
@@ -13051,9 +13891,6 @@
               </a:spcAft>
               <a:buNone/>
             </a:pPr>
-            <a:r>
-              <a:t/>
-            </a:r>
             <a:endParaRPr sz="2200">
               <a:latin typeface="Arial"/>
               <a:ea typeface="Arial"/>
@@ -13065,7 +13902,7 @@
       </p:sp>
       <p:pic>
         <p:nvPicPr>
-          <p:cNvPr descr="016 Feature Matching methods comparison in OpenCV – Master Data Science" id="121" name="Google Shape;121;p17"/>
+          <p:cNvPr id="121" name="Google Shape;121;p17" descr="016 Feature Matching methods comparison in OpenCV – Master Data Science"/>
           <p:cNvPicPr preferRelativeResize="0"/>
           <p:nvPr/>
         </p:nvPicPr>
@@ -13073,7 +13910,7 @@
           <a:blip r:embed="rId3">
             <a:alphaModFix/>
           </a:blip>
-          <a:srcRect b="0" l="0" r="0" t="0"/>
+          <a:srcRect/>
           <a:stretch/>
         </p:blipFill>
         <p:spPr>
@@ -13126,12 +13963,12 @@
 </p:sld>
 </file>
 
-<file path=ppt/slides/slide6.xml><?xml version="1.0" encoding="utf-8"?>
-<p:sld xmlns:a="http://schemas.openxmlformats.org/drawingml/2006/main" xmlns:r="http://schemas.openxmlformats.org/officeDocument/2006/relationships" xmlns:mc="http://schemas.openxmlformats.org/markup-compatibility/2006" xmlns:mv="urn:schemas-microsoft-com:mac:vml" xmlns:p="http://schemas.openxmlformats.org/presentationml/2006/main" xmlns:c="http://schemas.openxmlformats.org/drawingml/2006/chart" xmlns:dgm="http://schemas.openxmlformats.org/drawingml/2006/diagram" xmlns:o="urn:schemas-microsoft-com:office:office" xmlns:v="urn:schemas-microsoft-com:vml" xmlns:pvml="urn:schemas-microsoft-com:office:powerpoint" xmlns:com="http://schemas.openxmlformats.org/drawingml/2006/compatibility" xmlns:p14="http://schemas.microsoft.com/office/powerpoint/2010/main" xmlns:p15="http://schemas.microsoft.com/office/powerpoint/2012/main" xmlns:ahyp="http://schemas.microsoft.com/office/drawing/2018/hyperlinkcolor">
+<file path=ppt/slides/slide9.xml><?xml version="1.0" encoding="utf-8"?>
+<p:sld xmlns:a="http://schemas.openxmlformats.org/drawingml/2006/main" xmlns:r="http://schemas.openxmlformats.org/officeDocument/2006/relationships" xmlns:p="http://schemas.openxmlformats.org/presentationml/2006/main">
   <p:cSld>
     <p:spTree>
       <p:nvGrpSpPr>
-        <p:cNvPr id="126" name="Shape 126"/>
+        <p:cNvPr id="1" name="Shape 126"/>
         <p:cNvGrpSpPr/>
         <p:nvPr/>
       </p:nvGrpSpPr>
@@ -13146,9 +13983,11 @@
       <p:sp>
         <p:nvSpPr>
           <p:cNvPr id="127" name="Google Shape;127;p18"/>
-          <p:cNvSpPr txBox="1"/>
+          <p:cNvSpPr txBox="1">
+            <a:spLocks noGrp="1"/>
+          </p:cNvSpPr>
           <p:nvPr>
-            <p:ph idx="1" type="body"/>
+            <p:ph type="body" idx="1"/>
           </p:nvPr>
         </p:nvSpPr>
         <p:spPr>
@@ -13159,23 +13998,23 @@
           <a:prstGeom prst="rect">
             <a:avLst/>
           </a:prstGeom>
-          <a:ln cap="flat" cmpd="sng" w="28575">
+          <a:ln w="28575" cap="flat" cmpd="sng">
             <a:solidFill>
               <a:srgbClr val="000000"/>
             </a:solidFill>
             <a:prstDash val="solid"/>
             <a:round/>
-            <a:headEnd len="sm" w="sm" type="none"/>
-            <a:tailEnd len="sm" w="sm" type="none"/>
+            <a:headEnd type="none" w="sm" len="sm"/>
+            <a:tailEnd type="none" w="sm" len="sm"/>
           </a:ln>
         </p:spPr>
         <p:txBody>
-          <a:bodyPr anchorCtr="0" anchor="t" bIns="45700" lIns="91425" spcFirstLastPara="1" rIns="91425" wrap="square" tIns="45700">
+          <a:bodyPr spcFirstLastPara="1" wrap="square" lIns="91425" tIns="45700" rIns="91425" bIns="45700" anchor="t" anchorCtr="0">
             <a:normAutofit/>
           </a:bodyPr>
           <a:lstStyle/>
           <a:p>
-            <a:pPr indent="0" lvl="0" marL="0" rtl="0" algn="l">
+            <a:pPr marL="0" lvl="0" indent="0" algn="l" rtl="0">
               <a:spcBef>
                 <a:spcPts val="1000"/>
               </a:spcBef>
@@ -13185,13 +14024,13 @@
               <a:buNone/>
             </a:pPr>
             <a:r>
-              <a:rPr b="1" lang="pt-BR" sz="2200"/>
+              <a:rPr lang="pt-BR" sz="2200" b="1"/>
               <a:t>O que é ORB?</a:t>
             </a:r>
-            <a:endParaRPr b="1" sz="2200"/>
-          </a:p>
-          <a:p>
-            <a:pPr indent="0" lvl="0" marL="0" rtl="0" algn="l">
+            <a:endParaRPr sz="2200" b="1"/>
+          </a:p>
+          <a:p>
+            <a:pPr marL="0" lvl="0" indent="0" algn="l" rtl="0">
               <a:spcBef>
                 <a:spcPts val="1000"/>
               </a:spcBef>
@@ -13200,13 +14039,10 @@
               </a:spcAft>
               <a:buNone/>
             </a:pPr>
-            <a:r>
-              <a:t/>
-            </a:r>
             <a:endParaRPr sz="2200"/>
           </a:p>
           <a:p>
-            <a:pPr indent="0" lvl="0" marL="0" rtl="0" algn="l">
+            <a:pPr marL="0" lvl="0" indent="0" algn="l" rtl="0">
               <a:spcBef>
                 <a:spcPts val="1000"/>
               </a:spcBef>
@@ -13226,9 +14062,11 @@
       <p:sp>
         <p:nvSpPr>
           <p:cNvPr id="128" name="Google Shape;128;p18"/>
-          <p:cNvSpPr txBox="1"/>
+          <p:cNvSpPr txBox="1">
+            <a:spLocks noGrp="1"/>
+          </p:cNvSpPr>
           <p:nvPr>
-            <p:ph idx="1" type="body"/>
+            <p:ph type="body" idx="1"/>
           </p:nvPr>
         </p:nvSpPr>
         <p:spPr>
@@ -13239,23 +14077,23 @@
           <a:prstGeom prst="rect">
             <a:avLst/>
           </a:prstGeom>
-          <a:ln cap="flat" cmpd="sng" w="28575">
+          <a:ln w="28575" cap="flat" cmpd="sng">
             <a:solidFill>
               <a:srgbClr val="000000"/>
             </a:solidFill>
             <a:prstDash val="solid"/>
             <a:round/>
-            <a:headEnd len="sm" w="sm" type="none"/>
-            <a:tailEnd len="sm" w="sm" type="none"/>
+            <a:headEnd type="none" w="sm" len="sm"/>
+            <a:tailEnd type="none" w="sm" len="sm"/>
           </a:ln>
         </p:spPr>
         <p:txBody>
-          <a:bodyPr anchorCtr="0" anchor="t" bIns="45700" lIns="91425" spcFirstLastPara="1" rIns="91425" wrap="square" tIns="45700">
+          <a:bodyPr spcFirstLastPara="1" wrap="square" lIns="91425" tIns="45700" rIns="91425" bIns="45700" anchor="t" anchorCtr="0">
             <a:noAutofit/>
           </a:bodyPr>
           <a:lstStyle/>
           <a:p>
-            <a:pPr indent="0" lvl="0" marL="0" rtl="0" algn="l">
+            <a:pPr marL="0" lvl="0" indent="0" algn="l" rtl="0">
               <a:lnSpc>
                 <a:spcPct val="115000"/>
               </a:lnSpc>
@@ -13273,7 +14111,7 @@
               <a:buNone/>
             </a:pPr>
             <a:r>
-              <a:rPr b="1" lang="pt-BR" sz="2200">
+              <a:rPr lang="pt-BR" sz="2200" b="1">
                 <a:latin typeface="Arial"/>
                 <a:ea typeface="Arial"/>
                 <a:cs typeface="Arial"/>
@@ -13281,7 +14119,7 @@
               </a:rPr>
               <a:t>Aplicações</a:t>
             </a:r>
-            <a:endParaRPr b="1" sz="2200">
+            <a:endParaRPr sz="2200" b="1">
               <a:latin typeface="Arial"/>
               <a:ea typeface="Arial"/>
               <a:cs typeface="Arial"/>
@@ -13289,7 +14127,7 @@
             </a:endParaRPr>
           </a:p>
           <a:p>
-            <a:pPr indent="0" lvl="0" marL="0" rtl="0" algn="l">
+            <a:pPr marL="0" lvl="0" indent="0" algn="l" rtl="0">
               <a:lnSpc>
                 <a:spcPct val="115000"/>
               </a:lnSpc>
@@ -13323,7 +14161,7 @@
             </a:endParaRPr>
           </a:p>
           <a:p>
-            <a:pPr indent="0" lvl="0" marL="0" rtl="0" algn="l">
+            <a:pPr marL="0" lvl="0" indent="0" algn="l" rtl="0">
               <a:spcBef>
                 <a:spcPts val="1200"/>
               </a:spcBef>
@@ -13332,9 +14170,6 @@
               </a:spcAft>
               <a:buNone/>
             </a:pPr>
-            <a:r>
-              <a:t/>
-            </a:r>
             <a:endParaRPr sz="2200"/>
           </a:p>
         </p:txBody>
@@ -13342,9 +14177,11 @@
       <p:sp>
         <p:nvSpPr>
           <p:cNvPr id="129" name="Google Shape;129;p18"/>
-          <p:cNvSpPr txBox="1"/>
+          <p:cNvSpPr txBox="1">
+            <a:spLocks noGrp="1"/>
+          </p:cNvSpPr>
           <p:nvPr>
-            <p:ph idx="1" type="body"/>
+            <p:ph type="body" idx="1"/>
           </p:nvPr>
         </p:nvSpPr>
         <p:spPr>
@@ -13355,23 +14192,23 @@
           <a:prstGeom prst="rect">
             <a:avLst/>
           </a:prstGeom>
-          <a:ln cap="flat" cmpd="sng" w="28575">
+          <a:ln w="28575" cap="flat" cmpd="sng">
             <a:solidFill>
               <a:srgbClr val="000000"/>
             </a:solidFill>
             <a:prstDash val="solid"/>
             <a:round/>
-            <a:headEnd len="sm" w="sm" type="none"/>
-            <a:tailEnd len="sm" w="sm" type="none"/>
+            <a:headEnd type="none" w="sm" len="sm"/>
+            <a:tailEnd type="none" w="sm" len="sm"/>
           </a:ln>
         </p:spPr>
         <p:txBody>
-          <a:bodyPr anchorCtr="0" anchor="t" bIns="45700" lIns="91425" spcFirstLastPara="1" rIns="91425" wrap="square" tIns="45700">
+          <a:bodyPr spcFirstLastPara="1" wrap="square" lIns="91425" tIns="45700" rIns="91425" bIns="45700" anchor="t" anchorCtr="0">
             <a:noAutofit/>
           </a:bodyPr>
           <a:lstStyle/>
           <a:p>
-            <a:pPr indent="0" lvl="0" marL="0" rtl="0" algn="l">
+            <a:pPr marL="0" lvl="0" indent="0" algn="l" rtl="0">
               <a:lnSpc>
                 <a:spcPct val="115000"/>
               </a:lnSpc>
@@ -13389,7 +14226,7 @@
               <a:buNone/>
             </a:pPr>
             <a:r>
-              <a:rPr b="1" lang="pt-BR" sz="2200">
+              <a:rPr lang="pt-BR" sz="2200" b="1">
                 <a:latin typeface="Arial"/>
                 <a:ea typeface="Arial"/>
                 <a:cs typeface="Arial"/>
@@ -13397,7 +14234,7 @@
               </a:rPr>
               <a:t>Como Funciona</a:t>
             </a:r>
-            <a:endParaRPr b="1" sz="2200">
+            <a:endParaRPr sz="2200" b="1">
               <a:latin typeface="Arial"/>
               <a:ea typeface="Arial"/>
               <a:cs typeface="Arial"/>
@@ -13405,7 +14242,7 @@
             </a:endParaRPr>
           </a:p>
           <a:p>
-            <a:pPr indent="0" lvl="0" marL="0" rtl="0" algn="l">
+            <a:pPr marL="0" lvl="0" indent="0" algn="l" rtl="0">
               <a:lnSpc>
                 <a:spcPct val="115000"/>
               </a:lnSpc>
@@ -13439,7 +14276,7 @@
             </a:endParaRPr>
           </a:p>
           <a:p>
-            <a:pPr indent="0" lvl="0" marL="0" rtl="0" algn="l">
+            <a:pPr marL="0" lvl="0" indent="0" algn="l" rtl="0">
               <a:spcBef>
                 <a:spcPts val="1200"/>
               </a:spcBef>
@@ -13448,9 +14285,6 @@
               </a:spcAft>
               <a:buNone/>
             </a:pPr>
-            <a:r>
-              <a:t/>
-            </a:r>
             <a:endParaRPr sz="2200"/>
           </a:p>
         </p:txBody>
@@ -13458,7 +14292,9 @@
       <p:sp>
         <p:nvSpPr>
           <p:cNvPr id="130" name="Google Shape;130;p18"/>
-          <p:cNvSpPr txBox="1"/>
+          <p:cNvSpPr txBox="1">
+            <a:spLocks noGrp="1"/>
+          </p:cNvSpPr>
           <p:nvPr>
             <p:ph type="title"/>
           </p:nvPr>
@@ -13473,12 +14309,12 @@
           </a:prstGeom>
         </p:spPr>
         <p:txBody>
-          <a:bodyPr anchorCtr="0" anchor="ctr" bIns="45700" lIns="91425" spcFirstLastPara="1" rIns="91425" wrap="square" tIns="45700">
-            <a:normAutofit fontScale="90000"/>
+          <a:bodyPr spcFirstLastPara="1" wrap="square" lIns="91425" tIns="45700" rIns="91425" bIns="45700" anchor="ctr" anchorCtr="0">
+            <a:normAutofit/>
           </a:bodyPr>
           <a:lstStyle/>
           <a:p>
-            <a:pPr indent="0" lvl="0" marL="0" rtl="0" algn="l">
+            <a:pPr marL="0" lvl="0" indent="0" algn="l" rtl="0">
               <a:spcBef>
                 <a:spcPts val="0"/>
               </a:spcBef>
@@ -13494,7 +14330,7 @@
             <a:endParaRPr/>
           </a:p>
           <a:p>
-            <a:pPr indent="0" lvl="0" marL="0" rtl="0" algn="l">
+            <a:pPr marL="0" lvl="0" indent="0" algn="l" rtl="0">
               <a:spcBef>
                 <a:spcPts val="0"/>
               </a:spcBef>
@@ -13503,9 +14339,6 @@
               </a:spcAft>
               <a:buNone/>
             </a:pPr>
-            <a:r>
-              <a:t/>
-            </a:r>
             <a:endParaRPr/>
           </a:p>
         </p:txBody>
@@ -13519,7 +14352,7 @@
 </file>
 
 <file path=ppt/theme/theme1.xml><?xml version="1.0" encoding="utf-8"?>
-<a:theme xmlns:a="http://schemas.openxmlformats.org/drawingml/2006/main" xmlns:r="http://schemas.openxmlformats.org/officeDocument/2006/relationships" name="Office Theme">
+<a:theme xmlns:a="http://schemas.openxmlformats.org/drawingml/2006/main" name="Office Theme">
   <a:themeElements>
     <a:clrScheme name="Office">
       <a:dk1>
@@ -13794,11 +14627,13 @@
       </a:bgFillStyleLst>
     </a:fmtScheme>
   </a:themeElements>
+  <a:objectDefaults/>
+  <a:extraClrSchemeLst/>
 </a:theme>
 </file>
 
 <file path=ppt/theme/theme2.xml><?xml version="1.0" encoding="utf-8"?>
-<a:theme xmlns:a="http://schemas.openxmlformats.org/drawingml/2006/main" xmlns:r="http://schemas.openxmlformats.org/officeDocument/2006/relationships">
+<a:theme xmlns:a="http://schemas.openxmlformats.org/drawingml/2006/main">
   <a:themeElements>
     <a:clrScheme name="Default">
       <a:dk1>
@@ -14073,5 +14908,7 @@
       </a:bgFillStyleLst>
     </a:fmtScheme>
   </a:themeElements>
+  <a:objectDefaults/>
+  <a:extraClrSchemeLst/>
 </a:theme>
 </file>